--- a/project.pptx
+++ b/project.pptx
@@ -5,24 +5,21 @@
     <p:sldMasterId id="2147483648" r:id="rId1"/>
   </p:sldMasterIdLst>
   <p:notesMasterIdLst>
-    <p:notesMasterId r:id="rId17"/>
+    <p:notesMasterId r:id="rId14"/>
   </p:notesMasterIdLst>
   <p:sldIdLst>
     <p:sldId id="256" r:id="rId2"/>
     <p:sldId id="257" r:id="rId3"/>
     <p:sldId id="258" r:id="rId4"/>
-    <p:sldId id="268" r:id="rId5"/>
-    <p:sldId id="259" r:id="rId6"/>
+    <p:sldId id="259" r:id="rId5"/>
+    <p:sldId id="260" r:id="rId6"/>
     <p:sldId id="262" r:id="rId7"/>
-    <p:sldId id="260" r:id="rId8"/>
-    <p:sldId id="270" r:id="rId9"/>
-    <p:sldId id="261" r:id="rId10"/>
-    <p:sldId id="263" r:id="rId11"/>
-    <p:sldId id="269" r:id="rId12"/>
-    <p:sldId id="264" r:id="rId13"/>
-    <p:sldId id="265" r:id="rId14"/>
-    <p:sldId id="267" r:id="rId15"/>
-    <p:sldId id="266" r:id="rId16"/>
+    <p:sldId id="261" r:id="rId8"/>
+    <p:sldId id="263" r:id="rId9"/>
+    <p:sldId id="264" r:id="rId10"/>
+    <p:sldId id="265" r:id="rId11"/>
+    <p:sldId id="267" r:id="rId12"/>
+    <p:sldId id="266" r:id="rId13"/>
   </p:sldIdLst>
   <p:sldSz cx="12192000" cy="6858000"/>
   <p:notesSz cx="6858000" cy="9144000"/>
@@ -211,7 +208,7 @@
           <a:p>
             <a:fld id="{201BCE4A-1006-40DC-8494-796B5A36C8A2}" type="datetimeFigureOut">
               <a:rPr lang="en-US" smtClean="0"/>
-              <a:t>2/18/2022</a:t>
+              <a:t>2/17/2022</a:t>
             </a:fld>
             <a:endParaRPr lang="en-US"/>
           </a:p>
@@ -715,7 +712,7 @@
           <a:p>
             <a:fld id="{A828C246-F424-41D4-9C0C-B913CBCC44D2}" type="slidenum">
               <a:rPr lang="en-US" smtClean="0"/>
-              <a:t>7</a:t>
+              <a:t>5</a:t>
             </a:fld>
             <a:endParaRPr lang="en-US"/>
           </a:p>
@@ -883,7 +880,7 @@
           <a:p>
             <a:fld id="{8FF718C6-065D-4082-B460-45AC6F0B82E0}" type="datetimeFigureOut">
               <a:rPr lang="en-IL" smtClean="0"/>
-              <a:t>18/02/2022</a:t>
+              <a:t>02/17/2022</a:t>
             </a:fld>
             <a:endParaRPr lang="en-IL"/>
           </a:p>
@@ -1083,7 +1080,7 @@
           <a:p>
             <a:fld id="{8FF718C6-065D-4082-B460-45AC6F0B82E0}" type="datetimeFigureOut">
               <a:rPr lang="en-IL" smtClean="0"/>
-              <a:t>18/02/2022</a:t>
+              <a:t>02/17/2022</a:t>
             </a:fld>
             <a:endParaRPr lang="en-IL"/>
           </a:p>
@@ -1293,7 +1290,7 @@
           <a:p>
             <a:fld id="{8FF718C6-065D-4082-B460-45AC6F0B82E0}" type="datetimeFigureOut">
               <a:rPr lang="en-IL" smtClean="0"/>
-              <a:t>18/02/2022</a:t>
+              <a:t>02/17/2022</a:t>
             </a:fld>
             <a:endParaRPr lang="en-IL"/>
           </a:p>
@@ -1493,7 +1490,7 @@
           <a:p>
             <a:fld id="{8FF718C6-065D-4082-B460-45AC6F0B82E0}" type="datetimeFigureOut">
               <a:rPr lang="en-IL" smtClean="0"/>
-              <a:t>18/02/2022</a:t>
+              <a:t>02/17/2022</a:t>
             </a:fld>
             <a:endParaRPr lang="en-IL"/>
           </a:p>
@@ -1769,7 +1766,7 @@
           <a:p>
             <a:fld id="{8FF718C6-065D-4082-B460-45AC6F0B82E0}" type="datetimeFigureOut">
               <a:rPr lang="en-IL" smtClean="0"/>
-              <a:t>18/02/2022</a:t>
+              <a:t>02/17/2022</a:t>
             </a:fld>
             <a:endParaRPr lang="en-IL"/>
           </a:p>
@@ -2037,7 +2034,7 @@
           <a:p>
             <a:fld id="{8FF718C6-065D-4082-B460-45AC6F0B82E0}" type="datetimeFigureOut">
               <a:rPr lang="en-IL" smtClean="0"/>
-              <a:t>18/02/2022</a:t>
+              <a:t>02/17/2022</a:t>
             </a:fld>
             <a:endParaRPr lang="en-IL"/>
           </a:p>
@@ -2452,7 +2449,7 @@
           <a:p>
             <a:fld id="{8FF718C6-065D-4082-B460-45AC6F0B82E0}" type="datetimeFigureOut">
               <a:rPr lang="en-IL" smtClean="0"/>
-              <a:t>18/02/2022</a:t>
+              <a:t>02/17/2022</a:t>
             </a:fld>
             <a:endParaRPr lang="en-IL"/>
           </a:p>
@@ -2594,7 +2591,7 @@
           <a:p>
             <a:fld id="{8FF718C6-065D-4082-B460-45AC6F0B82E0}" type="datetimeFigureOut">
               <a:rPr lang="en-IL" smtClean="0"/>
-              <a:t>18/02/2022</a:t>
+              <a:t>02/17/2022</a:t>
             </a:fld>
             <a:endParaRPr lang="en-IL"/>
           </a:p>
@@ -2707,7 +2704,7 @@
           <a:p>
             <a:fld id="{8FF718C6-065D-4082-B460-45AC6F0B82E0}" type="datetimeFigureOut">
               <a:rPr lang="en-IL" smtClean="0"/>
-              <a:t>18/02/2022</a:t>
+              <a:t>02/17/2022</a:t>
             </a:fld>
             <a:endParaRPr lang="en-IL"/>
           </a:p>
@@ -3020,7 +3017,7 @@
           <a:p>
             <a:fld id="{8FF718C6-065D-4082-B460-45AC6F0B82E0}" type="datetimeFigureOut">
               <a:rPr lang="en-IL" smtClean="0"/>
-              <a:t>18/02/2022</a:t>
+              <a:t>02/17/2022</a:t>
             </a:fld>
             <a:endParaRPr lang="en-IL"/>
           </a:p>
@@ -3309,7 +3306,7 @@
           <a:p>
             <a:fld id="{8FF718C6-065D-4082-B460-45AC6F0B82E0}" type="datetimeFigureOut">
               <a:rPr lang="en-IL" smtClean="0"/>
-              <a:t>18/02/2022</a:t>
+              <a:t>02/17/2022</a:t>
             </a:fld>
             <a:endParaRPr lang="en-IL"/>
           </a:p>
@@ -3552,7 +3549,7 @@
           <a:p>
             <a:fld id="{8FF718C6-065D-4082-B460-45AC6F0B82E0}" type="datetimeFigureOut">
               <a:rPr lang="en-IL" smtClean="0"/>
-              <a:t>18/02/2022</a:t>
+              <a:t>02/17/2022</a:t>
             </a:fld>
             <a:endParaRPr lang="en-IL"/>
           </a:p>
@@ -4387,8 +4384,8 @@
         </p:nvSpPr>
         <p:spPr>
           <a:xfrm>
-            <a:off x="959503" y="993101"/>
-            <a:ext cx="10584797" cy="5842337"/>
+            <a:off x="537882" y="0"/>
+            <a:ext cx="10932459" cy="6484657"/>
           </a:xfrm>
         </p:spPr>
         <p:txBody>
@@ -4410,109 +4407,15 @@
               <a:buNone/>
             </a:pPr>
             <a:r>
-              <a:rPr lang="he-IL" sz="2000" u="sng" dirty="0">
-                <a:latin typeface="David" panose="020E0502060401010101" pitchFamily="34" charset="-79"/>
-              </a:rPr>
-              <a:t>מדוע זה נחוץ?</a:t>
-            </a:r>
-            <a:br>
-              <a:rPr lang="en-US" u="sng" dirty="0">
-                <a:latin typeface="David" panose="020E0502060401010101" pitchFamily="34" charset="-79"/>
-              </a:rPr>
-            </a:br>
-            <a:r>
-              <a:rPr lang="he-IL" sz="2000" b="0" i="0" u="none" strike="noStrike" dirty="0">
-                <a:solidFill>
-                  <a:srgbClr val="202124"/>
-                </a:solidFill>
-                <a:effectLst/>
-                <a:latin typeface="David" panose="020E0502060401010101" pitchFamily="34" charset="-79"/>
-              </a:rPr>
-              <a:t>מודל </a:t>
-            </a:r>
-            <a:r>
-              <a:rPr lang="en-US" sz="2000" b="0" i="0" u="none" strike="noStrike" dirty="0">
-                <a:solidFill>
-                  <a:srgbClr val="202124"/>
-                </a:solidFill>
-                <a:effectLst/>
-                <a:latin typeface="David" panose="020E0502060401010101" pitchFamily="34" charset="-79"/>
-              </a:rPr>
-              <a:t>GPT2</a:t>
-            </a:r>
-            <a:r>
-              <a:rPr lang="he-IL" sz="2000" b="0" i="0" u="none" strike="noStrike" dirty="0">
-                <a:solidFill>
-                  <a:srgbClr val="202124"/>
-                </a:solidFill>
-                <a:effectLst/>
-                <a:latin typeface="David" panose="020E0502060401010101" pitchFamily="34" charset="-79"/>
-              </a:rPr>
-              <a:t> הוא, כמו שהשם שלו אומר, </a:t>
-            </a:r>
-            <a:r>
-              <a:rPr lang="en-US" sz="2000" b="0" i="0" u="none" strike="noStrike" dirty="0">
-                <a:solidFill>
-                  <a:srgbClr val="202124"/>
-                </a:solidFill>
-                <a:effectLst/>
-                <a:latin typeface="David" panose="020E0502060401010101" pitchFamily="34" charset="-79"/>
-              </a:rPr>
-              <a:t>Transformer</a:t>
-            </a:r>
-            <a:r>
-              <a:rPr lang="he-IL" sz="2000" b="0" i="0" u="none" strike="noStrike" dirty="0">
-                <a:solidFill>
-                  <a:srgbClr val="202124"/>
-                </a:solidFill>
-                <a:effectLst/>
-                <a:latin typeface="David" panose="020E0502060401010101" pitchFamily="34" charset="-79"/>
-              </a:rPr>
-              <a:t>. לכן הוא משתמש במנגנון הקשב, כלומר הוא לומד להתמקד במילים קודמות שהכי רלוונטיות להקשר כדי לחזות את המילה הבאה. היכולות של המודל הן טובות, אך שמנו לב כשיצרנו </a:t>
-            </a:r>
-            <a:r>
-              <a:rPr lang="en-US" sz="2000" b="0" i="0" u="none" strike="noStrike" dirty="0">
-                <a:solidFill>
-                  <a:srgbClr val="202124"/>
-                </a:solidFill>
-                <a:effectLst/>
-                <a:latin typeface="David" panose="020E0502060401010101" pitchFamily="34" charset="-79"/>
-              </a:rPr>
-              <a:t>Data</a:t>
-            </a:r>
-            <a:r>
-              <a:rPr lang="he-IL" sz="2000" b="0" i="0" u="none" strike="noStrike" dirty="0">
-                <a:solidFill>
-                  <a:srgbClr val="202124"/>
-                </a:solidFill>
-                <a:effectLst/>
-                <a:latin typeface="David" panose="020E0502060401010101" pitchFamily="34" charset="-79"/>
-              </a:rPr>
-              <a:t> חדש, שחלק מהטקסטים שיוצרו נשמעים יותר כמו סיפור מאשר הודעת </a:t>
-            </a:r>
-            <a:r>
-              <a:rPr lang="en-US" sz="2000" b="0" i="0" u="none" strike="noStrike" dirty="0">
-                <a:solidFill>
-                  <a:srgbClr val="202124"/>
-                </a:solidFill>
-                <a:effectLst/>
-                <a:latin typeface="David" panose="020E0502060401010101" pitchFamily="34" charset="-79"/>
-              </a:rPr>
-              <a:t>SMS</a:t>
-            </a:r>
-            <a:r>
-              <a:rPr lang="he-IL" sz="2000" b="0" i="0" u="none" strike="noStrike" dirty="0">
-                <a:solidFill>
-                  <a:srgbClr val="202124"/>
-                </a:solidFill>
-                <a:effectLst/>
-                <a:latin typeface="David" panose="020E0502060401010101" pitchFamily="34" charset="-79"/>
-              </a:rPr>
-              <a:t>. </a:t>
-            </a:r>
-          </a:p>
-          <a:p>
-            <a:pPr marL="0" indent="0" algn="ctr" rtl="1">
+              <a:rPr lang="he-IL" u="sng">
+                <a:latin typeface="David" panose="020E0502060401010101" pitchFamily="34" charset="-79"/>
+                <a:cs typeface="David" panose="020E0502060401010101" pitchFamily="34" charset="-79"/>
+              </a:rPr>
+              <a:t>כיצד הגישה שלנו שונה מזו של קודמינו?</a:t>
+            </a:r>
+          </a:p>
+          <a:p>
+            <a:pPr algn="ctr">
               <a:lnSpc>
                 <a:spcPct val="160000"/>
               </a:lnSpc>
@@ -4522,79 +4425,34 @@
               <a:spcAft>
                 <a:spcPts val="1200"/>
               </a:spcAft>
-              <a:buNone/>
             </a:pPr>
             <a:r>
-              <a:rPr lang="he-IL" sz="2000" dirty="0">
-                <a:solidFill>
-                  <a:srgbClr val="202124"/>
-                </a:solidFill>
-                <a:latin typeface="David" panose="020E0502060401010101" pitchFamily="34" charset="-79"/>
-              </a:rPr>
-              <a:t>לכן, חיפשנו דרך לבצע "כיוונון" למודל ככה שהוא יתאים את הפלט שלו בהתאם לצרכים שלנו.</a:t>
-            </a:r>
-            <a:br>
-              <a:rPr lang="en-US" sz="2000" dirty="0">
-                <a:solidFill>
-                  <a:srgbClr val="202124"/>
-                </a:solidFill>
-                <a:latin typeface="David" panose="020E0502060401010101" pitchFamily="34" charset="-79"/>
-              </a:rPr>
-            </a:br>
-            <a:r>
-              <a:rPr lang="he-IL" sz="2000" dirty="0">
-                <a:solidFill>
-                  <a:srgbClr val="202124"/>
-                </a:solidFill>
-                <a:latin typeface="David" panose="020E0502060401010101" pitchFamily="34" charset="-79"/>
-              </a:rPr>
-              <a:t>אחרי קצת חיפושים מצאנו פרויקט </a:t>
-            </a:r>
-            <a:r>
-              <a:rPr lang="he-IL" sz="2000" dirty="0" err="1">
-                <a:solidFill>
-                  <a:srgbClr val="202124"/>
-                </a:solidFill>
-                <a:latin typeface="David" panose="020E0502060401010101" pitchFamily="34" charset="-79"/>
-              </a:rPr>
-              <a:t>גיטהאב</a:t>
-            </a:r>
-            <a:r>
-              <a:rPr lang="he-IL" sz="2000" dirty="0">
-                <a:solidFill>
-                  <a:srgbClr val="202124"/>
-                </a:solidFill>
-                <a:latin typeface="David" panose="020E0502060401010101" pitchFamily="34" charset="-79"/>
-              </a:rPr>
-              <a:t> שמציע בדיוק את מה שחיפשנו.</a:t>
-            </a:r>
-            <a:br>
-              <a:rPr lang="en-US" sz="2000" dirty="0">
-                <a:solidFill>
-                  <a:srgbClr val="202124"/>
-                </a:solidFill>
-                <a:latin typeface="David" panose="020E0502060401010101" pitchFamily="34" charset="-79"/>
-              </a:rPr>
-            </a:br>
-            <a:r>
-              <a:rPr lang="en-US" sz="2000" dirty="0">
-                <a:solidFill>
-                  <a:srgbClr val="202124"/>
-                </a:solidFill>
-                <a:latin typeface="David" panose="020E0502060401010101" pitchFamily="34" charset="-79"/>
-                <a:hlinkClick r:id="rId2"/>
-              </a:rPr>
-              <a:t>https://github.com/prakhar21/TextAugmentation-GPT2</a:t>
-            </a:r>
-            <a:endParaRPr lang="he-IL" sz="2000" dirty="0">
-              <a:solidFill>
-                <a:srgbClr val="202124"/>
-              </a:solidFill>
-              <a:latin typeface="David" panose="020E0502060401010101" pitchFamily="34" charset="-79"/>
-            </a:endParaRPr>
-          </a:p>
-          <a:p>
-            <a:pPr marL="0" indent="0" algn="ctr" rtl="1">
+              <a:rPr lang="he-IL" sz="2000">
+                <a:latin typeface="David" panose="020E0502060401010101" pitchFamily="34" charset="-79"/>
+                <a:cs typeface="David" panose="020E0502060401010101" pitchFamily="34" charset="-79"/>
+              </a:rPr>
+              <a:t>כאן </a:t>
+            </a:r>
+            <a:r>
+              <a:rPr lang="he-IL" sz="2000">
+                <a:solidFill>
+                  <a:srgbClr val="FF0000"/>
+                </a:solidFill>
+                <a:latin typeface="David" panose="020E0502060401010101" pitchFamily="34" charset="-79"/>
+                <a:cs typeface="David" panose="020E0502060401010101" pitchFamily="34" charset="-79"/>
+              </a:rPr>
+              <a:t>נכנס החלק של ליאור, ההשוואה </a:t>
+            </a:r>
+            <a:r>
+              <a:rPr lang="he-IL" sz="2000">
+                <a:latin typeface="David" panose="020E0502060401010101" pitchFamily="34" charset="-79"/>
+                <a:cs typeface="David" panose="020E0502060401010101" pitchFamily="34" charset="-79"/>
+              </a:rPr>
+              <a:t>של המודלים השונים בתור אלגוריתם בסיס.</a:t>
+            </a:r>
+          </a:p>
+          <a:p>
+            <a:pPr algn="ctr">
               <a:lnSpc>
                 <a:spcPct val="160000"/>
               </a:lnSpc>
@@ -4604,167 +4462,145 @@
               <a:spcAft>
                 <a:spcPts val="1200"/>
               </a:spcAft>
-              <a:buNone/>
             </a:pPr>
             <a:r>
-              <a:rPr lang="he-IL" sz="2000" dirty="0">
-                <a:solidFill>
-                  <a:srgbClr val="202124"/>
-                </a:solidFill>
-                <a:latin typeface="David" panose="020E0502060401010101" pitchFamily="34" charset="-79"/>
-              </a:rPr>
-              <a:t>לאחר האימון שמרנו את המודל </a:t>
-            </a:r>
-            <a:r>
-              <a:rPr lang="en-US" sz="2000" dirty="0">
-                <a:solidFill>
-                  <a:srgbClr val="202124"/>
-                </a:solidFill>
-                <a:latin typeface="David" panose="020E0502060401010101" pitchFamily="34" charset="-79"/>
+              <a:rPr lang="he-IL" sz="2000">
+                <a:latin typeface="David" panose="020E0502060401010101" pitchFamily="34" charset="-79"/>
+                <a:cs typeface="David" panose="020E0502060401010101" pitchFamily="34" charset="-79"/>
+              </a:rPr>
+              <a:t>השימוש החוזר ב-</a:t>
+            </a:r>
+            <a:r>
+              <a:rPr lang="en-US" sz="2000">
+                <a:latin typeface="David" panose="020E0502060401010101" pitchFamily="34" charset="-79"/>
+                <a:cs typeface="David" panose="020E0502060401010101" pitchFamily="34" charset="-79"/>
               </a:rPr>
               <a:t>GPT2</a:t>
             </a:r>
             <a:r>
-              <a:rPr lang="he-IL" sz="2000" dirty="0">
-                <a:solidFill>
-                  <a:srgbClr val="202124"/>
-                </a:solidFill>
-                <a:latin typeface="David" panose="020E0502060401010101" pitchFamily="34" charset="-79"/>
-              </a:rPr>
-              <a:t> החדש וטענו אותו לקוד שלנו</a:t>
-            </a:r>
-            <a:br>
-              <a:rPr lang="en-US" sz="2000" dirty="0">
-                <a:solidFill>
-                  <a:srgbClr val="202124"/>
-                </a:solidFill>
-                <a:latin typeface="David" panose="020E0502060401010101" pitchFamily="34" charset="-79"/>
-              </a:rPr>
-            </a:br>
-            <a:r>
-              <a:rPr lang="he-IL" sz="2000" dirty="0">
-                <a:solidFill>
-                  <a:srgbClr val="202124"/>
-                </a:solidFill>
-                <a:latin typeface="David" panose="020E0502060401010101" pitchFamily="34" charset="-79"/>
-              </a:rPr>
-              <a:t>כדי לייצר מידע חדש </a:t>
-            </a:r>
-            <a:r>
-              <a:rPr lang="he-IL" sz="2000" dirty="0" err="1">
-                <a:solidFill>
-                  <a:srgbClr val="202124"/>
-                </a:solidFill>
-                <a:latin typeface="David" panose="020E0502060401010101" pitchFamily="34" charset="-79"/>
-              </a:rPr>
-              <a:t>וברפרפוף</a:t>
-            </a:r>
-            <a:r>
-              <a:rPr lang="he-IL" sz="2000" dirty="0">
-                <a:solidFill>
-                  <a:srgbClr val="202124"/>
-                </a:solidFill>
-                <a:latin typeface="David" panose="020E0502060401010101" pitchFamily="34" charset="-79"/>
-              </a:rPr>
-              <a:t> על התוצאות אכן קיבלנו נוסחים</a:t>
-            </a:r>
-            <a:br>
-              <a:rPr lang="en-US" sz="2000" dirty="0">
-                <a:solidFill>
-                  <a:srgbClr val="202124"/>
-                </a:solidFill>
-                <a:latin typeface="David" panose="020E0502060401010101" pitchFamily="34" charset="-79"/>
-              </a:rPr>
-            </a:br>
-            <a:r>
-              <a:rPr lang="he-IL" sz="2000" dirty="0">
-                <a:solidFill>
-                  <a:srgbClr val="202124"/>
-                </a:solidFill>
-                <a:latin typeface="David" panose="020E0502060401010101" pitchFamily="34" charset="-79"/>
-              </a:rPr>
-              <a:t>שיותר תואמים להודעות </a:t>
-            </a:r>
-            <a:r>
-              <a:rPr lang="en-US" sz="2000" dirty="0">
-                <a:solidFill>
-                  <a:srgbClr val="202124"/>
-                </a:solidFill>
-                <a:latin typeface="David" panose="020E0502060401010101" pitchFamily="34" charset="-79"/>
-              </a:rPr>
-              <a:t>SMS</a:t>
-            </a:r>
-            <a:r>
-              <a:rPr lang="he-IL" sz="2000" dirty="0">
-                <a:solidFill>
-                  <a:srgbClr val="202124"/>
-                </a:solidFill>
-                <a:latin typeface="David" panose="020E0502060401010101" pitchFamily="34" charset="-79"/>
-              </a:rPr>
-              <a:t>. כעת ניתן להתחיל לעבוד.</a:t>
-            </a:r>
-            <a:endParaRPr lang="he-IL" sz="3200" u="sng" dirty="0">
-              <a:latin typeface="David" panose="020E0502060401010101" pitchFamily="34" charset="-79"/>
-            </a:endParaRPr>
-          </a:p>
-        </p:txBody>
-      </p:sp>
-      <p:sp>
-        <p:nvSpPr>
-          <p:cNvPr id="2" name="מלבן 1">
-            <a:extLst>
-              <a:ext uri="{FF2B5EF4-FFF2-40B4-BE49-F238E27FC236}">
-                <a16:creationId xmlns:a16="http://schemas.microsoft.com/office/drawing/2014/main" id="{F1AD4F7B-4BEF-404F-9D55-CD0E35CC4238}"/>
-              </a:ext>
-            </a:extLst>
-          </p:cNvPr>
-          <p:cNvSpPr/>
-          <p:nvPr/>
-        </p:nvSpPr>
-        <p:spPr>
-          <a:xfrm>
-            <a:off x="3015785" y="0"/>
-            <a:ext cx="6465231" cy="1015663"/>
-          </a:xfrm>
-          <a:prstGeom prst="rect">
-            <a:avLst/>
-          </a:prstGeom>
-          <a:noFill/>
-        </p:spPr>
-        <p:txBody>
-          <a:bodyPr wrap="none" lIns="91440" tIns="45720" rIns="91440" bIns="45720">
-            <a:spAutoFit/>
-          </a:bodyPr>
-          <a:lstStyle/>
-          <a:p>
-            <a:pPr algn="ctr"/>
-            <a:r>
-              <a:rPr lang="en-US" sz="6000" b="1" dirty="0">
-                <a:latin typeface="David" panose="020E0502060401010101" pitchFamily="34" charset="-79"/>
-                <a:cs typeface="David" panose="020E0502060401010101" pitchFamily="34" charset="-79"/>
-              </a:rPr>
-              <a:t>Fine-Tuning GPT2</a:t>
-            </a:r>
-            <a:endParaRPr lang="he-IL" sz="4400" b="1" cap="none" spc="0" dirty="0">
-              <a:ln w="0"/>
-              <a:solidFill>
-                <a:schemeClr val="tx1"/>
-              </a:solidFill>
-              <a:effectLst>
-                <a:outerShdw blurRad="38100" dist="19050" dir="2700000" algn="tl" rotWithShape="0">
-                  <a:schemeClr val="dk1">
-                    <a:alpha val="40000"/>
-                  </a:schemeClr>
-                </a:outerShdw>
-              </a:effectLst>
-            </a:endParaRPr>
+              <a:rPr lang="he-IL" sz="2000">
+                <a:latin typeface="David" panose="020E0502060401010101" pitchFamily="34" charset="-79"/>
+                <a:cs typeface="David" panose="020E0502060401010101" pitchFamily="34" charset="-79"/>
+              </a:rPr>
+              <a:t> וביצוע ה-</a:t>
+            </a:r>
+            <a:r>
+              <a:rPr lang="en-US" sz="2000">
+                <a:latin typeface="David" panose="020E0502060401010101" pitchFamily="34" charset="-79"/>
+                <a:cs typeface="David" panose="020E0502060401010101" pitchFamily="34" charset="-79"/>
+              </a:rPr>
+              <a:t>Fine-tuning</a:t>
+            </a:r>
+            <a:r>
+              <a:rPr lang="he-IL" sz="2000">
+                <a:latin typeface="David" panose="020E0502060401010101" pitchFamily="34" charset="-79"/>
+                <a:cs typeface="David" panose="020E0502060401010101" pitchFamily="34" charset="-79"/>
+              </a:rPr>
+              <a:t> ליצירת דוגמאות מתוייגות</a:t>
+            </a:r>
+          </a:p>
+          <a:p>
+            <a:pPr algn="ctr">
+              <a:lnSpc>
+                <a:spcPct val="160000"/>
+              </a:lnSpc>
+              <a:spcBef>
+                <a:spcPts val="0"/>
+              </a:spcBef>
+              <a:spcAft>
+                <a:spcPts val="1200"/>
+              </a:spcAft>
+            </a:pPr>
+            <a:r>
+              <a:rPr lang="he-IL" sz="2000">
+                <a:latin typeface="David" panose="020E0502060401010101" pitchFamily="34" charset="-79"/>
+                <a:cs typeface="David" panose="020E0502060401010101" pitchFamily="34" charset="-79"/>
+              </a:rPr>
+              <a:t>אין שימוש ב-</a:t>
+            </a:r>
+            <a:r>
+              <a:rPr lang="en-US" sz="2000">
+                <a:latin typeface="David" panose="020E0502060401010101" pitchFamily="34" charset="-79"/>
+                <a:cs typeface="David" panose="020E0502060401010101" pitchFamily="34" charset="-79"/>
+              </a:rPr>
+              <a:t>Discrimminator</a:t>
+            </a:r>
+            <a:r>
+              <a:rPr lang="he-IL" sz="2000">
+                <a:latin typeface="David" panose="020E0502060401010101" pitchFamily="34" charset="-79"/>
+                <a:cs typeface="David" panose="020E0502060401010101" pitchFamily="34" charset="-79"/>
+              </a:rPr>
+              <a:t> (תפקידו הוא להכריע האם הטקסט נוצר על ידי מכונה) – כאן מבחינתו כל טקסט שהוא חשוד, יתפס בתור </a:t>
+            </a:r>
+            <a:r>
+              <a:rPr lang="en-US" sz="2000">
+                <a:latin typeface="David" panose="020E0502060401010101" pitchFamily="34" charset="-79"/>
+                <a:cs typeface="David" panose="020E0502060401010101" pitchFamily="34" charset="-79"/>
+              </a:rPr>
+              <a:t>SPAM</a:t>
+            </a:r>
+            <a:r>
+              <a:rPr lang="he-IL" sz="2000">
+                <a:latin typeface="David" panose="020E0502060401010101" pitchFamily="34" charset="-79"/>
+                <a:cs typeface="David" panose="020E0502060401010101" pitchFamily="34" charset="-79"/>
+              </a:rPr>
+              <a:t>, בתור סיכון אפשרי למשתמש.</a:t>
+            </a:r>
+          </a:p>
+          <a:p>
+            <a:pPr algn="ctr">
+              <a:lnSpc>
+                <a:spcPct val="160000"/>
+              </a:lnSpc>
+              <a:spcBef>
+                <a:spcPts val="0"/>
+              </a:spcBef>
+              <a:spcAft>
+                <a:spcPts val="1200"/>
+              </a:spcAft>
+            </a:pPr>
+            <a:r>
+              <a:rPr lang="he-IL" sz="2000">
+                <a:latin typeface="David" panose="020E0502060401010101" pitchFamily="34" charset="-79"/>
+                <a:cs typeface="David" panose="020E0502060401010101" pitchFamily="34" charset="-79"/>
+              </a:rPr>
+              <a:t>אימון רפטטיבי של המסווג (</a:t>
+            </a:r>
+            <a:r>
+              <a:rPr lang="en-US" sz="2000">
+                <a:latin typeface="David" panose="020E0502060401010101" pitchFamily="34" charset="-79"/>
+                <a:cs typeface="David" panose="020E0502060401010101" pitchFamily="34" charset="-79"/>
+              </a:rPr>
+              <a:t>RandomForest</a:t>
+            </a:r>
+            <a:r>
+              <a:rPr lang="he-IL" sz="2000">
+                <a:latin typeface="David" panose="020E0502060401010101" pitchFamily="34" charset="-79"/>
+                <a:cs typeface="David" panose="020E0502060401010101" pitchFamily="34" charset="-79"/>
+              </a:rPr>
+              <a:t>) ושל ה-</a:t>
+            </a:r>
+            <a:r>
+              <a:rPr lang="en-US" sz="2000">
+                <a:latin typeface="David" panose="020E0502060401010101" pitchFamily="34" charset="-79"/>
+                <a:cs typeface="David" panose="020E0502060401010101" pitchFamily="34" charset="-79"/>
+              </a:rPr>
+              <a:t>GPT2</a:t>
+            </a:r>
+            <a:r>
+              <a:rPr lang="he-IL" sz="2000">
+                <a:latin typeface="David" panose="020E0502060401010101" pitchFamily="34" charset="-79"/>
+                <a:cs typeface="David" panose="020E0502060401010101" pitchFamily="34" charset="-79"/>
+              </a:rPr>
+              <a:t> (שגם הוא אמור ליצור מידע יותר מחודד)</a:t>
+            </a:r>
           </a:p>
         </p:txBody>
       </p:sp>
     </p:spTree>
     <p:extLst>
       <p:ext uri="{BB962C8B-B14F-4D97-AF65-F5344CB8AC3E}">
-        <p14:creationId xmlns:p14="http://schemas.microsoft.com/office/powerpoint/2010/main" val="1890393221"/>
+        <p14:creationId xmlns:p14="http://schemas.microsoft.com/office/powerpoint/2010/main" val="1429889136"/>
       </p:ext>
     </p:extLst>
   </p:cSld>
@@ -4787,7 +4623,7 @@
                 <a:lumOff val="100000"/>
               </a:schemeClr>
             </a:gs>
-            <a:gs pos="47000">
+            <a:gs pos="35000">
               <a:schemeClr val="accent1">
                 <a:lumMod val="0"/>
                 <a:lumOff val="100000"/>
@@ -4820,88 +4656,64 @@
           <a:chExt cx="0" cy="0"/>
         </a:xfrm>
       </p:grpSpPr>
-      <p:pic>
-        <p:nvPicPr>
-          <p:cNvPr id="4" name="תמונה 3">
-            <a:extLst>
-              <a:ext uri="{FF2B5EF4-FFF2-40B4-BE49-F238E27FC236}">
-                <a16:creationId xmlns:a16="http://schemas.microsoft.com/office/drawing/2014/main" id="{13776F26-E659-4AEF-9C30-8F9A7C623002}"/>
-              </a:ext>
-            </a:extLst>
-          </p:cNvPr>
-          <p:cNvPicPr>
-            <a:picLocks noChangeAspect="1"/>
-          </p:cNvPicPr>
-          <p:nvPr/>
-        </p:nvPicPr>
-        <p:blipFill>
-          <a:blip r:embed="rId2"/>
-          <a:stretch>
-            <a:fillRect/>
-          </a:stretch>
-        </p:blipFill>
+      <p:sp>
+        <p:nvSpPr>
+          <p:cNvPr id="3" name="מציין מיקום תוכן 2">
+            <a:extLst>
+              <a:ext uri="{FF2B5EF4-FFF2-40B4-BE49-F238E27FC236}">
+                <a16:creationId xmlns:a16="http://schemas.microsoft.com/office/drawing/2014/main" id="{38B9A60E-1AC0-4F00-896A-E8C0657F2B6F}"/>
+              </a:ext>
+            </a:extLst>
+          </p:cNvPr>
+          <p:cNvSpPr>
+            <a:spLocks noGrp="1"/>
+          </p:cNvSpPr>
+          <p:nvPr>
+            <p:ph idx="1"/>
+          </p:nvPr>
+        </p:nvSpPr>
         <p:spPr>
           <a:xfrm>
-            <a:off x="0" y="0"/>
-            <a:ext cx="6715962" cy="6866882"/>
+            <a:off x="537882" y="0"/>
+            <a:ext cx="10932459" cy="6484657"/>
           </a:xfrm>
-          <a:prstGeom prst="rect">
-            <a:avLst/>
-          </a:prstGeom>
         </p:spPr>
-      </p:pic>
-      <p:sp>
-        <p:nvSpPr>
-          <p:cNvPr id="5" name="מלבן 4">
-            <a:extLst>
-              <a:ext uri="{FF2B5EF4-FFF2-40B4-BE49-F238E27FC236}">
-                <a16:creationId xmlns:a16="http://schemas.microsoft.com/office/drawing/2014/main" id="{FF82661E-3742-430A-A1D4-79BF6285B3C5}"/>
-              </a:ext>
-            </a:extLst>
-          </p:cNvPr>
-          <p:cNvSpPr/>
-          <p:nvPr/>
-        </p:nvSpPr>
-        <p:spPr>
-          <a:xfrm>
-            <a:off x="6804930" y="2767310"/>
-            <a:ext cx="5397632" cy="923330"/>
-          </a:xfrm>
-          <a:prstGeom prst="rect">
-            <a:avLst/>
-          </a:prstGeom>
-          <a:noFill/>
-        </p:spPr>
-        <p:txBody>
-          <a:bodyPr wrap="none" lIns="91440" tIns="45720" rIns="91440" bIns="45720">
-            <a:spAutoFit/>
+        <p:txBody>
+          <a:bodyPr>
+            <a:normAutofit/>
           </a:bodyPr>
           <a:lstStyle/>
           <a:p>
-            <a:pPr algn="ctr"/>
-            <a:r>
-              <a:rPr lang="he-IL" sz="5400" b="1" cap="none" spc="0" dirty="0">
-                <a:ln w="0"/>
-                <a:solidFill>
-                  <a:schemeClr val="tx1"/>
-                </a:solidFill>
-                <a:effectLst>
-                  <a:outerShdw blurRad="38100" dist="19050" dir="2700000" algn="tl" rotWithShape="0">
-                    <a:schemeClr val="dk1">
-                      <a:alpha val="40000"/>
-                    </a:schemeClr>
-                  </a:outerShdw>
-                </a:effectLst>
-              </a:rPr>
-              <a:t>מבנה המודל שלנו:</a:t>
-            </a:r>
+            <a:pPr marL="0" indent="0" algn="ctr" rtl="1">
+              <a:lnSpc>
+                <a:spcPct val="160000"/>
+              </a:lnSpc>
+              <a:spcBef>
+                <a:spcPts val="0"/>
+              </a:spcBef>
+              <a:spcAft>
+                <a:spcPts val="1200"/>
+              </a:spcAft>
+              <a:buNone/>
+            </a:pPr>
+            <a:r>
+              <a:rPr lang="he-IL" u="sng">
+                <a:latin typeface="David" panose="020E0502060401010101" pitchFamily="34" charset="-79"/>
+                <a:cs typeface="David" panose="020E0502060401010101" pitchFamily="34" charset="-79"/>
+              </a:rPr>
+              <a:t>תוצאות נוכחיות</a:t>
+            </a:r>
+            <a:endParaRPr lang="he-IL" sz="3200" u="sng">
+              <a:latin typeface="David" panose="020E0502060401010101" pitchFamily="34" charset="-79"/>
+              <a:cs typeface="David" panose="020E0502060401010101" pitchFamily="34" charset="-79"/>
+            </a:endParaRPr>
           </a:p>
         </p:txBody>
       </p:sp>
     </p:spTree>
     <p:extLst>
       <p:ext uri="{BB962C8B-B14F-4D97-AF65-F5344CB8AC3E}">
-        <p14:creationId xmlns:p14="http://schemas.microsoft.com/office/powerpoint/2010/main" val="2065564540"/>
+        <p14:creationId xmlns:p14="http://schemas.microsoft.com/office/powerpoint/2010/main" val="729227671"/>
       </p:ext>
     </p:extLst>
   </p:cSld>
@@ -4957,391 +4769,31 @@
           <a:chExt cx="0" cy="0"/>
         </a:xfrm>
       </p:grpSpPr>
-      <p:pic>
-        <p:nvPicPr>
-          <p:cNvPr id="4" name="תמונה 3">
-            <a:extLst>
-              <a:ext uri="{FF2B5EF4-FFF2-40B4-BE49-F238E27FC236}">
-                <a16:creationId xmlns:a16="http://schemas.microsoft.com/office/drawing/2014/main" id="{84B91D0A-2C47-4519-946D-F9C37AAF4B8E}"/>
-              </a:ext>
-            </a:extLst>
-          </p:cNvPr>
-          <p:cNvPicPr>
-            <a:picLocks noChangeAspect="1"/>
-          </p:cNvPicPr>
-          <p:nvPr/>
-        </p:nvPicPr>
-        <p:blipFill rotWithShape="1">
-          <a:blip r:embed="rId2"/>
-          <a:srcRect r="20081"/>
-          <a:stretch/>
-        </p:blipFill>
+      <p:sp>
+        <p:nvSpPr>
+          <p:cNvPr id="3" name="מציין מיקום תוכן 2">
+            <a:extLst>
+              <a:ext uri="{FF2B5EF4-FFF2-40B4-BE49-F238E27FC236}">
+                <a16:creationId xmlns:a16="http://schemas.microsoft.com/office/drawing/2014/main" id="{38B9A60E-1AC0-4F00-896A-E8C0657F2B6F}"/>
+              </a:ext>
+            </a:extLst>
+          </p:cNvPr>
+          <p:cNvSpPr>
+            <a:spLocks noGrp="1"/>
+          </p:cNvSpPr>
+          <p:nvPr>
+            <p:ph idx="1"/>
+          </p:nvPr>
+        </p:nvSpPr>
         <p:spPr>
           <a:xfrm>
-            <a:off x="3406321" y="803461"/>
-            <a:ext cx="6083087" cy="2898775"/>
+            <a:off x="537882" y="0"/>
+            <a:ext cx="10932459" cy="6484657"/>
           </a:xfrm>
-          <a:prstGeom prst="rect">
-            <a:avLst/>
-          </a:prstGeom>
         </p:spPr>
-      </p:pic>
-      <p:sp>
-        <p:nvSpPr>
-          <p:cNvPr id="6" name="מציין מיקום תוכן 2">
-            <a:extLst>
-              <a:ext uri="{FF2B5EF4-FFF2-40B4-BE49-F238E27FC236}">
-                <a16:creationId xmlns:a16="http://schemas.microsoft.com/office/drawing/2014/main" id="{C05D7C7C-AEA3-4886-808D-19854D4A7B34}"/>
-              </a:ext>
-            </a:extLst>
-          </p:cNvPr>
-          <p:cNvSpPr txBox="1">
-            <a:spLocks/>
-          </p:cNvSpPr>
-          <p:nvPr/>
-        </p:nvSpPr>
-        <p:spPr>
-          <a:xfrm>
-            <a:off x="690282" y="3869577"/>
-            <a:ext cx="10932459" cy="2898775"/>
-          </a:xfrm>
-          <a:prstGeom prst="rect">
-            <a:avLst/>
-          </a:prstGeom>
-        </p:spPr>
-        <p:txBody>
-          <a:bodyPr vert="horz" lIns="91440" tIns="45720" rIns="91440" bIns="45720" rtlCol="1">
-            <a:normAutofit lnSpcReduction="10000"/>
-          </a:bodyPr>
-          <a:lstStyle>
-            <a:lvl1pPr marL="228600" indent="-228600" algn="r" defTabSz="914400" rtl="1" eaLnBrk="1" latinLnBrk="0" hangingPunct="1">
-              <a:lnSpc>
-                <a:spcPct val="90000"/>
-              </a:lnSpc>
-              <a:spcBef>
-                <a:spcPts val="1000"/>
-              </a:spcBef>
-              <a:buFont typeface="Arial" panose="020B0604020202020204" pitchFamily="34" charset="0"/>
-              <a:buChar char="•"/>
-              <a:defRPr sz="2800" kern="1200">
-                <a:solidFill>
-                  <a:schemeClr val="tx1"/>
-                </a:solidFill>
-                <a:latin typeface="+mn-lt"/>
-                <a:ea typeface="+mn-ea"/>
-                <a:cs typeface="+mn-cs"/>
-              </a:defRPr>
-            </a:lvl1pPr>
-            <a:lvl2pPr marL="685800" indent="-228600" algn="r" defTabSz="914400" rtl="1" eaLnBrk="1" latinLnBrk="0" hangingPunct="1">
-              <a:lnSpc>
-                <a:spcPct val="90000"/>
-              </a:lnSpc>
-              <a:spcBef>
-                <a:spcPts val="500"/>
-              </a:spcBef>
-              <a:buFont typeface="Arial" panose="020B0604020202020204" pitchFamily="34" charset="0"/>
-              <a:buChar char="•"/>
-              <a:defRPr sz="2400" kern="1200">
-                <a:solidFill>
-                  <a:schemeClr val="tx1"/>
-                </a:solidFill>
-                <a:latin typeface="+mn-lt"/>
-                <a:ea typeface="+mn-ea"/>
-                <a:cs typeface="+mn-cs"/>
-              </a:defRPr>
-            </a:lvl2pPr>
-            <a:lvl3pPr marL="1143000" indent="-228600" algn="r" defTabSz="914400" rtl="1" eaLnBrk="1" latinLnBrk="0" hangingPunct="1">
-              <a:lnSpc>
-                <a:spcPct val="90000"/>
-              </a:lnSpc>
-              <a:spcBef>
-                <a:spcPts val="500"/>
-              </a:spcBef>
-              <a:buFont typeface="Arial" panose="020B0604020202020204" pitchFamily="34" charset="0"/>
-              <a:buChar char="•"/>
-              <a:defRPr sz="2000" kern="1200">
-                <a:solidFill>
-                  <a:schemeClr val="tx1"/>
-                </a:solidFill>
-                <a:latin typeface="+mn-lt"/>
-                <a:ea typeface="+mn-ea"/>
-                <a:cs typeface="+mn-cs"/>
-              </a:defRPr>
-            </a:lvl3pPr>
-            <a:lvl4pPr marL="1600200" indent="-228600" algn="r" defTabSz="914400" rtl="1" eaLnBrk="1" latinLnBrk="0" hangingPunct="1">
-              <a:lnSpc>
-                <a:spcPct val="90000"/>
-              </a:lnSpc>
-              <a:spcBef>
-                <a:spcPts val="500"/>
-              </a:spcBef>
-              <a:buFont typeface="Arial" panose="020B0604020202020204" pitchFamily="34" charset="0"/>
-              <a:buChar char="•"/>
-              <a:defRPr sz="1800" kern="1200">
-                <a:solidFill>
-                  <a:schemeClr val="tx1"/>
-                </a:solidFill>
-                <a:latin typeface="+mn-lt"/>
-                <a:ea typeface="+mn-ea"/>
-                <a:cs typeface="+mn-cs"/>
-              </a:defRPr>
-            </a:lvl4pPr>
-            <a:lvl5pPr marL="2057400" indent="-228600" algn="r" defTabSz="914400" rtl="1" eaLnBrk="1" latinLnBrk="0" hangingPunct="1">
-              <a:lnSpc>
-                <a:spcPct val="90000"/>
-              </a:lnSpc>
-              <a:spcBef>
-                <a:spcPts val="500"/>
-              </a:spcBef>
-              <a:buFont typeface="Arial" panose="020B0604020202020204" pitchFamily="34" charset="0"/>
-              <a:buChar char="•"/>
-              <a:defRPr sz="1800" kern="1200">
-                <a:solidFill>
-                  <a:schemeClr val="tx1"/>
-                </a:solidFill>
-                <a:latin typeface="+mn-lt"/>
-                <a:ea typeface="+mn-ea"/>
-                <a:cs typeface="+mn-cs"/>
-              </a:defRPr>
-            </a:lvl5pPr>
-            <a:lvl6pPr marL="2514600" indent="-228600" algn="r" defTabSz="914400" rtl="1" eaLnBrk="1" latinLnBrk="0" hangingPunct="1">
-              <a:lnSpc>
-                <a:spcPct val="90000"/>
-              </a:lnSpc>
-              <a:spcBef>
-                <a:spcPts val="500"/>
-              </a:spcBef>
-              <a:buFont typeface="Arial" panose="020B0604020202020204" pitchFamily="34" charset="0"/>
-              <a:buChar char="•"/>
-              <a:defRPr sz="1800" kern="1200">
-                <a:solidFill>
-                  <a:schemeClr val="tx1"/>
-                </a:solidFill>
-                <a:latin typeface="+mn-lt"/>
-                <a:ea typeface="+mn-ea"/>
-                <a:cs typeface="+mn-cs"/>
-              </a:defRPr>
-            </a:lvl6pPr>
-            <a:lvl7pPr marL="2971800" indent="-228600" algn="r" defTabSz="914400" rtl="1" eaLnBrk="1" latinLnBrk="0" hangingPunct="1">
-              <a:lnSpc>
-                <a:spcPct val="90000"/>
-              </a:lnSpc>
-              <a:spcBef>
-                <a:spcPts val="500"/>
-              </a:spcBef>
-              <a:buFont typeface="Arial" panose="020B0604020202020204" pitchFamily="34" charset="0"/>
-              <a:buChar char="•"/>
-              <a:defRPr sz="1800" kern="1200">
-                <a:solidFill>
-                  <a:schemeClr val="tx1"/>
-                </a:solidFill>
-                <a:latin typeface="+mn-lt"/>
-                <a:ea typeface="+mn-ea"/>
-                <a:cs typeface="+mn-cs"/>
-              </a:defRPr>
-            </a:lvl7pPr>
-            <a:lvl8pPr marL="3429000" indent="-228600" algn="r" defTabSz="914400" rtl="1" eaLnBrk="1" latinLnBrk="0" hangingPunct="1">
-              <a:lnSpc>
-                <a:spcPct val="90000"/>
-              </a:lnSpc>
-              <a:spcBef>
-                <a:spcPts val="500"/>
-              </a:spcBef>
-              <a:buFont typeface="Arial" panose="020B0604020202020204" pitchFamily="34" charset="0"/>
-              <a:buChar char="•"/>
-              <a:defRPr sz="1800" kern="1200">
-                <a:solidFill>
-                  <a:schemeClr val="tx1"/>
-                </a:solidFill>
-                <a:latin typeface="+mn-lt"/>
-                <a:ea typeface="+mn-ea"/>
-                <a:cs typeface="+mn-cs"/>
-              </a:defRPr>
-            </a:lvl8pPr>
-            <a:lvl9pPr marL="3886200" indent="-228600" algn="r" defTabSz="914400" rtl="1" eaLnBrk="1" latinLnBrk="0" hangingPunct="1">
-              <a:lnSpc>
-                <a:spcPct val="90000"/>
-              </a:lnSpc>
-              <a:spcBef>
-                <a:spcPts val="500"/>
-              </a:spcBef>
-              <a:buFont typeface="Arial" panose="020B0604020202020204" pitchFamily="34" charset="0"/>
-              <a:buChar char="•"/>
-              <a:defRPr sz="1800" kern="1200">
-                <a:solidFill>
-                  <a:schemeClr val="tx1"/>
-                </a:solidFill>
-                <a:latin typeface="+mn-lt"/>
-                <a:ea typeface="+mn-ea"/>
-                <a:cs typeface="+mn-cs"/>
-              </a:defRPr>
-            </a:lvl9pPr>
-          </a:lstStyle>
-          <a:p>
-            <a:pPr marL="342900" indent="-342900">
-              <a:lnSpc>
-                <a:spcPct val="100000"/>
-              </a:lnSpc>
-              <a:spcBef>
-                <a:spcPts val="0"/>
-              </a:spcBef>
-              <a:spcAft>
-                <a:spcPts val="1200"/>
-              </a:spcAft>
-              <a:buFont typeface="Arial" panose="020B0604020202020204" pitchFamily="34" charset="0"/>
-              <a:buAutoNum type="arabicPeriod"/>
-            </a:pPr>
-            <a:r>
-              <a:rPr lang="he-IL" sz="1800" dirty="0">
-                <a:latin typeface="David" panose="020E0502060401010101" pitchFamily="34" charset="-79"/>
-              </a:rPr>
-              <a:t>תחילה נאמן את המסווג שלנו על הדאטה סט המקורי.</a:t>
-            </a:r>
-          </a:p>
-          <a:p>
-            <a:pPr marL="342900" indent="-342900">
-              <a:lnSpc>
-                <a:spcPct val="100000"/>
-              </a:lnSpc>
-              <a:spcBef>
-                <a:spcPts val="0"/>
-              </a:spcBef>
-              <a:spcAft>
-                <a:spcPts val="1200"/>
-              </a:spcAft>
-              <a:buFont typeface="Arial" panose="020B0604020202020204" pitchFamily="34" charset="0"/>
-              <a:buAutoNum type="arabicPeriod"/>
-            </a:pPr>
-            <a:r>
-              <a:rPr lang="he-IL" sz="1800" dirty="0">
-                <a:latin typeface="David" panose="020E0502060401010101" pitchFamily="34" charset="-79"/>
-              </a:rPr>
-              <a:t>נאמן את </a:t>
-            </a:r>
-            <a:r>
-              <a:rPr lang="en-US" sz="1800" dirty="0">
-                <a:latin typeface="David" panose="020E0502060401010101" pitchFamily="34" charset="-79"/>
-              </a:rPr>
-              <a:t>GPT2</a:t>
-            </a:r>
-            <a:r>
-              <a:rPr lang="he-IL" sz="1800" dirty="0">
-                <a:latin typeface="David" panose="020E0502060401010101" pitchFamily="34" charset="-79"/>
-              </a:rPr>
-              <a:t> על הדאטה סט המקורי כדי שיצירת הטקסט שלו תתאים לצרכים שלנו.</a:t>
-            </a:r>
-          </a:p>
-          <a:p>
-            <a:pPr marL="342900" indent="-342900">
-              <a:lnSpc>
-                <a:spcPct val="100000"/>
-              </a:lnSpc>
-              <a:spcBef>
-                <a:spcPts val="0"/>
-              </a:spcBef>
-              <a:spcAft>
-                <a:spcPts val="1200"/>
-              </a:spcAft>
-              <a:buFont typeface="Arial" panose="020B0604020202020204" pitchFamily="34" charset="0"/>
-              <a:buAutoNum type="arabicPeriod"/>
-            </a:pPr>
-            <a:r>
-              <a:rPr lang="he-IL" sz="1800" dirty="0">
-                <a:latin typeface="David" panose="020E0502060401010101" pitchFamily="34" charset="-79"/>
-              </a:rPr>
-              <a:t>בלולאת פור שעוברת על כל מסד הנתונים, נבצע יצירת טקסט חדשה בעד כל משפט. </a:t>
-            </a:r>
-          </a:p>
-          <a:p>
-            <a:pPr marL="342900" indent="-342900">
-              <a:lnSpc>
-                <a:spcPct val="100000"/>
-              </a:lnSpc>
-              <a:spcBef>
-                <a:spcPts val="0"/>
-              </a:spcBef>
-              <a:spcAft>
-                <a:spcPts val="1200"/>
-              </a:spcAft>
-              <a:buFont typeface="Arial" panose="020B0604020202020204" pitchFamily="34" charset="0"/>
-              <a:buAutoNum type="arabicPeriod"/>
-            </a:pPr>
-            <a:r>
-              <a:rPr lang="he-IL" sz="1800" dirty="0">
-                <a:latin typeface="David" panose="020E0502060401010101" pitchFamily="34" charset="-79"/>
-              </a:rPr>
-              <a:t>כדי לסווג האם המשפט תקין או לא, האם הוא מתאים להיכנס לדאטה סט שלנו עם התיוג המתאים, נריץ על את המסווג שאימנו מראש. אם הסיווג שלו תואם את זה של המשפט בסיס שלו, אזי נוסיף אותו למאגר, אם לא – נדחה ונעבור הלאה.</a:t>
-            </a:r>
-          </a:p>
-          <a:p>
-            <a:pPr marL="342900" indent="-342900">
-              <a:lnSpc>
-                <a:spcPct val="100000"/>
-              </a:lnSpc>
-              <a:spcBef>
-                <a:spcPts val="0"/>
-              </a:spcBef>
-              <a:spcAft>
-                <a:spcPts val="1200"/>
-              </a:spcAft>
-              <a:buFont typeface="Arial" panose="020B0604020202020204" pitchFamily="34" charset="0"/>
-              <a:buAutoNum type="arabicPeriod"/>
-            </a:pPr>
-            <a:r>
-              <a:rPr lang="he-IL" sz="1800" dirty="0">
-                <a:latin typeface="David" panose="020E0502060401010101" pitchFamily="34" charset="-79"/>
-              </a:rPr>
-              <a:t>בסיום הריצה נקבל דאטה-סט מתויג רחב יותר.</a:t>
-            </a:r>
-          </a:p>
-          <a:p>
-            <a:pPr marL="342900" indent="-342900">
-              <a:lnSpc>
-                <a:spcPct val="100000"/>
-              </a:lnSpc>
-              <a:spcBef>
-                <a:spcPts val="0"/>
-              </a:spcBef>
-              <a:spcAft>
-                <a:spcPts val="1200"/>
-              </a:spcAft>
-              <a:buFont typeface="Arial" panose="020B0604020202020204" pitchFamily="34" charset="0"/>
-              <a:buAutoNum type="arabicPeriod"/>
-            </a:pPr>
-            <a:r>
-              <a:rPr lang="he-IL" sz="1800" dirty="0">
-                <a:latin typeface="David" panose="020E0502060401010101" pitchFamily="34" charset="-79"/>
-              </a:rPr>
-              <a:t>כעת נאמן את המסווג על הדאטה סט החדש וכך גם את מודל יצירת הטקסט.</a:t>
-            </a:r>
-          </a:p>
-        </p:txBody>
-      </p:sp>
-      <p:sp>
-        <p:nvSpPr>
-          <p:cNvPr id="2" name="מלבן 1">
-            <a:extLst>
-              <a:ext uri="{FF2B5EF4-FFF2-40B4-BE49-F238E27FC236}">
-                <a16:creationId xmlns:a16="http://schemas.microsoft.com/office/drawing/2014/main" id="{79C5CA8D-FA24-4F59-B3BA-2443E85553F8}"/>
-              </a:ext>
-            </a:extLst>
-          </p:cNvPr>
-          <p:cNvSpPr/>
-          <p:nvPr/>
-        </p:nvSpPr>
-        <p:spPr>
-          <a:xfrm>
-            <a:off x="4682755" y="-398406"/>
-            <a:ext cx="3308719" cy="1297278"/>
-          </a:xfrm>
-          <a:prstGeom prst="rect">
-            <a:avLst/>
-          </a:prstGeom>
-          <a:noFill/>
-        </p:spPr>
-        <p:txBody>
-          <a:bodyPr wrap="square" lIns="91440" tIns="45720" rIns="91440" bIns="45720">
-            <a:spAutoFit/>
+        <p:txBody>
+          <a:bodyPr>
+            <a:normAutofit/>
           </a:bodyPr>
           <a:lstStyle/>
           <a:p>
@@ -5358,549 +4810,13 @@
               <a:buNone/>
             </a:pPr>
             <a:r>
-              <a:rPr lang="he-IL" sz="5400" b="1" dirty="0">
-                <a:latin typeface="David" panose="020E0502060401010101" pitchFamily="34" charset="-79"/>
-                <a:cs typeface="David" panose="020E0502060401010101" pitchFamily="34" charset="-79"/>
-              </a:rPr>
-              <a:t>פסודו קוד:</a:t>
-            </a:r>
-            <a:endParaRPr lang="he-IL" sz="4400" b="1" dirty="0">
-              <a:latin typeface="David" panose="020E0502060401010101" pitchFamily="34" charset="-79"/>
-              <a:cs typeface="David" panose="020E0502060401010101" pitchFamily="34" charset="-79"/>
-            </a:endParaRPr>
-          </a:p>
-        </p:txBody>
-      </p:sp>
-    </p:spTree>
-    <p:extLst>
-      <p:ext uri="{BB962C8B-B14F-4D97-AF65-F5344CB8AC3E}">
-        <p14:creationId xmlns:p14="http://schemas.microsoft.com/office/powerpoint/2010/main" val="36692894"/>
-      </p:ext>
-    </p:extLst>
-  </p:cSld>
-  <p:clrMapOvr>
-    <a:masterClrMapping/>
-  </p:clrMapOvr>
-</p:sld>
-</file>
-
-<file path=ppt/slides/slide13.xml><?xml version="1.0" encoding="utf-8"?>
-<p:sld xmlns:a="http://schemas.openxmlformats.org/drawingml/2006/main" xmlns:r="http://schemas.openxmlformats.org/officeDocument/2006/relationships" xmlns:p="http://schemas.openxmlformats.org/presentationml/2006/main">
-  <p:cSld>
-    <p:bg>
-      <p:bgPr>
-        <a:gradFill>
-          <a:gsLst>
-            <a:gs pos="0">
-              <a:schemeClr val="accent1">
-                <a:lumMod val="0"/>
-                <a:lumOff val="100000"/>
-              </a:schemeClr>
-            </a:gs>
-            <a:gs pos="35000">
-              <a:schemeClr val="accent1">
-                <a:lumMod val="0"/>
-                <a:lumOff val="100000"/>
-              </a:schemeClr>
-            </a:gs>
-            <a:gs pos="97000">
-              <a:schemeClr val="accent1">
-                <a:lumMod val="100000"/>
-              </a:schemeClr>
-            </a:gs>
-          </a:gsLst>
-          <a:path path="circle">
-            <a:fillToRect l="50000" t="-80000" r="50000" b="180000"/>
-          </a:path>
-        </a:gradFill>
-        <a:effectLst/>
-      </p:bgPr>
-    </p:bg>
-    <p:spTree>
-      <p:nvGrpSpPr>
-        <p:cNvPr id="1" name=""/>
-        <p:cNvGrpSpPr/>
-        <p:nvPr/>
-      </p:nvGrpSpPr>
-      <p:grpSpPr>
-        <a:xfrm>
-          <a:off x="0" y="0"/>
-          <a:ext cx="0" cy="0"/>
-          <a:chOff x="0" y="0"/>
-          <a:chExt cx="0" cy="0"/>
-        </a:xfrm>
-      </p:grpSpPr>
-      <p:sp>
-        <p:nvSpPr>
-          <p:cNvPr id="3" name="מציין מיקום תוכן 2">
-            <a:extLst>
-              <a:ext uri="{FF2B5EF4-FFF2-40B4-BE49-F238E27FC236}">
-                <a16:creationId xmlns:a16="http://schemas.microsoft.com/office/drawing/2014/main" id="{38B9A60E-1AC0-4F00-896A-E8C0657F2B6F}"/>
-              </a:ext>
-            </a:extLst>
-          </p:cNvPr>
-          <p:cNvSpPr>
-            <a:spLocks noGrp="1"/>
-          </p:cNvSpPr>
-          <p:nvPr>
-            <p:ph idx="1"/>
-          </p:nvPr>
-        </p:nvSpPr>
-        <p:spPr>
-          <a:xfrm>
-            <a:off x="0" y="1171575"/>
-            <a:ext cx="12192000" cy="5362575"/>
-          </a:xfrm>
-        </p:spPr>
-        <p:txBody>
-          <a:bodyPr>
-            <a:normAutofit/>
-          </a:bodyPr>
-          <a:lstStyle/>
-          <a:p>
-            <a:pPr algn="ctr">
-              <a:lnSpc>
-                <a:spcPct val="160000"/>
-              </a:lnSpc>
-              <a:spcBef>
-                <a:spcPts val="0"/>
-              </a:spcBef>
-              <a:spcAft>
-                <a:spcPts val="1200"/>
-              </a:spcAft>
-            </a:pPr>
-            <a:r>
-              <a:rPr lang="he-IL" dirty="0">
-                <a:latin typeface="David" panose="020E0502060401010101" pitchFamily="34" charset="-79"/>
-              </a:rPr>
-              <a:t>בתור אלגוריתם מתייג לקיחה של כמה אלגוריתמי סיווג מפוקחים כאשר הוחלט לקחת את הטובים ביותר מבחינת אחוזי הצלחה</a:t>
-            </a:r>
-          </a:p>
-          <a:p>
-            <a:pPr algn="ctr">
-              <a:lnSpc>
-                <a:spcPct val="160000"/>
-              </a:lnSpc>
-              <a:spcBef>
-                <a:spcPts val="0"/>
-              </a:spcBef>
-              <a:spcAft>
-                <a:spcPts val="1200"/>
-              </a:spcAft>
-            </a:pPr>
-            <a:r>
-              <a:rPr lang="he-IL" dirty="0">
-                <a:latin typeface="David" panose="020E0502060401010101" pitchFamily="34" charset="-79"/>
-              </a:rPr>
-              <a:t>השימוש החוזר ב-</a:t>
-            </a:r>
-            <a:r>
-              <a:rPr lang="en-US" dirty="0">
-                <a:latin typeface="David" panose="020E0502060401010101" pitchFamily="34" charset="-79"/>
-              </a:rPr>
-              <a:t>GPT2</a:t>
-            </a:r>
-            <a:r>
-              <a:rPr lang="he-IL" dirty="0">
-                <a:latin typeface="David" panose="020E0502060401010101" pitchFamily="34" charset="-79"/>
-              </a:rPr>
-              <a:t> וביצוע ה-</a:t>
-            </a:r>
-            <a:r>
-              <a:rPr lang="en-US" dirty="0">
-                <a:latin typeface="David" panose="020E0502060401010101" pitchFamily="34" charset="-79"/>
-              </a:rPr>
-              <a:t>Fine-tuning</a:t>
-            </a:r>
-            <a:r>
-              <a:rPr lang="he-IL" dirty="0">
-                <a:latin typeface="David" panose="020E0502060401010101" pitchFamily="34" charset="-79"/>
-              </a:rPr>
-              <a:t> ליצירת דוגמאות </a:t>
-            </a:r>
-            <a:r>
-              <a:rPr lang="he-IL" dirty="0" err="1">
-                <a:latin typeface="David" panose="020E0502060401010101" pitchFamily="34" charset="-79"/>
-              </a:rPr>
-              <a:t>מתוייגות</a:t>
-            </a:r>
-            <a:endParaRPr lang="he-IL" dirty="0">
-              <a:latin typeface="David" panose="020E0502060401010101" pitchFamily="34" charset="-79"/>
-            </a:endParaRPr>
-          </a:p>
-          <a:p>
-            <a:pPr algn="ctr">
-              <a:lnSpc>
-                <a:spcPct val="160000"/>
-              </a:lnSpc>
-              <a:spcBef>
-                <a:spcPts val="0"/>
-              </a:spcBef>
-              <a:spcAft>
-                <a:spcPts val="1200"/>
-              </a:spcAft>
-            </a:pPr>
-            <a:r>
-              <a:rPr lang="he-IL" dirty="0">
-                <a:latin typeface="David" panose="020E0502060401010101" pitchFamily="34" charset="-79"/>
-              </a:rPr>
-              <a:t>אין שימוש ב-</a:t>
-            </a:r>
-            <a:r>
-              <a:rPr lang="en-US" dirty="0">
-                <a:latin typeface="David" panose="020E0502060401010101" pitchFamily="34" charset="-79"/>
-              </a:rPr>
-              <a:t>Discrimminator</a:t>
-            </a:r>
-            <a:r>
-              <a:rPr lang="he-IL" dirty="0">
-                <a:latin typeface="David" panose="020E0502060401010101" pitchFamily="34" charset="-79"/>
-              </a:rPr>
-              <a:t> (תפקידו הוא להכריע האם הטקסט נוצר על ידי מכונה) – כאן מבחינתו כל טקסט שהוא חשוד, יתפס בתור </a:t>
-            </a:r>
-            <a:r>
-              <a:rPr lang="en-US" dirty="0">
-                <a:latin typeface="David" panose="020E0502060401010101" pitchFamily="34" charset="-79"/>
-              </a:rPr>
-              <a:t>SPAM</a:t>
-            </a:r>
-            <a:r>
-              <a:rPr lang="he-IL" dirty="0">
-                <a:latin typeface="David" panose="020E0502060401010101" pitchFamily="34" charset="-79"/>
-              </a:rPr>
-              <a:t>, בתור סיכון אפשרי למשתמש.</a:t>
-            </a:r>
-          </a:p>
-          <a:p>
-            <a:pPr algn="ctr">
-              <a:lnSpc>
-                <a:spcPct val="160000"/>
-              </a:lnSpc>
-              <a:spcBef>
-                <a:spcPts val="0"/>
-              </a:spcBef>
-              <a:spcAft>
-                <a:spcPts val="1200"/>
-              </a:spcAft>
-            </a:pPr>
-            <a:r>
-              <a:rPr lang="he-IL" dirty="0">
-                <a:latin typeface="David" panose="020E0502060401010101" pitchFamily="34" charset="-79"/>
-              </a:rPr>
-              <a:t>אימון רפטטיבי של המסווג (</a:t>
-            </a:r>
-            <a:r>
-              <a:rPr lang="en-US" dirty="0">
-                <a:latin typeface="David" panose="020E0502060401010101" pitchFamily="34" charset="-79"/>
-              </a:rPr>
-              <a:t>RandomForest, knn, svm, extra tree, Decision Tree, Bagging, Adaptive Boosting </a:t>
-            </a:r>
-            <a:r>
-              <a:rPr lang="he-IL" dirty="0">
-                <a:latin typeface="David" panose="020E0502060401010101" pitchFamily="34" charset="-79"/>
-              </a:rPr>
-              <a:t>) ושל ה-</a:t>
-            </a:r>
-            <a:r>
-              <a:rPr lang="en-US" dirty="0">
-                <a:latin typeface="David" panose="020E0502060401010101" pitchFamily="34" charset="-79"/>
-              </a:rPr>
-              <a:t>GPT2</a:t>
-            </a:r>
-            <a:r>
-              <a:rPr lang="he-IL" dirty="0">
-                <a:latin typeface="David" panose="020E0502060401010101" pitchFamily="34" charset="-79"/>
-              </a:rPr>
-              <a:t> (שגם הוא אמור ליצור מידע יותר מחודד)</a:t>
-            </a:r>
-          </a:p>
-        </p:txBody>
-      </p:sp>
-      <p:sp>
-        <p:nvSpPr>
-          <p:cNvPr id="2" name="מלבן 1">
-            <a:extLst>
-              <a:ext uri="{FF2B5EF4-FFF2-40B4-BE49-F238E27FC236}">
-                <a16:creationId xmlns:a16="http://schemas.microsoft.com/office/drawing/2014/main" id="{C50AA88A-1D98-46C4-B107-C8BC68E4EE7F}"/>
-              </a:ext>
-            </a:extLst>
-          </p:cNvPr>
-          <p:cNvSpPr/>
-          <p:nvPr/>
-        </p:nvSpPr>
-        <p:spPr>
-          <a:xfrm>
-            <a:off x="651411" y="-385465"/>
-            <a:ext cx="11346376" cy="1247201"/>
-          </a:xfrm>
-          <a:prstGeom prst="rect">
-            <a:avLst/>
-          </a:prstGeom>
-          <a:noFill/>
-        </p:spPr>
-        <p:txBody>
-          <a:bodyPr wrap="none" lIns="91440" tIns="45720" rIns="91440" bIns="45720">
-            <a:spAutoFit/>
-          </a:bodyPr>
-          <a:lstStyle/>
-          <a:p>
-            <a:pPr marL="0" indent="0" algn="ctr" rtl="1">
-              <a:lnSpc>
-                <a:spcPct val="160000"/>
-              </a:lnSpc>
-              <a:spcBef>
-                <a:spcPts val="0"/>
-              </a:spcBef>
-              <a:spcAft>
-                <a:spcPts val="1200"/>
-              </a:spcAft>
-              <a:buNone/>
-            </a:pPr>
-            <a:r>
-              <a:rPr lang="he-IL" sz="5400" b="1" dirty="0">
-                <a:latin typeface="David" panose="020E0502060401010101" pitchFamily="34" charset="-79"/>
-              </a:rPr>
-              <a:t>כיצד הגישה שלנו שונה מזו של קודמינו?</a:t>
-            </a:r>
-          </a:p>
-        </p:txBody>
-      </p:sp>
-    </p:spTree>
-    <p:extLst>
-      <p:ext uri="{BB962C8B-B14F-4D97-AF65-F5344CB8AC3E}">
-        <p14:creationId xmlns:p14="http://schemas.microsoft.com/office/powerpoint/2010/main" val="1429889136"/>
-      </p:ext>
-    </p:extLst>
-  </p:cSld>
-  <p:clrMapOvr>
-    <a:masterClrMapping/>
-  </p:clrMapOvr>
-</p:sld>
-</file>
-
-<file path=ppt/slides/slide14.xml><?xml version="1.0" encoding="utf-8"?>
-<p:sld xmlns:a="http://schemas.openxmlformats.org/drawingml/2006/main" xmlns:r="http://schemas.openxmlformats.org/officeDocument/2006/relationships" xmlns:p="http://schemas.openxmlformats.org/presentationml/2006/main">
-  <p:cSld>
-    <p:bg>
-      <p:bgPr>
-        <a:gradFill>
-          <a:gsLst>
-            <a:gs pos="0">
-              <a:schemeClr val="accent1">
-                <a:lumMod val="0"/>
-                <a:lumOff val="100000"/>
-              </a:schemeClr>
-            </a:gs>
-            <a:gs pos="35000">
-              <a:schemeClr val="accent1">
-                <a:lumMod val="0"/>
-                <a:lumOff val="100000"/>
-              </a:schemeClr>
-            </a:gs>
-            <a:gs pos="97000">
-              <a:schemeClr val="accent1">
-                <a:lumMod val="100000"/>
-              </a:schemeClr>
-            </a:gs>
-          </a:gsLst>
-          <a:path path="circle">
-            <a:fillToRect l="50000" t="-80000" r="50000" b="180000"/>
-          </a:path>
-        </a:gradFill>
-        <a:effectLst/>
-      </p:bgPr>
-    </p:bg>
-    <p:spTree>
-      <p:nvGrpSpPr>
-        <p:cNvPr id="1" name=""/>
-        <p:cNvGrpSpPr/>
-        <p:nvPr/>
-      </p:nvGrpSpPr>
-      <p:grpSpPr>
-        <a:xfrm>
-          <a:off x="0" y="0"/>
-          <a:ext cx="0" cy="0"/>
-          <a:chOff x="0" y="0"/>
-          <a:chExt cx="0" cy="0"/>
-        </a:xfrm>
-      </p:grpSpPr>
-      <p:pic>
-        <p:nvPicPr>
-          <p:cNvPr id="2" name="תמונה 1">
-            <a:extLst>
-              <a:ext uri="{FF2B5EF4-FFF2-40B4-BE49-F238E27FC236}">
-                <a16:creationId xmlns:a16="http://schemas.microsoft.com/office/drawing/2014/main" id="{02A9BC0A-E577-4B81-94AC-959DE7EBF3F0}"/>
-              </a:ext>
-            </a:extLst>
-          </p:cNvPr>
-          <p:cNvPicPr>
-            <a:picLocks noChangeAspect="1"/>
-          </p:cNvPicPr>
-          <p:nvPr/>
-        </p:nvPicPr>
-        <p:blipFill>
-          <a:blip r:embed="rId2"/>
-          <a:stretch>
-            <a:fillRect/>
-          </a:stretch>
-        </p:blipFill>
-        <p:spPr>
-          <a:xfrm>
-            <a:off x="1476375" y="996175"/>
-            <a:ext cx="9582150" cy="5528450"/>
-          </a:xfrm>
-          <a:prstGeom prst="rect">
-            <a:avLst/>
-          </a:prstGeom>
-        </p:spPr>
-      </p:pic>
-      <p:sp>
-        <p:nvSpPr>
-          <p:cNvPr id="6" name="מלבן 5">
-            <a:extLst>
-              <a:ext uri="{FF2B5EF4-FFF2-40B4-BE49-F238E27FC236}">
-                <a16:creationId xmlns:a16="http://schemas.microsoft.com/office/drawing/2014/main" id="{32ADE535-0258-4E9E-9B04-E0BCD5702229}"/>
-              </a:ext>
-            </a:extLst>
-          </p:cNvPr>
-          <p:cNvSpPr/>
-          <p:nvPr/>
-        </p:nvSpPr>
-        <p:spPr>
-          <a:xfrm>
-            <a:off x="5025763" y="0"/>
-            <a:ext cx="2483373" cy="1015663"/>
-          </a:xfrm>
-          <a:prstGeom prst="rect">
-            <a:avLst/>
-          </a:prstGeom>
-          <a:noFill/>
-        </p:spPr>
-        <p:txBody>
-          <a:bodyPr wrap="none" lIns="91440" tIns="45720" rIns="91440" bIns="45720">
-            <a:spAutoFit/>
-          </a:bodyPr>
-          <a:lstStyle/>
-          <a:p>
-            <a:pPr algn="ctr"/>
-            <a:r>
-              <a:rPr lang="he-IL" sz="6000" b="1" cap="none" spc="0" dirty="0">
-                <a:ln w="0"/>
-                <a:solidFill>
-                  <a:schemeClr val="tx1"/>
-                </a:solidFill>
-                <a:effectLst>
-                  <a:outerShdw blurRad="38100" dist="19050" dir="2700000" algn="tl" rotWithShape="0">
-                    <a:schemeClr val="dk1">
-                      <a:alpha val="40000"/>
-                    </a:schemeClr>
-                  </a:outerShdw>
-                </a:effectLst>
-              </a:rPr>
-              <a:t>תוצאות</a:t>
-            </a:r>
-            <a:endParaRPr lang="he-IL" sz="5400" b="1" cap="none" spc="0" dirty="0">
-              <a:ln w="0"/>
-              <a:solidFill>
-                <a:schemeClr val="tx1"/>
-              </a:solidFill>
-              <a:effectLst>
-                <a:outerShdw blurRad="38100" dist="19050" dir="2700000" algn="tl" rotWithShape="0">
-                  <a:schemeClr val="dk1">
-                    <a:alpha val="40000"/>
-                  </a:schemeClr>
-                </a:outerShdw>
-              </a:effectLst>
-            </a:endParaRPr>
-          </a:p>
-        </p:txBody>
-      </p:sp>
-    </p:spTree>
-    <p:extLst>
-      <p:ext uri="{BB962C8B-B14F-4D97-AF65-F5344CB8AC3E}">
-        <p14:creationId xmlns:p14="http://schemas.microsoft.com/office/powerpoint/2010/main" val="729227671"/>
-      </p:ext>
-    </p:extLst>
-  </p:cSld>
-  <p:clrMapOvr>
-    <a:masterClrMapping/>
-  </p:clrMapOvr>
-</p:sld>
-</file>
-
-<file path=ppt/slides/slide15.xml><?xml version="1.0" encoding="utf-8"?>
-<p:sld xmlns:a="http://schemas.openxmlformats.org/drawingml/2006/main" xmlns:r="http://schemas.openxmlformats.org/officeDocument/2006/relationships" xmlns:p="http://schemas.openxmlformats.org/presentationml/2006/main">
-  <p:cSld>
-    <p:bg>
-      <p:bgPr>
-        <a:gradFill>
-          <a:gsLst>
-            <a:gs pos="0">
-              <a:schemeClr val="accent1">
-                <a:lumMod val="0"/>
-                <a:lumOff val="100000"/>
-              </a:schemeClr>
-            </a:gs>
-            <a:gs pos="35000">
-              <a:schemeClr val="accent1">
-                <a:lumMod val="0"/>
-                <a:lumOff val="100000"/>
-              </a:schemeClr>
-            </a:gs>
-            <a:gs pos="97000">
-              <a:schemeClr val="accent1">
-                <a:lumMod val="100000"/>
-              </a:schemeClr>
-            </a:gs>
-          </a:gsLst>
-          <a:path path="circle">
-            <a:fillToRect l="50000" t="-80000" r="50000" b="180000"/>
-          </a:path>
-        </a:gradFill>
-        <a:effectLst/>
-      </p:bgPr>
-    </p:bg>
-    <p:spTree>
-      <p:nvGrpSpPr>
-        <p:cNvPr id="1" name=""/>
-        <p:cNvGrpSpPr/>
-        <p:nvPr/>
-      </p:nvGrpSpPr>
-      <p:grpSpPr>
-        <a:xfrm>
-          <a:off x="0" y="0"/>
-          <a:ext cx="0" cy="0"/>
-          <a:chOff x="0" y="0"/>
-          <a:chExt cx="0" cy="0"/>
-        </a:xfrm>
-      </p:grpSpPr>
-      <p:sp>
-        <p:nvSpPr>
-          <p:cNvPr id="3" name="מציין מיקום תוכן 2">
-            <a:extLst>
-              <a:ext uri="{FF2B5EF4-FFF2-40B4-BE49-F238E27FC236}">
-                <a16:creationId xmlns:a16="http://schemas.microsoft.com/office/drawing/2014/main" id="{38B9A60E-1AC0-4F00-896A-E8C0657F2B6F}"/>
-              </a:ext>
-            </a:extLst>
-          </p:cNvPr>
-          <p:cNvSpPr>
-            <a:spLocks noGrp="1"/>
-          </p:cNvSpPr>
-          <p:nvPr>
-            <p:ph idx="1"/>
-          </p:nvPr>
-        </p:nvSpPr>
-        <p:spPr>
-          <a:xfrm>
-            <a:off x="168965" y="1113184"/>
-            <a:ext cx="11917018" cy="5371474"/>
-          </a:xfrm>
-        </p:spPr>
-        <p:txBody>
-          <a:bodyPr>
-            <a:normAutofit/>
-          </a:bodyPr>
-          <a:lstStyle/>
+              <a:rPr lang="he-IL" u="sng">
+                <a:latin typeface="David" panose="020E0502060401010101" pitchFamily="34" charset="-79"/>
+                <a:cs typeface="David" panose="020E0502060401010101" pitchFamily="34" charset="-79"/>
+              </a:rPr>
+              <a:t>מסקנות + דברים שהיינו רוצים להוסיף \ לשפר</a:t>
+            </a:r>
+          </a:p>
           <a:p>
             <a:pPr>
               <a:lnSpc>
@@ -5914,10 +4830,25 @@
               </a:spcAft>
             </a:pPr>
             <a:r>
-              <a:rPr lang="he-IL" dirty="0">
-                <a:latin typeface="David" panose="020E0502060401010101" pitchFamily="34" charset="-79"/>
-              </a:rPr>
-              <a:t>נתחיל מכך שלאחר הוספת המשפטים החדשים תוצאות החיזוי היו יותר גבוהות.</a:t>
+              <a:rPr lang="he-IL">
+                <a:latin typeface="David" panose="020E0502060401010101" pitchFamily="34" charset="-79"/>
+                <a:cs typeface="David" panose="020E0502060401010101" pitchFamily="34" charset="-79"/>
+              </a:rPr>
+              <a:t>מפאת זמן וחוסר משאבים של המחשבים שלנו, לא הצלחנו לאמן את המודל יותר מפעם אחת על הדאטה סט החדש. גם יצירת הטקסט באמצעות </a:t>
+            </a:r>
+            <a:r>
+              <a:rPr lang="en-US">
+                <a:latin typeface="David" panose="020E0502060401010101" pitchFamily="34" charset="-79"/>
+                <a:cs typeface="David" panose="020E0502060401010101" pitchFamily="34" charset="-79"/>
+              </a:rPr>
+              <a:t>GPT2</a:t>
+            </a:r>
+            <a:r>
+              <a:rPr lang="he-IL">
+                <a:latin typeface="David" panose="020E0502060401010101" pitchFamily="34" charset="-79"/>
+                <a:cs typeface="David" panose="020E0502060401010101" pitchFamily="34" charset="-79"/>
+              </a:rPr>
+              <a:t> גבתה זמנים כבדים ולכן לא ביצענו "כיוונון" נוסף בפעם השנייה. </a:t>
             </a:r>
           </a:p>
           <a:p>
@@ -5932,123 +4863,10 @@
                 <a:spcPts val="1200"/>
               </a:spcAft>
             </a:pPr>
-            <a:r>
-              <a:rPr lang="he-IL" dirty="0">
-                <a:latin typeface="David" panose="020E0502060401010101" pitchFamily="34" charset="-79"/>
-              </a:rPr>
-              <a:t>מפאת זמן וחוסר משאבים של המחשבים שלנו, הצלחנו לייצר </a:t>
-            </a:r>
-            <a:r>
-              <a:rPr lang="en-US" dirty="0">
-                <a:latin typeface="David" panose="020E0502060401010101" pitchFamily="34" charset="-79"/>
-              </a:rPr>
-              <a:t>data</a:t>
-            </a:r>
-            <a:r>
-              <a:rPr lang="he-IL" dirty="0">
-                <a:latin typeface="David" panose="020E0502060401010101" pitchFamily="34" charset="-79"/>
-              </a:rPr>
-              <a:t> חדש שהניב תוצאות יותר טובות אך אם היינו ממשיכים לייצר </a:t>
-            </a:r>
-            <a:r>
-              <a:rPr lang="en-US" dirty="0">
-                <a:latin typeface="David" panose="020E0502060401010101" pitchFamily="34" charset="-79"/>
-              </a:rPr>
-              <a:t>data</a:t>
-            </a:r>
-            <a:r>
-              <a:rPr lang="he-IL" dirty="0">
-                <a:latin typeface="David" panose="020E0502060401010101" pitchFamily="34" charset="-79"/>
-              </a:rPr>
-              <a:t> חדש מלאכותי התוצאות היו משתפרות באופן ניכר יותר</a:t>
-            </a:r>
-          </a:p>
-          <a:p>
-            <a:pPr>
-              <a:lnSpc>
-                <a:spcPct val="160000"/>
-              </a:lnSpc>
-              <a:spcBef>
-                <a:spcPts val="0"/>
-              </a:spcBef>
-              <a:spcAft>
-                <a:spcPts val="1200"/>
-              </a:spcAft>
-            </a:pPr>
-            <a:r>
-              <a:rPr lang="he-IL" dirty="0">
-                <a:latin typeface="David" panose="020E0502060401010101" pitchFamily="34" charset="-79"/>
-              </a:rPr>
-              <a:t>את המודל הצלחנו לאמן  אך ה"כיוונון" קרה פעם אחת שוב מפאת חוסר במשאבים חזקים וזמן.</a:t>
-            </a:r>
-          </a:p>
-          <a:p>
-            <a:pPr>
-              <a:lnSpc>
-                <a:spcPct val="160000"/>
-              </a:lnSpc>
-              <a:spcBef>
-                <a:spcPts val="0"/>
-              </a:spcBef>
-              <a:spcAft>
-                <a:spcPts val="1200"/>
-              </a:spcAft>
-            </a:pPr>
-            <a:r>
-              <a:rPr lang="he-IL" dirty="0">
-                <a:latin typeface="David" panose="020E0502060401010101" pitchFamily="34" charset="-79"/>
-              </a:rPr>
-              <a:t> נציין שבעתיד ניתן להשתמש במודל שבנינו לצורך הרחבות של מחקרים בנושא.</a:t>
-            </a:r>
-          </a:p>
-        </p:txBody>
-      </p:sp>
-      <p:sp>
-        <p:nvSpPr>
-          <p:cNvPr id="2" name="מלבן 1">
-            <a:extLst>
-              <a:ext uri="{FF2B5EF4-FFF2-40B4-BE49-F238E27FC236}">
-                <a16:creationId xmlns:a16="http://schemas.microsoft.com/office/drawing/2014/main" id="{59E0167C-8208-45F0-99B1-F2D61AFC280A}"/>
-              </a:ext>
-            </a:extLst>
-          </p:cNvPr>
-          <p:cNvSpPr/>
-          <p:nvPr/>
-        </p:nvSpPr>
-        <p:spPr>
-          <a:xfrm>
-            <a:off x="368525" y="-289387"/>
-            <a:ext cx="11517897" cy="1118832"/>
-          </a:xfrm>
-          <a:prstGeom prst="rect">
-            <a:avLst/>
-          </a:prstGeom>
-          <a:noFill/>
-        </p:spPr>
-        <p:txBody>
-          <a:bodyPr wrap="none" lIns="91440" tIns="45720" rIns="91440" bIns="45720">
-            <a:spAutoFit/>
-          </a:bodyPr>
-          <a:lstStyle/>
-          <a:p>
-            <a:pPr marL="0" indent="0" algn="ctr" rtl="1">
-              <a:lnSpc>
-                <a:spcPct val="160000"/>
-              </a:lnSpc>
-              <a:spcBef>
-                <a:spcPts val="0"/>
-              </a:spcBef>
-              <a:spcAft>
-                <a:spcPts val="1200"/>
-              </a:spcAft>
-              <a:buNone/>
-            </a:pPr>
-            <a:r>
-              <a:rPr lang="he-IL" sz="4800" b="1" dirty="0">
-                <a:latin typeface="David" panose="020E0502060401010101" pitchFamily="34" charset="-79"/>
-              </a:rPr>
-              <a:t>מסקנות + דברים שהיינו רוצים להוסיף \ לשפר</a:t>
-            </a:r>
+            <a:endParaRPr lang="he-IL">
+              <a:latin typeface="David" panose="020E0502060401010101" pitchFamily="34" charset="-79"/>
+              <a:cs typeface="David" panose="020E0502060401010101" pitchFamily="34" charset="-79"/>
+            </a:endParaRPr>
           </a:p>
         </p:txBody>
       </p:sp>
@@ -6734,7 +5552,7 @@
                 <a:lumOff val="100000"/>
               </a:schemeClr>
             </a:gs>
-            <a:gs pos="47000">
+            <a:gs pos="35000">
               <a:schemeClr val="accent1">
                 <a:lumMod val="0"/>
                 <a:lumOff val="100000"/>
@@ -6769,10 +5587,486 @@
       </p:grpSpPr>
       <p:sp>
         <p:nvSpPr>
+          <p:cNvPr id="3" name="מציין מיקום תוכן 2">
+            <a:extLst>
+              <a:ext uri="{FF2B5EF4-FFF2-40B4-BE49-F238E27FC236}">
+                <a16:creationId xmlns:a16="http://schemas.microsoft.com/office/drawing/2014/main" id="{8318D921-F593-46C9-8B2B-757E08B335CA}"/>
+              </a:ext>
+            </a:extLst>
+          </p:cNvPr>
+          <p:cNvSpPr>
+            <a:spLocks noGrp="1"/>
+          </p:cNvSpPr>
+          <p:nvPr>
+            <p:ph idx="1"/>
+          </p:nvPr>
+        </p:nvSpPr>
+        <p:spPr>
+          <a:xfrm>
+            <a:off x="209550" y="1047155"/>
+            <a:ext cx="11700158" cy="5734645"/>
+          </a:xfrm>
+        </p:spPr>
+        <p:txBody>
+          <a:bodyPr>
+            <a:normAutofit fontScale="25000" lnSpcReduction="20000"/>
+          </a:bodyPr>
+          <a:lstStyle/>
+          <a:p>
+            <a:pPr algn="r" rtl="1">
+              <a:spcBef>
+                <a:spcPts val="1200"/>
+              </a:spcBef>
+              <a:spcAft>
+                <a:spcPts val="1200"/>
+              </a:spcAft>
+            </a:pPr>
+            <a:r>
+              <a:rPr lang="he-IL" sz="8800" i="0" u="none" strike="noStrike" dirty="0">
+                <a:solidFill>
+                  <a:srgbClr val="000000"/>
+                </a:solidFill>
+                <a:effectLst/>
+                <a:latin typeface="Arial" panose="020B0604020202020204" pitchFamily="34" charset="0"/>
+              </a:rPr>
+              <a:t>שימוש במודלים לניתוח שפות טבעיות למטרות קלסיפיקציה.</a:t>
+            </a:r>
+            <a:endParaRPr lang="he-IL" sz="8800" dirty="0">
+              <a:effectLst/>
+            </a:endParaRPr>
+          </a:p>
+          <a:p>
+            <a:pPr algn="r" rtl="1">
+              <a:spcBef>
+                <a:spcPts val="1200"/>
+              </a:spcBef>
+              <a:spcAft>
+                <a:spcPts val="1200"/>
+              </a:spcAft>
+            </a:pPr>
+            <a:r>
+              <a:rPr lang="he-IL" sz="8800" i="0" u="none" strike="noStrike" dirty="0">
+                <a:solidFill>
+                  <a:srgbClr val="000000"/>
+                </a:solidFill>
+                <a:effectLst/>
+                <a:latin typeface="Arial" panose="020B0604020202020204" pitchFamily="34" charset="0"/>
+              </a:rPr>
+              <a:t>בתור אלגוריתם בסיסי להשוואה השתמשנו במודל </a:t>
+            </a:r>
+            <a:r>
+              <a:rPr lang="en-US" sz="8800" b="1" i="0" u="none" strike="noStrike" dirty="0">
+                <a:solidFill>
+                  <a:srgbClr val="000000"/>
+                </a:solidFill>
+                <a:effectLst/>
+                <a:latin typeface="Arial" panose="020B0604020202020204" pitchFamily="34" charset="0"/>
+              </a:rPr>
+              <a:t>BERT</a:t>
+            </a:r>
+            <a:r>
+              <a:rPr lang="en-US" sz="8800" i="0" u="none" strike="noStrike" dirty="0">
+                <a:solidFill>
+                  <a:srgbClr val="000000"/>
+                </a:solidFill>
+                <a:effectLst/>
+                <a:latin typeface="Arial" panose="020B0604020202020204" pitchFamily="34" charset="0"/>
+              </a:rPr>
+              <a:t> </a:t>
+            </a:r>
+            <a:r>
+              <a:rPr lang="he-IL" sz="8800" i="0" u="none" strike="noStrike" dirty="0">
+                <a:solidFill>
+                  <a:srgbClr val="000000"/>
+                </a:solidFill>
+                <a:effectLst/>
+                <a:latin typeface="Arial" panose="020B0604020202020204" pitchFamily="34" charset="0"/>
+              </a:rPr>
+              <a:t> הפותח על ידי חוקרים של חברת </a:t>
+            </a:r>
+            <a:r>
+              <a:rPr lang="en-US" sz="8800" i="0" u="none" strike="noStrike" dirty="0">
+                <a:solidFill>
+                  <a:srgbClr val="000000"/>
+                </a:solidFill>
+                <a:effectLst/>
+                <a:latin typeface="Arial" panose="020B0604020202020204" pitchFamily="34" charset="0"/>
+              </a:rPr>
+              <a:t>Google</a:t>
+            </a:r>
+            <a:r>
+              <a:rPr lang="he-IL" sz="8800" i="0" u="none" strike="noStrike" dirty="0">
+                <a:solidFill>
+                  <a:srgbClr val="000000"/>
+                </a:solidFill>
+                <a:effectLst/>
+                <a:latin typeface="Arial" panose="020B0604020202020204" pitchFamily="34" charset="0"/>
+              </a:rPr>
+              <a:t>.</a:t>
+            </a:r>
+            <a:endParaRPr lang="en-US" sz="8800" dirty="0">
+              <a:effectLst/>
+            </a:endParaRPr>
+          </a:p>
+          <a:p>
+            <a:pPr algn="r" rtl="1">
+              <a:spcBef>
+                <a:spcPts val="1200"/>
+              </a:spcBef>
+              <a:spcAft>
+                <a:spcPts val="1200"/>
+              </a:spcAft>
+            </a:pPr>
+            <a:r>
+              <a:rPr lang="en-US" sz="8800" i="0" u="none" strike="noStrike" dirty="0">
+                <a:solidFill>
+                  <a:srgbClr val="000000"/>
+                </a:solidFill>
+                <a:effectLst/>
+                <a:latin typeface="Arial" panose="020B0604020202020204" pitchFamily="34" charset="0"/>
+              </a:rPr>
+              <a:t>BERT</a:t>
+            </a:r>
+            <a:r>
+              <a:rPr lang="he-IL" sz="8800" dirty="0">
+                <a:solidFill>
+                  <a:srgbClr val="000000"/>
+                </a:solidFill>
+                <a:latin typeface="Arial" panose="020B0604020202020204" pitchFamily="34" charset="0"/>
+              </a:rPr>
+              <a:t> (</a:t>
+            </a:r>
+            <a:r>
+              <a:rPr lang="en-US" sz="8800" i="0" u="none" strike="noStrike" dirty="0">
+                <a:solidFill>
+                  <a:srgbClr val="000000"/>
+                </a:solidFill>
+                <a:effectLst/>
+                <a:latin typeface="Arial" panose="020B0604020202020204" pitchFamily="34" charset="0"/>
+              </a:rPr>
+              <a:t>Bidirectional Encoder Representations from Transformers </a:t>
+            </a:r>
+            <a:r>
+              <a:rPr lang="he-IL" sz="8800" i="0" u="none" strike="noStrike" dirty="0">
+                <a:solidFill>
+                  <a:srgbClr val="000000"/>
+                </a:solidFill>
+                <a:effectLst/>
+                <a:latin typeface="Arial" panose="020B0604020202020204" pitchFamily="34" charset="0"/>
+              </a:rPr>
+              <a:t>)</a:t>
+            </a:r>
+            <a:r>
+              <a:rPr lang="he-IL" sz="8800" dirty="0">
+                <a:solidFill>
+                  <a:srgbClr val="000000"/>
+                </a:solidFill>
+                <a:latin typeface="Arial" panose="020B0604020202020204" pitchFamily="34" charset="0"/>
+              </a:rPr>
+              <a:t>: </a:t>
+            </a:r>
+            <a:r>
+              <a:rPr lang="he-IL" sz="8800" i="0" u="none" strike="noStrike" dirty="0">
+                <a:solidFill>
+                  <a:srgbClr val="000000"/>
+                </a:solidFill>
+                <a:effectLst/>
+                <a:latin typeface="Arial" panose="020B0604020202020204" pitchFamily="34" charset="0"/>
+              </a:rPr>
+              <a:t>הוא מאמר שפורסם בשנת 2018 על ידי חוקרים ב-</a:t>
+            </a:r>
+            <a:r>
+              <a:rPr lang="en-US" sz="8800" i="0" u="none" strike="noStrike" dirty="0">
+                <a:solidFill>
+                  <a:srgbClr val="000000"/>
+                </a:solidFill>
+                <a:effectLst/>
+                <a:latin typeface="Arial" panose="020B0604020202020204" pitchFamily="34" charset="0"/>
+              </a:rPr>
+              <a:t>Google AI Language.  </a:t>
+            </a:r>
+            <a:r>
+              <a:rPr lang="he-IL" sz="8800" i="0" u="none" strike="noStrike" dirty="0">
+                <a:solidFill>
+                  <a:srgbClr val="000000"/>
+                </a:solidFill>
+                <a:effectLst/>
+                <a:latin typeface="Arial" panose="020B0604020202020204" pitchFamily="34" charset="0"/>
+              </a:rPr>
+              <a:t> שהציג תוצאות מתקדמות במגוון רחב של משימות</a:t>
+            </a:r>
+            <a:r>
+              <a:rPr lang="en-US" sz="8800" i="0" u="none" strike="noStrike" dirty="0">
+                <a:solidFill>
+                  <a:srgbClr val="000000"/>
+                </a:solidFill>
+                <a:effectLst/>
+                <a:latin typeface="Arial" panose="020B0604020202020204" pitchFamily="34" charset="0"/>
+              </a:rPr>
+              <a:t>NLP </a:t>
+            </a:r>
+            <a:r>
+              <a:rPr lang="he-IL" sz="8800" i="0" u="none" strike="noStrike" dirty="0">
+                <a:solidFill>
+                  <a:srgbClr val="000000"/>
+                </a:solidFill>
+                <a:effectLst/>
+                <a:latin typeface="Arial" panose="020B0604020202020204" pitchFamily="34" charset="0"/>
+              </a:rPr>
+              <a:t> (למידה עמוקה ושפות טבעיות).</a:t>
+            </a:r>
+            <a:endParaRPr lang="he-IL" sz="8800" dirty="0">
+              <a:effectLst/>
+            </a:endParaRPr>
+          </a:p>
+          <a:p>
+            <a:pPr algn="r" rtl="1">
+              <a:spcBef>
+                <a:spcPts val="1200"/>
+              </a:spcBef>
+              <a:spcAft>
+                <a:spcPts val="1200"/>
+              </a:spcAft>
+            </a:pPr>
+            <a:r>
+              <a:rPr lang="he-IL" sz="8800" i="0" u="none" strike="noStrike" dirty="0">
+                <a:solidFill>
+                  <a:srgbClr val="000000"/>
+                </a:solidFill>
+                <a:effectLst/>
+                <a:latin typeface="Arial" panose="020B0604020202020204" pitchFamily="34" charset="0"/>
+              </a:rPr>
+              <a:t>החידוש הטכני העיקרי של </a:t>
+            </a:r>
+            <a:r>
+              <a:rPr lang="en-US" sz="8800" i="0" u="none" strike="noStrike" dirty="0">
+                <a:solidFill>
+                  <a:srgbClr val="000000"/>
+                </a:solidFill>
+                <a:effectLst/>
+                <a:latin typeface="Arial" panose="020B0604020202020204" pitchFamily="34" charset="0"/>
+              </a:rPr>
+              <a:t>BERT </a:t>
+            </a:r>
+            <a:r>
+              <a:rPr lang="he-IL" sz="8800" i="0" u="none" strike="noStrike" dirty="0">
+                <a:solidFill>
+                  <a:srgbClr val="000000"/>
+                </a:solidFill>
+                <a:effectLst/>
+                <a:latin typeface="Arial" panose="020B0604020202020204" pitchFamily="34" charset="0"/>
+              </a:rPr>
+              <a:t> הוא יישום ההדרכה הדו-כיוונית של</a:t>
+            </a:r>
+            <a:r>
+              <a:rPr lang="en-US" sz="8800" i="0" u="none" strike="noStrike" dirty="0">
+                <a:solidFill>
+                  <a:srgbClr val="000000"/>
+                </a:solidFill>
+                <a:effectLst/>
+                <a:latin typeface="Arial" panose="020B0604020202020204" pitchFamily="34" charset="0"/>
+              </a:rPr>
+              <a:t>Transformer </a:t>
+            </a:r>
+            <a:r>
+              <a:rPr lang="he-IL" sz="8800" i="0" u="none" strike="noStrike" dirty="0">
+                <a:solidFill>
+                  <a:srgbClr val="000000"/>
+                </a:solidFill>
+                <a:effectLst/>
+                <a:latin typeface="Arial" panose="020B0604020202020204" pitchFamily="34" charset="0"/>
+              </a:rPr>
+              <a:t> על מודלים של שפות. זאת בניגוד למאמצים קודמים שבדקו רצף טקסט משמאל לימין או אימון מימין לשמאל. תוצאות המאמר מראות שמודל שפה שאומן בשפה דו-כיוונית יכול להיות בעל תחושה עמוקה יותר של הקשר וזרימה של שפה מאשר מודלים של שפה חד-כיוונית. במאמר מפרטים החוקרים טכניקה חדשה בשם </a:t>
+            </a:r>
+            <a:r>
+              <a:rPr lang="en-US" sz="8800" i="0" u="none" strike="noStrike" dirty="0">
+                <a:solidFill>
+                  <a:srgbClr val="000000"/>
+                </a:solidFill>
+                <a:effectLst/>
+                <a:latin typeface="Arial" panose="020B0604020202020204" pitchFamily="34" charset="0"/>
+              </a:rPr>
+              <a:t>Masked LM (MLM) </a:t>
+            </a:r>
+            <a:r>
+              <a:rPr lang="he-IL" sz="8800" i="0" u="none" strike="noStrike" dirty="0">
+                <a:solidFill>
+                  <a:srgbClr val="000000"/>
+                </a:solidFill>
+                <a:effectLst/>
+                <a:latin typeface="Arial" panose="020B0604020202020204" pitchFamily="34" charset="0"/>
+              </a:rPr>
+              <a:t> המאפשרת אימון דו כיווני במודלים שבהם זה היה בלתי אפשרי בעבר.</a:t>
+            </a:r>
+            <a:endParaRPr lang="he-IL" sz="8800" dirty="0">
+              <a:effectLst/>
+            </a:endParaRPr>
+          </a:p>
+          <a:p>
+            <a:pPr algn="r" rtl="1">
+              <a:spcBef>
+                <a:spcPts val="1200"/>
+              </a:spcBef>
+              <a:spcAft>
+                <a:spcPts val="1200"/>
+              </a:spcAft>
+            </a:pPr>
+            <a:r>
+              <a:rPr lang="he-IL" sz="11200" b="1" i="0" u="sng" strike="noStrike" dirty="0">
+                <a:solidFill>
+                  <a:srgbClr val="000000"/>
+                </a:solidFill>
+                <a:effectLst/>
+                <a:latin typeface="Arial" panose="020B0604020202020204" pitchFamily="34" charset="0"/>
+              </a:rPr>
+              <a:t>אז איך הוא עובד ?</a:t>
+            </a:r>
+            <a:endParaRPr lang="he-IL" sz="11200" b="1" u="sng" dirty="0">
+              <a:effectLst/>
+            </a:endParaRPr>
+          </a:p>
+          <a:p>
+            <a:pPr algn="r" rtl="1">
+              <a:spcBef>
+                <a:spcPts val="1200"/>
+              </a:spcBef>
+              <a:spcAft>
+                <a:spcPts val="1200"/>
+              </a:spcAft>
+            </a:pPr>
+            <a:r>
+              <a:rPr lang="en-US" sz="8800" i="0" u="none" strike="noStrike" dirty="0">
+                <a:solidFill>
+                  <a:srgbClr val="000000"/>
+                </a:solidFill>
+                <a:effectLst/>
+                <a:latin typeface="Arial" panose="020B0604020202020204" pitchFamily="34" charset="0"/>
+              </a:rPr>
+              <a:t>BERT </a:t>
+            </a:r>
+            <a:r>
+              <a:rPr lang="he-IL" sz="8800" i="0" u="none" strike="noStrike" dirty="0">
+                <a:solidFill>
+                  <a:srgbClr val="000000"/>
+                </a:solidFill>
+                <a:effectLst/>
+                <a:latin typeface="Arial" panose="020B0604020202020204" pitchFamily="34" charset="0"/>
+              </a:rPr>
+              <a:t> עושה שימוש ב-</a:t>
+            </a:r>
+            <a:r>
+              <a:rPr lang="en-US" sz="8800" i="0" u="none" strike="noStrike" dirty="0">
+                <a:solidFill>
+                  <a:srgbClr val="000000"/>
+                </a:solidFill>
+                <a:effectLst/>
+                <a:latin typeface="Arial" panose="020B0604020202020204" pitchFamily="34" charset="0"/>
+              </a:rPr>
+              <a:t>Transformer </a:t>
+            </a:r>
+            <a:r>
+              <a:rPr lang="he-IL" sz="8800" dirty="0">
+                <a:solidFill>
+                  <a:srgbClr val="000000"/>
+                </a:solidFill>
+                <a:latin typeface="Arial" panose="020B0604020202020204" pitchFamily="34" charset="0"/>
+              </a:rPr>
+              <a:t>, </a:t>
+            </a:r>
+            <a:r>
+              <a:rPr lang="he-IL" sz="8800" i="0" u="none" strike="noStrike" dirty="0">
+                <a:solidFill>
+                  <a:srgbClr val="000000"/>
+                </a:solidFill>
+                <a:effectLst/>
+                <a:latin typeface="Arial" panose="020B0604020202020204" pitchFamily="34" charset="0"/>
+              </a:rPr>
+              <a:t>שזהו מנגנון קשב הלומד יחסים וקשרים בין </a:t>
+            </a:r>
+            <a:r>
+              <a:rPr lang="he-IL" sz="8800" i="0" u="none" strike="noStrike">
+                <a:solidFill>
+                  <a:srgbClr val="000000"/>
+                </a:solidFill>
+                <a:effectLst/>
+                <a:latin typeface="Arial" panose="020B0604020202020204" pitchFamily="34" charset="0"/>
+              </a:rPr>
+              <a:t>מילים </a:t>
+            </a:r>
+            <a:br>
+              <a:rPr lang="en-US" sz="8800">
+                <a:solidFill>
+                  <a:srgbClr val="000000"/>
+                </a:solidFill>
+                <a:latin typeface="Arial" panose="020B0604020202020204" pitchFamily="34" charset="0"/>
+              </a:rPr>
+            </a:br>
+            <a:r>
+              <a:rPr lang="he-IL" sz="8800" i="0" u="none" strike="noStrike">
+                <a:solidFill>
+                  <a:srgbClr val="000000"/>
+                </a:solidFill>
+                <a:effectLst/>
+                <a:latin typeface="Arial" panose="020B0604020202020204" pitchFamily="34" charset="0"/>
+              </a:rPr>
+              <a:t>(</a:t>
+            </a:r>
+            <a:r>
+              <a:rPr lang="he-IL" sz="8800" i="0" u="none" strike="noStrike" dirty="0">
+                <a:solidFill>
+                  <a:srgbClr val="000000"/>
+                </a:solidFill>
+                <a:effectLst/>
+                <a:latin typeface="Arial" panose="020B0604020202020204" pitchFamily="34" charset="0"/>
+              </a:rPr>
+              <a:t>או מילות משנה) בטקסט. </a:t>
+            </a:r>
+            <a:endParaRPr lang="he-IL" sz="8800" dirty="0">
+              <a:effectLst/>
+            </a:endParaRPr>
+          </a:p>
+          <a:p>
+            <a:pPr algn="r" rtl="1">
+              <a:spcBef>
+                <a:spcPts val="1200"/>
+              </a:spcBef>
+              <a:spcAft>
+                <a:spcPts val="1200"/>
+              </a:spcAft>
+            </a:pPr>
+            <a:r>
+              <a:rPr lang="en-US" sz="8800" i="0" u="none" strike="noStrike" dirty="0">
+                <a:solidFill>
+                  <a:srgbClr val="000000"/>
+                </a:solidFill>
+                <a:effectLst/>
+                <a:latin typeface="Arial" panose="020B0604020202020204" pitchFamily="34" charset="0"/>
+              </a:rPr>
+              <a:t>Transformer </a:t>
+            </a:r>
+            <a:r>
+              <a:rPr lang="he-IL" sz="8800" i="0" u="none" strike="noStrike" dirty="0">
+                <a:solidFill>
+                  <a:srgbClr val="000000"/>
+                </a:solidFill>
+                <a:effectLst/>
+                <a:latin typeface="Arial" panose="020B0604020202020204" pitchFamily="34" charset="0"/>
+              </a:rPr>
+              <a:t> כולל שני מנגנונים נפרדים - מקודד הקורא את קלט הטקסט, ומפענח שמייצר חיזוי למשימה. </a:t>
+            </a:r>
+            <a:br>
+              <a:rPr lang="he-IL" dirty="0"/>
+            </a:br>
+            <a:endParaRPr lang="en-IL" dirty="0"/>
+          </a:p>
+        </p:txBody>
+      </p:sp>
+      <p:sp>
+        <p:nvSpPr>
           <p:cNvPr id="4" name="מלבן 3">
             <a:extLst>
               <a:ext uri="{FF2B5EF4-FFF2-40B4-BE49-F238E27FC236}">
-                <a16:creationId xmlns:a16="http://schemas.microsoft.com/office/drawing/2014/main" id="{512F963F-9B60-4614-9292-47A7264640D0}"/>
+                <a16:creationId xmlns:a16="http://schemas.microsoft.com/office/drawing/2014/main" id="{D7581FDB-FE76-413E-A76A-AF987BAC7954}"/>
               </a:ext>
             </a:extLst>
           </p:cNvPr>
@@ -6781,8 +6075,8 @@
         </p:nvSpPr>
         <p:spPr>
           <a:xfrm>
-            <a:off x="1682061" y="928985"/>
-            <a:ext cx="9304150" cy="1107996"/>
+            <a:off x="7616545" y="0"/>
+            <a:ext cx="4293163" cy="923330"/>
           </a:xfrm>
           <a:prstGeom prst="rect">
             <a:avLst/>
@@ -6797,7 +6091,7 @@
           <a:p>
             <a:pPr algn="ctr"/>
             <a:r>
-              <a:rPr lang="he-IL" sz="6600" cap="none" spc="0" dirty="0">
+              <a:rPr lang="he-IL" sz="5400" b="1" cap="none" spc="0" dirty="0">
                 <a:ln w="0"/>
                 <a:solidFill>
                   <a:schemeClr val="tx1"/>
@@ -6810,10 +6104,10 @@
                   </a:outerShdw>
                 </a:effectLst>
               </a:rPr>
-              <a:t>אז</a:t>
-            </a:r>
-            <a:r>
-              <a:rPr lang="he-IL" sz="6600" dirty="0">
+              <a:t>שיטה </a:t>
+            </a:r>
+            <a:r>
+              <a:rPr lang="he-IL" sz="5400" b="1" dirty="0">
                 <a:ln w="0"/>
                 <a:effectLst>
                   <a:outerShdw blurRad="38100" dist="19050" dir="2700000" algn="tl" rotWithShape="0">
@@ -6823,33 +6117,30 @@
                   </a:outerShdw>
                 </a:effectLst>
               </a:rPr>
-              <a:t> אילו שיטות קיימות </a:t>
-            </a:r>
-            <a:r>
-              <a:rPr lang="he-IL" sz="6600" cap="none" spc="0" dirty="0">
-                <a:ln w="0"/>
-                <a:solidFill>
-                  <a:schemeClr val="tx1"/>
-                </a:solidFill>
-                <a:effectLst>
-                  <a:outerShdw blurRad="38100" dist="19050" dir="2700000" algn="tl" rotWithShape="0">
-                    <a:schemeClr val="dk1">
-                      <a:alpha val="40000"/>
-                    </a:schemeClr>
-                  </a:outerShdw>
-                </a:effectLst>
-              </a:rPr>
-              <a:t>היום?</a:t>
-            </a:r>
+              <a:t>ראשונה:</a:t>
+            </a:r>
+            <a:endParaRPr lang="he-IL" sz="5400" b="1" cap="none" spc="0" dirty="0">
+              <a:ln w="0"/>
+              <a:solidFill>
+                <a:schemeClr val="tx1"/>
+              </a:solidFill>
+              <a:effectLst>
+                <a:outerShdw blurRad="38100" dist="19050" dir="2700000" algn="tl" rotWithShape="0">
+                  <a:schemeClr val="dk1">
+                    <a:alpha val="40000"/>
+                  </a:schemeClr>
+                </a:outerShdw>
+              </a:effectLst>
+            </a:endParaRPr>
           </a:p>
         </p:txBody>
       </p:sp>
       <p:pic>
         <p:nvPicPr>
-          <p:cNvPr id="6" name="תמונה 5" descr="זכוכית מגדלת וסימן שאלה">
-            <a:extLst>
-              <a:ext uri="{FF2B5EF4-FFF2-40B4-BE49-F238E27FC236}">
-                <a16:creationId xmlns:a16="http://schemas.microsoft.com/office/drawing/2014/main" id="{4074E691-61A2-490B-A982-D2DC94A61A2A}"/>
+          <p:cNvPr id="6" name="תמונה 5">
+            <a:extLst>
+              <a:ext uri="{FF2B5EF4-FFF2-40B4-BE49-F238E27FC236}">
+                <a16:creationId xmlns:a16="http://schemas.microsoft.com/office/drawing/2014/main" id="{24588E40-235C-4505-817E-E642265EF7EC}"/>
               </a:ext>
             </a:extLst>
           </p:cNvPr>
@@ -6872,8 +6163,8 @@
         </p:blipFill>
         <p:spPr>
           <a:xfrm>
-            <a:off x="3867273" y="2371426"/>
-            <a:ext cx="4714752" cy="2652145"/>
+            <a:off x="0" y="0"/>
+            <a:ext cx="2074332" cy="1166812"/>
           </a:xfrm>
           <a:prstGeom prst="rect">
             <a:avLst/>
@@ -6883,7 +6174,7 @@
     </p:spTree>
     <p:extLst>
       <p:ext uri="{BB962C8B-B14F-4D97-AF65-F5344CB8AC3E}">
-        <p14:creationId xmlns:p14="http://schemas.microsoft.com/office/powerpoint/2010/main" val="2021347877"/>
+        <p14:creationId xmlns:p14="http://schemas.microsoft.com/office/powerpoint/2010/main" val="3935029123"/>
       </p:ext>
     </p:extLst>
   </p:cSld>
@@ -6944,7 +6235,7 @@
           <p:cNvPr id="3" name="מציין מיקום תוכן 2">
             <a:extLst>
               <a:ext uri="{FF2B5EF4-FFF2-40B4-BE49-F238E27FC236}">
-                <a16:creationId xmlns:a16="http://schemas.microsoft.com/office/drawing/2014/main" id="{8318D921-F593-46C9-8B2B-757E08B335CA}"/>
+                <a16:creationId xmlns:a16="http://schemas.microsoft.com/office/drawing/2014/main" id="{E3A0FA9F-7002-42E8-B1FC-FA599E99C007}"/>
               </a:ext>
             </a:extLst>
           </p:cNvPr>
@@ -6957,442 +6248,468 @@
         </p:nvSpPr>
         <p:spPr>
           <a:xfrm>
-            <a:off x="209550" y="1047155"/>
-            <a:ext cx="11700158" cy="5734645"/>
+            <a:off x="1685365" y="760979"/>
+            <a:ext cx="10118254" cy="5410100"/>
           </a:xfrm>
         </p:spPr>
         <p:txBody>
           <a:bodyPr>
-            <a:normAutofit fontScale="25000" lnSpcReduction="20000"/>
+            <a:noAutofit/>
           </a:bodyPr>
           <a:lstStyle/>
           <a:p>
+            <a:pPr marL="0" indent="0" algn="r" rtl="1">
+              <a:spcBef>
+                <a:spcPts val="0"/>
+              </a:spcBef>
+              <a:spcAft>
+                <a:spcPts val="1200"/>
+              </a:spcAft>
+              <a:buNone/>
+            </a:pPr>
+            <a:r>
+              <a:rPr lang="en-US" b="1" i="0" u="none" strike="noStrike">
+                <a:solidFill>
+                  <a:srgbClr val="1A202C"/>
+                </a:solidFill>
+                <a:effectLst/>
+                <a:latin typeface="David" panose="020E0502060401010101" pitchFamily="34" charset="-79"/>
+                <a:cs typeface="David" panose="020E0502060401010101" pitchFamily="34" charset="-79"/>
+              </a:rPr>
+              <a:t>SpamGAN</a:t>
+            </a:r>
+            <a:r>
+              <a:rPr lang="he-IL" sz="2000">
+                <a:solidFill>
+                  <a:srgbClr val="1A202C"/>
+                </a:solidFill>
+                <a:latin typeface="David" panose="020E0502060401010101" pitchFamily="34" charset="-79"/>
+                <a:cs typeface="David" panose="020E0502060401010101" pitchFamily="34" charset="-79"/>
+              </a:rPr>
+              <a:t> </a:t>
+            </a:r>
+            <a:r>
+              <a:rPr lang="he-IL" sz="2000" dirty="0">
+                <a:solidFill>
+                  <a:srgbClr val="1A202C"/>
+                </a:solidFill>
+                <a:latin typeface="David" panose="020E0502060401010101" pitchFamily="34" charset="-79"/>
+                <a:cs typeface="David" panose="020E0502060401010101" pitchFamily="34" charset="-79"/>
+              </a:rPr>
+              <a:t>- </a:t>
+            </a:r>
+            <a:r>
+              <a:rPr lang="he-IL" sz="2000" i="0" u="none" strike="noStrike" dirty="0">
+                <a:solidFill>
+                  <a:srgbClr val="1A202C"/>
+                </a:solidFill>
+                <a:effectLst/>
+                <a:latin typeface="David" panose="020E0502060401010101" pitchFamily="34" charset="-79"/>
+                <a:cs typeface="David" panose="020E0502060401010101" pitchFamily="34" charset="-79"/>
+              </a:rPr>
+              <a:t>רשת נוירונים הבנויה מ-2 חלקים:</a:t>
+            </a:r>
+          </a:p>
+          <a:p>
+            <a:pPr marL="0" indent="0" algn="r" rtl="1">
+              <a:spcBef>
+                <a:spcPts val="0"/>
+              </a:spcBef>
+              <a:spcAft>
+                <a:spcPts val="1200"/>
+              </a:spcAft>
+              <a:buNone/>
+            </a:pPr>
+            <a:r>
+              <a:rPr lang="he-IL" sz="2000" dirty="0">
+                <a:solidFill>
+                  <a:srgbClr val="1A202C"/>
+                </a:solidFill>
+                <a:latin typeface="David" panose="020E0502060401010101" pitchFamily="34" charset="-79"/>
+                <a:cs typeface="David" panose="020E0502060401010101" pitchFamily="34" charset="-79"/>
+              </a:rPr>
+              <a:t>     </a:t>
+            </a:r>
+            <a:r>
+              <a:rPr lang="he-IL" sz="2000" i="0" u="none" strike="noStrike" dirty="0">
+                <a:solidFill>
+                  <a:srgbClr val="1A202C"/>
+                </a:solidFill>
+                <a:effectLst/>
+                <a:latin typeface="David" panose="020E0502060401010101" pitchFamily="34" charset="-79"/>
+                <a:cs typeface="David" panose="020E0502060401010101" pitchFamily="34" charset="-79"/>
+              </a:rPr>
+              <a:t> </a:t>
+            </a:r>
+            <a:r>
+              <a:rPr lang="he-IL" sz="2000" i="0" u="sng" strike="noStrike" dirty="0">
+                <a:solidFill>
+                  <a:srgbClr val="1A202C"/>
+                </a:solidFill>
+                <a:effectLst/>
+                <a:latin typeface="David" panose="020E0502060401010101" pitchFamily="34" charset="-79"/>
+                <a:cs typeface="David" panose="020E0502060401010101" pitchFamily="34" charset="-79"/>
+              </a:rPr>
+              <a:t>גנרטור</a:t>
+            </a:r>
+            <a:r>
+              <a:rPr lang="he-IL" sz="2000" i="0" u="none" strike="noStrike" dirty="0">
+                <a:solidFill>
+                  <a:srgbClr val="1A202C"/>
+                </a:solidFill>
+                <a:effectLst/>
+                <a:latin typeface="David" panose="020E0502060401010101" pitchFamily="34" charset="-79"/>
+                <a:cs typeface="David" panose="020E0502060401010101" pitchFamily="34" charset="-79"/>
+              </a:rPr>
+              <a:t> - החלק שאחראי על ייצור דוגמאות חדשות. </a:t>
+            </a:r>
+          </a:p>
+          <a:p>
+            <a:pPr marL="0" indent="0" algn="r" rtl="1">
+              <a:spcBef>
+                <a:spcPts val="0"/>
+              </a:spcBef>
+              <a:spcAft>
+                <a:spcPts val="1200"/>
+              </a:spcAft>
+              <a:buNone/>
+            </a:pPr>
+            <a:r>
+              <a:rPr lang="he-IL" sz="2000" dirty="0">
+                <a:solidFill>
+                  <a:srgbClr val="1A202C"/>
+                </a:solidFill>
+                <a:latin typeface="David" panose="020E0502060401010101" pitchFamily="34" charset="-79"/>
+                <a:cs typeface="David" panose="020E0502060401010101" pitchFamily="34" charset="-79"/>
+              </a:rPr>
+              <a:t>     </a:t>
+            </a:r>
+            <a:r>
+              <a:rPr lang="he-IL" sz="2000" i="0" u="sng" strike="noStrike" dirty="0">
+                <a:solidFill>
+                  <a:srgbClr val="1A202C"/>
+                </a:solidFill>
+                <a:effectLst/>
+                <a:latin typeface="David" panose="020E0502060401010101" pitchFamily="34" charset="-79"/>
+                <a:cs typeface="David" panose="020E0502060401010101" pitchFamily="34" charset="-79"/>
+              </a:rPr>
+              <a:t>דיסקרימינטור</a:t>
+            </a:r>
+            <a:r>
+              <a:rPr lang="he-IL" sz="2000" i="0" u="none" strike="noStrike" dirty="0">
+                <a:solidFill>
+                  <a:srgbClr val="1A202C"/>
+                </a:solidFill>
+                <a:effectLst/>
+                <a:latin typeface="David" panose="020E0502060401010101" pitchFamily="34" charset="-79"/>
+                <a:cs typeface="David" panose="020E0502060401010101" pitchFamily="34" charset="-79"/>
+              </a:rPr>
+              <a:t> - פונקציה שמטרתה להחליט האם הטקסט הוא אמיתי או מלאכותי.</a:t>
+            </a:r>
+          </a:p>
+          <a:p>
+            <a:pPr marL="0" indent="0" algn="r" rtl="1">
+              <a:spcBef>
+                <a:spcPts val="0"/>
+              </a:spcBef>
+              <a:spcAft>
+                <a:spcPts val="1200"/>
+              </a:spcAft>
+              <a:buNone/>
+            </a:pPr>
+            <a:r>
+              <a:rPr lang="he-IL" sz="2000" i="0" u="none" strike="noStrike" dirty="0">
+                <a:solidFill>
+                  <a:srgbClr val="1A202C"/>
+                </a:solidFill>
+                <a:effectLst/>
+                <a:latin typeface="David" panose="020E0502060401010101" pitchFamily="34" charset="-79"/>
+                <a:cs typeface="David" panose="020E0502060401010101" pitchFamily="34" charset="-79"/>
+              </a:rPr>
+              <a:t>     מודלים אלו מאומנים על מאגר מידע מתויג </a:t>
+            </a:r>
+            <a:r>
+              <a:rPr lang="he-IL" sz="2000" i="0" u="none" strike="noStrike">
+                <a:solidFill>
+                  <a:srgbClr val="1A202C"/>
+                </a:solidFill>
+                <a:effectLst/>
+                <a:latin typeface="David" panose="020E0502060401010101" pitchFamily="34" charset="-79"/>
+                <a:cs typeface="David" panose="020E0502060401010101" pitchFamily="34" charset="-79"/>
+              </a:rPr>
+              <a:t>מצומצם.</a:t>
+            </a:r>
+            <a:endParaRPr lang="he-IL" sz="2000" dirty="0">
+              <a:effectLst/>
+              <a:latin typeface="David" panose="020E0502060401010101" pitchFamily="34" charset="-79"/>
+              <a:cs typeface="David" panose="020E0502060401010101" pitchFamily="34" charset="-79"/>
+            </a:endParaRPr>
+          </a:p>
+          <a:p>
             <a:pPr algn="r" rtl="1">
               <a:spcBef>
-                <a:spcPts val="1200"/>
+                <a:spcPts val="0"/>
               </a:spcBef>
               <a:spcAft>
                 <a:spcPts val="1200"/>
               </a:spcAft>
             </a:pPr>
             <a:r>
-              <a:rPr lang="he-IL" sz="8800" i="0" u="none" strike="noStrike" dirty="0">
-                <a:solidFill>
-                  <a:srgbClr val="000000"/>
-                </a:solidFill>
-                <a:effectLst/>
-                <a:latin typeface="Arial" panose="020B0604020202020204" pitchFamily="34" charset="0"/>
-              </a:rPr>
-              <a:t>שימוש במודלים לניתוח שפות טבעיות למטרות קלסיפיקציה.</a:t>
-            </a:r>
-            <a:endParaRPr lang="he-IL" sz="8800" dirty="0">
-              <a:effectLst/>
-            </a:endParaRPr>
+              <a:rPr lang="he-IL" sz="2000" i="0" u="none" strike="noStrike">
+                <a:solidFill>
+                  <a:srgbClr val="1A202C"/>
+                </a:solidFill>
+                <a:effectLst/>
+                <a:latin typeface="David" panose="020E0502060401010101" pitchFamily="34" charset="-79"/>
+                <a:cs typeface="David" panose="020E0502060401010101" pitchFamily="34" charset="-79"/>
+              </a:rPr>
+              <a:t>הודעות ספאם שנשלחות באמצעות הודעות </a:t>
+            </a:r>
+            <a:r>
+              <a:rPr lang="en-US" sz="2000" i="0" u="none" strike="noStrike">
+                <a:solidFill>
+                  <a:srgbClr val="1A202C"/>
+                </a:solidFill>
+                <a:effectLst/>
+                <a:latin typeface="David" panose="020E0502060401010101" pitchFamily="34" charset="-79"/>
+                <a:cs typeface="David" panose="020E0502060401010101" pitchFamily="34" charset="-79"/>
+              </a:rPr>
+              <a:t>SMS</a:t>
+            </a:r>
+            <a:r>
+              <a:rPr lang="he-IL" sz="2000" i="0" u="none" strike="noStrike">
+                <a:solidFill>
+                  <a:srgbClr val="1A202C"/>
+                </a:solidFill>
+                <a:effectLst/>
+                <a:latin typeface="David" panose="020E0502060401010101" pitchFamily="34" charset="-79"/>
+                <a:cs typeface="David" panose="020E0502060401010101" pitchFamily="34" charset="-79"/>
+              </a:rPr>
+              <a:t> </a:t>
+            </a:r>
+            <a:r>
+              <a:rPr lang="en-US" sz="2000" i="0" u="none" strike="noStrike">
+                <a:solidFill>
+                  <a:srgbClr val="1A202C"/>
+                </a:solidFill>
+                <a:effectLst/>
+                <a:latin typeface="David" panose="020E0502060401010101" pitchFamily="34" charset="-79"/>
+                <a:cs typeface="David" panose="020E0502060401010101" pitchFamily="34" charset="-79"/>
+              </a:rPr>
+              <a:t> </a:t>
+            </a:r>
+            <a:r>
+              <a:rPr lang="he-IL" sz="2000" i="0" u="none" strike="noStrike">
+                <a:solidFill>
+                  <a:srgbClr val="1A202C"/>
+                </a:solidFill>
+                <a:effectLst/>
+                <a:latin typeface="David" panose="020E0502060401010101" pitchFamily="34" charset="-79"/>
+                <a:cs typeface="David" panose="020E0502060401010101" pitchFamily="34" charset="-79"/>
+              </a:rPr>
+              <a:t>הן קשות לזיהוי בגלל המחסור היחסי של מאגרי נתונים מתויגים. </a:t>
+            </a:r>
+            <a:br>
+              <a:rPr lang="en-US" sz="2000">
+                <a:solidFill>
+                  <a:srgbClr val="1A202C"/>
+                </a:solidFill>
+                <a:latin typeface="David" panose="020E0502060401010101" pitchFamily="34" charset="-79"/>
+                <a:cs typeface="David" panose="020E0502060401010101" pitchFamily="34" charset="-79"/>
+              </a:rPr>
+            </a:br>
+            <a:r>
+              <a:rPr lang="he-IL" sz="2000" i="0" u="none" strike="noStrike">
+                <a:solidFill>
+                  <a:srgbClr val="1A202C"/>
+                </a:solidFill>
+                <a:effectLst/>
+                <a:latin typeface="David" panose="020E0502060401010101" pitchFamily="34" charset="-79"/>
+                <a:cs typeface="David" panose="020E0502060401010101" pitchFamily="34" charset="-79"/>
+              </a:rPr>
+              <a:t>לכן, הגישה </a:t>
+            </a:r>
+            <a:r>
+              <a:rPr lang="he-IL" sz="2000" i="0" u="none" strike="noStrike" dirty="0">
+                <a:solidFill>
+                  <a:srgbClr val="1A202C"/>
+                </a:solidFill>
+                <a:effectLst/>
+                <a:latin typeface="David" panose="020E0502060401010101" pitchFamily="34" charset="-79"/>
+                <a:cs typeface="David" panose="020E0502060401010101" pitchFamily="34" charset="-79"/>
+              </a:rPr>
+              <a:t>נשענת על טכניקה שנקראת "</a:t>
+            </a:r>
+            <a:r>
+              <a:rPr lang="en-US" sz="2000" i="0" u="none" strike="noStrike" dirty="0">
+                <a:solidFill>
+                  <a:srgbClr val="1A202C"/>
+                </a:solidFill>
+                <a:effectLst/>
+                <a:latin typeface="David" panose="020E0502060401010101" pitchFamily="34" charset="-79"/>
+                <a:cs typeface="David" panose="020E0502060401010101" pitchFamily="34" charset="-79"/>
+              </a:rPr>
+              <a:t>semi-supervised learning</a:t>
+            </a:r>
+            <a:r>
+              <a:rPr lang="he-IL" sz="2000" i="0" u="none" strike="noStrike">
+                <a:solidFill>
+                  <a:srgbClr val="1A202C"/>
+                </a:solidFill>
+                <a:effectLst/>
+                <a:latin typeface="David" panose="020E0502060401010101" pitchFamily="34" charset="-79"/>
+                <a:cs typeface="David" panose="020E0502060401010101" pitchFamily="34" charset="-79"/>
+              </a:rPr>
+              <a:t>" </a:t>
+            </a:r>
           </a:p>
           <a:p>
             <a:pPr algn="r" rtl="1">
               <a:spcBef>
-                <a:spcPts val="1200"/>
+                <a:spcPts val="0"/>
               </a:spcBef>
               <a:spcAft>
                 <a:spcPts val="1200"/>
               </a:spcAft>
             </a:pPr>
             <a:r>
-              <a:rPr lang="he-IL" sz="8800" i="0" u="none" strike="noStrike" dirty="0">
-                <a:solidFill>
-                  <a:srgbClr val="000000"/>
-                </a:solidFill>
-                <a:effectLst/>
-                <a:latin typeface="Arial" panose="020B0604020202020204" pitchFamily="34" charset="0"/>
-              </a:rPr>
-              <a:t>בתור אלגוריתם בסיסי להשוואה השתמשנו במודל </a:t>
-            </a:r>
-            <a:r>
-              <a:rPr lang="en-US" sz="8800" b="1" i="0" u="none" strike="noStrike" dirty="0">
-                <a:solidFill>
-                  <a:srgbClr val="000000"/>
-                </a:solidFill>
-                <a:effectLst/>
-                <a:latin typeface="Arial" panose="020B0604020202020204" pitchFamily="34" charset="0"/>
-              </a:rPr>
-              <a:t>BERT</a:t>
-            </a:r>
-            <a:r>
-              <a:rPr lang="en-US" sz="8800" i="0" u="none" strike="noStrike" dirty="0">
-                <a:solidFill>
-                  <a:srgbClr val="000000"/>
-                </a:solidFill>
-                <a:effectLst/>
-                <a:latin typeface="Arial" panose="020B0604020202020204" pitchFamily="34" charset="0"/>
-              </a:rPr>
-              <a:t> </a:t>
-            </a:r>
-            <a:r>
-              <a:rPr lang="he-IL" sz="8800" i="0" u="none" strike="noStrike" dirty="0">
-                <a:solidFill>
-                  <a:srgbClr val="000000"/>
-                </a:solidFill>
-                <a:effectLst/>
-                <a:latin typeface="Arial" panose="020B0604020202020204" pitchFamily="34" charset="0"/>
-              </a:rPr>
-              <a:t> הפותח על ידי חוקרים של חברת </a:t>
-            </a:r>
-            <a:r>
-              <a:rPr lang="en-US" sz="8800" i="0" u="none" strike="noStrike" dirty="0">
-                <a:solidFill>
-                  <a:srgbClr val="000000"/>
-                </a:solidFill>
-                <a:effectLst/>
-                <a:latin typeface="Arial" panose="020B0604020202020204" pitchFamily="34" charset="0"/>
-              </a:rPr>
-              <a:t>Google</a:t>
-            </a:r>
-            <a:r>
-              <a:rPr lang="he-IL" sz="8800" i="0" u="none" strike="noStrike" dirty="0">
-                <a:solidFill>
-                  <a:srgbClr val="000000"/>
-                </a:solidFill>
-                <a:effectLst/>
-                <a:latin typeface="Arial" panose="020B0604020202020204" pitchFamily="34" charset="0"/>
-              </a:rPr>
-              <a:t>.</a:t>
-            </a:r>
-            <a:endParaRPr lang="en-US" sz="8800" dirty="0">
-              <a:effectLst/>
+              <a:rPr lang="he-IL" sz="2000" i="0" u="none" strike="noStrike">
+                <a:solidFill>
+                  <a:srgbClr val="1A202C"/>
+                </a:solidFill>
+                <a:effectLst/>
+                <a:latin typeface="David" panose="020E0502060401010101" pitchFamily="34" charset="-79"/>
+                <a:cs typeface="David" panose="020E0502060401010101" pitchFamily="34" charset="-79"/>
+              </a:rPr>
+              <a:t>רכיב </a:t>
+            </a:r>
+            <a:r>
+              <a:rPr lang="he-IL" sz="2000" i="0" u="none" strike="noStrike" dirty="0">
+                <a:solidFill>
+                  <a:srgbClr val="1A202C"/>
+                </a:solidFill>
+                <a:effectLst/>
+                <a:latin typeface="David" panose="020E0502060401010101" pitchFamily="34" charset="-79"/>
+                <a:cs typeface="David" panose="020E0502060401010101" pitchFamily="34" charset="-79"/>
+              </a:rPr>
+              <a:t>הגנרטור של </a:t>
+            </a:r>
+            <a:r>
+              <a:rPr lang="en-US" sz="2000" i="0" u="none" strike="noStrike" dirty="0">
+                <a:solidFill>
+                  <a:srgbClr val="1A202C"/>
+                </a:solidFill>
+                <a:effectLst/>
+                <a:latin typeface="David" panose="020E0502060401010101" pitchFamily="34" charset="-79"/>
+                <a:cs typeface="David" panose="020E0502060401010101" pitchFamily="34" charset="-79"/>
+              </a:rPr>
+              <a:t>spamGAN </a:t>
+            </a:r>
+            <a:r>
+              <a:rPr lang="he-IL" sz="2000" i="0" u="none" strike="noStrike" dirty="0">
+                <a:solidFill>
+                  <a:srgbClr val="1A202C"/>
+                </a:solidFill>
+                <a:effectLst/>
+                <a:latin typeface="David" panose="020E0502060401010101" pitchFamily="34" charset="-79"/>
+                <a:cs typeface="David" panose="020E0502060401010101" pitchFamily="34" charset="-79"/>
+              </a:rPr>
+              <a:t> מייצא משפטים חדשים, בהינתן קלט של סוג המחלקה ולאחר מכן הדיסקרימינטור מנסה לסווג את המשפטים החדשים בתור אמיתי או </a:t>
+            </a:r>
+            <a:r>
+              <a:rPr lang="he-IL" sz="2000" i="0" u="none" strike="noStrike">
+                <a:solidFill>
+                  <a:srgbClr val="1A202C"/>
+                </a:solidFill>
+                <a:effectLst/>
+                <a:latin typeface="David" panose="020E0502060401010101" pitchFamily="34" charset="-79"/>
+                <a:cs typeface="David" panose="020E0502060401010101" pitchFamily="34" charset="-79"/>
+              </a:rPr>
+              <a:t>מזויף </a:t>
+            </a:r>
+            <a:endParaRPr lang="en-US" sz="2000">
+              <a:solidFill>
+                <a:srgbClr val="1A202C"/>
+              </a:solidFill>
+              <a:latin typeface="David" panose="020E0502060401010101" pitchFamily="34" charset="-79"/>
+              <a:cs typeface="David" panose="020E0502060401010101" pitchFamily="34" charset="-79"/>
             </a:endParaRPr>
           </a:p>
           <a:p>
             <a:pPr algn="r" rtl="1">
               <a:spcBef>
-                <a:spcPts val="1200"/>
+                <a:spcPts val="0"/>
               </a:spcBef>
               <a:spcAft>
                 <a:spcPts val="1200"/>
               </a:spcAft>
             </a:pPr>
             <a:r>
-              <a:rPr lang="en-US" sz="8800" i="0" u="none" strike="noStrike" dirty="0">
-                <a:solidFill>
-                  <a:srgbClr val="000000"/>
-                </a:solidFill>
-                <a:effectLst/>
-                <a:latin typeface="Arial" panose="020B0604020202020204" pitchFamily="34" charset="0"/>
-              </a:rPr>
-              <a:t>BERT</a:t>
-            </a:r>
-            <a:r>
-              <a:rPr lang="he-IL" sz="8800" dirty="0">
-                <a:solidFill>
-                  <a:srgbClr val="000000"/>
-                </a:solidFill>
-                <a:latin typeface="Arial" panose="020B0604020202020204" pitchFamily="34" charset="0"/>
-              </a:rPr>
-              <a:t> (</a:t>
-            </a:r>
-            <a:r>
-              <a:rPr lang="en-US" sz="8800" i="0" u="none" strike="noStrike" dirty="0">
-                <a:solidFill>
-                  <a:srgbClr val="000000"/>
-                </a:solidFill>
-                <a:effectLst/>
-                <a:latin typeface="Arial" panose="020B0604020202020204" pitchFamily="34" charset="0"/>
-              </a:rPr>
-              <a:t>Bidirectional Encoder Representations from Transformers </a:t>
-            </a:r>
-            <a:r>
-              <a:rPr lang="he-IL" sz="8800" i="0" u="none" strike="noStrike" dirty="0">
-                <a:solidFill>
-                  <a:srgbClr val="000000"/>
-                </a:solidFill>
-                <a:effectLst/>
-                <a:latin typeface="Arial" panose="020B0604020202020204" pitchFamily="34" charset="0"/>
-              </a:rPr>
-              <a:t>)</a:t>
-            </a:r>
-            <a:r>
-              <a:rPr lang="he-IL" sz="8800" dirty="0">
-                <a:solidFill>
-                  <a:srgbClr val="000000"/>
-                </a:solidFill>
-                <a:latin typeface="Arial" panose="020B0604020202020204" pitchFamily="34" charset="0"/>
-              </a:rPr>
-              <a:t>: </a:t>
-            </a:r>
-            <a:r>
-              <a:rPr lang="he-IL" sz="8800" i="0" u="none" strike="noStrike" dirty="0">
-                <a:solidFill>
-                  <a:srgbClr val="000000"/>
-                </a:solidFill>
-                <a:effectLst/>
-                <a:latin typeface="Arial" panose="020B0604020202020204" pitchFamily="34" charset="0"/>
-              </a:rPr>
-              <a:t>הוא מאמר שפורסם בשנת 2018 על ידי חוקרים ב-</a:t>
-            </a:r>
-            <a:r>
-              <a:rPr lang="en-US" sz="8800" i="0" u="none" strike="noStrike" dirty="0">
-                <a:solidFill>
-                  <a:srgbClr val="000000"/>
-                </a:solidFill>
-                <a:effectLst/>
-                <a:latin typeface="Arial" panose="020B0604020202020204" pitchFamily="34" charset="0"/>
-              </a:rPr>
-              <a:t>Google AI Language.  </a:t>
-            </a:r>
-            <a:r>
-              <a:rPr lang="he-IL" sz="8800" i="0" u="none" strike="noStrike" dirty="0">
-                <a:solidFill>
-                  <a:srgbClr val="000000"/>
-                </a:solidFill>
-                <a:effectLst/>
-                <a:latin typeface="Arial" panose="020B0604020202020204" pitchFamily="34" charset="0"/>
-              </a:rPr>
-              <a:t> שהציג תוצאות מתקדמות במגוון רחב של משימות</a:t>
-            </a:r>
-            <a:r>
-              <a:rPr lang="en-US" sz="8800" i="0" u="none" strike="noStrike" dirty="0">
-                <a:solidFill>
-                  <a:srgbClr val="000000"/>
-                </a:solidFill>
-                <a:effectLst/>
-                <a:latin typeface="Arial" panose="020B0604020202020204" pitchFamily="34" charset="0"/>
-              </a:rPr>
-              <a:t>NLP </a:t>
-            </a:r>
-            <a:r>
-              <a:rPr lang="he-IL" sz="8800" i="0" u="none" strike="noStrike" dirty="0">
-                <a:solidFill>
-                  <a:srgbClr val="000000"/>
-                </a:solidFill>
-                <a:effectLst/>
-                <a:latin typeface="Arial" panose="020B0604020202020204" pitchFamily="34" charset="0"/>
-              </a:rPr>
-              <a:t> (למידה עמוקה ושפות טבעיות).</a:t>
-            </a:r>
-            <a:endParaRPr lang="he-IL" sz="8800" dirty="0">
-              <a:effectLst/>
+              <a:rPr lang="he-IL" sz="2000" i="0" u="none" strike="noStrike">
+                <a:solidFill>
+                  <a:srgbClr val="1A202C"/>
+                </a:solidFill>
+                <a:effectLst/>
+                <a:latin typeface="David" panose="020E0502060401010101" pitchFamily="34" charset="-79"/>
+                <a:cs typeface="David" panose="020E0502060401010101" pitchFamily="34" charset="-79"/>
+              </a:rPr>
+              <a:t>כיצד אימנו את הדיסקרימינטור? </a:t>
+            </a:r>
+            <a:r>
+              <a:rPr lang="he-IL" sz="2000" i="0" u="none" strike="noStrike" dirty="0">
+                <a:solidFill>
+                  <a:srgbClr val="1A202C"/>
+                </a:solidFill>
+                <a:effectLst/>
+                <a:latin typeface="David" panose="020E0502060401010101" pitchFamily="34" charset="-79"/>
+                <a:cs typeface="David" panose="020E0502060401010101" pitchFamily="34" charset="-79"/>
+              </a:rPr>
+              <a:t>עם מקבצים של משפטים אמיתיים מתויגים, משפטים לא מתויגים אמיתיים ומשפטים מזויפים. לאחר מכן</a:t>
+            </a:r>
+            <a:r>
+              <a:rPr lang="he-IL" sz="2000" i="0" u="none" strike="noStrike">
+                <a:solidFill>
+                  <a:srgbClr val="1A202C"/>
+                </a:solidFill>
+                <a:effectLst/>
+                <a:latin typeface="David" panose="020E0502060401010101" pitchFamily="34" charset="-79"/>
+                <a:cs typeface="David" panose="020E0502060401010101" pitchFamily="34" charset="-79"/>
+              </a:rPr>
+              <a:t>, הזינו </a:t>
+            </a:r>
+            <a:r>
+              <a:rPr lang="he-IL" sz="2000" i="0" u="none" strike="noStrike" dirty="0">
+                <a:solidFill>
+                  <a:srgbClr val="1A202C"/>
+                </a:solidFill>
+                <a:effectLst/>
+                <a:latin typeface="David" panose="020E0502060401010101" pitchFamily="34" charset="-79"/>
+                <a:cs typeface="David" panose="020E0502060401010101" pitchFamily="34" charset="-79"/>
+              </a:rPr>
+              <a:t>לתוך המודל 80 אחוז ממאגר המידע המכיל 1600 דוגמאות, מתוכן בערך 800 הם למעשה ביקורות אמיתיות ו-800 </a:t>
+            </a:r>
+            <a:r>
+              <a:rPr lang="he-IL" sz="2000" i="0" u="none" strike="noStrike">
+                <a:solidFill>
+                  <a:srgbClr val="1A202C"/>
+                </a:solidFill>
+                <a:effectLst/>
+                <a:latin typeface="David" panose="020E0502060401010101" pitchFamily="34" charset="-79"/>
+                <a:cs typeface="David" panose="020E0502060401010101" pitchFamily="34" charset="-79"/>
+              </a:rPr>
+              <a:t>ביקורות מזויפות</a:t>
+            </a:r>
+            <a:br>
+              <a:rPr lang="en-US" sz="2000" dirty="0">
+                <a:latin typeface="David" panose="020E0502060401010101" pitchFamily="34" charset="-79"/>
+                <a:cs typeface="David" panose="020E0502060401010101" pitchFamily="34" charset="-79"/>
+              </a:rPr>
+            </a:br>
+            <a:endParaRPr lang="en-IL" sz="2000" dirty="0">
+              <a:latin typeface="David" panose="020E0502060401010101" pitchFamily="34" charset="-79"/>
+              <a:cs typeface="David" panose="020E0502060401010101" pitchFamily="34" charset="-79"/>
             </a:endParaRPr>
           </a:p>
-          <a:p>
-            <a:pPr algn="r" rtl="1">
-              <a:spcBef>
-                <a:spcPts val="1200"/>
-              </a:spcBef>
-              <a:spcAft>
-                <a:spcPts val="1200"/>
-              </a:spcAft>
-            </a:pPr>
-            <a:r>
-              <a:rPr lang="he-IL" sz="8800" i="0" u="none" strike="noStrike" dirty="0">
-                <a:solidFill>
-                  <a:srgbClr val="000000"/>
-                </a:solidFill>
-                <a:effectLst/>
-                <a:latin typeface="Arial" panose="020B0604020202020204" pitchFamily="34" charset="0"/>
-              </a:rPr>
-              <a:t>החידוש הטכני העיקרי של </a:t>
-            </a:r>
-            <a:r>
-              <a:rPr lang="en-US" sz="8800" i="0" u="none" strike="noStrike" dirty="0">
-                <a:solidFill>
-                  <a:srgbClr val="000000"/>
-                </a:solidFill>
-                <a:effectLst/>
-                <a:latin typeface="Arial" panose="020B0604020202020204" pitchFamily="34" charset="0"/>
-              </a:rPr>
-              <a:t>BERT </a:t>
-            </a:r>
-            <a:r>
-              <a:rPr lang="he-IL" sz="8800" i="0" u="none" strike="noStrike" dirty="0">
-                <a:solidFill>
-                  <a:srgbClr val="000000"/>
-                </a:solidFill>
-                <a:effectLst/>
-                <a:latin typeface="Arial" panose="020B0604020202020204" pitchFamily="34" charset="0"/>
-              </a:rPr>
-              <a:t> הוא יישום ההדרכה הדו-כיוונית של</a:t>
-            </a:r>
-            <a:r>
-              <a:rPr lang="en-US" sz="8800" i="0" u="none" strike="noStrike" dirty="0">
-                <a:solidFill>
-                  <a:srgbClr val="000000"/>
-                </a:solidFill>
-                <a:effectLst/>
-                <a:latin typeface="Arial" panose="020B0604020202020204" pitchFamily="34" charset="0"/>
-              </a:rPr>
-              <a:t>Transformer </a:t>
-            </a:r>
-            <a:r>
-              <a:rPr lang="he-IL" sz="8800" i="0" u="none" strike="noStrike" dirty="0">
-                <a:solidFill>
-                  <a:srgbClr val="000000"/>
-                </a:solidFill>
-                <a:effectLst/>
-                <a:latin typeface="Arial" panose="020B0604020202020204" pitchFamily="34" charset="0"/>
-              </a:rPr>
-              <a:t> על מודלים של שפות. זאת בניגוד למאמצים קודמים שבדקו רצף טקסט משמאל לימין או אימון מימין לשמאל. תוצאות המאמר מראות שמודל שפה שאומן בשפה דו-כיוונית יכול להיות בעל תחושה עמוקה יותר של הקשר וזרימה של שפה מאשר מודלים של שפה חד-כיוונית. במאמר מפרטים החוקרים טכניקה חדשה בשם </a:t>
-            </a:r>
-            <a:r>
-              <a:rPr lang="en-US" sz="8800" i="0" u="none" strike="noStrike" dirty="0">
-                <a:solidFill>
-                  <a:srgbClr val="000000"/>
-                </a:solidFill>
-                <a:effectLst/>
-                <a:latin typeface="Arial" panose="020B0604020202020204" pitchFamily="34" charset="0"/>
-              </a:rPr>
-              <a:t>Masked LM (MLM) </a:t>
-            </a:r>
-            <a:r>
-              <a:rPr lang="he-IL" sz="8800" i="0" u="none" strike="noStrike" dirty="0">
-                <a:solidFill>
-                  <a:srgbClr val="000000"/>
-                </a:solidFill>
-                <a:effectLst/>
-                <a:latin typeface="Arial" panose="020B0604020202020204" pitchFamily="34" charset="0"/>
-              </a:rPr>
-              <a:t> המאפשרת אימון דו כיווני במודלים שבהם זה היה בלתי אפשרי בעבר.</a:t>
-            </a:r>
-            <a:endParaRPr lang="he-IL" sz="8800" dirty="0">
-              <a:effectLst/>
-            </a:endParaRPr>
-          </a:p>
-          <a:p>
-            <a:pPr algn="r" rtl="1">
-              <a:spcBef>
-                <a:spcPts val="1200"/>
-              </a:spcBef>
-              <a:spcAft>
-                <a:spcPts val="1200"/>
-              </a:spcAft>
-            </a:pPr>
-            <a:r>
-              <a:rPr lang="he-IL" sz="11200" b="1" i="0" u="sng" strike="noStrike" dirty="0">
-                <a:solidFill>
-                  <a:srgbClr val="000000"/>
-                </a:solidFill>
-                <a:effectLst/>
-                <a:latin typeface="Arial" panose="020B0604020202020204" pitchFamily="34" charset="0"/>
-              </a:rPr>
-              <a:t>אז איך הוא עובד ?</a:t>
-            </a:r>
-            <a:endParaRPr lang="he-IL" sz="11200" b="1" u="sng" dirty="0">
-              <a:effectLst/>
-            </a:endParaRPr>
-          </a:p>
-          <a:p>
-            <a:pPr algn="r" rtl="1">
-              <a:spcBef>
-                <a:spcPts val="1200"/>
-              </a:spcBef>
-              <a:spcAft>
-                <a:spcPts val="1200"/>
-              </a:spcAft>
-            </a:pPr>
-            <a:r>
-              <a:rPr lang="en-US" sz="8800" i="0" u="none" strike="noStrike" dirty="0">
-                <a:solidFill>
-                  <a:srgbClr val="000000"/>
-                </a:solidFill>
-                <a:effectLst/>
-                <a:latin typeface="Arial" panose="020B0604020202020204" pitchFamily="34" charset="0"/>
-              </a:rPr>
-              <a:t>BERT </a:t>
-            </a:r>
-            <a:r>
-              <a:rPr lang="he-IL" sz="8800" i="0" u="none" strike="noStrike" dirty="0">
-                <a:solidFill>
-                  <a:srgbClr val="000000"/>
-                </a:solidFill>
-                <a:effectLst/>
-                <a:latin typeface="Arial" panose="020B0604020202020204" pitchFamily="34" charset="0"/>
-              </a:rPr>
-              <a:t> עושה שימוש ב-</a:t>
-            </a:r>
-            <a:r>
-              <a:rPr lang="en-US" sz="8800" i="0" u="none" strike="noStrike" dirty="0">
-                <a:solidFill>
-                  <a:srgbClr val="000000"/>
-                </a:solidFill>
-                <a:effectLst/>
-                <a:latin typeface="Arial" panose="020B0604020202020204" pitchFamily="34" charset="0"/>
-              </a:rPr>
-              <a:t>Transformer </a:t>
-            </a:r>
-            <a:r>
-              <a:rPr lang="he-IL" sz="8800" dirty="0">
-                <a:solidFill>
-                  <a:srgbClr val="000000"/>
-                </a:solidFill>
-                <a:latin typeface="Arial" panose="020B0604020202020204" pitchFamily="34" charset="0"/>
-              </a:rPr>
-              <a:t>, </a:t>
-            </a:r>
-            <a:r>
-              <a:rPr lang="he-IL" sz="8800" i="0" u="none" strike="noStrike" dirty="0">
-                <a:solidFill>
-                  <a:srgbClr val="000000"/>
-                </a:solidFill>
-                <a:effectLst/>
-                <a:latin typeface="Arial" panose="020B0604020202020204" pitchFamily="34" charset="0"/>
-              </a:rPr>
-              <a:t>שזהו מנגנון קשב הלומד יחסים וקשרים בין מילים </a:t>
-            </a:r>
-            <a:br>
-              <a:rPr lang="en-US" sz="8800" dirty="0">
-                <a:solidFill>
-                  <a:srgbClr val="000000"/>
-                </a:solidFill>
-                <a:latin typeface="Arial" panose="020B0604020202020204" pitchFamily="34" charset="0"/>
-              </a:rPr>
-            </a:br>
-            <a:r>
-              <a:rPr lang="he-IL" sz="8800" i="0" u="none" strike="noStrike" dirty="0">
-                <a:solidFill>
-                  <a:srgbClr val="000000"/>
-                </a:solidFill>
-                <a:effectLst/>
-                <a:latin typeface="Arial" panose="020B0604020202020204" pitchFamily="34" charset="0"/>
-              </a:rPr>
-              <a:t>(או מילות משנה) בטקסט. </a:t>
-            </a:r>
-            <a:endParaRPr lang="he-IL" sz="8800" dirty="0">
-              <a:effectLst/>
-            </a:endParaRPr>
-          </a:p>
-          <a:p>
-            <a:pPr algn="r" rtl="1">
-              <a:spcBef>
-                <a:spcPts val="1200"/>
-              </a:spcBef>
-              <a:spcAft>
-                <a:spcPts val="1200"/>
-              </a:spcAft>
-            </a:pPr>
-            <a:r>
-              <a:rPr lang="en-US" sz="8800" i="0" u="none" strike="noStrike" dirty="0">
-                <a:solidFill>
-                  <a:srgbClr val="000000"/>
-                </a:solidFill>
-                <a:effectLst/>
-                <a:latin typeface="Arial" panose="020B0604020202020204" pitchFamily="34" charset="0"/>
-              </a:rPr>
-              <a:t>Transformer </a:t>
-            </a:r>
-            <a:r>
-              <a:rPr lang="he-IL" sz="8800" i="0" u="none" strike="noStrike" dirty="0">
-                <a:solidFill>
-                  <a:srgbClr val="000000"/>
-                </a:solidFill>
-                <a:effectLst/>
-                <a:latin typeface="Arial" panose="020B0604020202020204" pitchFamily="34" charset="0"/>
-              </a:rPr>
-              <a:t> כולל שני מנגנונים נפרדים - מקודד הקורא את קלט הטקסט, ומפענח שמייצר חיזוי למשימה. </a:t>
-            </a:r>
-            <a:br>
-              <a:rPr lang="he-IL" dirty="0"/>
-            </a:br>
-            <a:endParaRPr lang="en-IL" dirty="0"/>
-          </a:p>
         </p:txBody>
       </p:sp>
       <p:sp>
@@ -7400,7 +6717,7 @@
           <p:cNvPr id="4" name="מלבן 3">
             <a:extLst>
               <a:ext uri="{FF2B5EF4-FFF2-40B4-BE49-F238E27FC236}">
-                <a16:creationId xmlns:a16="http://schemas.microsoft.com/office/drawing/2014/main" id="{D7581FDB-FE76-413E-A76A-AF987BAC7954}"/>
+                <a16:creationId xmlns:a16="http://schemas.microsoft.com/office/drawing/2014/main" id="{69AAFD98-6DCB-42B4-A27A-01BE8A2FADF9}"/>
               </a:ext>
             </a:extLst>
           </p:cNvPr>
@@ -7409,8 +6726,8 @@
         </p:nvSpPr>
         <p:spPr>
           <a:xfrm>
-            <a:off x="10042209" y="0"/>
-            <a:ext cx="1867499" cy="923330"/>
+            <a:off x="8275088" y="-208855"/>
+            <a:ext cx="3528531" cy="923330"/>
           </a:xfrm>
           <a:prstGeom prst="rect">
             <a:avLst/>
@@ -7425,7 +6742,7 @@
           <a:p>
             <a:pPr algn="ctr"/>
             <a:r>
-              <a:rPr lang="en-US" sz="5400" b="1" cap="none" spc="0" dirty="0">
+              <a:rPr lang="he-IL" sz="5400" b="1" cap="none" spc="0" dirty="0">
                 <a:ln w="0"/>
                 <a:solidFill>
                   <a:schemeClr val="tx1"/>
@@ -7438,33 +6755,17 @@
                   </a:outerShdw>
                 </a:effectLst>
               </a:rPr>
-              <a:t>BERT</a:t>
-            </a:r>
-            <a:r>
-              <a:rPr lang="he-IL" sz="5400" b="1" cap="none" spc="0" dirty="0">
-                <a:ln w="0"/>
-                <a:solidFill>
-                  <a:schemeClr val="tx1"/>
-                </a:solidFill>
-                <a:effectLst>
-                  <a:outerShdw blurRad="38100" dist="19050" dir="2700000" algn="tl" rotWithShape="0">
-                    <a:schemeClr val="dk1">
-                      <a:alpha val="40000"/>
-                    </a:schemeClr>
-                  </a:outerShdw>
-                </a:effectLst>
-              </a:rPr>
-              <a:t>:</a:t>
+              <a:t>שיטה שניה:</a:t>
             </a:r>
           </a:p>
         </p:txBody>
       </p:sp>
       <p:pic>
         <p:nvPicPr>
-          <p:cNvPr id="6" name="תמונה 5">
-            <a:extLst>
-              <a:ext uri="{FF2B5EF4-FFF2-40B4-BE49-F238E27FC236}">
-                <a16:creationId xmlns:a16="http://schemas.microsoft.com/office/drawing/2014/main" id="{24588E40-235C-4505-817E-E642265EF7EC}"/>
+          <p:cNvPr id="6" name="גרפיקה 5" descr="מחקר עם מילוי מלא">
+            <a:extLst>
+              <a:ext uri="{FF2B5EF4-FFF2-40B4-BE49-F238E27FC236}">
+                <a16:creationId xmlns:a16="http://schemas.microsoft.com/office/drawing/2014/main" id="{268ACF62-FEF7-46B0-9767-839FA03E3442}"/>
               </a:ext>
             </a:extLst>
           </p:cNvPr>
@@ -7474,10 +6775,13 @@
           <p:nvPr/>
         </p:nvPicPr>
         <p:blipFill>
-          <a:blip r:embed="rId2">
+          <a:blip r:embed="rId3">
             <a:extLst>
               <a:ext uri="{28A0092B-C50C-407E-A947-70E740481C1C}">
                 <a14:useLocalDpi xmlns:a14="http://schemas.microsoft.com/office/drawing/2010/main" val="0"/>
+              </a:ext>
+              <a:ext uri="{96DAC541-7B7A-43D3-8B79-37D633B846F1}">
+                <asvg:svgBlip xmlns:asvg="http://schemas.microsoft.com/office/drawing/2016/SVG/main" r:embed="rId4"/>
               </a:ext>
             </a:extLst>
           </a:blip>
@@ -7487,8 +6791,44 @@
         </p:blipFill>
         <p:spPr>
           <a:xfrm>
-            <a:off x="0" y="0"/>
-            <a:ext cx="2074332" cy="1166812"/>
+            <a:off x="120650" y="6350000"/>
+            <a:ext cx="508000" cy="508000"/>
+          </a:xfrm>
+          <a:prstGeom prst="rect">
+            <a:avLst/>
+          </a:prstGeom>
+        </p:spPr>
+      </p:pic>
+      <p:pic>
+        <p:nvPicPr>
+          <p:cNvPr id="8" name="תמונה 7">
+            <a:extLst>
+              <a:ext uri="{FF2B5EF4-FFF2-40B4-BE49-F238E27FC236}">
+                <a16:creationId xmlns:a16="http://schemas.microsoft.com/office/drawing/2014/main" id="{69DB13A9-B092-49DB-B869-662E35BB27DB}"/>
+              </a:ext>
+            </a:extLst>
+          </p:cNvPr>
+          <p:cNvPicPr>
+            <a:picLocks noChangeAspect="1"/>
+          </p:cNvPicPr>
+          <p:nvPr/>
+        </p:nvPicPr>
+        <p:blipFill>
+          <a:blip r:embed="rId5">
+            <a:extLst>
+              <a:ext uri="{28A0092B-C50C-407E-A947-70E740481C1C}">
+                <a14:useLocalDpi xmlns:a14="http://schemas.microsoft.com/office/drawing/2010/main" val="0"/>
+              </a:ext>
+            </a:extLst>
+          </a:blip>
+          <a:stretch>
+            <a:fillRect/>
+          </a:stretch>
+        </p:blipFill>
+        <p:spPr>
+          <a:xfrm>
+            <a:off x="852768" y="4783101"/>
+            <a:ext cx="4690801" cy="2074899"/>
           </a:xfrm>
           <a:prstGeom prst="rect">
             <a:avLst/>
@@ -7498,7 +6838,7 @@
     </p:spTree>
     <p:extLst>
       <p:ext uri="{BB962C8B-B14F-4D97-AF65-F5344CB8AC3E}">
-        <p14:creationId xmlns:p14="http://schemas.microsoft.com/office/powerpoint/2010/main" val="3935029123"/>
+        <p14:creationId xmlns:p14="http://schemas.microsoft.com/office/powerpoint/2010/main" val="816497118"/>
       </p:ext>
     </p:extLst>
   </p:cSld>
@@ -7572,191 +6912,137 @@
         </p:nvSpPr>
         <p:spPr>
           <a:xfrm>
-            <a:off x="85726" y="1068108"/>
-            <a:ext cx="11849100" cy="5713692"/>
+            <a:off x="62753" y="229908"/>
+            <a:ext cx="11909612" cy="6529480"/>
           </a:xfrm>
         </p:spPr>
         <p:txBody>
-          <a:bodyPr>
-            <a:normAutofit/>
-          </a:bodyPr>
+          <a:bodyPr/>
           <a:lstStyle/>
-          <a:p>
-            <a:r>
-              <a:rPr lang="he-IL" dirty="0">
-                <a:latin typeface="Arial" panose="020B0604020202020204" pitchFamily="34" charset="0"/>
-                <a:cs typeface="Arial" panose="020B0604020202020204" pitchFamily="34" charset="0"/>
-              </a:rPr>
-              <a:t>אחרי שהרצנו את האלגוריתם של </a:t>
-            </a:r>
-            <a:r>
-              <a:rPr lang="en-US" dirty="0">
-                <a:latin typeface="Arial" panose="020B0604020202020204" pitchFamily="34" charset="0"/>
-                <a:cs typeface="Arial" panose="020B0604020202020204" pitchFamily="34" charset="0"/>
-              </a:rPr>
-              <a:t>Bert</a:t>
-            </a:r>
-            <a:r>
-              <a:rPr lang="he-IL" dirty="0">
-                <a:latin typeface="Arial" panose="020B0604020202020204" pitchFamily="34" charset="0"/>
-                <a:cs typeface="Arial" panose="020B0604020202020204" pitchFamily="34" charset="0"/>
-              </a:rPr>
-              <a:t> של מסד הנתונים המצומצם שלנו, אכן הצלחנו להגיע לתוצאות טובות מאות. מתוך מאגר של 5,000 סמסים מתויגים, הקצינו 30% לטובת הטסטים של האלגוריתם. </a:t>
-            </a:r>
-            <a:r>
-              <a:rPr lang="en-US" dirty="0">
-                <a:latin typeface="Arial" panose="020B0604020202020204" pitchFamily="34" charset="0"/>
-                <a:cs typeface="Arial" panose="020B0604020202020204" pitchFamily="34" charset="0"/>
-              </a:rPr>
-              <a:t>Bert</a:t>
-            </a:r>
-            <a:r>
-              <a:rPr lang="he-IL" dirty="0">
-                <a:latin typeface="Arial" panose="020B0604020202020204" pitchFamily="34" charset="0"/>
-                <a:cs typeface="Arial" panose="020B0604020202020204" pitchFamily="34" charset="0"/>
-              </a:rPr>
-              <a:t> הצליח לסווג כמו שצריך כל אחת מהדוגמאות בטסט.</a:t>
-            </a:r>
-          </a:p>
           <a:p>
             <a:pPr marL="0" indent="0">
               <a:buNone/>
             </a:pPr>
             <a:r>
-              <a:rPr lang="he-IL" dirty="0">
-                <a:latin typeface="Arial" panose="020B0604020202020204" pitchFamily="34" charset="0"/>
-                <a:cs typeface="Arial" panose="020B0604020202020204" pitchFamily="34" charset="0"/>
-              </a:rPr>
-              <a:t>   אם כך, למה חיפשנו אלגוריתמים אחרים? </a:t>
-            </a:r>
-            <a:r>
-              <a:rPr lang="he-IL" u="sng" dirty="0">
-                <a:latin typeface="Arial" panose="020B0604020202020204" pitchFamily="34" charset="0"/>
-                <a:cs typeface="Arial" panose="020B0604020202020204" pitchFamily="34" charset="0"/>
-              </a:rPr>
-              <a:t>מכיוון שמאגר המידע שלנו מצומצם</a:t>
-            </a:r>
-            <a:r>
-              <a:rPr lang="he-IL" dirty="0">
-                <a:latin typeface="Arial" panose="020B0604020202020204" pitchFamily="34" charset="0"/>
-                <a:cs typeface="Arial" panose="020B0604020202020204" pitchFamily="34" charset="0"/>
+              <a:rPr lang="he-IL" u="sng">
+                <a:latin typeface="David" panose="020E0502060401010101" pitchFamily="34" charset="-79"/>
+                <a:cs typeface="David" panose="020E0502060401010101" pitchFamily="34" charset="-79"/>
+              </a:rPr>
+              <a:t>האלגוריתם שלנו</a:t>
+            </a:r>
+          </a:p>
+          <a:p>
+            <a:pPr marL="0" indent="0">
+              <a:buNone/>
+            </a:pPr>
+            <a:r>
+              <a:rPr lang="he-IL">
+                <a:latin typeface="David" panose="020E0502060401010101" pitchFamily="34" charset="-79"/>
+                <a:cs typeface="David" panose="020E0502060401010101" pitchFamily="34" charset="-79"/>
+              </a:rPr>
+              <a:t>אחרי שהרצנו את האלגוריתם של </a:t>
+            </a:r>
+            <a:r>
+              <a:rPr lang="en-US">
+                <a:latin typeface="David" panose="020E0502060401010101" pitchFamily="34" charset="-79"/>
+                <a:cs typeface="David" panose="020E0502060401010101" pitchFamily="34" charset="-79"/>
+              </a:rPr>
+              <a:t>Bert</a:t>
+            </a:r>
+            <a:r>
+              <a:rPr lang="he-IL">
+                <a:latin typeface="David" panose="020E0502060401010101" pitchFamily="34" charset="-79"/>
+                <a:cs typeface="David" panose="020E0502060401010101" pitchFamily="34" charset="-79"/>
+              </a:rPr>
+              <a:t> של מסד הנתונים המצומצם שלנו, אכן הצלחנו להגיע לתוצאות טובות מאות. מתוך מאגר של 5,000 סמסים מתוייגים, הקצינו 30% לטובת הטסטים של האלגוריתם. </a:t>
+            </a:r>
+            <a:r>
+              <a:rPr lang="en-US">
+                <a:latin typeface="David" panose="020E0502060401010101" pitchFamily="34" charset="-79"/>
+                <a:cs typeface="David" panose="020E0502060401010101" pitchFamily="34" charset="-79"/>
+              </a:rPr>
+              <a:t>Bert</a:t>
+            </a:r>
+            <a:r>
+              <a:rPr lang="he-IL">
+                <a:latin typeface="David" panose="020E0502060401010101" pitchFamily="34" charset="-79"/>
+                <a:cs typeface="David" panose="020E0502060401010101" pitchFamily="34" charset="-79"/>
+              </a:rPr>
+              <a:t> הצליח לסווג כמו שצריך כל אחת מהדוגמאות בטסט.</a:t>
+            </a:r>
+          </a:p>
+          <a:p>
+            <a:pPr marL="0" indent="0">
+              <a:buNone/>
+            </a:pPr>
+            <a:r>
+              <a:rPr lang="he-IL">
+                <a:latin typeface="David" panose="020E0502060401010101" pitchFamily="34" charset="-79"/>
+                <a:cs typeface="David" panose="020E0502060401010101" pitchFamily="34" charset="-79"/>
+              </a:rPr>
+              <a:t>למה אם כך חיפשנו אלגוריתמים אחרים?</a:t>
+            </a:r>
+          </a:p>
+          <a:p>
+            <a:pPr marL="0" indent="0">
+              <a:buNone/>
+            </a:pPr>
+            <a:r>
+              <a:rPr lang="he-IL">
+                <a:latin typeface="David" panose="020E0502060401010101" pitchFamily="34" charset="-79"/>
+                <a:cs typeface="David" panose="020E0502060401010101" pitchFamily="34" charset="-79"/>
+              </a:rPr>
+              <a:t>מכיוון שמאגר המידע שלנו מצומצם. </a:t>
+            </a:r>
+          </a:p>
+          <a:p>
+            <a:pPr marL="0" indent="0">
+              <a:buNone/>
+            </a:pPr>
+            <a:r>
+              <a:rPr lang="he-IL">
+                <a:latin typeface="David" panose="020E0502060401010101" pitchFamily="34" charset="-79"/>
+                <a:cs typeface="David" panose="020E0502060401010101" pitchFamily="34" charset="-79"/>
+              </a:rPr>
+              <a:t>בעולם שבו נשלחים מיליוני סמסים בכל יום, שמטרת רובם היא להצליח לפרוץ לפרטים של המשתמש, דורשת הכללה. דורשת מהמודל לדעת לסווג את האנומליות ולהתריע עליהן בזמן שהיא צריכה גם לדעת לא לסווג הודעות אמיתיות בתור </a:t>
+            </a:r>
+            <a:r>
+              <a:rPr lang="en-US">
+                <a:latin typeface="David" panose="020E0502060401010101" pitchFamily="34" charset="-79"/>
+                <a:cs typeface="David" panose="020E0502060401010101" pitchFamily="34" charset="-79"/>
+              </a:rPr>
+              <a:t>spam</a:t>
+            </a:r>
+            <a:r>
+              <a:rPr lang="he-IL">
+                <a:latin typeface="David" panose="020E0502060401010101" pitchFamily="34" charset="-79"/>
+                <a:cs typeface="David" panose="020E0502060401010101" pitchFamily="34" charset="-79"/>
               </a:rPr>
               <a:t>. </a:t>
             </a:r>
           </a:p>
           <a:p>
-            <a:r>
-              <a:rPr lang="he-IL" dirty="0">
-                <a:latin typeface="Arial" panose="020B0604020202020204" pitchFamily="34" charset="0"/>
-                <a:cs typeface="Arial" panose="020B0604020202020204" pitchFamily="34" charset="0"/>
-              </a:rPr>
-              <a:t>מכאן: השתמשנו ברעיון המודל </a:t>
-            </a:r>
-            <a:r>
-              <a:rPr lang="en-US" dirty="0" err="1">
-                <a:latin typeface="Arial" panose="020B0604020202020204" pitchFamily="34" charset="0"/>
-                <a:cs typeface="Arial" panose="020B0604020202020204" pitchFamily="34" charset="0"/>
-              </a:rPr>
-              <a:t>SpanGAN</a:t>
-            </a:r>
-            <a:r>
-              <a:rPr lang="he-IL" dirty="0">
-                <a:latin typeface="Arial" panose="020B0604020202020204" pitchFamily="34" charset="0"/>
-                <a:cs typeface="Arial" panose="020B0604020202020204" pitchFamily="34" charset="0"/>
-              </a:rPr>
-              <a:t> .</a:t>
-            </a:r>
-          </a:p>
-          <a:p>
-            <a:r>
-              <a:rPr lang="he-IL" dirty="0">
-                <a:latin typeface="Arial" panose="020B0604020202020204" pitchFamily="34" charset="0"/>
-                <a:cs typeface="Arial" panose="020B0604020202020204" pitchFamily="34" charset="0"/>
-              </a:rPr>
-              <a:t>בעולם שבו נשלחים מיליוני סמסים בכל יום, שמטרת חלקם היא להצליח לפרוץ לפרטים של המשתמש, דורשת הכללה. דורשת מהמודל לדעת לסווג את האנומליות ולהתריע עליהן בזמן שהיא צריכה גם לדעת לא לסווג הודעות אמיתיות בתור </a:t>
-            </a:r>
-            <a:r>
-              <a:rPr lang="en-US" dirty="0">
-                <a:latin typeface="Arial" panose="020B0604020202020204" pitchFamily="34" charset="0"/>
-                <a:cs typeface="Arial" panose="020B0604020202020204" pitchFamily="34" charset="0"/>
-              </a:rPr>
-              <a:t>spam</a:t>
-            </a:r>
-            <a:r>
-              <a:rPr lang="he-IL" dirty="0">
-                <a:latin typeface="Arial" panose="020B0604020202020204" pitchFamily="34" charset="0"/>
-                <a:cs typeface="Arial" panose="020B0604020202020204" pitchFamily="34" charset="0"/>
-              </a:rPr>
-              <a:t>. </a:t>
-            </a:r>
-          </a:p>
-          <a:p>
-            <a:r>
-              <a:rPr lang="en-US" dirty="0">
-                <a:latin typeface="Arial" panose="020B0604020202020204" pitchFamily="34" charset="0"/>
-                <a:cs typeface="Arial" panose="020B0604020202020204" pitchFamily="34" charset="0"/>
+            <a:pPr marL="0" indent="0">
+              <a:buNone/>
+            </a:pPr>
+            <a:r>
+              <a:rPr lang="en-US">
+                <a:latin typeface="David" panose="020E0502060401010101" pitchFamily="34" charset="-79"/>
+                <a:cs typeface="David" panose="020E0502060401010101" pitchFamily="34" charset="-79"/>
               </a:rPr>
               <a:t>SpamGAN</a:t>
             </a:r>
             <a:r>
-              <a:rPr lang="he-IL" dirty="0">
-                <a:latin typeface="Arial" panose="020B0604020202020204" pitchFamily="34" charset="0"/>
-                <a:cs typeface="Arial" panose="020B0604020202020204" pitchFamily="34" charset="0"/>
+              <a:rPr lang="he-IL">
+                <a:latin typeface="David" panose="020E0502060401010101" pitchFamily="34" charset="-79"/>
+                <a:cs typeface="David" panose="020E0502060401010101" pitchFamily="34" charset="-79"/>
               </a:rPr>
               <a:t> הוא מודל רעיוני שמאפשר ליצור אלגוריתם שמלמד את עצמו, אלגוריתם שמרחיב את מאגר המידע באמצעות טקסט מלאכותי. האלגוריתם, מטרתו היא כל הזמן להשתפר, לייצר מידע שנראה אמין יותר, כך שיכולת הסיווג שלו גם היא תלמד להיות מדויקת יותר.</a:t>
             </a:r>
-            <a:endParaRPr lang="en-IL" dirty="0">
-              <a:latin typeface="Arial" panose="020B0604020202020204" pitchFamily="34" charset="0"/>
-              <a:cs typeface="Arial" panose="020B0604020202020204" pitchFamily="34" charset="0"/>
+            <a:endParaRPr lang="en-IL">
+              <a:latin typeface="David" panose="020E0502060401010101" pitchFamily="34" charset="-79"/>
+              <a:cs typeface="David" panose="020E0502060401010101" pitchFamily="34" charset="-79"/>
             </a:endParaRPr>
-          </a:p>
-        </p:txBody>
-      </p:sp>
-      <p:sp>
-        <p:nvSpPr>
-          <p:cNvPr id="2" name="מלבן 1">
-            <a:extLst>
-              <a:ext uri="{FF2B5EF4-FFF2-40B4-BE49-F238E27FC236}">
-                <a16:creationId xmlns:a16="http://schemas.microsoft.com/office/drawing/2014/main" id="{D27DA2BD-D504-4E01-BF93-0EC296653452}"/>
-              </a:ext>
-            </a:extLst>
-          </p:cNvPr>
-          <p:cNvSpPr/>
-          <p:nvPr/>
-        </p:nvSpPr>
-        <p:spPr>
-          <a:xfrm>
-            <a:off x="7311733" y="-8871"/>
-            <a:ext cx="4788490" cy="923330"/>
-          </a:xfrm>
-          <a:prstGeom prst="rect">
-            <a:avLst/>
-          </a:prstGeom>
-          <a:noFill/>
-        </p:spPr>
-        <p:txBody>
-          <a:bodyPr wrap="none" lIns="91440" tIns="45720" rIns="91440" bIns="45720">
-            <a:spAutoFit/>
-          </a:bodyPr>
-          <a:lstStyle/>
-          <a:p>
-            <a:pPr algn="ctr"/>
-            <a:r>
-              <a:rPr lang="he-IL" sz="5400" b="1" cap="none" spc="0" dirty="0">
-                <a:ln w="0"/>
-                <a:solidFill>
-                  <a:schemeClr val="tx1"/>
-                </a:solidFill>
-                <a:effectLst>
-                  <a:outerShdw blurRad="38100" dist="19050" dir="2700000" algn="tl" rotWithShape="0">
-                    <a:schemeClr val="dk1">
-                      <a:alpha val="40000"/>
-                    </a:schemeClr>
-                  </a:outerShdw>
-                </a:effectLst>
-              </a:rPr>
-              <a:t>האלגוריתם שלנו</a:t>
-            </a:r>
           </a:p>
         </p:txBody>
       </p:sp>
@@ -7824,7 +7110,7 @@
           <p:cNvPr id="3" name="מציין מיקום תוכן 2">
             <a:extLst>
               <a:ext uri="{FF2B5EF4-FFF2-40B4-BE49-F238E27FC236}">
-                <a16:creationId xmlns:a16="http://schemas.microsoft.com/office/drawing/2014/main" id="{E3A0FA9F-7002-42E8-B1FC-FA599E99C007}"/>
+                <a16:creationId xmlns:a16="http://schemas.microsoft.com/office/drawing/2014/main" id="{8FEA0A71-78EB-4E34-BA68-DB5DE5CEB513}"/>
               </a:ext>
             </a:extLst>
           </p:cNvPr>
@@ -7837,8 +7123,8 @@
         </p:nvSpPr>
         <p:spPr>
           <a:xfrm>
-            <a:off x="1666314" y="876349"/>
-            <a:ext cx="10335185" cy="5724475"/>
+            <a:off x="0" y="695885"/>
+            <a:ext cx="12053887" cy="5848350"/>
           </a:xfrm>
         </p:spPr>
         <p:txBody>
@@ -7847,438 +7133,287 @@
           </a:bodyPr>
           <a:lstStyle/>
           <a:p>
-            <a:pPr marL="0" indent="0" algn="r" rtl="1">
-              <a:spcBef>
-                <a:spcPts val="0"/>
-              </a:spcBef>
-              <a:spcAft>
-                <a:spcPts val="1200"/>
-              </a:spcAft>
-              <a:buNone/>
+            <a:pPr>
+              <a:lnSpc>
+                <a:spcPct val="150000"/>
+              </a:lnSpc>
             </a:pPr>
             <a:r>
-              <a:rPr lang="he-IL" sz="2000" i="0" u="none" strike="noStrike" dirty="0">
-                <a:solidFill>
-                  <a:srgbClr val="1A202C"/>
-                </a:solidFill>
-                <a:effectLst/>
-                <a:latin typeface="David" panose="020E0502060401010101" pitchFamily="34" charset="-79"/>
-                <a:cs typeface="David" panose="020E0502060401010101" pitchFamily="34" charset="-79"/>
-              </a:rPr>
-              <a:t> </a:t>
-            </a:r>
-            <a:r>
-              <a:rPr lang="he-IL" sz="2000" i="0" u="none" strike="noStrike" dirty="0">
-                <a:solidFill>
-                  <a:srgbClr val="1A202C"/>
-                </a:solidFill>
-                <a:effectLst/>
-                <a:latin typeface="David" panose="020E0502060401010101" pitchFamily="34" charset="-79"/>
-              </a:rPr>
-              <a:t>הוא מודל </a:t>
-            </a:r>
-            <a:r>
-              <a:rPr lang="he-IL" sz="2000" dirty="0">
-                <a:solidFill>
-                  <a:srgbClr val="1A202C"/>
-                </a:solidFill>
-                <a:latin typeface="David" panose="020E0502060401010101" pitchFamily="34" charset="-79"/>
-              </a:rPr>
-              <a:t>שבנוי על </a:t>
-            </a:r>
-            <a:r>
-              <a:rPr lang="he-IL" sz="2000" i="0" u="none" strike="noStrike" dirty="0">
-                <a:solidFill>
-                  <a:srgbClr val="1A202C"/>
-                </a:solidFill>
-                <a:effectLst/>
-                <a:latin typeface="David" panose="020E0502060401010101" pitchFamily="34" charset="-79"/>
-              </a:rPr>
-              <a:t>רשת נוירונים הבנויה מ-2 חלקים:</a:t>
-            </a:r>
-          </a:p>
-          <a:p>
-            <a:pPr marL="0" indent="0" algn="r" rtl="1">
-              <a:spcBef>
-                <a:spcPts val="0"/>
-              </a:spcBef>
-              <a:spcAft>
-                <a:spcPts val="1200"/>
-              </a:spcAft>
-              <a:buNone/>
+              <a:rPr lang="he-IL" sz="2400">
+                <a:latin typeface="David" panose="020E0502060401010101" pitchFamily="34" charset="-79"/>
+                <a:cs typeface="David" panose="020E0502060401010101" pitchFamily="34" charset="-79"/>
+              </a:rPr>
+              <a:t>בעוד שעבור המודל של </a:t>
+            </a:r>
+            <a:r>
+              <a:rPr lang="en-US" sz="2400">
+                <a:latin typeface="David" panose="020E0502060401010101" pitchFamily="34" charset="-79"/>
+                <a:cs typeface="David" panose="020E0502060401010101" pitchFamily="34" charset="-79"/>
+              </a:rPr>
+              <a:t>SpamGAN </a:t>
+            </a:r>
+            <a:r>
+              <a:rPr lang="he-IL" sz="2400">
+                <a:latin typeface="David" panose="020E0502060401010101" pitchFamily="34" charset="-79"/>
+                <a:cs typeface="David" panose="020E0502060401010101" pitchFamily="34" charset="-79"/>
+              </a:rPr>
+              <a:t> החוקרים אימנו גם את הגנרטור וגם את הדיסקרימינטור, אנחנו בחרנו להשתמש ב-</a:t>
+            </a:r>
+            <a:r>
+              <a:rPr lang="en-US" sz="2400">
+                <a:latin typeface="David" panose="020E0502060401010101" pitchFamily="34" charset="-79"/>
+                <a:cs typeface="David" panose="020E0502060401010101" pitchFamily="34" charset="-79"/>
+              </a:rPr>
+              <a:t>GPT2 </a:t>
+            </a:r>
+            <a:r>
+              <a:rPr lang="he-IL" sz="2400">
+                <a:latin typeface="David" panose="020E0502060401010101" pitchFamily="34" charset="-79"/>
+                <a:cs typeface="David" panose="020E0502060401010101" pitchFamily="34" charset="-79"/>
+              </a:rPr>
+              <a:t> שאומן על ידי גוגל על מנת לייצר הודעות </a:t>
+            </a:r>
+            <a:r>
+              <a:rPr lang="en-US" sz="2400">
+                <a:latin typeface="David" panose="020E0502060401010101" pitchFamily="34" charset="-79"/>
+                <a:cs typeface="David" panose="020E0502060401010101" pitchFamily="34" charset="-79"/>
+              </a:rPr>
+              <a:t>SMS</a:t>
+            </a:r>
+            <a:r>
+              <a:rPr lang="he-IL" sz="2400">
+                <a:latin typeface="David" panose="020E0502060401010101" pitchFamily="34" charset="-79"/>
+                <a:cs typeface="David" panose="020E0502060401010101" pitchFamily="34" charset="-79"/>
+              </a:rPr>
+              <a:t> מתויגות.</a:t>
+            </a:r>
+          </a:p>
+          <a:p>
+            <a:pPr>
+              <a:lnSpc>
+                <a:spcPct val="150000"/>
+              </a:lnSpc>
             </a:pPr>
             <a:r>
-              <a:rPr lang="he-IL" sz="2000" dirty="0">
-                <a:solidFill>
-                  <a:srgbClr val="1A202C"/>
-                </a:solidFill>
-                <a:latin typeface="David" panose="020E0502060401010101" pitchFamily="34" charset="-79"/>
-              </a:rPr>
-              <a:t>     </a:t>
-            </a:r>
-            <a:r>
-              <a:rPr lang="he-IL" sz="2000" i="0" u="none" strike="noStrike" dirty="0">
-                <a:solidFill>
-                  <a:srgbClr val="1A202C"/>
-                </a:solidFill>
-                <a:effectLst/>
-                <a:latin typeface="David" panose="020E0502060401010101" pitchFamily="34" charset="-79"/>
-              </a:rPr>
-              <a:t> </a:t>
-            </a:r>
-            <a:r>
-              <a:rPr lang="he-IL" sz="2000" i="0" u="sng" strike="noStrike" dirty="0">
-                <a:solidFill>
-                  <a:srgbClr val="1A202C"/>
-                </a:solidFill>
-                <a:effectLst/>
-                <a:latin typeface="David" panose="020E0502060401010101" pitchFamily="34" charset="-79"/>
-              </a:rPr>
-              <a:t>גנרטור</a:t>
-            </a:r>
-            <a:r>
-              <a:rPr lang="he-IL" sz="2000" i="0" u="none" strike="noStrike" dirty="0">
-                <a:solidFill>
-                  <a:srgbClr val="1A202C"/>
-                </a:solidFill>
-                <a:effectLst/>
-                <a:latin typeface="David" panose="020E0502060401010101" pitchFamily="34" charset="-79"/>
-              </a:rPr>
-              <a:t> - החלק שאחראי על ייצור דוגמאות חדשות. </a:t>
-            </a:r>
-          </a:p>
-          <a:p>
-            <a:pPr marL="0" indent="0" algn="r" rtl="1">
-              <a:spcBef>
-                <a:spcPts val="0"/>
-              </a:spcBef>
-              <a:spcAft>
-                <a:spcPts val="1200"/>
-              </a:spcAft>
-              <a:buNone/>
-            </a:pPr>
-            <a:r>
-              <a:rPr lang="he-IL" sz="2000" dirty="0">
-                <a:solidFill>
-                  <a:srgbClr val="1A202C"/>
-                </a:solidFill>
-                <a:latin typeface="David" panose="020E0502060401010101" pitchFamily="34" charset="-79"/>
-              </a:rPr>
-              <a:t>     </a:t>
-            </a:r>
-            <a:r>
-              <a:rPr lang="he-IL" sz="2000" i="0" u="sng" strike="noStrike" dirty="0">
-                <a:solidFill>
-                  <a:srgbClr val="1A202C"/>
-                </a:solidFill>
-                <a:effectLst/>
-                <a:latin typeface="David" panose="020E0502060401010101" pitchFamily="34" charset="-79"/>
-              </a:rPr>
-              <a:t>דיסקרימינטור</a:t>
-            </a:r>
-            <a:r>
-              <a:rPr lang="he-IL" sz="2000" i="0" u="none" strike="noStrike" dirty="0">
-                <a:solidFill>
-                  <a:srgbClr val="1A202C"/>
-                </a:solidFill>
-                <a:effectLst/>
-                <a:latin typeface="David" panose="020E0502060401010101" pitchFamily="34" charset="-79"/>
-              </a:rPr>
-              <a:t> - פונקציה שמטרתה להחליט האם הטקסט הוא אמיתי או מלאכותי.</a:t>
-            </a:r>
-          </a:p>
-          <a:p>
-            <a:pPr marL="0" indent="0" algn="r" rtl="1">
-              <a:spcBef>
-                <a:spcPts val="0"/>
-              </a:spcBef>
-              <a:spcAft>
-                <a:spcPts val="1200"/>
-              </a:spcAft>
-              <a:buNone/>
-            </a:pPr>
-            <a:r>
-              <a:rPr lang="he-IL" sz="2000" i="0" u="none" strike="noStrike" dirty="0">
-                <a:solidFill>
-                  <a:srgbClr val="1A202C"/>
-                </a:solidFill>
-                <a:effectLst/>
-                <a:latin typeface="David" panose="020E0502060401010101" pitchFamily="34" charset="-79"/>
-              </a:rPr>
-              <a:t>     מודלים אלו מאומנים על מאגר מידע מתויג מצומצם.</a:t>
-            </a:r>
-            <a:endParaRPr lang="he-IL" sz="2000" dirty="0">
-              <a:effectLst/>
-              <a:latin typeface="David" panose="020E0502060401010101" pitchFamily="34" charset="-79"/>
-            </a:endParaRPr>
-          </a:p>
-          <a:p>
-            <a:pPr algn="r" rtl="1">
-              <a:spcBef>
-                <a:spcPts val="0"/>
-              </a:spcBef>
-              <a:spcAft>
-                <a:spcPts val="1200"/>
-              </a:spcAft>
-            </a:pPr>
-            <a:r>
-              <a:rPr lang="he-IL" sz="2000" i="0" u="none" strike="noStrike" dirty="0">
-                <a:solidFill>
-                  <a:srgbClr val="1A202C"/>
-                </a:solidFill>
-                <a:effectLst/>
-                <a:latin typeface="David" panose="020E0502060401010101" pitchFamily="34" charset="-79"/>
-              </a:rPr>
-              <a:t>הודעות ספאם שנשלחות באמצעות הודעות </a:t>
-            </a:r>
-            <a:r>
-              <a:rPr lang="en-US" sz="2000" i="0" u="none" strike="noStrike" dirty="0">
-                <a:solidFill>
-                  <a:srgbClr val="1A202C"/>
-                </a:solidFill>
-                <a:effectLst/>
-                <a:latin typeface="David" panose="020E0502060401010101" pitchFamily="34" charset="-79"/>
-              </a:rPr>
-              <a:t>SMS</a:t>
-            </a:r>
-            <a:r>
-              <a:rPr lang="he-IL" sz="2000" i="0" u="none" strike="noStrike" dirty="0">
-                <a:solidFill>
-                  <a:srgbClr val="1A202C"/>
-                </a:solidFill>
-                <a:effectLst/>
-                <a:latin typeface="David" panose="020E0502060401010101" pitchFamily="34" charset="-79"/>
-              </a:rPr>
-              <a:t> </a:t>
-            </a:r>
-            <a:r>
-              <a:rPr lang="en-US" sz="2000" i="0" u="none" strike="noStrike" dirty="0">
-                <a:solidFill>
-                  <a:srgbClr val="1A202C"/>
-                </a:solidFill>
-                <a:effectLst/>
-                <a:latin typeface="David" panose="020E0502060401010101" pitchFamily="34" charset="-79"/>
-              </a:rPr>
-              <a:t> </a:t>
-            </a:r>
-            <a:r>
-              <a:rPr lang="he-IL" sz="2000" i="0" u="none" strike="noStrike" dirty="0">
-                <a:solidFill>
-                  <a:srgbClr val="1A202C"/>
-                </a:solidFill>
-                <a:effectLst/>
-                <a:latin typeface="David" panose="020E0502060401010101" pitchFamily="34" charset="-79"/>
-              </a:rPr>
-              <a:t>הן קשות לזיהוי בגלל המחסור היחסי של מאגרי נתונים מתויגים. </a:t>
-            </a:r>
-            <a:br>
-              <a:rPr lang="en-US" sz="2000" dirty="0">
-                <a:solidFill>
-                  <a:srgbClr val="1A202C"/>
-                </a:solidFill>
-                <a:latin typeface="David" panose="020E0502060401010101" pitchFamily="34" charset="-79"/>
-              </a:rPr>
-            </a:br>
-            <a:r>
-              <a:rPr lang="he-IL" sz="2000" i="0" u="none" strike="noStrike" dirty="0">
-                <a:solidFill>
-                  <a:srgbClr val="1A202C"/>
-                </a:solidFill>
-                <a:effectLst/>
-                <a:latin typeface="David" panose="020E0502060401010101" pitchFamily="34" charset="-79"/>
-              </a:rPr>
-              <a:t>לכן, הגישה נשענת על טכניקה שנקראת "</a:t>
-            </a:r>
-            <a:r>
-              <a:rPr lang="en-US" sz="2000" i="0" u="none" strike="noStrike" dirty="0">
-                <a:solidFill>
-                  <a:srgbClr val="1A202C"/>
-                </a:solidFill>
-                <a:effectLst/>
-                <a:latin typeface="David" panose="020E0502060401010101" pitchFamily="34" charset="-79"/>
-              </a:rPr>
-              <a:t>semi-supervised learning</a:t>
-            </a:r>
-            <a:r>
-              <a:rPr lang="he-IL" sz="2000" i="0" u="none" strike="noStrike" dirty="0">
-                <a:solidFill>
-                  <a:srgbClr val="1A202C"/>
-                </a:solidFill>
-                <a:effectLst/>
-                <a:latin typeface="David" panose="020E0502060401010101" pitchFamily="34" charset="-79"/>
-              </a:rPr>
-              <a:t>" </a:t>
-            </a:r>
-          </a:p>
-          <a:p>
-            <a:pPr algn="r" rtl="1">
-              <a:spcBef>
-                <a:spcPts val="0"/>
-              </a:spcBef>
-              <a:spcAft>
-                <a:spcPts val="1200"/>
-              </a:spcAft>
-            </a:pPr>
-            <a:r>
-              <a:rPr lang="he-IL" sz="2000" i="0" u="none" strike="noStrike" dirty="0">
-                <a:solidFill>
-                  <a:srgbClr val="1A202C"/>
-                </a:solidFill>
-                <a:effectLst/>
-                <a:latin typeface="David" panose="020E0502060401010101" pitchFamily="34" charset="-79"/>
-              </a:rPr>
-              <a:t>רכיב הגנרטור של </a:t>
-            </a:r>
-            <a:r>
-              <a:rPr lang="en-US" sz="2000" i="0" u="none" strike="noStrike" dirty="0">
-                <a:solidFill>
-                  <a:srgbClr val="1A202C"/>
-                </a:solidFill>
-                <a:effectLst/>
-                <a:latin typeface="David" panose="020E0502060401010101" pitchFamily="34" charset="-79"/>
-              </a:rPr>
-              <a:t>spamGAN </a:t>
-            </a:r>
-            <a:r>
-              <a:rPr lang="he-IL" sz="2000" i="0" u="none" strike="noStrike" dirty="0">
-                <a:solidFill>
-                  <a:srgbClr val="1A202C"/>
-                </a:solidFill>
-                <a:effectLst/>
-                <a:latin typeface="David" panose="020E0502060401010101" pitchFamily="34" charset="-79"/>
-              </a:rPr>
-              <a:t> מייצא משפטים חדשים, בהינתן קלט של סוג המחלקה ולאחר מכן הדיסקרימינטור מנסה לסווג את המשפטים החדשים בתור אמיתי או מזויף </a:t>
-            </a:r>
-            <a:endParaRPr lang="en-US" sz="2000" dirty="0">
-              <a:solidFill>
-                <a:srgbClr val="1A202C"/>
-              </a:solidFill>
-              <a:latin typeface="David" panose="020E0502060401010101" pitchFamily="34" charset="-79"/>
-            </a:endParaRPr>
-          </a:p>
-          <a:p>
-            <a:pPr algn="r" rtl="1">
-              <a:spcBef>
-                <a:spcPts val="0"/>
-              </a:spcBef>
-              <a:spcAft>
-                <a:spcPts val="1200"/>
-              </a:spcAft>
-            </a:pPr>
-            <a:r>
-              <a:rPr lang="he-IL" sz="2000" i="0" u="none" strike="noStrike" dirty="0">
-                <a:solidFill>
-                  <a:srgbClr val="1A202C"/>
-                </a:solidFill>
-                <a:effectLst/>
-                <a:latin typeface="David" panose="020E0502060401010101" pitchFamily="34" charset="-79"/>
-              </a:rPr>
-              <a:t>כיצד אימנו את הדיסקרימינטור? עם מקבצים של משפטים אמיתיים מתויגים, משפטים לא מתויגים אמיתיים ומשפטים מזויפים. לאחר מכן, הזינו לתוך המודל 80 אחוז ממאגר המידע המכיל 1600 דוגמאות, מתוכן בערך 800 הם למעשה ביקורות אמיתיות ו-800 ביקורות מזויפות</a:t>
-            </a:r>
-            <a:br>
-              <a:rPr lang="en-US" sz="2000" dirty="0">
-                <a:latin typeface="David" panose="020E0502060401010101" pitchFamily="34" charset="-79"/>
-                <a:cs typeface="David" panose="020E0502060401010101" pitchFamily="34" charset="-79"/>
-              </a:rPr>
-            </a:br>
-            <a:endParaRPr lang="en-IL" sz="2000" dirty="0">
+              <a:rPr lang="he-IL" sz="2400" b="1" u="sng">
+                <a:latin typeface="David" panose="020E0502060401010101" pitchFamily="34" charset="-79"/>
+                <a:cs typeface="David" panose="020E0502060401010101" pitchFamily="34" charset="-79"/>
+              </a:rPr>
+              <a:t>מה זה </a:t>
+            </a:r>
+            <a:r>
+              <a:rPr lang="en-US" sz="2400" b="1" u="sng">
+                <a:latin typeface="David" panose="020E0502060401010101" pitchFamily="34" charset="-79"/>
+                <a:cs typeface="David" panose="020E0502060401010101" pitchFamily="34" charset="-79"/>
+              </a:rPr>
+              <a:t>GPT2</a:t>
+            </a:r>
+            <a:r>
+              <a:rPr lang="he-IL" sz="2400" b="1" u="sng">
+                <a:latin typeface="David" panose="020E0502060401010101" pitchFamily="34" charset="-79"/>
+                <a:cs typeface="David" panose="020E0502060401010101" pitchFamily="34" charset="-79"/>
+              </a:rPr>
+              <a:t>?</a:t>
+            </a:r>
+            <a:r>
+              <a:rPr lang="he-IL" sz="2400">
+                <a:latin typeface="David" panose="020E0502060401010101" pitchFamily="34" charset="-79"/>
+                <a:cs typeface="David" panose="020E0502060401010101" pitchFamily="34" charset="-79"/>
+              </a:rPr>
+              <a:t> זהו מודל </a:t>
+            </a:r>
+            <a:r>
+              <a:rPr lang="en-US" sz="2400">
+                <a:latin typeface="David" panose="020E0502060401010101" pitchFamily="34" charset="-79"/>
+                <a:cs typeface="David" panose="020E0502060401010101" pitchFamily="34" charset="-79"/>
+              </a:rPr>
+              <a:t>open-source AI</a:t>
+            </a:r>
+            <a:r>
+              <a:rPr lang="he-IL" sz="2400">
+                <a:latin typeface="David" panose="020E0502060401010101" pitchFamily="34" charset="-79"/>
+                <a:cs typeface="David" panose="020E0502060401010101" pitchFamily="34" charset="-79"/>
+              </a:rPr>
+              <a:t> שפורסם בשנת 2019 ומטרתו היא יצירת טקסט מלאכותי. המודל הוא </a:t>
+            </a:r>
+            <a:r>
+              <a:rPr lang="en-US" sz="2400">
+                <a:latin typeface="David" panose="020E0502060401010101" pitchFamily="34" charset="-79"/>
+                <a:cs typeface="David" panose="020E0502060401010101" pitchFamily="34" charset="-79"/>
+              </a:rPr>
+              <a:t>transformer</a:t>
+            </a:r>
+            <a:r>
+              <a:rPr lang="he-IL" sz="2400">
+                <a:latin typeface="David" panose="020E0502060401010101" pitchFamily="34" charset="-79"/>
+                <a:cs typeface="David" panose="020E0502060401010101" pitchFamily="34" charset="-79"/>
+              </a:rPr>
+              <a:t> שאומן מראש וביכולתו לקחת מקבץ של מילים וליצור מהם סיפור, הודעה, משפט חדש.</a:t>
+            </a:r>
+            <a:endParaRPr lang="he-IL" sz="2400" b="1" u="sng">
               <a:latin typeface="David" panose="020E0502060401010101" pitchFamily="34" charset="-79"/>
               <a:cs typeface="David" panose="020E0502060401010101" pitchFamily="34" charset="-79"/>
             </a:endParaRPr>
           </a:p>
-        </p:txBody>
-      </p:sp>
-      <p:pic>
-        <p:nvPicPr>
-          <p:cNvPr id="6" name="גרפיקה 5" descr="מחקר עם מילוי מלא">
-            <a:extLst>
-              <a:ext uri="{FF2B5EF4-FFF2-40B4-BE49-F238E27FC236}">
-                <a16:creationId xmlns:a16="http://schemas.microsoft.com/office/drawing/2014/main" id="{268ACF62-FEF7-46B0-9767-839FA03E3442}"/>
-              </a:ext>
-            </a:extLst>
-          </p:cNvPr>
-          <p:cNvPicPr>
-            <a:picLocks noChangeAspect="1"/>
-          </p:cNvPicPr>
+          <a:p>
+            <a:pPr>
+              <a:lnSpc>
+                <a:spcPct val="100000"/>
+              </a:lnSpc>
+            </a:pPr>
+            <a:r>
+              <a:rPr lang="he-IL" sz="2400">
+                <a:latin typeface="David" panose="020E0502060401010101" pitchFamily="34" charset="-79"/>
+                <a:cs typeface="David" panose="020E0502060401010101" pitchFamily="34" charset="-79"/>
+              </a:rPr>
+              <a:t> </a:t>
+            </a:r>
+            <a:r>
+              <a:rPr lang="he-IL" sz="2400" b="1" u="sng">
+                <a:latin typeface="David" panose="020E0502060401010101" pitchFamily="34" charset="-79"/>
+                <a:cs typeface="David" panose="020E0502060401010101" pitchFamily="34" charset="-79"/>
+              </a:rPr>
+              <a:t>כיצד זה נראה?</a:t>
+            </a:r>
+            <a:r>
+              <a:rPr lang="he-IL" sz="2400">
+                <a:latin typeface="David" panose="020E0502060401010101" pitchFamily="34" charset="-79"/>
+                <a:cs typeface="David" panose="020E0502060401010101" pitchFamily="34" charset="-79"/>
+              </a:rPr>
+              <a:t> הפונקציה שלנו עובדת בצורה כזו שמכניסים לתוכה קלט והיא </a:t>
+            </a:r>
+          </a:p>
+          <a:p>
+            <a:pPr marL="0" indent="0">
+              <a:lnSpc>
+                <a:spcPct val="100000"/>
+              </a:lnSpc>
+              <a:buNone/>
+            </a:pPr>
+            <a:r>
+              <a:rPr lang="he-IL" sz="2400">
+                <a:latin typeface="David" panose="020E0502060401010101" pitchFamily="34" charset="-79"/>
+                <a:cs typeface="David" panose="020E0502060401010101" pitchFamily="34" charset="-79"/>
+              </a:rPr>
+              <a:t>   מוציאה פלט בווריאציה שונה. כך לדוגמא התקבל:</a:t>
+            </a:r>
+          </a:p>
+          <a:p>
+            <a:pPr>
+              <a:lnSpc>
+                <a:spcPct val="100000"/>
+              </a:lnSpc>
+            </a:pPr>
+            <a:r>
+              <a:rPr lang="he-IL" sz="2400">
+                <a:latin typeface="David" panose="020E0502060401010101" pitchFamily="34" charset="-79"/>
+                <a:cs typeface="David" panose="020E0502060401010101" pitchFamily="34" charset="-79"/>
+              </a:rPr>
+              <a:t>קלט אמיתי: </a:t>
+            </a:r>
+            <a:endParaRPr lang="en-US" sz="2400">
+              <a:latin typeface="David" panose="020E0502060401010101" pitchFamily="34" charset="-79"/>
+              <a:cs typeface="David" panose="020E0502060401010101" pitchFamily="34" charset="-79"/>
+            </a:endParaRPr>
+          </a:p>
+          <a:p>
+            <a:pPr marL="0" indent="0" algn="l" rtl="0">
+              <a:lnSpc>
+                <a:spcPct val="100000"/>
+              </a:lnSpc>
+              <a:buNone/>
+            </a:pPr>
+            <a:r>
+              <a:rPr lang="he-IL" sz="2400">
+                <a:latin typeface="David" panose="020E0502060401010101" pitchFamily="34" charset="-79"/>
+                <a:cs typeface="David" panose="020E0502060401010101" pitchFamily="34" charset="-79"/>
+              </a:rPr>
+              <a:t>"</a:t>
+            </a:r>
+            <a:r>
+              <a:rPr lang="en-US" sz="2400">
+                <a:latin typeface="David" panose="020E0502060401010101" pitchFamily="34" charset="-79"/>
+                <a:cs typeface="David" panose="020E0502060401010101" pitchFamily="34" charset="-79"/>
+              </a:rPr>
+              <a:t>Click this link! You have won a million dollars! come claim your reward</a:t>
+            </a:r>
+            <a:r>
+              <a:rPr lang="he-IL" sz="2400">
+                <a:latin typeface="David" panose="020E0502060401010101" pitchFamily="34" charset="-79"/>
+                <a:cs typeface="David" panose="020E0502060401010101" pitchFamily="34" charset="-79"/>
+              </a:rPr>
+              <a:t>"</a:t>
+            </a:r>
+            <a:endParaRPr lang="en-US" sz="2400">
+              <a:latin typeface="David" panose="020E0502060401010101" pitchFamily="34" charset="-79"/>
+              <a:cs typeface="David" panose="020E0502060401010101" pitchFamily="34" charset="-79"/>
+            </a:endParaRPr>
+          </a:p>
+          <a:p>
+            <a:pPr>
+              <a:lnSpc>
+                <a:spcPct val="100000"/>
+              </a:lnSpc>
+            </a:pPr>
+            <a:r>
+              <a:rPr lang="he-IL" sz="2400">
+                <a:latin typeface="David" panose="020E0502060401010101" pitchFamily="34" charset="-79"/>
+                <a:cs typeface="David" panose="020E0502060401010101" pitchFamily="34" charset="-79"/>
+              </a:rPr>
+              <a:t>פלט של </a:t>
+            </a:r>
+            <a:r>
+              <a:rPr lang="en-US" sz="2400">
+                <a:latin typeface="David" panose="020E0502060401010101" pitchFamily="34" charset="-79"/>
+                <a:cs typeface="David" panose="020E0502060401010101" pitchFamily="34" charset="-79"/>
+              </a:rPr>
+              <a:t>GPT2</a:t>
+            </a:r>
+            <a:r>
+              <a:rPr lang="he-IL" sz="2400">
+                <a:latin typeface="David" panose="020E0502060401010101" pitchFamily="34" charset="-79"/>
+                <a:cs typeface="David" panose="020E0502060401010101" pitchFamily="34" charset="-79"/>
+              </a:rPr>
+              <a:t>:</a:t>
+            </a:r>
+            <a:endParaRPr lang="en-US" sz="2400">
+              <a:latin typeface="David" panose="020E0502060401010101" pitchFamily="34" charset="-79"/>
+              <a:cs typeface="David" panose="020E0502060401010101" pitchFamily="34" charset="-79"/>
+            </a:endParaRPr>
+          </a:p>
+          <a:p>
+            <a:pPr marL="0" indent="0" algn="l" rtl="0">
+              <a:lnSpc>
+                <a:spcPct val="100000"/>
+              </a:lnSpc>
+              <a:buNone/>
+            </a:pPr>
+            <a:r>
+              <a:rPr lang="en-US" sz="2400">
+                <a:latin typeface="David" panose="020E0502060401010101" pitchFamily="34" charset="-79"/>
+                <a:cs typeface="David" panose="020E0502060401010101" pitchFamily="34" charset="-79"/>
+              </a:rPr>
+              <a:t>"You can claim the prize by clicking the button below! Claim your prize!”</a:t>
+            </a:r>
+          </a:p>
+        </p:txBody>
+      </p:sp>
+      <p:sp>
+        <p:nvSpPr>
+          <p:cNvPr id="4" name="מלבן 3">
+            <a:extLst>
+              <a:ext uri="{FF2B5EF4-FFF2-40B4-BE49-F238E27FC236}">
+                <a16:creationId xmlns:a16="http://schemas.microsoft.com/office/drawing/2014/main" id="{5D805A37-391E-4528-9C28-B83082B4DE4D}"/>
+              </a:ext>
+            </a:extLst>
+          </p:cNvPr>
+          <p:cNvSpPr/>
           <p:nvPr/>
-        </p:nvPicPr>
-        <p:blipFill>
-          <a:blip r:embed="rId3">
-            <a:extLst>
-              <a:ext uri="{28A0092B-C50C-407E-A947-70E740481C1C}">
-                <a14:useLocalDpi xmlns:a14="http://schemas.microsoft.com/office/drawing/2010/main" val="0"/>
-              </a:ext>
-              <a:ext uri="{96DAC541-7B7A-43D3-8B79-37D633B846F1}">
-                <asvg:svgBlip xmlns:asvg="http://schemas.microsoft.com/office/drawing/2016/SVG/main" r:embed="rId4"/>
-              </a:ext>
-            </a:extLst>
-          </a:blip>
-          <a:stretch>
-            <a:fillRect/>
-          </a:stretch>
-        </p:blipFill>
+        </p:nvSpPr>
         <p:spPr>
           <a:xfrm>
-            <a:off x="1868" y="79375"/>
-            <a:ext cx="508000" cy="508000"/>
-          </a:xfrm>
-          <a:prstGeom prst="rect">
-            <a:avLst/>
-          </a:prstGeom>
-        </p:spPr>
-      </p:pic>
-      <p:pic>
-        <p:nvPicPr>
-          <p:cNvPr id="8" name="תמונה 7">
-            <a:extLst>
-              <a:ext uri="{FF2B5EF4-FFF2-40B4-BE49-F238E27FC236}">
-                <a16:creationId xmlns:a16="http://schemas.microsoft.com/office/drawing/2014/main" id="{69DB13A9-B092-49DB-B869-662E35BB27DB}"/>
-              </a:ext>
-            </a:extLst>
-          </p:cNvPr>
-          <p:cNvPicPr>
-            <a:picLocks noChangeAspect="1"/>
-          </p:cNvPicPr>
-          <p:nvPr/>
-        </p:nvPicPr>
-        <p:blipFill>
-          <a:blip r:embed="rId5">
-            <a:extLst>
-              <a:ext uri="{28A0092B-C50C-407E-A947-70E740481C1C}">
-                <a14:useLocalDpi xmlns:a14="http://schemas.microsoft.com/office/drawing/2010/main" val="0"/>
-              </a:ext>
-            </a:extLst>
-          </a:blip>
-          <a:stretch>
-            <a:fillRect/>
-          </a:stretch>
-        </p:blipFill>
-        <p:spPr>
-          <a:xfrm>
-            <a:off x="1868" y="4981575"/>
-            <a:ext cx="4242103" cy="1876425"/>
-          </a:xfrm>
-          <a:prstGeom prst="rect">
-            <a:avLst/>
-          </a:prstGeom>
-        </p:spPr>
-      </p:pic>
-      <p:sp>
-        <p:nvSpPr>
-          <p:cNvPr id="2" name="מלבן 1">
-            <a:extLst>
-              <a:ext uri="{FF2B5EF4-FFF2-40B4-BE49-F238E27FC236}">
-                <a16:creationId xmlns:a16="http://schemas.microsoft.com/office/drawing/2014/main" id="{49E7F8D2-187B-46B8-9DDF-FEC49E34E1BF}"/>
-              </a:ext>
-            </a:extLst>
-          </p:cNvPr>
-          <p:cNvSpPr/>
-          <p:nvPr/>
-        </p:nvSpPr>
-        <p:spPr>
-          <a:xfrm>
-            <a:off x="8368249" y="-128290"/>
-            <a:ext cx="3416320" cy="923330"/>
+            <a:off x="7989264" y="0"/>
+            <a:ext cx="3871574" cy="923330"/>
           </a:xfrm>
           <a:prstGeom prst="rect">
             <a:avLst/>
@@ -8293,17 +7428,19 @@
           <a:p>
             <a:pPr algn="ctr"/>
             <a:r>
-              <a:rPr lang="en-US" sz="5400" b="1" i="0" u="none" strike="noStrike" dirty="0">
-                <a:solidFill>
-                  <a:srgbClr val="1A202C"/>
-                </a:solidFill>
-                <a:effectLst/>
-                <a:latin typeface="David" panose="020E0502060401010101" pitchFamily="34" charset="-79"/>
-                <a:cs typeface="David" panose="020E0502060401010101" pitchFamily="34" charset="-79"/>
-              </a:rPr>
-              <a:t>SpamGAN</a:t>
-            </a:r>
-            <a:endParaRPr lang="he-IL" sz="4800" b="0" cap="none" spc="0" dirty="0">
+              <a:rPr lang="he-IL" sz="5400" b="1">
+                <a:ln w="0"/>
+                <a:effectLst>
+                  <a:outerShdw blurRad="38100" dist="19050" dir="2700000" algn="tl" rotWithShape="0">
+                    <a:schemeClr val="dk1">
+                      <a:alpha val="40000"/>
+                    </a:schemeClr>
+                  </a:outerShdw>
+                </a:effectLst>
+              </a:rPr>
+              <a:t>השיטה שלנו:</a:t>
+            </a:r>
+            <a:endParaRPr lang="he-IL" sz="5400" b="1" cap="none" spc="0" dirty="0">
               <a:ln w="0"/>
               <a:solidFill>
                 <a:schemeClr val="tx1"/>
@@ -8322,7 +7459,7 @@
     </p:spTree>
     <p:extLst>
       <p:ext uri="{BB962C8B-B14F-4D97-AF65-F5344CB8AC3E}">
-        <p14:creationId xmlns:p14="http://schemas.microsoft.com/office/powerpoint/2010/main" val="816497118"/>
+        <p14:creationId xmlns:p14="http://schemas.microsoft.com/office/powerpoint/2010/main" val="1763950853"/>
       </p:ext>
     </p:extLst>
   </p:cSld>
@@ -8345,7 +7482,7 @@
                 <a:lumOff val="100000"/>
               </a:schemeClr>
             </a:gs>
-            <a:gs pos="47000">
+            <a:gs pos="35000">
               <a:schemeClr val="accent1">
                 <a:lumMod val="0"/>
                 <a:lumOff val="100000"/>
@@ -8380,420 +7517,352 @@
       </p:grpSpPr>
       <p:sp>
         <p:nvSpPr>
-          <p:cNvPr id="4" name="מלבן 3">
-            <a:extLst>
-              <a:ext uri="{FF2B5EF4-FFF2-40B4-BE49-F238E27FC236}">
-                <a16:creationId xmlns:a16="http://schemas.microsoft.com/office/drawing/2014/main" id="{AEC1EAFE-029F-402D-9DF2-F1DA69271F77}"/>
-              </a:ext>
-            </a:extLst>
-          </p:cNvPr>
-          <p:cNvSpPr/>
-          <p:nvPr/>
+          <p:cNvPr id="3" name="מציין מיקום תוכן 2">
+            <a:extLst>
+              <a:ext uri="{FF2B5EF4-FFF2-40B4-BE49-F238E27FC236}">
+                <a16:creationId xmlns:a16="http://schemas.microsoft.com/office/drawing/2014/main" id="{38B9A60E-1AC0-4F00-896A-E8C0657F2B6F}"/>
+              </a:ext>
+            </a:extLst>
+          </p:cNvPr>
+          <p:cNvSpPr>
+            <a:spLocks noGrp="1"/>
+          </p:cNvSpPr>
+          <p:nvPr>
+            <p:ph idx="1"/>
+          </p:nvPr>
         </p:nvSpPr>
         <p:spPr>
           <a:xfrm>
-            <a:off x="3077564" y="-70834"/>
-            <a:ext cx="6638219" cy="763108"/>
+            <a:off x="537882" y="131295"/>
+            <a:ext cx="10932459" cy="6484657"/>
           </a:xfrm>
-          <a:prstGeom prst="rect">
-            <a:avLst/>
-          </a:prstGeom>
-          <a:noFill/>
         </p:spPr>
         <p:txBody>
-          <a:bodyPr wrap="square" lIns="91440" tIns="45720" rIns="91440" bIns="45720">
-            <a:spAutoFit/>
+          <a:bodyPr>
+            <a:normAutofit/>
           </a:bodyPr>
           <a:lstStyle/>
           <a:p>
-            <a:pPr algn="ctr"/>
-            <a:r>
-              <a:rPr lang="he-IL" sz="4400" b="1" dirty="0">
-                <a:ln w="0"/>
-                <a:effectLst>
-                  <a:outerShdw blurRad="38100" dist="19050" dir="2700000" algn="tl" rotWithShape="0">
-                    <a:schemeClr val="dk1">
-                      <a:alpha val="40000"/>
-                    </a:schemeClr>
-                  </a:outerShdw>
-                </a:effectLst>
-              </a:rPr>
-              <a:t>התפלגויות וסטטיסטיקות</a:t>
-            </a:r>
-            <a:endParaRPr lang="he-IL" sz="4400" b="1" cap="none" spc="0" dirty="0">
-              <a:ln w="0"/>
+            <a:pPr marL="0" indent="0" algn="ctr" rtl="1">
+              <a:lnSpc>
+                <a:spcPct val="160000"/>
+              </a:lnSpc>
+              <a:spcBef>
+                <a:spcPts val="0"/>
+              </a:spcBef>
+              <a:spcAft>
+                <a:spcPts val="1200"/>
+              </a:spcAft>
+              <a:buNone/>
+            </a:pPr>
+            <a:r>
+              <a:rPr lang="en-US" u="sng">
+                <a:latin typeface="David" panose="020E0502060401010101" pitchFamily="34" charset="-79"/>
+                <a:cs typeface="David" panose="020E0502060401010101" pitchFamily="34" charset="-79"/>
+              </a:rPr>
+              <a:t>Fine-Tuning GPT2</a:t>
+            </a:r>
+            <a:br>
+              <a:rPr lang="en-US" u="sng">
+                <a:latin typeface="David" panose="020E0502060401010101" pitchFamily="34" charset="-79"/>
+                <a:cs typeface="David" panose="020E0502060401010101" pitchFamily="34" charset="-79"/>
+              </a:rPr>
+            </a:br>
+            <a:r>
+              <a:rPr lang="he-IL" sz="2000" u="sng">
+                <a:latin typeface="David" panose="020E0502060401010101" pitchFamily="34" charset="-79"/>
+                <a:cs typeface="David" panose="020E0502060401010101" pitchFamily="34" charset="-79"/>
+              </a:rPr>
+              <a:t>מדוע זה נחוץ?</a:t>
+            </a:r>
+            <a:br>
+              <a:rPr lang="en-US" u="sng">
+                <a:latin typeface="David" panose="020E0502060401010101" pitchFamily="34" charset="-79"/>
+                <a:cs typeface="David" panose="020E0502060401010101" pitchFamily="34" charset="-79"/>
+              </a:rPr>
+            </a:br>
+            <a:r>
+              <a:rPr lang="he-IL" sz="2000" b="0" i="0" u="none" strike="noStrike">
+                <a:solidFill>
+                  <a:srgbClr val="202124"/>
+                </a:solidFill>
+                <a:effectLst/>
+                <a:latin typeface="David" panose="020E0502060401010101" pitchFamily="34" charset="-79"/>
+                <a:cs typeface="David" panose="020E0502060401010101" pitchFamily="34" charset="-79"/>
+              </a:rPr>
+              <a:t>מודל </a:t>
+            </a:r>
+            <a:r>
+              <a:rPr lang="en-US" sz="2000" b="0" i="0" u="none" strike="noStrike">
+                <a:solidFill>
+                  <a:srgbClr val="202124"/>
+                </a:solidFill>
+                <a:effectLst/>
+                <a:latin typeface="David" panose="020E0502060401010101" pitchFamily="34" charset="-79"/>
+                <a:cs typeface="David" panose="020E0502060401010101" pitchFamily="34" charset="-79"/>
+              </a:rPr>
+              <a:t>GPT2</a:t>
+            </a:r>
+            <a:r>
+              <a:rPr lang="he-IL" sz="2000" b="0" i="0" u="none" strike="noStrike">
+                <a:solidFill>
+                  <a:srgbClr val="202124"/>
+                </a:solidFill>
+                <a:effectLst/>
+                <a:latin typeface="David" panose="020E0502060401010101" pitchFamily="34" charset="-79"/>
+                <a:cs typeface="David" panose="020E0502060401010101" pitchFamily="34" charset="-79"/>
+              </a:rPr>
+              <a:t> הוא, כמו שהשם שלו אומר, </a:t>
+            </a:r>
+            <a:r>
+              <a:rPr lang="en-US" sz="2000" b="0" i="0" u="none" strike="noStrike">
+                <a:solidFill>
+                  <a:srgbClr val="202124"/>
+                </a:solidFill>
+                <a:effectLst/>
+                <a:latin typeface="David" panose="020E0502060401010101" pitchFamily="34" charset="-79"/>
+                <a:cs typeface="David" panose="020E0502060401010101" pitchFamily="34" charset="-79"/>
+              </a:rPr>
+              <a:t>Transformer</a:t>
+            </a:r>
+            <a:r>
+              <a:rPr lang="he-IL" sz="2000" b="0" i="0" u="none" strike="noStrike">
+                <a:solidFill>
+                  <a:srgbClr val="202124"/>
+                </a:solidFill>
+                <a:effectLst/>
+                <a:latin typeface="David" panose="020E0502060401010101" pitchFamily="34" charset="-79"/>
+                <a:cs typeface="David" panose="020E0502060401010101" pitchFamily="34" charset="-79"/>
+              </a:rPr>
+              <a:t>. לכן הוא משתמש במנגנון הקשב, כלומר הוא לומד להתמקד במילים קודמות שהכי רלוונטיות להקשר כדי לחזות את המילה הבאה. היכולות של המודל הן טובות, אך שמנו לב כשיצרנו </a:t>
+            </a:r>
+            <a:r>
+              <a:rPr lang="en-US" sz="2000" b="0" i="0" u="none" strike="noStrike">
+                <a:solidFill>
+                  <a:srgbClr val="202124"/>
+                </a:solidFill>
+                <a:effectLst/>
+                <a:latin typeface="David" panose="020E0502060401010101" pitchFamily="34" charset="-79"/>
+                <a:cs typeface="David" panose="020E0502060401010101" pitchFamily="34" charset="-79"/>
+              </a:rPr>
+              <a:t>Data</a:t>
+            </a:r>
+            <a:r>
+              <a:rPr lang="he-IL" sz="2000" b="0" i="0" u="none" strike="noStrike">
+                <a:solidFill>
+                  <a:srgbClr val="202124"/>
+                </a:solidFill>
+                <a:effectLst/>
+                <a:latin typeface="David" panose="020E0502060401010101" pitchFamily="34" charset="-79"/>
+                <a:cs typeface="David" panose="020E0502060401010101" pitchFamily="34" charset="-79"/>
+              </a:rPr>
+              <a:t> חדש, שחלק מהטקסטים שיוצרו נשמעים יותר כמו סיפור מאשר הודעת </a:t>
+            </a:r>
+            <a:r>
+              <a:rPr lang="en-US" sz="2000" b="0" i="0" u="none" strike="noStrike">
+                <a:solidFill>
+                  <a:srgbClr val="202124"/>
+                </a:solidFill>
+                <a:effectLst/>
+                <a:latin typeface="David" panose="020E0502060401010101" pitchFamily="34" charset="-79"/>
+                <a:cs typeface="David" panose="020E0502060401010101" pitchFamily="34" charset="-79"/>
+              </a:rPr>
+              <a:t>SMS</a:t>
+            </a:r>
+            <a:r>
+              <a:rPr lang="he-IL" sz="2000" b="0" i="0" u="none" strike="noStrike">
+                <a:solidFill>
+                  <a:srgbClr val="202124"/>
+                </a:solidFill>
+                <a:effectLst/>
+                <a:latin typeface="David" panose="020E0502060401010101" pitchFamily="34" charset="-79"/>
+                <a:cs typeface="David" panose="020E0502060401010101" pitchFamily="34" charset="-79"/>
+              </a:rPr>
+              <a:t>. </a:t>
+            </a:r>
+          </a:p>
+          <a:p>
+            <a:pPr marL="0" indent="0" algn="ctr" rtl="1">
+              <a:lnSpc>
+                <a:spcPct val="160000"/>
+              </a:lnSpc>
+              <a:spcBef>
+                <a:spcPts val="0"/>
+              </a:spcBef>
+              <a:spcAft>
+                <a:spcPts val="1200"/>
+              </a:spcAft>
+              <a:buNone/>
+            </a:pPr>
+            <a:r>
+              <a:rPr lang="he-IL" sz="2000">
+                <a:solidFill>
+                  <a:srgbClr val="202124"/>
+                </a:solidFill>
+                <a:latin typeface="David" panose="020E0502060401010101" pitchFamily="34" charset="-79"/>
+                <a:cs typeface="David" panose="020E0502060401010101" pitchFamily="34" charset="-79"/>
+              </a:rPr>
+              <a:t>לכן, חיפשנו דרך לבצע "כיוונון" למודל ככה שהוא יתאים את הפלט שלו בהתאם לצרכים שלנו.</a:t>
+            </a:r>
+            <a:br>
+              <a:rPr lang="en-US" sz="2000">
+                <a:solidFill>
+                  <a:srgbClr val="202124"/>
+                </a:solidFill>
+                <a:latin typeface="David" panose="020E0502060401010101" pitchFamily="34" charset="-79"/>
+                <a:cs typeface="David" panose="020E0502060401010101" pitchFamily="34" charset="-79"/>
+              </a:rPr>
+            </a:br>
+            <a:r>
+              <a:rPr lang="he-IL" sz="2000">
+                <a:solidFill>
+                  <a:srgbClr val="202124"/>
+                </a:solidFill>
+                <a:latin typeface="David" panose="020E0502060401010101" pitchFamily="34" charset="-79"/>
+                <a:cs typeface="David" panose="020E0502060401010101" pitchFamily="34" charset="-79"/>
+              </a:rPr>
+              <a:t>אחרי קצת חיפושים מצאנו פרויקט גיטהאב שמציע בדיוק את מה שחיפשנו.</a:t>
+            </a:r>
+            <a:br>
+              <a:rPr lang="en-US" sz="2000">
+                <a:solidFill>
+                  <a:srgbClr val="202124"/>
+                </a:solidFill>
+                <a:latin typeface="David" panose="020E0502060401010101" pitchFamily="34" charset="-79"/>
+                <a:cs typeface="David" panose="020E0502060401010101" pitchFamily="34" charset="-79"/>
+              </a:rPr>
+            </a:br>
+            <a:r>
+              <a:rPr lang="en-US" sz="2000">
+                <a:solidFill>
+                  <a:srgbClr val="202124"/>
+                </a:solidFill>
+                <a:latin typeface="David" panose="020E0502060401010101" pitchFamily="34" charset="-79"/>
+                <a:cs typeface="David" panose="020E0502060401010101" pitchFamily="34" charset="-79"/>
+                <a:hlinkClick r:id="rId2"/>
+              </a:rPr>
+              <a:t>https://github.com/prakhar21/TextAugmentation-GPT2</a:t>
+            </a:r>
+            <a:endParaRPr lang="he-IL" sz="2000">
               <a:solidFill>
-                <a:schemeClr val="tx1"/>
+                <a:srgbClr val="202124"/>
               </a:solidFill>
-              <a:effectLst>
-                <a:outerShdw blurRad="38100" dist="19050" dir="2700000" algn="tl" rotWithShape="0">
-                  <a:schemeClr val="dk1">
-                    <a:alpha val="40000"/>
-                  </a:schemeClr>
-                </a:outerShdw>
-              </a:effectLst>
+              <a:latin typeface="David" panose="020E0502060401010101" pitchFamily="34" charset="-79"/>
+              <a:cs typeface="David" panose="020E0502060401010101" pitchFamily="34" charset="-79"/>
             </a:endParaRPr>
           </a:p>
-        </p:txBody>
-      </p:sp>
-      <p:pic>
-        <p:nvPicPr>
-          <p:cNvPr id="5" name="תמונה 4">
-            <a:extLst>
-              <a:ext uri="{FF2B5EF4-FFF2-40B4-BE49-F238E27FC236}">
-                <a16:creationId xmlns:a16="http://schemas.microsoft.com/office/drawing/2014/main" id="{C41580FB-9EC1-445B-94DC-4C703E52273C}"/>
-              </a:ext>
-            </a:extLst>
-          </p:cNvPr>
-          <p:cNvPicPr>
-            <a:picLocks noChangeAspect="1"/>
-          </p:cNvPicPr>
-          <p:nvPr/>
-        </p:nvPicPr>
-        <p:blipFill>
-          <a:blip r:embed="rId2"/>
-          <a:stretch>
-            <a:fillRect/>
-          </a:stretch>
-        </p:blipFill>
-        <p:spPr>
-          <a:xfrm>
-            <a:off x="0" y="1094383"/>
-            <a:ext cx="5071807" cy="3404885"/>
-          </a:xfrm>
-          <a:prstGeom prst="rect">
-            <a:avLst/>
-          </a:prstGeom>
-        </p:spPr>
-      </p:pic>
-      <p:pic>
-        <p:nvPicPr>
-          <p:cNvPr id="6" name="תמונה 5">
-            <a:extLst>
-              <a:ext uri="{FF2B5EF4-FFF2-40B4-BE49-F238E27FC236}">
-                <a16:creationId xmlns:a16="http://schemas.microsoft.com/office/drawing/2014/main" id="{538BB186-0A26-40E1-909D-8857E88AB033}"/>
-              </a:ext>
-            </a:extLst>
-          </p:cNvPr>
-          <p:cNvPicPr>
-            <a:picLocks noChangeAspect="1"/>
-          </p:cNvPicPr>
-          <p:nvPr/>
-        </p:nvPicPr>
-        <p:blipFill>
-          <a:blip r:embed="rId3"/>
-          <a:stretch>
-            <a:fillRect/>
-          </a:stretch>
-        </p:blipFill>
-        <p:spPr>
-          <a:xfrm>
-            <a:off x="6810375" y="976169"/>
-            <a:ext cx="5381625" cy="3532624"/>
-          </a:xfrm>
-          <a:prstGeom prst="rect">
-            <a:avLst/>
-          </a:prstGeom>
-        </p:spPr>
-      </p:pic>
-      <p:pic>
-        <p:nvPicPr>
-          <p:cNvPr id="7" name="תמונה 6">
-            <a:extLst>
-              <a:ext uri="{FF2B5EF4-FFF2-40B4-BE49-F238E27FC236}">
-                <a16:creationId xmlns:a16="http://schemas.microsoft.com/office/drawing/2014/main" id="{58AEA7FE-E8E5-497E-955C-A470AFACB126}"/>
-              </a:ext>
-            </a:extLst>
-          </p:cNvPr>
-          <p:cNvPicPr>
-            <a:picLocks noChangeAspect="1"/>
-          </p:cNvPicPr>
-          <p:nvPr/>
-        </p:nvPicPr>
-        <p:blipFill>
-          <a:blip r:embed="rId4"/>
-          <a:stretch>
-            <a:fillRect/>
-          </a:stretch>
-        </p:blipFill>
-        <p:spPr>
-          <a:xfrm>
-            <a:off x="1787247" y="4590793"/>
-            <a:ext cx="3009759" cy="2141547"/>
-          </a:xfrm>
-          <a:prstGeom prst="rect">
-            <a:avLst/>
-          </a:prstGeom>
-        </p:spPr>
-      </p:pic>
-      <p:pic>
-        <p:nvPicPr>
-          <p:cNvPr id="8" name="תמונה 7">
-            <a:extLst>
-              <a:ext uri="{FF2B5EF4-FFF2-40B4-BE49-F238E27FC236}">
-                <a16:creationId xmlns:a16="http://schemas.microsoft.com/office/drawing/2014/main" id="{DBB380CB-C36B-43BD-9B32-6BBAE3995507}"/>
-              </a:ext>
-            </a:extLst>
-          </p:cNvPr>
-          <p:cNvPicPr>
-            <a:picLocks noChangeAspect="1"/>
-          </p:cNvPicPr>
-          <p:nvPr/>
-        </p:nvPicPr>
-        <p:blipFill>
-          <a:blip r:embed="rId5"/>
-          <a:stretch>
-            <a:fillRect/>
-          </a:stretch>
-        </p:blipFill>
-        <p:spPr>
-          <a:xfrm>
-            <a:off x="7325101" y="4718247"/>
-            <a:ext cx="2737754" cy="2139753"/>
-          </a:xfrm>
-          <a:prstGeom prst="rect">
-            <a:avLst/>
-          </a:prstGeom>
-        </p:spPr>
-      </p:pic>
-      <p:sp>
-        <p:nvSpPr>
-          <p:cNvPr id="9" name="תיבת טקסט 8">
-            <a:extLst>
-              <a:ext uri="{FF2B5EF4-FFF2-40B4-BE49-F238E27FC236}">
-                <a16:creationId xmlns:a16="http://schemas.microsoft.com/office/drawing/2014/main" id="{43F113AA-A8EE-4C11-AED7-DF5A10B644AE}"/>
-              </a:ext>
-            </a:extLst>
-          </p:cNvPr>
-          <p:cNvSpPr txBox="1"/>
-          <p:nvPr/>
-        </p:nvSpPr>
-        <p:spPr>
-          <a:xfrm>
-            <a:off x="94162" y="713425"/>
-            <a:ext cx="4977645" cy="369332"/>
-          </a:xfrm>
-          <a:prstGeom prst="rect">
-            <a:avLst/>
-          </a:prstGeom>
-          <a:noFill/>
-        </p:spPr>
-        <p:txBody>
-          <a:bodyPr wrap="none" rtlCol="0">
-            <a:spAutoFit/>
-          </a:bodyPr>
-          <a:lstStyle/>
-          <a:p>
-            <a:r>
-              <a:rPr lang="he-IL" b="1" dirty="0"/>
-              <a:t>התפלגות המידע של אורך הטקסט בין </a:t>
-            </a:r>
-            <a:r>
-              <a:rPr lang="en-US" b="1" dirty="0"/>
-              <a:t>spam</a:t>
-            </a:r>
-            <a:r>
-              <a:rPr lang="he-IL" b="1" dirty="0"/>
-              <a:t> ל- </a:t>
-            </a:r>
-            <a:r>
-              <a:rPr lang="en-US" b="1" dirty="0"/>
-              <a:t>ham</a:t>
-            </a:r>
-            <a:endParaRPr lang="en-IL" b="1" dirty="0"/>
-          </a:p>
-        </p:txBody>
-      </p:sp>
-      <p:sp>
-        <p:nvSpPr>
-          <p:cNvPr id="10" name="תיבת טקסט 9">
-            <a:extLst>
-              <a:ext uri="{FF2B5EF4-FFF2-40B4-BE49-F238E27FC236}">
-                <a16:creationId xmlns:a16="http://schemas.microsoft.com/office/drawing/2014/main" id="{82B7A471-C3B9-4B8B-96DA-27165C5374F5}"/>
-              </a:ext>
-            </a:extLst>
-          </p:cNvPr>
-          <p:cNvSpPr txBox="1"/>
-          <p:nvPr/>
-        </p:nvSpPr>
-        <p:spPr>
-          <a:xfrm>
-            <a:off x="4823110" y="4996960"/>
-            <a:ext cx="2380780" cy="369332"/>
-          </a:xfrm>
-          <a:prstGeom prst="rect">
-            <a:avLst/>
-          </a:prstGeom>
-          <a:noFill/>
-        </p:spPr>
-        <p:txBody>
-          <a:bodyPr wrap="none" rtlCol="0">
-            <a:spAutoFit/>
-          </a:bodyPr>
-          <a:lstStyle/>
-          <a:p>
-            <a:r>
-              <a:rPr lang="he-IL" b="1" dirty="0"/>
-              <a:t>יחסים בין </a:t>
-            </a:r>
-            <a:r>
-              <a:rPr lang="en-US" b="1" dirty="0"/>
-              <a:t>spam</a:t>
-            </a:r>
-            <a:r>
-              <a:rPr lang="he-IL" b="1" dirty="0"/>
-              <a:t> ל- </a:t>
-            </a:r>
-            <a:r>
-              <a:rPr lang="en-US" b="1" dirty="0"/>
-              <a:t>ham</a:t>
-            </a:r>
-            <a:endParaRPr lang="en-IL" b="1" dirty="0"/>
-          </a:p>
-        </p:txBody>
-      </p:sp>
-      <p:sp>
-        <p:nvSpPr>
-          <p:cNvPr id="11" name="חץ: שמאלה 10">
-            <a:extLst>
-              <a:ext uri="{FF2B5EF4-FFF2-40B4-BE49-F238E27FC236}">
-                <a16:creationId xmlns:a16="http://schemas.microsoft.com/office/drawing/2014/main" id="{D08CBBB1-527B-411D-8BE9-B4E35A835784}"/>
-              </a:ext>
-            </a:extLst>
-          </p:cNvPr>
-          <p:cNvSpPr/>
-          <p:nvPr/>
-        </p:nvSpPr>
-        <p:spPr>
-          <a:xfrm>
-            <a:off x="5239986" y="5366292"/>
-            <a:ext cx="561975" cy="295275"/>
-          </a:xfrm>
-          <a:prstGeom prst="leftArrow">
-            <a:avLst/>
-          </a:prstGeom>
-          <a:solidFill>
-            <a:schemeClr val="bg2">
-              <a:lumMod val="10000"/>
-            </a:schemeClr>
-          </a:solidFill>
-        </p:spPr>
-        <p:style>
-          <a:lnRef idx="2">
-            <a:schemeClr val="accent1">
-              <a:shade val="50000"/>
-            </a:schemeClr>
-          </a:lnRef>
-          <a:fillRef idx="1">
-            <a:schemeClr val="accent1"/>
-          </a:fillRef>
-          <a:effectRef idx="0">
-            <a:schemeClr val="accent1"/>
-          </a:effectRef>
-          <a:fontRef idx="minor">
-            <a:schemeClr val="lt1"/>
-          </a:fontRef>
-        </p:style>
-        <p:txBody>
-          <a:bodyPr rtlCol="0" anchor="ctr"/>
-          <a:lstStyle/>
-          <a:p>
-            <a:pPr algn="ctr"/>
-            <a:endParaRPr lang="en-IL"/>
-          </a:p>
-        </p:txBody>
-      </p:sp>
-      <p:sp>
-        <p:nvSpPr>
-          <p:cNvPr id="12" name="חץ: ימינה 11">
-            <a:extLst>
-              <a:ext uri="{FF2B5EF4-FFF2-40B4-BE49-F238E27FC236}">
-                <a16:creationId xmlns:a16="http://schemas.microsoft.com/office/drawing/2014/main" id="{21970636-C769-4BC0-B273-5C626EF10B68}"/>
-              </a:ext>
-            </a:extLst>
-          </p:cNvPr>
-          <p:cNvSpPr/>
-          <p:nvPr/>
-        </p:nvSpPr>
-        <p:spPr>
-          <a:xfrm>
-            <a:off x="5990323" y="5366292"/>
-            <a:ext cx="601348" cy="295275"/>
-          </a:xfrm>
-          <a:prstGeom prst="rightArrow">
-            <a:avLst/>
-          </a:prstGeom>
-          <a:solidFill>
-            <a:schemeClr val="bg2">
-              <a:lumMod val="10000"/>
-            </a:schemeClr>
-          </a:solidFill>
-        </p:spPr>
-        <p:style>
-          <a:lnRef idx="2">
-            <a:schemeClr val="accent1">
-              <a:shade val="50000"/>
-            </a:schemeClr>
-          </a:lnRef>
-          <a:fillRef idx="1">
-            <a:schemeClr val="accent1"/>
-          </a:fillRef>
-          <a:effectRef idx="0">
-            <a:schemeClr val="accent1"/>
-          </a:effectRef>
-          <a:fontRef idx="minor">
-            <a:schemeClr val="lt1"/>
-          </a:fontRef>
-        </p:style>
-        <p:txBody>
-          <a:bodyPr rtlCol="0" anchor="ctr"/>
-          <a:lstStyle/>
-          <a:p>
-            <a:pPr algn="ctr"/>
-            <a:endParaRPr lang="en-IL"/>
-          </a:p>
-        </p:txBody>
-      </p:sp>
-      <p:sp>
-        <p:nvSpPr>
-          <p:cNvPr id="13" name="תיבת טקסט 12">
-            <a:extLst>
-              <a:ext uri="{FF2B5EF4-FFF2-40B4-BE49-F238E27FC236}">
-                <a16:creationId xmlns:a16="http://schemas.microsoft.com/office/drawing/2014/main" id="{B59BDB70-2779-40DA-ADD3-EEAEC94F7E7D}"/>
-              </a:ext>
-            </a:extLst>
-          </p:cNvPr>
-          <p:cNvSpPr txBox="1"/>
-          <p:nvPr/>
-        </p:nvSpPr>
-        <p:spPr>
-          <a:xfrm>
-            <a:off x="9143183" y="620981"/>
-            <a:ext cx="2954655" cy="369332"/>
-          </a:xfrm>
-          <a:prstGeom prst="rect">
-            <a:avLst/>
-          </a:prstGeom>
-          <a:noFill/>
-        </p:spPr>
-        <p:txBody>
-          <a:bodyPr wrap="none" rtlCol="0">
-            <a:spAutoFit/>
-          </a:bodyPr>
-          <a:lstStyle/>
-          <a:p>
-            <a:r>
-              <a:rPr lang="he-IL" b="1" dirty="0"/>
-              <a:t>התפלגות אנומליות של המידע</a:t>
-            </a:r>
-            <a:endParaRPr lang="en-IL" b="1" dirty="0"/>
+          <a:p>
+            <a:pPr marL="0" indent="0" algn="ctr" rtl="1">
+              <a:lnSpc>
+                <a:spcPct val="160000"/>
+              </a:lnSpc>
+              <a:spcBef>
+                <a:spcPts val="0"/>
+              </a:spcBef>
+              <a:spcAft>
+                <a:spcPts val="1200"/>
+              </a:spcAft>
+              <a:buNone/>
+            </a:pPr>
+            <a:r>
+              <a:rPr lang="he-IL" sz="2000">
+                <a:solidFill>
+                  <a:srgbClr val="202124"/>
+                </a:solidFill>
+                <a:latin typeface="David" panose="020E0502060401010101" pitchFamily="34" charset="-79"/>
+                <a:cs typeface="David" panose="020E0502060401010101" pitchFamily="34" charset="-79"/>
+              </a:rPr>
+              <a:t>לאחר האימון שמרנו את המודל </a:t>
+            </a:r>
+            <a:r>
+              <a:rPr lang="en-US" sz="2000">
+                <a:solidFill>
+                  <a:srgbClr val="202124"/>
+                </a:solidFill>
+                <a:latin typeface="David" panose="020E0502060401010101" pitchFamily="34" charset="-79"/>
+                <a:cs typeface="David" panose="020E0502060401010101" pitchFamily="34" charset="-79"/>
+              </a:rPr>
+              <a:t>GPT2</a:t>
+            </a:r>
+            <a:r>
+              <a:rPr lang="he-IL" sz="2000">
+                <a:solidFill>
+                  <a:srgbClr val="202124"/>
+                </a:solidFill>
+                <a:latin typeface="David" panose="020E0502060401010101" pitchFamily="34" charset="-79"/>
+                <a:cs typeface="David" panose="020E0502060401010101" pitchFamily="34" charset="-79"/>
+              </a:rPr>
+              <a:t> החדש וטענו אותו לקוד שלנו</a:t>
+            </a:r>
+            <a:br>
+              <a:rPr lang="en-US" sz="2000">
+                <a:solidFill>
+                  <a:srgbClr val="202124"/>
+                </a:solidFill>
+                <a:latin typeface="David" panose="020E0502060401010101" pitchFamily="34" charset="-79"/>
+                <a:cs typeface="David" panose="020E0502060401010101" pitchFamily="34" charset="-79"/>
+              </a:rPr>
+            </a:br>
+            <a:r>
+              <a:rPr lang="he-IL" sz="2000">
+                <a:solidFill>
+                  <a:srgbClr val="202124"/>
+                </a:solidFill>
+                <a:latin typeface="David" panose="020E0502060401010101" pitchFamily="34" charset="-79"/>
+                <a:cs typeface="David" panose="020E0502060401010101" pitchFamily="34" charset="-79"/>
+              </a:rPr>
+              <a:t>כדי לייצר מידע חדש וברפרפוף על התוצאות אכן קיבלנו נוסחים</a:t>
+            </a:r>
+            <a:br>
+              <a:rPr lang="en-US" sz="2000">
+                <a:solidFill>
+                  <a:srgbClr val="202124"/>
+                </a:solidFill>
+                <a:latin typeface="David" panose="020E0502060401010101" pitchFamily="34" charset="-79"/>
+                <a:cs typeface="David" panose="020E0502060401010101" pitchFamily="34" charset="-79"/>
+              </a:rPr>
+            </a:br>
+            <a:r>
+              <a:rPr lang="he-IL" sz="2000">
+                <a:solidFill>
+                  <a:srgbClr val="202124"/>
+                </a:solidFill>
+                <a:latin typeface="David" panose="020E0502060401010101" pitchFamily="34" charset="-79"/>
+                <a:cs typeface="David" panose="020E0502060401010101" pitchFamily="34" charset="-79"/>
+              </a:rPr>
+              <a:t>שיותר תואמים להודעות </a:t>
+            </a:r>
+            <a:r>
+              <a:rPr lang="en-US" sz="2000">
+                <a:solidFill>
+                  <a:srgbClr val="202124"/>
+                </a:solidFill>
+                <a:latin typeface="David" panose="020E0502060401010101" pitchFamily="34" charset="-79"/>
+                <a:cs typeface="David" panose="020E0502060401010101" pitchFamily="34" charset="-79"/>
+              </a:rPr>
+              <a:t>SMS</a:t>
+            </a:r>
+            <a:r>
+              <a:rPr lang="he-IL" sz="2000">
+                <a:solidFill>
+                  <a:srgbClr val="202124"/>
+                </a:solidFill>
+                <a:latin typeface="David" panose="020E0502060401010101" pitchFamily="34" charset="-79"/>
+                <a:cs typeface="David" panose="020E0502060401010101" pitchFamily="34" charset="-79"/>
+              </a:rPr>
+              <a:t>. כעת ניתן להתחיל לעבוד.</a:t>
+            </a:r>
+            <a:endParaRPr lang="he-IL" sz="3200" u="sng">
+              <a:latin typeface="David" panose="020E0502060401010101" pitchFamily="34" charset="-79"/>
+              <a:cs typeface="David" panose="020E0502060401010101" pitchFamily="34" charset="-79"/>
+            </a:endParaRPr>
           </a:p>
         </p:txBody>
       </p:sp>
     </p:spTree>
     <p:extLst>
       <p:ext uri="{BB962C8B-B14F-4D97-AF65-F5344CB8AC3E}">
-        <p14:creationId xmlns:p14="http://schemas.microsoft.com/office/powerpoint/2010/main" val="3050089696"/>
+        <p14:creationId xmlns:p14="http://schemas.microsoft.com/office/powerpoint/2010/main" val="1890393221"/>
       </p:ext>
     </p:extLst>
   </p:cSld>
@@ -8816,7 +7885,7 @@
                 <a:lumOff val="100000"/>
               </a:schemeClr>
             </a:gs>
-            <a:gs pos="51000">
+            <a:gs pos="35000">
               <a:schemeClr val="accent1">
                 <a:lumMod val="0"/>
                 <a:lumOff val="100000"/>
@@ -8854,7 +7923,7 @@
           <p:cNvPr id="3" name="מציין מיקום תוכן 2">
             <a:extLst>
               <a:ext uri="{FF2B5EF4-FFF2-40B4-BE49-F238E27FC236}">
-                <a16:creationId xmlns:a16="http://schemas.microsoft.com/office/drawing/2014/main" id="{8FEA0A71-78EB-4E34-BA68-DB5DE5CEB513}"/>
+                <a16:creationId xmlns:a16="http://schemas.microsoft.com/office/drawing/2014/main" id="{38B9A60E-1AC0-4F00-896A-E8C0657F2B6F}"/>
               </a:ext>
             </a:extLst>
           </p:cNvPr>
@@ -8867,312 +7936,420 @@
         </p:nvSpPr>
         <p:spPr>
           <a:xfrm>
-            <a:off x="0" y="695885"/>
-            <a:ext cx="12053887" cy="5848350"/>
+            <a:off x="537882" y="0"/>
+            <a:ext cx="10932459" cy="6484657"/>
           </a:xfrm>
         </p:spPr>
         <p:txBody>
           <a:bodyPr>
-            <a:noAutofit/>
+            <a:normAutofit/>
           </a:bodyPr>
           <a:lstStyle/>
           <a:p>
-            <a:pPr>
+            <a:pPr marL="0" indent="0" algn="ctr" rtl="1">
               <a:lnSpc>
-                <a:spcPct val="150000"/>
+                <a:spcPct val="160000"/>
               </a:lnSpc>
-            </a:pPr>
-            <a:r>
-              <a:rPr lang="he-IL" sz="2400" dirty="0">
-                <a:latin typeface="David" panose="020E0502060401010101" pitchFamily="34" charset="-79"/>
-              </a:rPr>
-              <a:t>בעוד שעבור המודל של </a:t>
-            </a:r>
-            <a:r>
-              <a:rPr lang="en-US" sz="2400" dirty="0">
-                <a:latin typeface="David" panose="020E0502060401010101" pitchFamily="34" charset="-79"/>
-              </a:rPr>
-              <a:t>SpamGAN </a:t>
-            </a:r>
-            <a:r>
-              <a:rPr lang="he-IL" sz="2400" dirty="0">
-                <a:latin typeface="David" panose="020E0502060401010101" pitchFamily="34" charset="-79"/>
-              </a:rPr>
-              <a:t> החוקרים אימנו גם את הגנרטור וגם את הדיסקרימינטור, אנחנו בחרנו להשתמש ב-</a:t>
-            </a:r>
-            <a:r>
-              <a:rPr lang="en-US" sz="2400" dirty="0">
-                <a:latin typeface="David" panose="020E0502060401010101" pitchFamily="34" charset="-79"/>
-              </a:rPr>
-              <a:t>GPT2 </a:t>
-            </a:r>
-            <a:r>
-              <a:rPr lang="he-IL" sz="2400" dirty="0">
-                <a:latin typeface="David" panose="020E0502060401010101" pitchFamily="34" charset="-79"/>
-              </a:rPr>
-              <a:t> שאומן על ידי גוגל על מנת לייצר הודעות </a:t>
-            </a:r>
-            <a:r>
-              <a:rPr lang="en-US" sz="2400" dirty="0">
-                <a:latin typeface="David" panose="020E0502060401010101" pitchFamily="34" charset="-79"/>
-              </a:rPr>
-              <a:t>SMS</a:t>
-            </a:r>
-            <a:r>
-              <a:rPr lang="he-IL" sz="2400" dirty="0">
-                <a:latin typeface="David" panose="020E0502060401010101" pitchFamily="34" charset="-79"/>
-              </a:rPr>
-              <a:t> מתויגות.</a:t>
-            </a:r>
-          </a:p>
-          <a:p>
-            <a:pPr>
-              <a:lnSpc>
-                <a:spcPct val="150000"/>
-              </a:lnSpc>
-            </a:pPr>
-            <a:r>
-              <a:rPr lang="he-IL" sz="2400" b="1" u="sng" dirty="0">
-                <a:latin typeface="David" panose="020E0502060401010101" pitchFamily="34" charset="-79"/>
-              </a:rPr>
-              <a:t>מה זה </a:t>
-            </a:r>
-            <a:r>
-              <a:rPr lang="en-US" sz="2400" b="1" u="sng" dirty="0">
-                <a:latin typeface="David" panose="020E0502060401010101" pitchFamily="34" charset="-79"/>
-              </a:rPr>
-              <a:t>GPT2</a:t>
-            </a:r>
-            <a:r>
-              <a:rPr lang="he-IL" sz="2400" b="1" u="sng" dirty="0">
-                <a:latin typeface="David" panose="020E0502060401010101" pitchFamily="34" charset="-79"/>
-              </a:rPr>
-              <a:t>?</a:t>
-            </a:r>
-            <a:r>
-              <a:rPr lang="he-IL" sz="2400" dirty="0">
-                <a:latin typeface="David" panose="020E0502060401010101" pitchFamily="34" charset="-79"/>
-              </a:rPr>
-              <a:t> זהו מודל </a:t>
-            </a:r>
-            <a:r>
-              <a:rPr lang="en-US" sz="2400" dirty="0">
-                <a:latin typeface="David" panose="020E0502060401010101" pitchFamily="34" charset="-79"/>
-              </a:rPr>
-              <a:t>open-source AI</a:t>
-            </a:r>
-            <a:r>
-              <a:rPr lang="he-IL" sz="2400" dirty="0">
-                <a:latin typeface="David" panose="020E0502060401010101" pitchFamily="34" charset="-79"/>
-              </a:rPr>
-              <a:t> שפורסם בשנת 2019 ומטרתו היא יצירת טקסט מלאכותי. המודל הוא </a:t>
-            </a:r>
-            <a:r>
-              <a:rPr lang="en-US" sz="2400" dirty="0">
-                <a:latin typeface="David" panose="020E0502060401010101" pitchFamily="34" charset="-79"/>
-              </a:rPr>
-              <a:t>transformer</a:t>
-            </a:r>
-            <a:r>
-              <a:rPr lang="he-IL" sz="2400" dirty="0">
-                <a:latin typeface="David" panose="020E0502060401010101" pitchFamily="34" charset="-79"/>
-              </a:rPr>
-              <a:t> שאומן מראש וביכולתו לקחת מקבץ של מילים וליצור מהם סיפור, הודעה, משפט חדש.</a:t>
-            </a:r>
-            <a:endParaRPr lang="he-IL" sz="2400" b="1" u="sng" dirty="0">
-              <a:latin typeface="David" panose="020E0502060401010101" pitchFamily="34" charset="-79"/>
-            </a:endParaRPr>
-          </a:p>
-          <a:p>
-            <a:pPr>
-              <a:lnSpc>
-                <a:spcPct val="100000"/>
-              </a:lnSpc>
-            </a:pPr>
-            <a:r>
-              <a:rPr lang="he-IL" sz="2400" dirty="0">
-                <a:latin typeface="David" panose="020E0502060401010101" pitchFamily="34" charset="-79"/>
-              </a:rPr>
-              <a:t> </a:t>
-            </a:r>
-            <a:r>
-              <a:rPr lang="he-IL" sz="2400" b="1" u="sng" dirty="0">
-                <a:latin typeface="David" panose="020E0502060401010101" pitchFamily="34" charset="-79"/>
-              </a:rPr>
-              <a:t>כיצד זה נראה?</a:t>
-            </a:r>
-            <a:r>
-              <a:rPr lang="he-IL" sz="2400" dirty="0">
-                <a:latin typeface="David" panose="020E0502060401010101" pitchFamily="34" charset="-79"/>
-              </a:rPr>
-              <a:t> הפונקציה שלנו עובדת בצורה כזו שמכניסים לתוכה קלט והיא </a:t>
-            </a:r>
-          </a:p>
-          <a:p>
-            <a:pPr marL="0" indent="0">
-              <a:lnSpc>
-                <a:spcPct val="100000"/>
-              </a:lnSpc>
+              <a:spcBef>
+                <a:spcPts val="0"/>
+              </a:spcBef>
+              <a:spcAft>
+                <a:spcPts val="1200"/>
+              </a:spcAft>
               <a:buNone/>
             </a:pPr>
             <a:r>
-              <a:rPr lang="he-IL" sz="2400" dirty="0">
-                <a:latin typeface="David" panose="020E0502060401010101" pitchFamily="34" charset="-79"/>
-              </a:rPr>
-              <a:t>   מוציאה פלט בווריאציה שונה. כך לדוגמא התקבל:</a:t>
-            </a:r>
-          </a:p>
-          <a:p>
-            <a:pPr>
-              <a:lnSpc>
-                <a:spcPct val="100000"/>
-              </a:lnSpc>
-            </a:pPr>
-            <a:r>
-              <a:rPr lang="he-IL" sz="2400" dirty="0">
-                <a:latin typeface="David" panose="020E0502060401010101" pitchFamily="34" charset="-79"/>
-              </a:rPr>
-              <a:t>קלט אמיתי: </a:t>
-            </a:r>
-            <a:endParaRPr lang="en-US" sz="2400" dirty="0">
+              <a:rPr lang="he-IL" u="sng">
+                <a:latin typeface="David" panose="020E0502060401010101" pitchFamily="34" charset="-79"/>
+                <a:cs typeface="David" panose="020E0502060401010101" pitchFamily="34" charset="-79"/>
+              </a:rPr>
+              <a:t>פסודו קוד:</a:t>
+            </a:r>
+            <a:br>
+              <a:rPr lang="en-US" u="sng">
+                <a:latin typeface="David" panose="020E0502060401010101" pitchFamily="34" charset="-79"/>
+                <a:cs typeface="David" panose="020E0502060401010101" pitchFamily="34" charset="-79"/>
+              </a:rPr>
+            </a:br>
+            <a:endParaRPr lang="he-IL" sz="3200" u="sng">
               <a:latin typeface="David" panose="020E0502060401010101" pitchFamily="34" charset="-79"/>
+              <a:cs typeface="David" panose="020E0502060401010101" pitchFamily="34" charset="-79"/>
             </a:endParaRPr>
           </a:p>
-          <a:p>
-            <a:pPr marL="0" indent="0" algn="l" rtl="0">
-              <a:lnSpc>
-                <a:spcPct val="100000"/>
-              </a:lnSpc>
-              <a:buNone/>
-            </a:pPr>
-            <a:r>
-              <a:rPr lang="he-IL" sz="2400" dirty="0">
-                <a:latin typeface="David" panose="020E0502060401010101" pitchFamily="34" charset="-79"/>
-              </a:rPr>
-              <a:t>"</a:t>
-            </a:r>
-            <a:r>
-              <a:rPr lang="en-US" sz="2400" dirty="0">
-                <a:latin typeface="David" panose="020E0502060401010101" pitchFamily="34" charset="-79"/>
-              </a:rPr>
-              <a:t>Click this link! You have won a million dollars! come claim your reward</a:t>
-            </a:r>
-            <a:r>
-              <a:rPr lang="he-IL" sz="2400" dirty="0">
-                <a:latin typeface="David" panose="020E0502060401010101" pitchFamily="34" charset="-79"/>
-              </a:rPr>
-              <a:t>"</a:t>
-            </a:r>
-            <a:endParaRPr lang="en-US" sz="2400" dirty="0">
-              <a:latin typeface="David" panose="020E0502060401010101" pitchFamily="34" charset="-79"/>
-            </a:endParaRPr>
-          </a:p>
-          <a:p>
-            <a:pPr>
-              <a:lnSpc>
-                <a:spcPct val="100000"/>
-              </a:lnSpc>
-            </a:pPr>
-            <a:r>
-              <a:rPr lang="he-IL" sz="2400" dirty="0">
-                <a:latin typeface="David" panose="020E0502060401010101" pitchFamily="34" charset="-79"/>
-              </a:rPr>
-              <a:t>פלט של </a:t>
-            </a:r>
-            <a:r>
-              <a:rPr lang="en-US" sz="2400" dirty="0">
-                <a:latin typeface="David" panose="020E0502060401010101" pitchFamily="34" charset="-79"/>
-              </a:rPr>
-              <a:t>GPT2</a:t>
-            </a:r>
-            <a:r>
-              <a:rPr lang="he-IL" sz="2400" dirty="0">
-                <a:latin typeface="David" panose="020E0502060401010101" pitchFamily="34" charset="-79"/>
-              </a:rPr>
-              <a:t>:</a:t>
-            </a:r>
-            <a:endParaRPr lang="en-US" sz="2400" dirty="0">
-              <a:latin typeface="David" panose="020E0502060401010101" pitchFamily="34" charset="-79"/>
-            </a:endParaRPr>
-          </a:p>
-          <a:p>
-            <a:pPr marL="0" indent="0" algn="l" rtl="0">
-              <a:lnSpc>
-                <a:spcPct val="100000"/>
-              </a:lnSpc>
-              <a:buNone/>
-            </a:pPr>
-            <a:r>
-              <a:rPr lang="en-US" sz="2400" dirty="0">
-                <a:latin typeface="David" panose="020E0502060401010101" pitchFamily="34" charset="-79"/>
-              </a:rPr>
-              <a:t>"You can claim the prize by clicking the button below! Claim your prize!”</a:t>
-            </a:r>
-          </a:p>
-        </p:txBody>
-      </p:sp>
-      <p:sp>
-        <p:nvSpPr>
-          <p:cNvPr id="4" name="מלבן 3">
-            <a:extLst>
-              <a:ext uri="{FF2B5EF4-FFF2-40B4-BE49-F238E27FC236}">
-                <a16:creationId xmlns:a16="http://schemas.microsoft.com/office/drawing/2014/main" id="{5D805A37-391E-4528-9C28-B83082B4DE4D}"/>
-              </a:ext>
-            </a:extLst>
-          </p:cNvPr>
-          <p:cNvSpPr/>
+        </p:txBody>
+      </p:sp>
+      <p:pic>
+        <p:nvPicPr>
+          <p:cNvPr id="4" name="תמונה 3">
+            <a:extLst>
+              <a:ext uri="{FF2B5EF4-FFF2-40B4-BE49-F238E27FC236}">
+                <a16:creationId xmlns:a16="http://schemas.microsoft.com/office/drawing/2014/main" id="{84B91D0A-2C47-4519-946D-F9C37AAF4B8E}"/>
+              </a:ext>
+            </a:extLst>
+          </p:cNvPr>
+          <p:cNvPicPr>
+            <a:picLocks noChangeAspect="1"/>
+          </p:cNvPicPr>
           <p:nvPr/>
-        </p:nvSpPr>
+        </p:nvPicPr>
+        <p:blipFill rotWithShape="1">
+          <a:blip r:embed="rId2"/>
+          <a:srcRect r="20081"/>
+          <a:stretch/>
+        </p:blipFill>
         <p:spPr>
           <a:xfrm>
-            <a:off x="8055939" y="-81225"/>
-            <a:ext cx="3871574" cy="923330"/>
+            <a:off x="3215821" y="687107"/>
+            <a:ext cx="6083087" cy="2898775"/>
           </a:xfrm>
           <a:prstGeom prst="rect">
             <a:avLst/>
           </a:prstGeom>
-          <a:noFill/>
         </p:spPr>
-        <p:txBody>
-          <a:bodyPr wrap="none" lIns="91440" tIns="45720" rIns="91440" bIns="45720">
-            <a:spAutoFit/>
+      </p:pic>
+      <p:sp>
+        <p:nvSpPr>
+          <p:cNvPr id="6" name="מציין מיקום תוכן 2">
+            <a:extLst>
+              <a:ext uri="{FF2B5EF4-FFF2-40B4-BE49-F238E27FC236}">
+                <a16:creationId xmlns:a16="http://schemas.microsoft.com/office/drawing/2014/main" id="{C05D7C7C-AEA3-4886-808D-19854D4A7B34}"/>
+              </a:ext>
+            </a:extLst>
+          </p:cNvPr>
+          <p:cNvSpPr txBox="1">
+            <a:spLocks/>
+          </p:cNvSpPr>
+          <p:nvPr/>
+        </p:nvSpPr>
+        <p:spPr>
+          <a:xfrm>
+            <a:off x="690282" y="3869577"/>
+            <a:ext cx="10932459" cy="2898775"/>
+          </a:xfrm>
+          <a:prstGeom prst="rect">
+            <a:avLst/>
+          </a:prstGeom>
+        </p:spPr>
+        <p:txBody>
+          <a:bodyPr vert="horz" lIns="91440" tIns="45720" rIns="91440" bIns="45720" rtlCol="1">
+            <a:normAutofit/>
           </a:bodyPr>
-          <a:lstStyle/>
-          <a:p>
-            <a:pPr algn="ctr"/>
-            <a:r>
-              <a:rPr lang="he-IL" sz="5400" b="1" dirty="0">
-                <a:ln w="0"/>
-                <a:effectLst>
-                  <a:outerShdw blurRad="38100" dist="19050" dir="2700000" algn="tl" rotWithShape="0">
-                    <a:schemeClr val="dk1">
-                      <a:alpha val="40000"/>
-                    </a:schemeClr>
-                  </a:outerShdw>
-                </a:effectLst>
-              </a:rPr>
-              <a:t>השיטה שלנו:</a:t>
-            </a:r>
-            <a:endParaRPr lang="he-IL" sz="5400" b="1" cap="none" spc="0" dirty="0">
-              <a:ln w="0"/>
-              <a:solidFill>
-                <a:schemeClr val="tx1"/>
-              </a:solidFill>
-              <a:effectLst>
-                <a:outerShdw blurRad="38100" dist="19050" dir="2700000" algn="tl" rotWithShape="0">
-                  <a:schemeClr val="dk1">
-                    <a:alpha val="40000"/>
-                  </a:schemeClr>
-                </a:outerShdw>
-              </a:effectLst>
-            </a:endParaRPr>
+          <a:lstStyle>
+            <a:lvl1pPr marL="228600" indent="-228600" algn="r" defTabSz="914400" rtl="1" eaLnBrk="1" latinLnBrk="0" hangingPunct="1">
+              <a:lnSpc>
+                <a:spcPct val="90000"/>
+              </a:lnSpc>
+              <a:spcBef>
+                <a:spcPts val="1000"/>
+              </a:spcBef>
+              <a:buFont typeface="Arial" panose="020B0604020202020204" pitchFamily="34" charset="0"/>
+              <a:buChar char="•"/>
+              <a:defRPr sz="2800" kern="1200">
+                <a:solidFill>
+                  <a:schemeClr val="tx1"/>
+                </a:solidFill>
+                <a:latin typeface="+mn-lt"/>
+                <a:ea typeface="+mn-ea"/>
+                <a:cs typeface="+mn-cs"/>
+              </a:defRPr>
+            </a:lvl1pPr>
+            <a:lvl2pPr marL="685800" indent="-228600" algn="r" defTabSz="914400" rtl="1" eaLnBrk="1" latinLnBrk="0" hangingPunct="1">
+              <a:lnSpc>
+                <a:spcPct val="90000"/>
+              </a:lnSpc>
+              <a:spcBef>
+                <a:spcPts val="500"/>
+              </a:spcBef>
+              <a:buFont typeface="Arial" panose="020B0604020202020204" pitchFamily="34" charset="0"/>
+              <a:buChar char="•"/>
+              <a:defRPr sz="2400" kern="1200">
+                <a:solidFill>
+                  <a:schemeClr val="tx1"/>
+                </a:solidFill>
+                <a:latin typeface="+mn-lt"/>
+                <a:ea typeface="+mn-ea"/>
+                <a:cs typeface="+mn-cs"/>
+              </a:defRPr>
+            </a:lvl2pPr>
+            <a:lvl3pPr marL="1143000" indent="-228600" algn="r" defTabSz="914400" rtl="1" eaLnBrk="1" latinLnBrk="0" hangingPunct="1">
+              <a:lnSpc>
+                <a:spcPct val="90000"/>
+              </a:lnSpc>
+              <a:spcBef>
+                <a:spcPts val="500"/>
+              </a:spcBef>
+              <a:buFont typeface="Arial" panose="020B0604020202020204" pitchFamily="34" charset="0"/>
+              <a:buChar char="•"/>
+              <a:defRPr sz="2000" kern="1200">
+                <a:solidFill>
+                  <a:schemeClr val="tx1"/>
+                </a:solidFill>
+                <a:latin typeface="+mn-lt"/>
+                <a:ea typeface="+mn-ea"/>
+                <a:cs typeface="+mn-cs"/>
+              </a:defRPr>
+            </a:lvl3pPr>
+            <a:lvl4pPr marL="1600200" indent="-228600" algn="r" defTabSz="914400" rtl="1" eaLnBrk="1" latinLnBrk="0" hangingPunct="1">
+              <a:lnSpc>
+                <a:spcPct val="90000"/>
+              </a:lnSpc>
+              <a:spcBef>
+                <a:spcPts val="500"/>
+              </a:spcBef>
+              <a:buFont typeface="Arial" panose="020B0604020202020204" pitchFamily="34" charset="0"/>
+              <a:buChar char="•"/>
+              <a:defRPr sz="1800" kern="1200">
+                <a:solidFill>
+                  <a:schemeClr val="tx1"/>
+                </a:solidFill>
+                <a:latin typeface="+mn-lt"/>
+                <a:ea typeface="+mn-ea"/>
+                <a:cs typeface="+mn-cs"/>
+              </a:defRPr>
+            </a:lvl4pPr>
+            <a:lvl5pPr marL="2057400" indent="-228600" algn="r" defTabSz="914400" rtl="1" eaLnBrk="1" latinLnBrk="0" hangingPunct="1">
+              <a:lnSpc>
+                <a:spcPct val="90000"/>
+              </a:lnSpc>
+              <a:spcBef>
+                <a:spcPts val="500"/>
+              </a:spcBef>
+              <a:buFont typeface="Arial" panose="020B0604020202020204" pitchFamily="34" charset="0"/>
+              <a:buChar char="•"/>
+              <a:defRPr sz="1800" kern="1200">
+                <a:solidFill>
+                  <a:schemeClr val="tx1"/>
+                </a:solidFill>
+                <a:latin typeface="+mn-lt"/>
+                <a:ea typeface="+mn-ea"/>
+                <a:cs typeface="+mn-cs"/>
+              </a:defRPr>
+            </a:lvl5pPr>
+            <a:lvl6pPr marL="2514600" indent="-228600" algn="r" defTabSz="914400" rtl="1" eaLnBrk="1" latinLnBrk="0" hangingPunct="1">
+              <a:lnSpc>
+                <a:spcPct val="90000"/>
+              </a:lnSpc>
+              <a:spcBef>
+                <a:spcPts val="500"/>
+              </a:spcBef>
+              <a:buFont typeface="Arial" panose="020B0604020202020204" pitchFamily="34" charset="0"/>
+              <a:buChar char="•"/>
+              <a:defRPr sz="1800" kern="1200">
+                <a:solidFill>
+                  <a:schemeClr val="tx1"/>
+                </a:solidFill>
+                <a:latin typeface="+mn-lt"/>
+                <a:ea typeface="+mn-ea"/>
+                <a:cs typeface="+mn-cs"/>
+              </a:defRPr>
+            </a:lvl6pPr>
+            <a:lvl7pPr marL="2971800" indent="-228600" algn="r" defTabSz="914400" rtl="1" eaLnBrk="1" latinLnBrk="0" hangingPunct="1">
+              <a:lnSpc>
+                <a:spcPct val="90000"/>
+              </a:lnSpc>
+              <a:spcBef>
+                <a:spcPts val="500"/>
+              </a:spcBef>
+              <a:buFont typeface="Arial" panose="020B0604020202020204" pitchFamily="34" charset="0"/>
+              <a:buChar char="•"/>
+              <a:defRPr sz="1800" kern="1200">
+                <a:solidFill>
+                  <a:schemeClr val="tx1"/>
+                </a:solidFill>
+                <a:latin typeface="+mn-lt"/>
+                <a:ea typeface="+mn-ea"/>
+                <a:cs typeface="+mn-cs"/>
+              </a:defRPr>
+            </a:lvl7pPr>
+            <a:lvl8pPr marL="3429000" indent="-228600" algn="r" defTabSz="914400" rtl="1" eaLnBrk="1" latinLnBrk="0" hangingPunct="1">
+              <a:lnSpc>
+                <a:spcPct val="90000"/>
+              </a:lnSpc>
+              <a:spcBef>
+                <a:spcPts val="500"/>
+              </a:spcBef>
+              <a:buFont typeface="Arial" panose="020B0604020202020204" pitchFamily="34" charset="0"/>
+              <a:buChar char="•"/>
+              <a:defRPr sz="1800" kern="1200">
+                <a:solidFill>
+                  <a:schemeClr val="tx1"/>
+                </a:solidFill>
+                <a:latin typeface="+mn-lt"/>
+                <a:ea typeface="+mn-ea"/>
+                <a:cs typeface="+mn-cs"/>
+              </a:defRPr>
+            </a:lvl8pPr>
+            <a:lvl9pPr marL="3886200" indent="-228600" algn="r" defTabSz="914400" rtl="1" eaLnBrk="1" latinLnBrk="0" hangingPunct="1">
+              <a:lnSpc>
+                <a:spcPct val="90000"/>
+              </a:lnSpc>
+              <a:spcBef>
+                <a:spcPts val="500"/>
+              </a:spcBef>
+              <a:buFont typeface="Arial" panose="020B0604020202020204" pitchFamily="34" charset="0"/>
+              <a:buChar char="•"/>
+              <a:defRPr sz="1800" kern="1200">
+                <a:solidFill>
+                  <a:schemeClr val="tx1"/>
+                </a:solidFill>
+                <a:latin typeface="+mn-lt"/>
+                <a:ea typeface="+mn-ea"/>
+                <a:cs typeface="+mn-cs"/>
+              </a:defRPr>
+            </a:lvl9pPr>
+          </a:lstStyle>
+          <a:p>
+            <a:pPr marL="342900" indent="-342900">
+              <a:lnSpc>
+                <a:spcPct val="100000"/>
+              </a:lnSpc>
+              <a:spcBef>
+                <a:spcPts val="0"/>
+              </a:spcBef>
+              <a:spcAft>
+                <a:spcPts val="1200"/>
+              </a:spcAft>
+              <a:buFont typeface="Arial" panose="020B0604020202020204" pitchFamily="34" charset="0"/>
+              <a:buAutoNum type="arabicPeriod"/>
+            </a:pPr>
+            <a:r>
+              <a:rPr lang="he-IL" sz="1800">
+                <a:latin typeface="David" panose="020E0502060401010101" pitchFamily="34" charset="-79"/>
+                <a:cs typeface="David" panose="020E0502060401010101" pitchFamily="34" charset="-79"/>
+              </a:rPr>
+              <a:t>תחילה נאמן את המסווג שלנו על הדאטה סט המקורי.</a:t>
+            </a:r>
+          </a:p>
+          <a:p>
+            <a:pPr marL="342900" indent="-342900">
+              <a:lnSpc>
+                <a:spcPct val="100000"/>
+              </a:lnSpc>
+              <a:spcBef>
+                <a:spcPts val="0"/>
+              </a:spcBef>
+              <a:spcAft>
+                <a:spcPts val="1200"/>
+              </a:spcAft>
+              <a:buFont typeface="Arial" panose="020B0604020202020204" pitchFamily="34" charset="0"/>
+              <a:buAutoNum type="arabicPeriod"/>
+            </a:pPr>
+            <a:r>
+              <a:rPr lang="he-IL" sz="1800">
+                <a:latin typeface="David" panose="020E0502060401010101" pitchFamily="34" charset="-79"/>
+                <a:cs typeface="David" panose="020E0502060401010101" pitchFamily="34" charset="-79"/>
+              </a:rPr>
+              <a:t>נאמן את </a:t>
+            </a:r>
+            <a:r>
+              <a:rPr lang="en-US" sz="1800">
+                <a:latin typeface="David" panose="020E0502060401010101" pitchFamily="34" charset="-79"/>
+                <a:cs typeface="David" panose="020E0502060401010101" pitchFamily="34" charset="-79"/>
+              </a:rPr>
+              <a:t>GPT2</a:t>
+            </a:r>
+            <a:r>
+              <a:rPr lang="he-IL" sz="1800">
+                <a:latin typeface="David" panose="020E0502060401010101" pitchFamily="34" charset="-79"/>
+                <a:cs typeface="David" panose="020E0502060401010101" pitchFamily="34" charset="-79"/>
+              </a:rPr>
+              <a:t> על הדאטה סט המקורי כדי שיצירת הטקסט שלו תתאים לצרכים שלנו.</a:t>
+            </a:r>
+          </a:p>
+          <a:p>
+            <a:pPr marL="342900" indent="-342900">
+              <a:lnSpc>
+                <a:spcPct val="100000"/>
+              </a:lnSpc>
+              <a:spcBef>
+                <a:spcPts val="0"/>
+              </a:spcBef>
+              <a:spcAft>
+                <a:spcPts val="1200"/>
+              </a:spcAft>
+              <a:buFont typeface="Arial" panose="020B0604020202020204" pitchFamily="34" charset="0"/>
+              <a:buAutoNum type="arabicPeriod"/>
+            </a:pPr>
+            <a:r>
+              <a:rPr lang="he-IL" sz="1800">
+                <a:latin typeface="David" panose="020E0502060401010101" pitchFamily="34" charset="-79"/>
+                <a:cs typeface="David" panose="020E0502060401010101" pitchFamily="34" charset="-79"/>
+              </a:rPr>
+              <a:t>בלולאת פור שעוברת על כל מסד הנתונים, נבצע יצירת טקסט חדשה בעד כל משפט. </a:t>
+            </a:r>
+          </a:p>
+          <a:p>
+            <a:pPr marL="342900" indent="-342900">
+              <a:lnSpc>
+                <a:spcPct val="100000"/>
+              </a:lnSpc>
+              <a:spcBef>
+                <a:spcPts val="0"/>
+              </a:spcBef>
+              <a:spcAft>
+                <a:spcPts val="1200"/>
+              </a:spcAft>
+              <a:buFont typeface="Arial" panose="020B0604020202020204" pitchFamily="34" charset="0"/>
+              <a:buAutoNum type="arabicPeriod"/>
+            </a:pPr>
+            <a:r>
+              <a:rPr lang="he-IL" sz="1800">
+                <a:latin typeface="David" panose="020E0502060401010101" pitchFamily="34" charset="-79"/>
+                <a:cs typeface="David" panose="020E0502060401010101" pitchFamily="34" charset="-79"/>
+              </a:rPr>
+              <a:t>כדי לסווג האם המשפט תקין או לא, האם הוא מתאים להיכנס לדאטה סט שלנו עם התיוג המתאים, נריץ על את המסווג שאימנו מראש. אם הסיווג שלו תואם את זה של המשפט בסיס שלו, אזי נוסיף אותו למאגר, אם לא – נדחה ונעבור הלאה.</a:t>
+            </a:r>
+          </a:p>
+          <a:p>
+            <a:pPr marL="342900" indent="-342900">
+              <a:lnSpc>
+                <a:spcPct val="100000"/>
+              </a:lnSpc>
+              <a:spcBef>
+                <a:spcPts val="0"/>
+              </a:spcBef>
+              <a:spcAft>
+                <a:spcPts val="1200"/>
+              </a:spcAft>
+              <a:buFont typeface="Arial" panose="020B0604020202020204" pitchFamily="34" charset="0"/>
+              <a:buAutoNum type="arabicPeriod"/>
+            </a:pPr>
+            <a:r>
+              <a:rPr lang="he-IL" sz="1800">
+                <a:latin typeface="David" panose="020E0502060401010101" pitchFamily="34" charset="-79"/>
+                <a:cs typeface="David" panose="020E0502060401010101" pitchFamily="34" charset="-79"/>
+              </a:rPr>
+              <a:t>בסיום הריצה נקבל דאטה-סט מתוייג רחב יותר.</a:t>
+            </a:r>
+          </a:p>
+          <a:p>
+            <a:pPr marL="342900" indent="-342900">
+              <a:lnSpc>
+                <a:spcPct val="100000"/>
+              </a:lnSpc>
+              <a:spcBef>
+                <a:spcPts val="0"/>
+              </a:spcBef>
+              <a:spcAft>
+                <a:spcPts val="1200"/>
+              </a:spcAft>
+              <a:buFont typeface="Arial" panose="020B0604020202020204" pitchFamily="34" charset="0"/>
+              <a:buAutoNum type="arabicPeriod"/>
+            </a:pPr>
+            <a:r>
+              <a:rPr lang="he-IL" sz="1800">
+                <a:latin typeface="David" panose="020E0502060401010101" pitchFamily="34" charset="-79"/>
+                <a:cs typeface="David" panose="020E0502060401010101" pitchFamily="34" charset="-79"/>
+              </a:rPr>
+              <a:t>כעת נאמן את המסווג על הדאטה סט החדש וכך גם את מודל יצירת הטקסט.</a:t>
+            </a:r>
           </a:p>
         </p:txBody>
       </p:sp>
     </p:spTree>
     <p:extLst>
       <p:ext uri="{BB962C8B-B14F-4D97-AF65-F5344CB8AC3E}">
-        <p14:creationId xmlns:p14="http://schemas.microsoft.com/office/powerpoint/2010/main" val="1763950853"/>
+        <p14:creationId xmlns:p14="http://schemas.microsoft.com/office/powerpoint/2010/main" val="36692894"/>
       </p:ext>
     </p:extLst>
   </p:cSld>

--- a/project.pptx
+++ b/project.pptx
@@ -5,21 +5,24 @@
     <p:sldMasterId id="2147483648" r:id="rId1"/>
   </p:sldMasterIdLst>
   <p:notesMasterIdLst>
-    <p:notesMasterId r:id="rId14"/>
+    <p:notesMasterId r:id="rId17"/>
   </p:notesMasterIdLst>
   <p:sldIdLst>
     <p:sldId id="256" r:id="rId2"/>
     <p:sldId id="257" r:id="rId3"/>
     <p:sldId id="258" r:id="rId4"/>
-    <p:sldId id="259" r:id="rId5"/>
-    <p:sldId id="260" r:id="rId6"/>
+    <p:sldId id="268" r:id="rId5"/>
+    <p:sldId id="259" r:id="rId6"/>
     <p:sldId id="262" r:id="rId7"/>
-    <p:sldId id="261" r:id="rId8"/>
-    <p:sldId id="263" r:id="rId9"/>
-    <p:sldId id="264" r:id="rId10"/>
-    <p:sldId id="265" r:id="rId11"/>
-    <p:sldId id="267" r:id="rId12"/>
-    <p:sldId id="266" r:id="rId13"/>
+    <p:sldId id="260" r:id="rId8"/>
+    <p:sldId id="270" r:id="rId9"/>
+    <p:sldId id="261" r:id="rId10"/>
+    <p:sldId id="263" r:id="rId11"/>
+    <p:sldId id="269" r:id="rId12"/>
+    <p:sldId id="264" r:id="rId13"/>
+    <p:sldId id="265" r:id="rId14"/>
+    <p:sldId id="267" r:id="rId15"/>
+    <p:sldId id="266" r:id="rId16"/>
   </p:sldIdLst>
   <p:sldSz cx="12192000" cy="6858000"/>
   <p:notesSz cx="6858000" cy="9144000"/>
@@ -208,7 +211,7 @@
           <a:p>
             <a:fld id="{201BCE4A-1006-40DC-8494-796B5A36C8A2}" type="datetimeFigureOut">
               <a:rPr lang="en-US" smtClean="0"/>
-              <a:t>2/17/2022</a:t>
+              <a:t>2/18/2022</a:t>
             </a:fld>
             <a:endParaRPr lang="en-US"/>
           </a:p>
@@ -712,7 +715,7 @@
           <a:p>
             <a:fld id="{A828C246-F424-41D4-9C0C-B913CBCC44D2}" type="slidenum">
               <a:rPr lang="en-US" smtClean="0"/>
-              <a:t>5</a:t>
+              <a:t>7</a:t>
             </a:fld>
             <a:endParaRPr lang="en-US"/>
           </a:p>
@@ -880,7 +883,7 @@
           <a:p>
             <a:fld id="{8FF718C6-065D-4082-B460-45AC6F0B82E0}" type="datetimeFigureOut">
               <a:rPr lang="en-IL" smtClean="0"/>
-              <a:t>02/17/2022</a:t>
+              <a:t>18/02/2022</a:t>
             </a:fld>
             <a:endParaRPr lang="en-IL"/>
           </a:p>
@@ -1080,7 +1083,7 @@
           <a:p>
             <a:fld id="{8FF718C6-065D-4082-B460-45AC6F0B82E0}" type="datetimeFigureOut">
               <a:rPr lang="en-IL" smtClean="0"/>
-              <a:t>02/17/2022</a:t>
+              <a:t>18/02/2022</a:t>
             </a:fld>
             <a:endParaRPr lang="en-IL"/>
           </a:p>
@@ -1290,7 +1293,7 @@
           <a:p>
             <a:fld id="{8FF718C6-065D-4082-B460-45AC6F0B82E0}" type="datetimeFigureOut">
               <a:rPr lang="en-IL" smtClean="0"/>
-              <a:t>02/17/2022</a:t>
+              <a:t>18/02/2022</a:t>
             </a:fld>
             <a:endParaRPr lang="en-IL"/>
           </a:p>
@@ -1490,7 +1493,7 @@
           <a:p>
             <a:fld id="{8FF718C6-065D-4082-B460-45AC6F0B82E0}" type="datetimeFigureOut">
               <a:rPr lang="en-IL" smtClean="0"/>
-              <a:t>02/17/2022</a:t>
+              <a:t>18/02/2022</a:t>
             </a:fld>
             <a:endParaRPr lang="en-IL"/>
           </a:p>
@@ -1766,7 +1769,7 @@
           <a:p>
             <a:fld id="{8FF718C6-065D-4082-B460-45AC6F0B82E0}" type="datetimeFigureOut">
               <a:rPr lang="en-IL" smtClean="0"/>
-              <a:t>02/17/2022</a:t>
+              <a:t>18/02/2022</a:t>
             </a:fld>
             <a:endParaRPr lang="en-IL"/>
           </a:p>
@@ -2034,7 +2037,7 @@
           <a:p>
             <a:fld id="{8FF718C6-065D-4082-B460-45AC6F0B82E0}" type="datetimeFigureOut">
               <a:rPr lang="en-IL" smtClean="0"/>
-              <a:t>02/17/2022</a:t>
+              <a:t>18/02/2022</a:t>
             </a:fld>
             <a:endParaRPr lang="en-IL"/>
           </a:p>
@@ -2449,7 +2452,7 @@
           <a:p>
             <a:fld id="{8FF718C6-065D-4082-B460-45AC6F0B82E0}" type="datetimeFigureOut">
               <a:rPr lang="en-IL" smtClean="0"/>
-              <a:t>02/17/2022</a:t>
+              <a:t>18/02/2022</a:t>
             </a:fld>
             <a:endParaRPr lang="en-IL"/>
           </a:p>
@@ -2591,7 +2594,7 @@
           <a:p>
             <a:fld id="{8FF718C6-065D-4082-B460-45AC6F0B82E0}" type="datetimeFigureOut">
               <a:rPr lang="en-IL" smtClean="0"/>
-              <a:t>02/17/2022</a:t>
+              <a:t>18/02/2022</a:t>
             </a:fld>
             <a:endParaRPr lang="en-IL"/>
           </a:p>
@@ -2704,7 +2707,7 @@
           <a:p>
             <a:fld id="{8FF718C6-065D-4082-B460-45AC6F0B82E0}" type="datetimeFigureOut">
               <a:rPr lang="en-IL" smtClean="0"/>
-              <a:t>02/17/2022</a:t>
+              <a:t>18/02/2022</a:t>
             </a:fld>
             <a:endParaRPr lang="en-IL"/>
           </a:p>
@@ -3017,7 +3020,7 @@
           <a:p>
             <a:fld id="{8FF718C6-065D-4082-B460-45AC6F0B82E0}" type="datetimeFigureOut">
               <a:rPr lang="en-IL" smtClean="0"/>
-              <a:t>02/17/2022</a:t>
+              <a:t>18/02/2022</a:t>
             </a:fld>
             <a:endParaRPr lang="en-IL"/>
           </a:p>
@@ -3306,7 +3309,7 @@
           <a:p>
             <a:fld id="{8FF718C6-065D-4082-B460-45AC6F0B82E0}" type="datetimeFigureOut">
               <a:rPr lang="en-IL" smtClean="0"/>
-              <a:t>02/17/2022</a:t>
+              <a:t>18/02/2022</a:t>
             </a:fld>
             <a:endParaRPr lang="en-IL"/>
           </a:p>
@@ -3549,7 +3552,7 @@
           <a:p>
             <a:fld id="{8FF718C6-065D-4082-B460-45AC6F0B82E0}" type="datetimeFigureOut">
               <a:rPr lang="en-IL" smtClean="0"/>
-              <a:t>02/17/2022</a:t>
+              <a:t>18/02/2022</a:t>
             </a:fld>
             <a:endParaRPr lang="en-IL"/>
           </a:p>
@@ -4384,8 +4387,8 @@
         </p:nvSpPr>
         <p:spPr>
           <a:xfrm>
-            <a:off x="537882" y="0"/>
-            <a:ext cx="10932459" cy="6484657"/>
+            <a:off x="959503" y="993101"/>
+            <a:ext cx="10584797" cy="5842337"/>
           </a:xfrm>
         </p:spPr>
         <p:txBody>
@@ -4407,15 +4410,109 @@
               <a:buNone/>
             </a:pPr>
             <a:r>
-              <a:rPr lang="he-IL" u="sng">
-                <a:latin typeface="David" panose="020E0502060401010101" pitchFamily="34" charset="-79"/>
-                <a:cs typeface="David" panose="020E0502060401010101" pitchFamily="34" charset="-79"/>
-              </a:rPr>
-              <a:t>כיצד הגישה שלנו שונה מזו של קודמינו?</a:t>
-            </a:r>
-          </a:p>
-          <a:p>
-            <a:pPr algn="ctr">
+              <a:rPr lang="he-IL" sz="2000" u="sng" dirty="0">
+                <a:latin typeface="David" panose="020E0502060401010101" pitchFamily="34" charset="-79"/>
+              </a:rPr>
+              <a:t>מדוע זה נחוץ?</a:t>
+            </a:r>
+            <a:br>
+              <a:rPr lang="en-US" u="sng" dirty="0">
+                <a:latin typeface="David" panose="020E0502060401010101" pitchFamily="34" charset="-79"/>
+              </a:rPr>
+            </a:br>
+            <a:r>
+              <a:rPr lang="he-IL" sz="2000" b="0" i="0" u="none" strike="noStrike" dirty="0">
+                <a:solidFill>
+                  <a:srgbClr val="202124"/>
+                </a:solidFill>
+                <a:effectLst/>
+                <a:latin typeface="David" panose="020E0502060401010101" pitchFamily="34" charset="-79"/>
+              </a:rPr>
+              <a:t>מודל </a:t>
+            </a:r>
+            <a:r>
+              <a:rPr lang="en-US" sz="2000" b="0" i="0" u="none" strike="noStrike" dirty="0">
+                <a:solidFill>
+                  <a:srgbClr val="202124"/>
+                </a:solidFill>
+                <a:effectLst/>
+                <a:latin typeface="David" panose="020E0502060401010101" pitchFamily="34" charset="-79"/>
+              </a:rPr>
+              <a:t>GPT2</a:t>
+            </a:r>
+            <a:r>
+              <a:rPr lang="he-IL" sz="2000" b="0" i="0" u="none" strike="noStrike" dirty="0">
+                <a:solidFill>
+                  <a:srgbClr val="202124"/>
+                </a:solidFill>
+                <a:effectLst/>
+                <a:latin typeface="David" panose="020E0502060401010101" pitchFamily="34" charset="-79"/>
+              </a:rPr>
+              <a:t> הוא, כמו שהשם שלו אומר, </a:t>
+            </a:r>
+            <a:r>
+              <a:rPr lang="en-US" sz="2000" b="0" i="0" u="none" strike="noStrike" dirty="0">
+                <a:solidFill>
+                  <a:srgbClr val="202124"/>
+                </a:solidFill>
+                <a:effectLst/>
+                <a:latin typeface="David" panose="020E0502060401010101" pitchFamily="34" charset="-79"/>
+              </a:rPr>
+              <a:t>Transformer</a:t>
+            </a:r>
+            <a:r>
+              <a:rPr lang="he-IL" sz="2000" b="0" i="0" u="none" strike="noStrike" dirty="0">
+                <a:solidFill>
+                  <a:srgbClr val="202124"/>
+                </a:solidFill>
+                <a:effectLst/>
+                <a:latin typeface="David" panose="020E0502060401010101" pitchFamily="34" charset="-79"/>
+              </a:rPr>
+              <a:t>. לכן הוא משתמש במנגנון הקשב, כלומר הוא לומד להתמקד במילים קודמות שהכי רלוונטיות להקשר כדי לחזות את המילה הבאה. היכולות של המודל הן טובות, אך שמנו לב כשיצרנו </a:t>
+            </a:r>
+            <a:r>
+              <a:rPr lang="en-US" sz="2000" b="0" i="0" u="none" strike="noStrike" dirty="0">
+                <a:solidFill>
+                  <a:srgbClr val="202124"/>
+                </a:solidFill>
+                <a:effectLst/>
+                <a:latin typeface="David" panose="020E0502060401010101" pitchFamily="34" charset="-79"/>
+              </a:rPr>
+              <a:t>Data</a:t>
+            </a:r>
+            <a:r>
+              <a:rPr lang="he-IL" sz="2000" b="0" i="0" u="none" strike="noStrike" dirty="0">
+                <a:solidFill>
+                  <a:srgbClr val="202124"/>
+                </a:solidFill>
+                <a:effectLst/>
+                <a:latin typeface="David" panose="020E0502060401010101" pitchFamily="34" charset="-79"/>
+              </a:rPr>
+              <a:t> חדש, שחלק מהטקסטים שיוצרו נשמעים יותר כמו סיפור מאשר הודעת </a:t>
+            </a:r>
+            <a:r>
+              <a:rPr lang="en-US" sz="2000" b="0" i="0" u="none" strike="noStrike" dirty="0">
+                <a:solidFill>
+                  <a:srgbClr val="202124"/>
+                </a:solidFill>
+                <a:effectLst/>
+                <a:latin typeface="David" panose="020E0502060401010101" pitchFamily="34" charset="-79"/>
+              </a:rPr>
+              <a:t>SMS</a:t>
+            </a:r>
+            <a:r>
+              <a:rPr lang="he-IL" sz="2000" b="0" i="0" u="none" strike="noStrike" dirty="0">
+                <a:solidFill>
+                  <a:srgbClr val="202124"/>
+                </a:solidFill>
+                <a:effectLst/>
+                <a:latin typeface="David" panose="020E0502060401010101" pitchFamily="34" charset="-79"/>
+              </a:rPr>
+              <a:t>. </a:t>
+            </a:r>
+          </a:p>
+          <a:p>
+            <a:pPr marL="0" indent="0" algn="ctr" rtl="1">
               <a:lnSpc>
                 <a:spcPct val="160000"/>
               </a:lnSpc>
@@ -4425,34 +4522,79 @@
               <a:spcAft>
                 <a:spcPts val="1200"/>
               </a:spcAft>
+              <a:buNone/>
             </a:pPr>
             <a:r>
-              <a:rPr lang="he-IL" sz="2000">
-                <a:latin typeface="David" panose="020E0502060401010101" pitchFamily="34" charset="-79"/>
-                <a:cs typeface="David" panose="020E0502060401010101" pitchFamily="34" charset="-79"/>
-              </a:rPr>
-              <a:t>כאן </a:t>
-            </a:r>
-            <a:r>
-              <a:rPr lang="he-IL" sz="2000">
-                <a:solidFill>
-                  <a:srgbClr val="FF0000"/>
-                </a:solidFill>
-                <a:latin typeface="David" panose="020E0502060401010101" pitchFamily="34" charset="-79"/>
-                <a:cs typeface="David" panose="020E0502060401010101" pitchFamily="34" charset="-79"/>
-              </a:rPr>
-              <a:t>נכנס החלק של ליאור, ההשוואה </a:t>
-            </a:r>
-            <a:r>
-              <a:rPr lang="he-IL" sz="2000">
-                <a:latin typeface="David" panose="020E0502060401010101" pitchFamily="34" charset="-79"/>
-                <a:cs typeface="David" panose="020E0502060401010101" pitchFamily="34" charset="-79"/>
-              </a:rPr>
-              <a:t>של המודלים השונים בתור אלגוריתם בסיס.</a:t>
-            </a:r>
-          </a:p>
-          <a:p>
-            <a:pPr algn="ctr">
+              <a:rPr lang="he-IL" sz="2000" dirty="0">
+                <a:solidFill>
+                  <a:srgbClr val="202124"/>
+                </a:solidFill>
+                <a:latin typeface="David" panose="020E0502060401010101" pitchFamily="34" charset="-79"/>
+              </a:rPr>
+              <a:t>לכן, חיפשנו דרך לבצע "כיוונון" למודל ככה שהוא יתאים את הפלט שלו בהתאם לצרכים שלנו.</a:t>
+            </a:r>
+            <a:br>
+              <a:rPr lang="en-US" sz="2000" dirty="0">
+                <a:solidFill>
+                  <a:srgbClr val="202124"/>
+                </a:solidFill>
+                <a:latin typeface="David" panose="020E0502060401010101" pitchFamily="34" charset="-79"/>
+              </a:rPr>
+            </a:br>
+            <a:r>
+              <a:rPr lang="he-IL" sz="2000" dirty="0">
+                <a:solidFill>
+                  <a:srgbClr val="202124"/>
+                </a:solidFill>
+                <a:latin typeface="David" panose="020E0502060401010101" pitchFamily="34" charset="-79"/>
+              </a:rPr>
+              <a:t>אחרי קצת חיפושים מצאנו פרויקט </a:t>
+            </a:r>
+            <a:r>
+              <a:rPr lang="he-IL" sz="2000" dirty="0" err="1">
+                <a:solidFill>
+                  <a:srgbClr val="202124"/>
+                </a:solidFill>
+                <a:latin typeface="David" panose="020E0502060401010101" pitchFamily="34" charset="-79"/>
+              </a:rPr>
+              <a:t>גיטהאב</a:t>
+            </a:r>
+            <a:r>
+              <a:rPr lang="he-IL" sz="2000" dirty="0">
+                <a:solidFill>
+                  <a:srgbClr val="202124"/>
+                </a:solidFill>
+                <a:latin typeface="David" panose="020E0502060401010101" pitchFamily="34" charset="-79"/>
+              </a:rPr>
+              <a:t> שמציע בדיוק את מה שחיפשנו.</a:t>
+            </a:r>
+            <a:br>
+              <a:rPr lang="en-US" sz="2000" dirty="0">
+                <a:solidFill>
+                  <a:srgbClr val="202124"/>
+                </a:solidFill>
+                <a:latin typeface="David" panose="020E0502060401010101" pitchFamily="34" charset="-79"/>
+              </a:rPr>
+            </a:br>
+            <a:r>
+              <a:rPr lang="en-US" sz="2000" dirty="0">
+                <a:solidFill>
+                  <a:srgbClr val="202124"/>
+                </a:solidFill>
+                <a:latin typeface="David" panose="020E0502060401010101" pitchFamily="34" charset="-79"/>
+                <a:hlinkClick r:id="rId2"/>
+              </a:rPr>
+              <a:t>https://github.com/prakhar21/TextAugmentation-GPT2</a:t>
+            </a:r>
+            <a:endParaRPr lang="he-IL" sz="2000" dirty="0">
+              <a:solidFill>
+                <a:srgbClr val="202124"/>
+              </a:solidFill>
+              <a:latin typeface="David" panose="020E0502060401010101" pitchFamily="34" charset="-79"/>
+            </a:endParaRPr>
+          </a:p>
+          <a:p>
+            <a:pPr marL="0" indent="0" algn="ctr" rtl="1">
               <a:lnSpc>
                 <a:spcPct val="160000"/>
               </a:lnSpc>
@@ -4462,145 +4604,167 @@
               <a:spcAft>
                 <a:spcPts val="1200"/>
               </a:spcAft>
+              <a:buNone/>
             </a:pPr>
             <a:r>
-              <a:rPr lang="he-IL" sz="2000">
+              <a:rPr lang="he-IL" sz="2000" dirty="0">
+                <a:solidFill>
+                  <a:srgbClr val="202124"/>
+                </a:solidFill>
+                <a:latin typeface="David" panose="020E0502060401010101" pitchFamily="34" charset="-79"/>
+              </a:rPr>
+              <a:t>לאחר האימון שמרנו את המודל </a:t>
+            </a:r>
+            <a:r>
+              <a:rPr lang="en-US" sz="2000" dirty="0">
+                <a:solidFill>
+                  <a:srgbClr val="202124"/>
+                </a:solidFill>
+                <a:latin typeface="David" panose="020E0502060401010101" pitchFamily="34" charset="-79"/>
+              </a:rPr>
+              <a:t>GPT2</a:t>
+            </a:r>
+            <a:r>
+              <a:rPr lang="he-IL" sz="2000" dirty="0">
+                <a:solidFill>
+                  <a:srgbClr val="202124"/>
+                </a:solidFill>
+                <a:latin typeface="David" panose="020E0502060401010101" pitchFamily="34" charset="-79"/>
+              </a:rPr>
+              <a:t> החדש וטענו אותו לקוד שלנו</a:t>
+            </a:r>
+            <a:br>
+              <a:rPr lang="en-US" sz="2000" dirty="0">
+                <a:solidFill>
+                  <a:srgbClr val="202124"/>
+                </a:solidFill>
+                <a:latin typeface="David" panose="020E0502060401010101" pitchFamily="34" charset="-79"/>
+              </a:rPr>
+            </a:br>
+            <a:r>
+              <a:rPr lang="he-IL" sz="2000" dirty="0">
+                <a:solidFill>
+                  <a:srgbClr val="202124"/>
+                </a:solidFill>
+                <a:latin typeface="David" panose="020E0502060401010101" pitchFamily="34" charset="-79"/>
+              </a:rPr>
+              <a:t>כדי לייצר מידע חדש </a:t>
+            </a:r>
+            <a:r>
+              <a:rPr lang="he-IL" sz="2000" dirty="0" err="1">
+                <a:solidFill>
+                  <a:srgbClr val="202124"/>
+                </a:solidFill>
+                <a:latin typeface="David" panose="020E0502060401010101" pitchFamily="34" charset="-79"/>
+              </a:rPr>
+              <a:t>וברפרפוף</a:t>
+            </a:r>
+            <a:r>
+              <a:rPr lang="he-IL" sz="2000" dirty="0">
+                <a:solidFill>
+                  <a:srgbClr val="202124"/>
+                </a:solidFill>
+                <a:latin typeface="David" panose="020E0502060401010101" pitchFamily="34" charset="-79"/>
+              </a:rPr>
+              <a:t> על התוצאות אכן קיבלנו נוסחים</a:t>
+            </a:r>
+            <a:br>
+              <a:rPr lang="en-US" sz="2000" dirty="0">
+                <a:solidFill>
+                  <a:srgbClr val="202124"/>
+                </a:solidFill>
+                <a:latin typeface="David" panose="020E0502060401010101" pitchFamily="34" charset="-79"/>
+              </a:rPr>
+            </a:br>
+            <a:r>
+              <a:rPr lang="he-IL" sz="2000" dirty="0">
+                <a:solidFill>
+                  <a:srgbClr val="202124"/>
+                </a:solidFill>
+                <a:latin typeface="David" panose="020E0502060401010101" pitchFamily="34" charset="-79"/>
+              </a:rPr>
+              <a:t>שיותר תואמים להודעות </a:t>
+            </a:r>
+            <a:r>
+              <a:rPr lang="en-US" sz="2000" dirty="0">
+                <a:solidFill>
+                  <a:srgbClr val="202124"/>
+                </a:solidFill>
+                <a:latin typeface="David" panose="020E0502060401010101" pitchFamily="34" charset="-79"/>
+              </a:rPr>
+              <a:t>SMS</a:t>
+            </a:r>
+            <a:r>
+              <a:rPr lang="he-IL" sz="2000" dirty="0">
+                <a:solidFill>
+                  <a:srgbClr val="202124"/>
+                </a:solidFill>
+                <a:latin typeface="David" panose="020E0502060401010101" pitchFamily="34" charset="-79"/>
+              </a:rPr>
+              <a:t>. כעת ניתן להתחיל לעבוד.</a:t>
+            </a:r>
+            <a:endParaRPr lang="he-IL" sz="3200" u="sng" dirty="0">
+              <a:latin typeface="David" panose="020E0502060401010101" pitchFamily="34" charset="-79"/>
+            </a:endParaRPr>
+          </a:p>
+        </p:txBody>
+      </p:sp>
+      <p:sp>
+        <p:nvSpPr>
+          <p:cNvPr id="2" name="מלבן 1">
+            <a:extLst>
+              <a:ext uri="{FF2B5EF4-FFF2-40B4-BE49-F238E27FC236}">
+                <a16:creationId xmlns:a16="http://schemas.microsoft.com/office/drawing/2014/main" id="{F1AD4F7B-4BEF-404F-9D55-CD0E35CC4238}"/>
+              </a:ext>
+            </a:extLst>
+          </p:cNvPr>
+          <p:cNvSpPr/>
+          <p:nvPr/>
+        </p:nvSpPr>
+        <p:spPr>
+          <a:xfrm>
+            <a:off x="3015785" y="0"/>
+            <a:ext cx="6465231" cy="1015663"/>
+          </a:xfrm>
+          <a:prstGeom prst="rect">
+            <a:avLst/>
+          </a:prstGeom>
+          <a:noFill/>
+        </p:spPr>
+        <p:txBody>
+          <a:bodyPr wrap="none" lIns="91440" tIns="45720" rIns="91440" bIns="45720">
+            <a:spAutoFit/>
+          </a:bodyPr>
+          <a:lstStyle/>
+          <a:p>
+            <a:pPr algn="ctr"/>
+            <a:r>
+              <a:rPr lang="en-US" sz="6000" b="1" dirty="0">
                 <a:latin typeface="David" panose="020E0502060401010101" pitchFamily="34" charset="-79"/>
                 <a:cs typeface="David" panose="020E0502060401010101" pitchFamily="34" charset="-79"/>
               </a:rPr>
-              <a:t>השימוש החוזר ב-</a:t>
-            </a:r>
-            <a:r>
-              <a:rPr lang="en-US" sz="2000">
-                <a:latin typeface="David" panose="020E0502060401010101" pitchFamily="34" charset="-79"/>
-                <a:cs typeface="David" panose="020E0502060401010101" pitchFamily="34" charset="-79"/>
-              </a:rPr>
-              <a:t>GPT2</a:t>
-            </a:r>
-            <a:r>
-              <a:rPr lang="he-IL" sz="2000">
-                <a:latin typeface="David" panose="020E0502060401010101" pitchFamily="34" charset="-79"/>
-                <a:cs typeface="David" panose="020E0502060401010101" pitchFamily="34" charset="-79"/>
-              </a:rPr>
-              <a:t> וביצוע ה-</a:t>
-            </a:r>
-            <a:r>
-              <a:rPr lang="en-US" sz="2000">
-                <a:latin typeface="David" panose="020E0502060401010101" pitchFamily="34" charset="-79"/>
-                <a:cs typeface="David" panose="020E0502060401010101" pitchFamily="34" charset="-79"/>
-              </a:rPr>
-              <a:t>Fine-tuning</a:t>
-            </a:r>
-            <a:r>
-              <a:rPr lang="he-IL" sz="2000">
-                <a:latin typeface="David" panose="020E0502060401010101" pitchFamily="34" charset="-79"/>
-                <a:cs typeface="David" panose="020E0502060401010101" pitchFamily="34" charset="-79"/>
-              </a:rPr>
-              <a:t> ליצירת דוגמאות מתוייגות</a:t>
-            </a:r>
-          </a:p>
-          <a:p>
-            <a:pPr algn="ctr">
-              <a:lnSpc>
-                <a:spcPct val="160000"/>
-              </a:lnSpc>
-              <a:spcBef>
-                <a:spcPts val="0"/>
-              </a:spcBef>
-              <a:spcAft>
-                <a:spcPts val="1200"/>
-              </a:spcAft>
-            </a:pPr>
-            <a:r>
-              <a:rPr lang="he-IL" sz="2000">
-                <a:latin typeface="David" panose="020E0502060401010101" pitchFamily="34" charset="-79"/>
-                <a:cs typeface="David" panose="020E0502060401010101" pitchFamily="34" charset="-79"/>
-              </a:rPr>
-              <a:t>אין שימוש ב-</a:t>
-            </a:r>
-            <a:r>
-              <a:rPr lang="en-US" sz="2000">
-                <a:latin typeface="David" panose="020E0502060401010101" pitchFamily="34" charset="-79"/>
-                <a:cs typeface="David" panose="020E0502060401010101" pitchFamily="34" charset="-79"/>
-              </a:rPr>
-              <a:t>Discrimminator</a:t>
-            </a:r>
-            <a:r>
-              <a:rPr lang="he-IL" sz="2000">
-                <a:latin typeface="David" panose="020E0502060401010101" pitchFamily="34" charset="-79"/>
-                <a:cs typeface="David" panose="020E0502060401010101" pitchFamily="34" charset="-79"/>
-              </a:rPr>
-              <a:t> (תפקידו הוא להכריע האם הטקסט נוצר על ידי מכונה) – כאן מבחינתו כל טקסט שהוא חשוד, יתפס בתור </a:t>
-            </a:r>
-            <a:r>
-              <a:rPr lang="en-US" sz="2000">
-                <a:latin typeface="David" panose="020E0502060401010101" pitchFamily="34" charset="-79"/>
-                <a:cs typeface="David" panose="020E0502060401010101" pitchFamily="34" charset="-79"/>
-              </a:rPr>
-              <a:t>SPAM</a:t>
-            </a:r>
-            <a:r>
-              <a:rPr lang="he-IL" sz="2000">
-                <a:latin typeface="David" panose="020E0502060401010101" pitchFamily="34" charset="-79"/>
-                <a:cs typeface="David" panose="020E0502060401010101" pitchFamily="34" charset="-79"/>
-              </a:rPr>
-              <a:t>, בתור סיכון אפשרי למשתמש.</a:t>
-            </a:r>
-          </a:p>
-          <a:p>
-            <a:pPr algn="ctr">
-              <a:lnSpc>
-                <a:spcPct val="160000"/>
-              </a:lnSpc>
-              <a:spcBef>
-                <a:spcPts val="0"/>
-              </a:spcBef>
-              <a:spcAft>
-                <a:spcPts val="1200"/>
-              </a:spcAft>
-            </a:pPr>
-            <a:r>
-              <a:rPr lang="he-IL" sz="2000">
-                <a:latin typeface="David" panose="020E0502060401010101" pitchFamily="34" charset="-79"/>
-                <a:cs typeface="David" panose="020E0502060401010101" pitchFamily="34" charset="-79"/>
-              </a:rPr>
-              <a:t>אימון רפטטיבי של המסווג (</a:t>
-            </a:r>
-            <a:r>
-              <a:rPr lang="en-US" sz="2000">
-                <a:latin typeface="David" panose="020E0502060401010101" pitchFamily="34" charset="-79"/>
-                <a:cs typeface="David" panose="020E0502060401010101" pitchFamily="34" charset="-79"/>
-              </a:rPr>
-              <a:t>RandomForest</a:t>
-            </a:r>
-            <a:r>
-              <a:rPr lang="he-IL" sz="2000">
-                <a:latin typeface="David" panose="020E0502060401010101" pitchFamily="34" charset="-79"/>
-                <a:cs typeface="David" panose="020E0502060401010101" pitchFamily="34" charset="-79"/>
-              </a:rPr>
-              <a:t>) ושל ה-</a:t>
-            </a:r>
-            <a:r>
-              <a:rPr lang="en-US" sz="2000">
-                <a:latin typeface="David" panose="020E0502060401010101" pitchFamily="34" charset="-79"/>
-                <a:cs typeface="David" panose="020E0502060401010101" pitchFamily="34" charset="-79"/>
-              </a:rPr>
-              <a:t>GPT2</a:t>
-            </a:r>
-            <a:r>
-              <a:rPr lang="he-IL" sz="2000">
-                <a:latin typeface="David" panose="020E0502060401010101" pitchFamily="34" charset="-79"/>
-                <a:cs typeface="David" panose="020E0502060401010101" pitchFamily="34" charset="-79"/>
-              </a:rPr>
-              <a:t> (שגם הוא אמור ליצור מידע יותר מחודד)</a:t>
-            </a:r>
+              <a:t>Fine-Tuning GPT2</a:t>
+            </a:r>
+            <a:endParaRPr lang="he-IL" sz="4400" b="1" cap="none" spc="0" dirty="0">
+              <a:ln w="0"/>
+              <a:solidFill>
+                <a:schemeClr val="tx1"/>
+              </a:solidFill>
+              <a:effectLst>
+                <a:outerShdw blurRad="38100" dist="19050" dir="2700000" algn="tl" rotWithShape="0">
+                  <a:schemeClr val="dk1">
+                    <a:alpha val="40000"/>
+                  </a:schemeClr>
+                </a:outerShdw>
+              </a:effectLst>
+            </a:endParaRPr>
           </a:p>
         </p:txBody>
       </p:sp>
     </p:spTree>
     <p:extLst>
       <p:ext uri="{BB962C8B-B14F-4D97-AF65-F5344CB8AC3E}">
-        <p14:creationId xmlns:p14="http://schemas.microsoft.com/office/powerpoint/2010/main" val="1429889136"/>
+        <p14:creationId xmlns:p14="http://schemas.microsoft.com/office/powerpoint/2010/main" val="1890393221"/>
       </p:ext>
     </p:extLst>
   </p:cSld>
@@ -4623,7 +4787,7 @@
                 <a:lumOff val="100000"/>
               </a:schemeClr>
             </a:gs>
-            <a:gs pos="35000">
+            <a:gs pos="47000">
               <a:schemeClr val="accent1">
                 <a:lumMod val="0"/>
                 <a:lumOff val="100000"/>
@@ -4656,64 +4820,88 @@
           <a:chExt cx="0" cy="0"/>
         </a:xfrm>
       </p:grpSpPr>
-      <p:sp>
-        <p:nvSpPr>
-          <p:cNvPr id="3" name="מציין מיקום תוכן 2">
-            <a:extLst>
-              <a:ext uri="{FF2B5EF4-FFF2-40B4-BE49-F238E27FC236}">
-                <a16:creationId xmlns:a16="http://schemas.microsoft.com/office/drawing/2014/main" id="{38B9A60E-1AC0-4F00-896A-E8C0657F2B6F}"/>
-              </a:ext>
-            </a:extLst>
-          </p:cNvPr>
-          <p:cNvSpPr>
-            <a:spLocks noGrp="1"/>
-          </p:cNvSpPr>
-          <p:nvPr>
-            <p:ph idx="1"/>
-          </p:nvPr>
-        </p:nvSpPr>
+      <p:pic>
+        <p:nvPicPr>
+          <p:cNvPr id="4" name="תמונה 3">
+            <a:extLst>
+              <a:ext uri="{FF2B5EF4-FFF2-40B4-BE49-F238E27FC236}">
+                <a16:creationId xmlns:a16="http://schemas.microsoft.com/office/drawing/2014/main" id="{13776F26-E659-4AEF-9C30-8F9A7C623002}"/>
+              </a:ext>
+            </a:extLst>
+          </p:cNvPr>
+          <p:cNvPicPr>
+            <a:picLocks noChangeAspect="1"/>
+          </p:cNvPicPr>
+          <p:nvPr/>
+        </p:nvPicPr>
+        <p:blipFill>
+          <a:blip r:embed="rId2"/>
+          <a:stretch>
+            <a:fillRect/>
+          </a:stretch>
+        </p:blipFill>
         <p:spPr>
           <a:xfrm>
-            <a:off x="537882" y="0"/>
-            <a:ext cx="10932459" cy="6484657"/>
+            <a:off x="0" y="0"/>
+            <a:ext cx="6715962" cy="6866882"/>
           </a:xfrm>
+          <a:prstGeom prst="rect">
+            <a:avLst/>
+          </a:prstGeom>
         </p:spPr>
-        <p:txBody>
-          <a:bodyPr>
-            <a:normAutofit/>
+      </p:pic>
+      <p:sp>
+        <p:nvSpPr>
+          <p:cNvPr id="5" name="מלבן 4">
+            <a:extLst>
+              <a:ext uri="{FF2B5EF4-FFF2-40B4-BE49-F238E27FC236}">
+                <a16:creationId xmlns:a16="http://schemas.microsoft.com/office/drawing/2014/main" id="{FF82661E-3742-430A-A1D4-79BF6285B3C5}"/>
+              </a:ext>
+            </a:extLst>
+          </p:cNvPr>
+          <p:cNvSpPr/>
+          <p:nvPr/>
+        </p:nvSpPr>
+        <p:spPr>
+          <a:xfrm>
+            <a:off x="6804930" y="2767310"/>
+            <a:ext cx="5397632" cy="923330"/>
+          </a:xfrm>
+          <a:prstGeom prst="rect">
+            <a:avLst/>
+          </a:prstGeom>
+          <a:noFill/>
+        </p:spPr>
+        <p:txBody>
+          <a:bodyPr wrap="none" lIns="91440" tIns="45720" rIns="91440" bIns="45720">
+            <a:spAutoFit/>
           </a:bodyPr>
           <a:lstStyle/>
           <a:p>
-            <a:pPr marL="0" indent="0" algn="ctr" rtl="1">
-              <a:lnSpc>
-                <a:spcPct val="160000"/>
-              </a:lnSpc>
-              <a:spcBef>
-                <a:spcPts val="0"/>
-              </a:spcBef>
-              <a:spcAft>
-                <a:spcPts val="1200"/>
-              </a:spcAft>
-              <a:buNone/>
-            </a:pPr>
-            <a:r>
-              <a:rPr lang="he-IL" u="sng">
-                <a:latin typeface="David" panose="020E0502060401010101" pitchFamily="34" charset="-79"/>
-                <a:cs typeface="David" panose="020E0502060401010101" pitchFamily="34" charset="-79"/>
-              </a:rPr>
-              <a:t>תוצאות נוכחיות</a:t>
-            </a:r>
-            <a:endParaRPr lang="he-IL" sz="3200" u="sng">
-              <a:latin typeface="David" panose="020E0502060401010101" pitchFamily="34" charset="-79"/>
-              <a:cs typeface="David" panose="020E0502060401010101" pitchFamily="34" charset="-79"/>
-            </a:endParaRPr>
+            <a:pPr algn="ctr"/>
+            <a:r>
+              <a:rPr lang="he-IL" sz="5400" b="1" cap="none" spc="0" dirty="0">
+                <a:ln w="0"/>
+                <a:solidFill>
+                  <a:schemeClr val="tx1"/>
+                </a:solidFill>
+                <a:effectLst>
+                  <a:outerShdw blurRad="38100" dist="19050" dir="2700000" algn="tl" rotWithShape="0">
+                    <a:schemeClr val="dk1">
+                      <a:alpha val="40000"/>
+                    </a:schemeClr>
+                  </a:outerShdw>
+                </a:effectLst>
+              </a:rPr>
+              <a:t>מבנה המודל שלנו:</a:t>
+            </a:r>
           </a:p>
         </p:txBody>
       </p:sp>
     </p:spTree>
     <p:extLst>
       <p:ext uri="{BB962C8B-B14F-4D97-AF65-F5344CB8AC3E}">
-        <p14:creationId xmlns:p14="http://schemas.microsoft.com/office/powerpoint/2010/main" val="729227671"/>
+        <p14:creationId xmlns:p14="http://schemas.microsoft.com/office/powerpoint/2010/main" val="2065564540"/>
       </p:ext>
     </p:extLst>
   </p:cSld>
@@ -4769,31 +4957,391 @@
           <a:chExt cx="0" cy="0"/>
         </a:xfrm>
       </p:grpSpPr>
-      <p:sp>
-        <p:nvSpPr>
-          <p:cNvPr id="3" name="מציין מיקום תוכן 2">
-            <a:extLst>
-              <a:ext uri="{FF2B5EF4-FFF2-40B4-BE49-F238E27FC236}">
-                <a16:creationId xmlns:a16="http://schemas.microsoft.com/office/drawing/2014/main" id="{38B9A60E-1AC0-4F00-896A-E8C0657F2B6F}"/>
-              </a:ext>
-            </a:extLst>
-          </p:cNvPr>
-          <p:cNvSpPr>
-            <a:spLocks noGrp="1"/>
-          </p:cNvSpPr>
-          <p:nvPr>
-            <p:ph idx="1"/>
-          </p:nvPr>
-        </p:nvSpPr>
+      <p:pic>
+        <p:nvPicPr>
+          <p:cNvPr id="4" name="תמונה 3">
+            <a:extLst>
+              <a:ext uri="{FF2B5EF4-FFF2-40B4-BE49-F238E27FC236}">
+                <a16:creationId xmlns:a16="http://schemas.microsoft.com/office/drawing/2014/main" id="{84B91D0A-2C47-4519-946D-F9C37AAF4B8E}"/>
+              </a:ext>
+            </a:extLst>
+          </p:cNvPr>
+          <p:cNvPicPr>
+            <a:picLocks noChangeAspect="1"/>
+          </p:cNvPicPr>
+          <p:nvPr/>
+        </p:nvPicPr>
+        <p:blipFill rotWithShape="1">
+          <a:blip r:embed="rId2"/>
+          <a:srcRect r="20081"/>
+          <a:stretch/>
+        </p:blipFill>
         <p:spPr>
           <a:xfrm>
-            <a:off x="537882" y="0"/>
-            <a:ext cx="10932459" cy="6484657"/>
+            <a:off x="3406321" y="803461"/>
+            <a:ext cx="6083087" cy="2898775"/>
           </a:xfrm>
+          <a:prstGeom prst="rect">
+            <a:avLst/>
+          </a:prstGeom>
         </p:spPr>
-        <p:txBody>
-          <a:bodyPr>
-            <a:normAutofit/>
+      </p:pic>
+      <p:sp>
+        <p:nvSpPr>
+          <p:cNvPr id="6" name="מציין מיקום תוכן 2">
+            <a:extLst>
+              <a:ext uri="{FF2B5EF4-FFF2-40B4-BE49-F238E27FC236}">
+                <a16:creationId xmlns:a16="http://schemas.microsoft.com/office/drawing/2014/main" id="{C05D7C7C-AEA3-4886-808D-19854D4A7B34}"/>
+              </a:ext>
+            </a:extLst>
+          </p:cNvPr>
+          <p:cNvSpPr txBox="1">
+            <a:spLocks/>
+          </p:cNvSpPr>
+          <p:nvPr/>
+        </p:nvSpPr>
+        <p:spPr>
+          <a:xfrm>
+            <a:off x="690282" y="3869577"/>
+            <a:ext cx="10932459" cy="2898775"/>
+          </a:xfrm>
+          <a:prstGeom prst="rect">
+            <a:avLst/>
+          </a:prstGeom>
+        </p:spPr>
+        <p:txBody>
+          <a:bodyPr vert="horz" lIns="91440" tIns="45720" rIns="91440" bIns="45720" rtlCol="1">
+            <a:normAutofit lnSpcReduction="10000"/>
+          </a:bodyPr>
+          <a:lstStyle>
+            <a:lvl1pPr marL="228600" indent="-228600" algn="r" defTabSz="914400" rtl="1" eaLnBrk="1" latinLnBrk="0" hangingPunct="1">
+              <a:lnSpc>
+                <a:spcPct val="90000"/>
+              </a:lnSpc>
+              <a:spcBef>
+                <a:spcPts val="1000"/>
+              </a:spcBef>
+              <a:buFont typeface="Arial" panose="020B0604020202020204" pitchFamily="34" charset="0"/>
+              <a:buChar char="•"/>
+              <a:defRPr sz="2800" kern="1200">
+                <a:solidFill>
+                  <a:schemeClr val="tx1"/>
+                </a:solidFill>
+                <a:latin typeface="+mn-lt"/>
+                <a:ea typeface="+mn-ea"/>
+                <a:cs typeface="+mn-cs"/>
+              </a:defRPr>
+            </a:lvl1pPr>
+            <a:lvl2pPr marL="685800" indent="-228600" algn="r" defTabSz="914400" rtl="1" eaLnBrk="1" latinLnBrk="0" hangingPunct="1">
+              <a:lnSpc>
+                <a:spcPct val="90000"/>
+              </a:lnSpc>
+              <a:spcBef>
+                <a:spcPts val="500"/>
+              </a:spcBef>
+              <a:buFont typeface="Arial" panose="020B0604020202020204" pitchFamily="34" charset="0"/>
+              <a:buChar char="•"/>
+              <a:defRPr sz="2400" kern="1200">
+                <a:solidFill>
+                  <a:schemeClr val="tx1"/>
+                </a:solidFill>
+                <a:latin typeface="+mn-lt"/>
+                <a:ea typeface="+mn-ea"/>
+                <a:cs typeface="+mn-cs"/>
+              </a:defRPr>
+            </a:lvl2pPr>
+            <a:lvl3pPr marL="1143000" indent="-228600" algn="r" defTabSz="914400" rtl="1" eaLnBrk="1" latinLnBrk="0" hangingPunct="1">
+              <a:lnSpc>
+                <a:spcPct val="90000"/>
+              </a:lnSpc>
+              <a:spcBef>
+                <a:spcPts val="500"/>
+              </a:spcBef>
+              <a:buFont typeface="Arial" panose="020B0604020202020204" pitchFamily="34" charset="0"/>
+              <a:buChar char="•"/>
+              <a:defRPr sz="2000" kern="1200">
+                <a:solidFill>
+                  <a:schemeClr val="tx1"/>
+                </a:solidFill>
+                <a:latin typeface="+mn-lt"/>
+                <a:ea typeface="+mn-ea"/>
+                <a:cs typeface="+mn-cs"/>
+              </a:defRPr>
+            </a:lvl3pPr>
+            <a:lvl4pPr marL="1600200" indent="-228600" algn="r" defTabSz="914400" rtl="1" eaLnBrk="1" latinLnBrk="0" hangingPunct="1">
+              <a:lnSpc>
+                <a:spcPct val="90000"/>
+              </a:lnSpc>
+              <a:spcBef>
+                <a:spcPts val="500"/>
+              </a:spcBef>
+              <a:buFont typeface="Arial" panose="020B0604020202020204" pitchFamily="34" charset="0"/>
+              <a:buChar char="•"/>
+              <a:defRPr sz="1800" kern="1200">
+                <a:solidFill>
+                  <a:schemeClr val="tx1"/>
+                </a:solidFill>
+                <a:latin typeface="+mn-lt"/>
+                <a:ea typeface="+mn-ea"/>
+                <a:cs typeface="+mn-cs"/>
+              </a:defRPr>
+            </a:lvl4pPr>
+            <a:lvl5pPr marL="2057400" indent="-228600" algn="r" defTabSz="914400" rtl="1" eaLnBrk="1" latinLnBrk="0" hangingPunct="1">
+              <a:lnSpc>
+                <a:spcPct val="90000"/>
+              </a:lnSpc>
+              <a:spcBef>
+                <a:spcPts val="500"/>
+              </a:spcBef>
+              <a:buFont typeface="Arial" panose="020B0604020202020204" pitchFamily="34" charset="0"/>
+              <a:buChar char="•"/>
+              <a:defRPr sz="1800" kern="1200">
+                <a:solidFill>
+                  <a:schemeClr val="tx1"/>
+                </a:solidFill>
+                <a:latin typeface="+mn-lt"/>
+                <a:ea typeface="+mn-ea"/>
+                <a:cs typeface="+mn-cs"/>
+              </a:defRPr>
+            </a:lvl5pPr>
+            <a:lvl6pPr marL="2514600" indent="-228600" algn="r" defTabSz="914400" rtl="1" eaLnBrk="1" latinLnBrk="0" hangingPunct="1">
+              <a:lnSpc>
+                <a:spcPct val="90000"/>
+              </a:lnSpc>
+              <a:spcBef>
+                <a:spcPts val="500"/>
+              </a:spcBef>
+              <a:buFont typeface="Arial" panose="020B0604020202020204" pitchFamily="34" charset="0"/>
+              <a:buChar char="•"/>
+              <a:defRPr sz="1800" kern="1200">
+                <a:solidFill>
+                  <a:schemeClr val="tx1"/>
+                </a:solidFill>
+                <a:latin typeface="+mn-lt"/>
+                <a:ea typeface="+mn-ea"/>
+                <a:cs typeface="+mn-cs"/>
+              </a:defRPr>
+            </a:lvl6pPr>
+            <a:lvl7pPr marL="2971800" indent="-228600" algn="r" defTabSz="914400" rtl="1" eaLnBrk="1" latinLnBrk="0" hangingPunct="1">
+              <a:lnSpc>
+                <a:spcPct val="90000"/>
+              </a:lnSpc>
+              <a:spcBef>
+                <a:spcPts val="500"/>
+              </a:spcBef>
+              <a:buFont typeface="Arial" panose="020B0604020202020204" pitchFamily="34" charset="0"/>
+              <a:buChar char="•"/>
+              <a:defRPr sz="1800" kern="1200">
+                <a:solidFill>
+                  <a:schemeClr val="tx1"/>
+                </a:solidFill>
+                <a:latin typeface="+mn-lt"/>
+                <a:ea typeface="+mn-ea"/>
+                <a:cs typeface="+mn-cs"/>
+              </a:defRPr>
+            </a:lvl7pPr>
+            <a:lvl8pPr marL="3429000" indent="-228600" algn="r" defTabSz="914400" rtl="1" eaLnBrk="1" latinLnBrk="0" hangingPunct="1">
+              <a:lnSpc>
+                <a:spcPct val="90000"/>
+              </a:lnSpc>
+              <a:spcBef>
+                <a:spcPts val="500"/>
+              </a:spcBef>
+              <a:buFont typeface="Arial" panose="020B0604020202020204" pitchFamily="34" charset="0"/>
+              <a:buChar char="•"/>
+              <a:defRPr sz="1800" kern="1200">
+                <a:solidFill>
+                  <a:schemeClr val="tx1"/>
+                </a:solidFill>
+                <a:latin typeface="+mn-lt"/>
+                <a:ea typeface="+mn-ea"/>
+                <a:cs typeface="+mn-cs"/>
+              </a:defRPr>
+            </a:lvl8pPr>
+            <a:lvl9pPr marL="3886200" indent="-228600" algn="r" defTabSz="914400" rtl="1" eaLnBrk="1" latinLnBrk="0" hangingPunct="1">
+              <a:lnSpc>
+                <a:spcPct val="90000"/>
+              </a:lnSpc>
+              <a:spcBef>
+                <a:spcPts val="500"/>
+              </a:spcBef>
+              <a:buFont typeface="Arial" panose="020B0604020202020204" pitchFamily="34" charset="0"/>
+              <a:buChar char="•"/>
+              <a:defRPr sz="1800" kern="1200">
+                <a:solidFill>
+                  <a:schemeClr val="tx1"/>
+                </a:solidFill>
+                <a:latin typeface="+mn-lt"/>
+                <a:ea typeface="+mn-ea"/>
+                <a:cs typeface="+mn-cs"/>
+              </a:defRPr>
+            </a:lvl9pPr>
+          </a:lstStyle>
+          <a:p>
+            <a:pPr marL="342900" indent="-342900">
+              <a:lnSpc>
+                <a:spcPct val="100000"/>
+              </a:lnSpc>
+              <a:spcBef>
+                <a:spcPts val="0"/>
+              </a:spcBef>
+              <a:spcAft>
+                <a:spcPts val="1200"/>
+              </a:spcAft>
+              <a:buFont typeface="Arial" panose="020B0604020202020204" pitchFamily="34" charset="0"/>
+              <a:buAutoNum type="arabicPeriod"/>
+            </a:pPr>
+            <a:r>
+              <a:rPr lang="he-IL" sz="1800" dirty="0">
+                <a:latin typeface="David" panose="020E0502060401010101" pitchFamily="34" charset="-79"/>
+              </a:rPr>
+              <a:t>תחילה נאמן את המסווג שלנו על הדאטה סט המקורי.</a:t>
+            </a:r>
+          </a:p>
+          <a:p>
+            <a:pPr marL="342900" indent="-342900">
+              <a:lnSpc>
+                <a:spcPct val="100000"/>
+              </a:lnSpc>
+              <a:spcBef>
+                <a:spcPts val="0"/>
+              </a:spcBef>
+              <a:spcAft>
+                <a:spcPts val="1200"/>
+              </a:spcAft>
+              <a:buFont typeface="Arial" panose="020B0604020202020204" pitchFamily="34" charset="0"/>
+              <a:buAutoNum type="arabicPeriod"/>
+            </a:pPr>
+            <a:r>
+              <a:rPr lang="he-IL" sz="1800" dirty="0">
+                <a:latin typeface="David" panose="020E0502060401010101" pitchFamily="34" charset="-79"/>
+              </a:rPr>
+              <a:t>נאמן את </a:t>
+            </a:r>
+            <a:r>
+              <a:rPr lang="en-US" sz="1800" dirty="0">
+                <a:latin typeface="David" panose="020E0502060401010101" pitchFamily="34" charset="-79"/>
+              </a:rPr>
+              <a:t>GPT2</a:t>
+            </a:r>
+            <a:r>
+              <a:rPr lang="he-IL" sz="1800" dirty="0">
+                <a:latin typeface="David" panose="020E0502060401010101" pitchFamily="34" charset="-79"/>
+              </a:rPr>
+              <a:t> על הדאטה סט המקורי כדי שיצירת הטקסט שלו תתאים לצרכים שלנו.</a:t>
+            </a:r>
+          </a:p>
+          <a:p>
+            <a:pPr marL="342900" indent="-342900">
+              <a:lnSpc>
+                <a:spcPct val="100000"/>
+              </a:lnSpc>
+              <a:spcBef>
+                <a:spcPts val="0"/>
+              </a:spcBef>
+              <a:spcAft>
+                <a:spcPts val="1200"/>
+              </a:spcAft>
+              <a:buFont typeface="Arial" panose="020B0604020202020204" pitchFamily="34" charset="0"/>
+              <a:buAutoNum type="arabicPeriod"/>
+            </a:pPr>
+            <a:r>
+              <a:rPr lang="he-IL" sz="1800" dirty="0">
+                <a:latin typeface="David" panose="020E0502060401010101" pitchFamily="34" charset="-79"/>
+              </a:rPr>
+              <a:t>בלולאת פור שעוברת על כל מסד הנתונים, נבצע יצירת טקסט חדשה בעד כל משפט. </a:t>
+            </a:r>
+          </a:p>
+          <a:p>
+            <a:pPr marL="342900" indent="-342900">
+              <a:lnSpc>
+                <a:spcPct val="100000"/>
+              </a:lnSpc>
+              <a:spcBef>
+                <a:spcPts val="0"/>
+              </a:spcBef>
+              <a:spcAft>
+                <a:spcPts val="1200"/>
+              </a:spcAft>
+              <a:buFont typeface="Arial" panose="020B0604020202020204" pitchFamily="34" charset="0"/>
+              <a:buAutoNum type="arabicPeriod"/>
+            </a:pPr>
+            <a:r>
+              <a:rPr lang="he-IL" sz="1800" dirty="0">
+                <a:latin typeface="David" panose="020E0502060401010101" pitchFamily="34" charset="-79"/>
+              </a:rPr>
+              <a:t>כדי לסווג האם המשפט תקין או לא, האם הוא מתאים להיכנס לדאטה סט שלנו עם התיוג המתאים, נריץ על את המסווג שאימנו מראש. אם הסיווג שלו תואם את זה של המשפט בסיס שלו, אזי נוסיף אותו למאגר, אם לא – נדחה ונעבור הלאה.</a:t>
+            </a:r>
+          </a:p>
+          <a:p>
+            <a:pPr marL="342900" indent="-342900">
+              <a:lnSpc>
+                <a:spcPct val="100000"/>
+              </a:lnSpc>
+              <a:spcBef>
+                <a:spcPts val="0"/>
+              </a:spcBef>
+              <a:spcAft>
+                <a:spcPts val="1200"/>
+              </a:spcAft>
+              <a:buFont typeface="Arial" panose="020B0604020202020204" pitchFamily="34" charset="0"/>
+              <a:buAutoNum type="arabicPeriod"/>
+            </a:pPr>
+            <a:r>
+              <a:rPr lang="he-IL" sz="1800" dirty="0">
+                <a:latin typeface="David" panose="020E0502060401010101" pitchFamily="34" charset="-79"/>
+              </a:rPr>
+              <a:t>בסיום הריצה נקבל דאטה-סט מתויג רחב יותר.</a:t>
+            </a:r>
+          </a:p>
+          <a:p>
+            <a:pPr marL="342900" indent="-342900">
+              <a:lnSpc>
+                <a:spcPct val="100000"/>
+              </a:lnSpc>
+              <a:spcBef>
+                <a:spcPts val="0"/>
+              </a:spcBef>
+              <a:spcAft>
+                <a:spcPts val="1200"/>
+              </a:spcAft>
+              <a:buFont typeface="Arial" panose="020B0604020202020204" pitchFamily="34" charset="0"/>
+              <a:buAutoNum type="arabicPeriod"/>
+            </a:pPr>
+            <a:r>
+              <a:rPr lang="he-IL" sz="1800" dirty="0">
+                <a:latin typeface="David" panose="020E0502060401010101" pitchFamily="34" charset="-79"/>
+              </a:rPr>
+              <a:t>כעת נאמן את המסווג על הדאטה סט החדש וכך גם את מודל יצירת הטקסט.</a:t>
+            </a:r>
+          </a:p>
+        </p:txBody>
+      </p:sp>
+      <p:sp>
+        <p:nvSpPr>
+          <p:cNvPr id="2" name="מלבן 1">
+            <a:extLst>
+              <a:ext uri="{FF2B5EF4-FFF2-40B4-BE49-F238E27FC236}">
+                <a16:creationId xmlns:a16="http://schemas.microsoft.com/office/drawing/2014/main" id="{79C5CA8D-FA24-4F59-B3BA-2443E85553F8}"/>
+              </a:ext>
+            </a:extLst>
+          </p:cNvPr>
+          <p:cNvSpPr/>
+          <p:nvPr/>
+        </p:nvSpPr>
+        <p:spPr>
+          <a:xfrm>
+            <a:off x="4682755" y="-398406"/>
+            <a:ext cx="3308719" cy="1297278"/>
+          </a:xfrm>
+          <a:prstGeom prst="rect">
+            <a:avLst/>
+          </a:prstGeom>
+          <a:noFill/>
+        </p:spPr>
+        <p:txBody>
+          <a:bodyPr wrap="square" lIns="91440" tIns="45720" rIns="91440" bIns="45720">
+            <a:spAutoFit/>
           </a:bodyPr>
           <a:lstStyle/>
           <a:p>
@@ -4810,13 +5358,549 @@
               <a:buNone/>
             </a:pPr>
             <a:r>
-              <a:rPr lang="he-IL" u="sng">
+              <a:rPr lang="he-IL" sz="5400" b="1" dirty="0">
                 <a:latin typeface="David" panose="020E0502060401010101" pitchFamily="34" charset="-79"/>
                 <a:cs typeface="David" panose="020E0502060401010101" pitchFamily="34" charset="-79"/>
               </a:rPr>
-              <a:t>מסקנות + דברים שהיינו רוצים להוסיף \ לשפר</a:t>
-            </a:r>
-          </a:p>
+              <a:t>פסודו קוד:</a:t>
+            </a:r>
+            <a:endParaRPr lang="he-IL" sz="4400" b="1" dirty="0">
+              <a:latin typeface="David" panose="020E0502060401010101" pitchFamily="34" charset="-79"/>
+              <a:cs typeface="David" panose="020E0502060401010101" pitchFamily="34" charset="-79"/>
+            </a:endParaRPr>
+          </a:p>
+        </p:txBody>
+      </p:sp>
+    </p:spTree>
+    <p:extLst>
+      <p:ext uri="{BB962C8B-B14F-4D97-AF65-F5344CB8AC3E}">
+        <p14:creationId xmlns:p14="http://schemas.microsoft.com/office/powerpoint/2010/main" val="36692894"/>
+      </p:ext>
+    </p:extLst>
+  </p:cSld>
+  <p:clrMapOvr>
+    <a:masterClrMapping/>
+  </p:clrMapOvr>
+</p:sld>
+</file>
+
+<file path=ppt/slides/slide13.xml><?xml version="1.0" encoding="utf-8"?>
+<p:sld xmlns:a="http://schemas.openxmlformats.org/drawingml/2006/main" xmlns:r="http://schemas.openxmlformats.org/officeDocument/2006/relationships" xmlns:p="http://schemas.openxmlformats.org/presentationml/2006/main">
+  <p:cSld>
+    <p:bg>
+      <p:bgPr>
+        <a:gradFill>
+          <a:gsLst>
+            <a:gs pos="0">
+              <a:schemeClr val="accent1">
+                <a:lumMod val="0"/>
+                <a:lumOff val="100000"/>
+              </a:schemeClr>
+            </a:gs>
+            <a:gs pos="35000">
+              <a:schemeClr val="accent1">
+                <a:lumMod val="0"/>
+                <a:lumOff val="100000"/>
+              </a:schemeClr>
+            </a:gs>
+            <a:gs pos="97000">
+              <a:schemeClr val="accent1">
+                <a:lumMod val="100000"/>
+              </a:schemeClr>
+            </a:gs>
+          </a:gsLst>
+          <a:path path="circle">
+            <a:fillToRect l="50000" t="-80000" r="50000" b="180000"/>
+          </a:path>
+        </a:gradFill>
+        <a:effectLst/>
+      </p:bgPr>
+    </p:bg>
+    <p:spTree>
+      <p:nvGrpSpPr>
+        <p:cNvPr id="1" name=""/>
+        <p:cNvGrpSpPr/>
+        <p:nvPr/>
+      </p:nvGrpSpPr>
+      <p:grpSpPr>
+        <a:xfrm>
+          <a:off x="0" y="0"/>
+          <a:ext cx="0" cy="0"/>
+          <a:chOff x="0" y="0"/>
+          <a:chExt cx="0" cy="0"/>
+        </a:xfrm>
+      </p:grpSpPr>
+      <p:sp>
+        <p:nvSpPr>
+          <p:cNvPr id="3" name="מציין מיקום תוכן 2">
+            <a:extLst>
+              <a:ext uri="{FF2B5EF4-FFF2-40B4-BE49-F238E27FC236}">
+                <a16:creationId xmlns:a16="http://schemas.microsoft.com/office/drawing/2014/main" id="{38B9A60E-1AC0-4F00-896A-E8C0657F2B6F}"/>
+              </a:ext>
+            </a:extLst>
+          </p:cNvPr>
+          <p:cNvSpPr>
+            <a:spLocks noGrp="1"/>
+          </p:cNvSpPr>
+          <p:nvPr>
+            <p:ph idx="1"/>
+          </p:nvPr>
+        </p:nvSpPr>
+        <p:spPr>
+          <a:xfrm>
+            <a:off x="0" y="1171575"/>
+            <a:ext cx="12192000" cy="5362575"/>
+          </a:xfrm>
+        </p:spPr>
+        <p:txBody>
+          <a:bodyPr>
+            <a:normAutofit/>
+          </a:bodyPr>
+          <a:lstStyle/>
+          <a:p>
+            <a:pPr algn="ctr">
+              <a:lnSpc>
+                <a:spcPct val="160000"/>
+              </a:lnSpc>
+              <a:spcBef>
+                <a:spcPts val="0"/>
+              </a:spcBef>
+              <a:spcAft>
+                <a:spcPts val="1200"/>
+              </a:spcAft>
+            </a:pPr>
+            <a:r>
+              <a:rPr lang="he-IL" dirty="0">
+                <a:latin typeface="David" panose="020E0502060401010101" pitchFamily="34" charset="-79"/>
+              </a:rPr>
+              <a:t>בתור אלגוריתם מתייג לקיחה של כמה אלגוריתמי סיווג מפוקחים כאשר הוחלט לקחת את הטובים ביותר מבחינת אחוזי הצלחה</a:t>
+            </a:r>
+          </a:p>
+          <a:p>
+            <a:pPr algn="ctr">
+              <a:lnSpc>
+                <a:spcPct val="160000"/>
+              </a:lnSpc>
+              <a:spcBef>
+                <a:spcPts val="0"/>
+              </a:spcBef>
+              <a:spcAft>
+                <a:spcPts val="1200"/>
+              </a:spcAft>
+            </a:pPr>
+            <a:r>
+              <a:rPr lang="he-IL" dirty="0">
+                <a:latin typeface="David" panose="020E0502060401010101" pitchFamily="34" charset="-79"/>
+              </a:rPr>
+              <a:t>השימוש החוזר ב-</a:t>
+            </a:r>
+            <a:r>
+              <a:rPr lang="en-US" dirty="0">
+                <a:latin typeface="David" panose="020E0502060401010101" pitchFamily="34" charset="-79"/>
+              </a:rPr>
+              <a:t>GPT2</a:t>
+            </a:r>
+            <a:r>
+              <a:rPr lang="he-IL" dirty="0">
+                <a:latin typeface="David" panose="020E0502060401010101" pitchFamily="34" charset="-79"/>
+              </a:rPr>
+              <a:t> וביצוע ה-</a:t>
+            </a:r>
+            <a:r>
+              <a:rPr lang="en-US" dirty="0">
+                <a:latin typeface="David" panose="020E0502060401010101" pitchFamily="34" charset="-79"/>
+              </a:rPr>
+              <a:t>Fine-tuning</a:t>
+            </a:r>
+            <a:r>
+              <a:rPr lang="he-IL" dirty="0">
+                <a:latin typeface="David" panose="020E0502060401010101" pitchFamily="34" charset="-79"/>
+              </a:rPr>
+              <a:t> ליצירת דוגמאות </a:t>
+            </a:r>
+            <a:r>
+              <a:rPr lang="he-IL" dirty="0" err="1">
+                <a:latin typeface="David" panose="020E0502060401010101" pitchFamily="34" charset="-79"/>
+              </a:rPr>
+              <a:t>מתוייגות</a:t>
+            </a:r>
+            <a:endParaRPr lang="he-IL" dirty="0">
+              <a:latin typeface="David" panose="020E0502060401010101" pitchFamily="34" charset="-79"/>
+            </a:endParaRPr>
+          </a:p>
+          <a:p>
+            <a:pPr algn="ctr">
+              <a:lnSpc>
+                <a:spcPct val="160000"/>
+              </a:lnSpc>
+              <a:spcBef>
+                <a:spcPts val="0"/>
+              </a:spcBef>
+              <a:spcAft>
+                <a:spcPts val="1200"/>
+              </a:spcAft>
+            </a:pPr>
+            <a:r>
+              <a:rPr lang="he-IL" dirty="0">
+                <a:latin typeface="David" panose="020E0502060401010101" pitchFamily="34" charset="-79"/>
+              </a:rPr>
+              <a:t>אין שימוש ב-</a:t>
+            </a:r>
+            <a:r>
+              <a:rPr lang="en-US" dirty="0">
+                <a:latin typeface="David" panose="020E0502060401010101" pitchFamily="34" charset="-79"/>
+              </a:rPr>
+              <a:t>Discrimminator</a:t>
+            </a:r>
+            <a:r>
+              <a:rPr lang="he-IL" dirty="0">
+                <a:latin typeface="David" panose="020E0502060401010101" pitchFamily="34" charset="-79"/>
+              </a:rPr>
+              <a:t> (תפקידו הוא להכריע האם הטקסט נוצר על ידי מכונה) – כאן מבחינתו כל טקסט שהוא חשוד, יתפס בתור </a:t>
+            </a:r>
+            <a:r>
+              <a:rPr lang="en-US" dirty="0">
+                <a:latin typeface="David" panose="020E0502060401010101" pitchFamily="34" charset="-79"/>
+              </a:rPr>
+              <a:t>SPAM</a:t>
+            </a:r>
+            <a:r>
+              <a:rPr lang="he-IL" dirty="0">
+                <a:latin typeface="David" panose="020E0502060401010101" pitchFamily="34" charset="-79"/>
+              </a:rPr>
+              <a:t>, בתור סיכון אפשרי למשתמש.</a:t>
+            </a:r>
+          </a:p>
+          <a:p>
+            <a:pPr algn="ctr">
+              <a:lnSpc>
+                <a:spcPct val="160000"/>
+              </a:lnSpc>
+              <a:spcBef>
+                <a:spcPts val="0"/>
+              </a:spcBef>
+              <a:spcAft>
+                <a:spcPts val="1200"/>
+              </a:spcAft>
+            </a:pPr>
+            <a:r>
+              <a:rPr lang="he-IL" dirty="0">
+                <a:latin typeface="David" panose="020E0502060401010101" pitchFamily="34" charset="-79"/>
+              </a:rPr>
+              <a:t>אימון רפטטיבי של המסווג (</a:t>
+            </a:r>
+            <a:r>
+              <a:rPr lang="en-US" dirty="0">
+                <a:latin typeface="David" panose="020E0502060401010101" pitchFamily="34" charset="-79"/>
+              </a:rPr>
+              <a:t>RandomForest, knn, svm, extra tree, Decision Tree, Bagging, Adaptive Boosting </a:t>
+            </a:r>
+            <a:r>
+              <a:rPr lang="he-IL" dirty="0">
+                <a:latin typeface="David" panose="020E0502060401010101" pitchFamily="34" charset="-79"/>
+              </a:rPr>
+              <a:t>) ושל ה-</a:t>
+            </a:r>
+            <a:r>
+              <a:rPr lang="en-US" dirty="0">
+                <a:latin typeface="David" panose="020E0502060401010101" pitchFamily="34" charset="-79"/>
+              </a:rPr>
+              <a:t>GPT2</a:t>
+            </a:r>
+            <a:r>
+              <a:rPr lang="he-IL" dirty="0">
+                <a:latin typeface="David" panose="020E0502060401010101" pitchFamily="34" charset="-79"/>
+              </a:rPr>
+              <a:t> (שגם הוא אמור ליצור מידע יותר מחודד)</a:t>
+            </a:r>
+          </a:p>
+        </p:txBody>
+      </p:sp>
+      <p:sp>
+        <p:nvSpPr>
+          <p:cNvPr id="2" name="מלבן 1">
+            <a:extLst>
+              <a:ext uri="{FF2B5EF4-FFF2-40B4-BE49-F238E27FC236}">
+                <a16:creationId xmlns:a16="http://schemas.microsoft.com/office/drawing/2014/main" id="{C50AA88A-1D98-46C4-B107-C8BC68E4EE7F}"/>
+              </a:ext>
+            </a:extLst>
+          </p:cNvPr>
+          <p:cNvSpPr/>
+          <p:nvPr/>
+        </p:nvSpPr>
+        <p:spPr>
+          <a:xfrm>
+            <a:off x="651411" y="-385465"/>
+            <a:ext cx="11346376" cy="1247201"/>
+          </a:xfrm>
+          <a:prstGeom prst="rect">
+            <a:avLst/>
+          </a:prstGeom>
+          <a:noFill/>
+        </p:spPr>
+        <p:txBody>
+          <a:bodyPr wrap="none" lIns="91440" tIns="45720" rIns="91440" bIns="45720">
+            <a:spAutoFit/>
+          </a:bodyPr>
+          <a:lstStyle/>
+          <a:p>
+            <a:pPr marL="0" indent="0" algn="ctr" rtl="1">
+              <a:lnSpc>
+                <a:spcPct val="160000"/>
+              </a:lnSpc>
+              <a:spcBef>
+                <a:spcPts val="0"/>
+              </a:spcBef>
+              <a:spcAft>
+                <a:spcPts val="1200"/>
+              </a:spcAft>
+              <a:buNone/>
+            </a:pPr>
+            <a:r>
+              <a:rPr lang="he-IL" sz="5400" b="1" dirty="0">
+                <a:latin typeface="David" panose="020E0502060401010101" pitchFamily="34" charset="-79"/>
+              </a:rPr>
+              <a:t>כיצד הגישה שלנו שונה מזו של קודמינו?</a:t>
+            </a:r>
+          </a:p>
+        </p:txBody>
+      </p:sp>
+    </p:spTree>
+    <p:extLst>
+      <p:ext uri="{BB962C8B-B14F-4D97-AF65-F5344CB8AC3E}">
+        <p14:creationId xmlns:p14="http://schemas.microsoft.com/office/powerpoint/2010/main" val="1429889136"/>
+      </p:ext>
+    </p:extLst>
+  </p:cSld>
+  <p:clrMapOvr>
+    <a:masterClrMapping/>
+  </p:clrMapOvr>
+</p:sld>
+</file>
+
+<file path=ppt/slides/slide14.xml><?xml version="1.0" encoding="utf-8"?>
+<p:sld xmlns:a="http://schemas.openxmlformats.org/drawingml/2006/main" xmlns:r="http://schemas.openxmlformats.org/officeDocument/2006/relationships" xmlns:p="http://schemas.openxmlformats.org/presentationml/2006/main">
+  <p:cSld>
+    <p:bg>
+      <p:bgPr>
+        <a:gradFill>
+          <a:gsLst>
+            <a:gs pos="0">
+              <a:schemeClr val="accent1">
+                <a:lumMod val="0"/>
+                <a:lumOff val="100000"/>
+              </a:schemeClr>
+            </a:gs>
+            <a:gs pos="35000">
+              <a:schemeClr val="accent1">
+                <a:lumMod val="0"/>
+                <a:lumOff val="100000"/>
+              </a:schemeClr>
+            </a:gs>
+            <a:gs pos="97000">
+              <a:schemeClr val="accent1">
+                <a:lumMod val="100000"/>
+              </a:schemeClr>
+            </a:gs>
+          </a:gsLst>
+          <a:path path="circle">
+            <a:fillToRect l="50000" t="-80000" r="50000" b="180000"/>
+          </a:path>
+        </a:gradFill>
+        <a:effectLst/>
+      </p:bgPr>
+    </p:bg>
+    <p:spTree>
+      <p:nvGrpSpPr>
+        <p:cNvPr id="1" name=""/>
+        <p:cNvGrpSpPr/>
+        <p:nvPr/>
+      </p:nvGrpSpPr>
+      <p:grpSpPr>
+        <a:xfrm>
+          <a:off x="0" y="0"/>
+          <a:ext cx="0" cy="0"/>
+          <a:chOff x="0" y="0"/>
+          <a:chExt cx="0" cy="0"/>
+        </a:xfrm>
+      </p:grpSpPr>
+      <p:pic>
+        <p:nvPicPr>
+          <p:cNvPr id="2" name="תמונה 1">
+            <a:extLst>
+              <a:ext uri="{FF2B5EF4-FFF2-40B4-BE49-F238E27FC236}">
+                <a16:creationId xmlns:a16="http://schemas.microsoft.com/office/drawing/2014/main" id="{02A9BC0A-E577-4B81-94AC-959DE7EBF3F0}"/>
+              </a:ext>
+            </a:extLst>
+          </p:cNvPr>
+          <p:cNvPicPr>
+            <a:picLocks noChangeAspect="1"/>
+          </p:cNvPicPr>
+          <p:nvPr/>
+        </p:nvPicPr>
+        <p:blipFill>
+          <a:blip r:embed="rId2"/>
+          <a:stretch>
+            <a:fillRect/>
+          </a:stretch>
+        </p:blipFill>
+        <p:spPr>
+          <a:xfrm>
+            <a:off x="1476375" y="996175"/>
+            <a:ext cx="9582150" cy="5528450"/>
+          </a:xfrm>
+          <a:prstGeom prst="rect">
+            <a:avLst/>
+          </a:prstGeom>
+        </p:spPr>
+      </p:pic>
+      <p:sp>
+        <p:nvSpPr>
+          <p:cNvPr id="6" name="מלבן 5">
+            <a:extLst>
+              <a:ext uri="{FF2B5EF4-FFF2-40B4-BE49-F238E27FC236}">
+                <a16:creationId xmlns:a16="http://schemas.microsoft.com/office/drawing/2014/main" id="{32ADE535-0258-4E9E-9B04-E0BCD5702229}"/>
+              </a:ext>
+            </a:extLst>
+          </p:cNvPr>
+          <p:cNvSpPr/>
+          <p:nvPr/>
+        </p:nvSpPr>
+        <p:spPr>
+          <a:xfrm>
+            <a:off x="5025763" y="0"/>
+            <a:ext cx="2483373" cy="1015663"/>
+          </a:xfrm>
+          <a:prstGeom prst="rect">
+            <a:avLst/>
+          </a:prstGeom>
+          <a:noFill/>
+        </p:spPr>
+        <p:txBody>
+          <a:bodyPr wrap="none" lIns="91440" tIns="45720" rIns="91440" bIns="45720">
+            <a:spAutoFit/>
+          </a:bodyPr>
+          <a:lstStyle/>
+          <a:p>
+            <a:pPr algn="ctr"/>
+            <a:r>
+              <a:rPr lang="he-IL" sz="6000" b="1" cap="none" spc="0" dirty="0">
+                <a:ln w="0"/>
+                <a:solidFill>
+                  <a:schemeClr val="tx1"/>
+                </a:solidFill>
+                <a:effectLst>
+                  <a:outerShdw blurRad="38100" dist="19050" dir="2700000" algn="tl" rotWithShape="0">
+                    <a:schemeClr val="dk1">
+                      <a:alpha val="40000"/>
+                    </a:schemeClr>
+                  </a:outerShdw>
+                </a:effectLst>
+              </a:rPr>
+              <a:t>תוצאות</a:t>
+            </a:r>
+            <a:endParaRPr lang="he-IL" sz="5400" b="1" cap="none" spc="0" dirty="0">
+              <a:ln w="0"/>
+              <a:solidFill>
+                <a:schemeClr val="tx1"/>
+              </a:solidFill>
+              <a:effectLst>
+                <a:outerShdw blurRad="38100" dist="19050" dir="2700000" algn="tl" rotWithShape="0">
+                  <a:schemeClr val="dk1">
+                    <a:alpha val="40000"/>
+                  </a:schemeClr>
+                </a:outerShdw>
+              </a:effectLst>
+            </a:endParaRPr>
+          </a:p>
+        </p:txBody>
+      </p:sp>
+    </p:spTree>
+    <p:extLst>
+      <p:ext uri="{BB962C8B-B14F-4D97-AF65-F5344CB8AC3E}">
+        <p14:creationId xmlns:p14="http://schemas.microsoft.com/office/powerpoint/2010/main" val="729227671"/>
+      </p:ext>
+    </p:extLst>
+  </p:cSld>
+  <p:clrMapOvr>
+    <a:masterClrMapping/>
+  </p:clrMapOvr>
+</p:sld>
+</file>
+
+<file path=ppt/slides/slide15.xml><?xml version="1.0" encoding="utf-8"?>
+<p:sld xmlns:a="http://schemas.openxmlformats.org/drawingml/2006/main" xmlns:r="http://schemas.openxmlformats.org/officeDocument/2006/relationships" xmlns:p="http://schemas.openxmlformats.org/presentationml/2006/main">
+  <p:cSld>
+    <p:bg>
+      <p:bgPr>
+        <a:gradFill>
+          <a:gsLst>
+            <a:gs pos="0">
+              <a:schemeClr val="accent1">
+                <a:lumMod val="0"/>
+                <a:lumOff val="100000"/>
+              </a:schemeClr>
+            </a:gs>
+            <a:gs pos="35000">
+              <a:schemeClr val="accent1">
+                <a:lumMod val="0"/>
+                <a:lumOff val="100000"/>
+              </a:schemeClr>
+            </a:gs>
+            <a:gs pos="97000">
+              <a:schemeClr val="accent1">
+                <a:lumMod val="100000"/>
+              </a:schemeClr>
+            </a:gs>
+          </a:gsLst>
+          <a:path path="circle">
+            <a:fillToRect l="50000" t="-80000" r="50000" b="180000"/>
+          </a:path>
+        </a:gradFill>
+        <a:effectLst/>
+      </p:bgPr>
+    </p:bg>
+    <p:spTree>
+      <p:nvGrpSpPr>
+        <p:cNvPr id="1" name=""/>
+        <p:cNvGrpSpPr/>
+        <p:nvPr/>
+      </p:nvGrpSpPr>
+      <p:grpSpPr>
+        <a:xfrm>
+          <a:off x="0" y="0"/>
+          <a:ext cx="0" cy="0"/>
+          <a:chOff x="0" y="0"/>
+          <a:chExt cx="0" cy="0"/>
+        </a:xfrm>
+      </p:grpSpPr>
+      <p:sp>
+        <p:nvSpPr>
+          <p:cNvPr id="3" name="מציין מיקום תוכן 2">
+            <a:extLst>
+              <a:ext uri="{FF2B5EF4-FFF2-40B4-BE49-F238E27FC236}">
+                <a16:creationId xmlns:a16="http://schemas.microsoft.com/office/drawing/2014/main" id="{38B9A60E-1AC0-4F00-896A-E8C0657F2B6F}"/>
+              </a:ext>
+            </a:extLst>
+          </p:cNvPr>
+          <p:cNvSpPr>
+            <a:spLocks noGrp="1"/>
+          </p:cNvSpPr>
+          <p:nvPr>
+            <p:ph idx="1"/>
+          </p:nvPr>
+        </p:nvSpPr>
+        <p:spPr>
+          <a:xfrm>
+            <a:off x="168965" y="1113184"/>
+            <a:ext cx="11917018" cy="5371474"/>
+          </a:xfrm>
+        </p:spPr>
+        <p:txBody>
+          <a:bodyPr>
+            <a:normAutofit/>
+          </a:bodyPr>
+          <a:lstStyle/>
           <a:p>
             <a:pPr>
               <a:lnSpc>
@@ -4830,25 +5914,10 @@
               </a:spcAft>
             </a:pPr>
             <a:r>
-              <a:rPr lang="he-IL">
-                <a:latin typeface="David" panose="020E0502060401010101" pitchFamily="34" charset="-79"/>
-                <a:cs typeface="David" panose="020E0502060401010101" pitchFamily="34" charset="-79"/>
-              </a:rPr>
-              <a:t>מפאת זמן וחוסר משאבים של המחשבים שלנו, לא הצלחנו לאמן את המודל יותר מפעם אחת על הדאטה סט החדש. גם יצירת הטקסט באמצעות </a:t>
-            </a:r>
-            <a:r>
-              <a:rPr lang="en-US">
-                <a:latin typeface="David" panose="020E0502060401010101" pitchFamily="34" charset="-79"/>
-                <a:cs typeface="David" panose="020E0502060401010101" pitchFamily="34" charset="-79"/>
-              </a:rPr>
-              <a:t>GPT2</a:t>
-            </a:r>
-            <a:r>
-              <a:rPr lang="he-IL">
-                <a:latin typeface="David" panose="020E0502060401010101" pitchFamily="34" charset="-79"/>
-                <a:cs typeface="David" panose="020E0502060401010101" pitchFamily="34" charset="-79"/>
-              </a:rPr>
-              <a:t> גבתה זמנים כבדים ולכן לא ביצענו "כיוונון" נוסף בפעם השנייה. </a:t>
+              <a:rPr lang="he-IL" dirty="0">
+                <a:latin typeface="David" panose="020E0502060401010101" pitchFamily="34" charset="-79"/>
+              </a:rPr>
+              <a:t>נתחיל מכך שלאחר הוספת המשפטים החדשים תוצאות החיזוי היו יותר גבוהות.</a:t>
             </a:r>
           </a:p>
           <a:p>
@@ -4863,10 +5932,123 @@
                 <a:spcPts val="1200"/>
               </a:spcAft>
             </a:pPr>
-            <a:endParaRPr lang="he-IL">
-              <a:latin typeface="David" panose="020E0502060401010101" pitchFamily="34" charset="-79"/>
-              <a:cs typeface="David" panose="020E0502060401010101" pitchFamily="34" charset="-79"/>
-            </a:endParaRPr>
+            <a:r>
+              <a:rPr lang="he-IL" dirty="0">
+                <a:latin typeface="David" panose="020E0502060401010101" pitchFamily="34" charset="-79"/>
+              </a:rPr>
+              <a:t>מפאת זמן וחוסר משאבים של המחשבים שלנו, הצלחנו לייצר </a:t>
+            </a:r>
+            <a:r>
+              <a:rPr lang="en-US" dirty="0">
+                <a:latin typeface="David" panose="020E0502060401010101" pitchFamily="34" charset="-79"/>
+              </a:rPr>
+              <a:t>data</a:t>
+            </a:r>
+            <a:r>
+              <a:rPr lang="he-IL" dirty="0">
+                <a:latin typeface="David" panose="020E0502060401010101" pitchFamily="34" charset="-79"/>
+              </a:rPr>
+              <a:t> חדש שהניב תוצאות יותר טובות אך אם היינו ממשיכים לייצר </a:t>
+            </a:r>
+            <a:r>
+              <a:rPr lang="en-US" dirty="0">
+                <a:latin typeface="David" panose="020E0502060401010101" pitchFamily="34" charset="-79"/>
+              </a:rPr>
+              <a:t>data</a:t>
+            </a:r>
+            <a:r>
+              <a:rPr lang="he-IL" dirty="0">
+                <a:latin typeface="David" panose="020E0502060401010101" pitchFamily="34" charset="-79"/>
+              </a:rPr>
+              <a:t> חדש מלאכותי התוצאות היו משתפרות באופן ניכר יותר</a:t>
+            </a:r>
+          </a:p>
+          <a:p>
+            <a:pPr>
+              <a:lnSpc>
+                <a:spcPct val="160000"/>
+              </a:lnSpc>
+              <a:spcBef>
+                <a:spcPts val="0"/>
+              </a:spcBef>
+              <a:spcAft>
+                <a:spcPts val="1200"/>
+              </a:spcAft>
+            </a:pPr>
+            <a:r>
+              <a:rPr lang="he-IL" dirty="0">
+                <a:latin typeface="David" panose="020E0502060401010101" pitchFamily="34" charset="-79"/>
+              </a:rPr>
+              <a:t>את המודל הצלחנו לאמן  אך ה"כיוונון" קרה פעם אחת שוב מפאת חוסר במשאבים חזקים וזמן.</a:t>
+            </a:r>
+          </a:p>
+          <a:p>
+            <a:pPr>
+              <a:lnSpc>
+                <a:spcPct val="160000"/>
+              </a:lnSpc>
+              <a:spcBef>
+                <a:spcPts val="0"/>
+              </a:spcBef>
+              <a:spcAft>
+                <a:spcPts val="1200"/>
+              </a:spcAft>
+            </a:pPr>
+            <a:r>
+              <a:rPr lang="he-IL" dirty="0">
+                <a:latin typeface="David" panose="020E0502060401010101" pitchFamily="34" charset="-79"/>
+              </a:rPr>
+              <a:t> נציין שבעתיד ניתן להשתמש במודל שבנינו לצורך הרחבות של מחקרים בנושא.</a:t>
+            </a:r>
+          </a:p>
+        </p:txBody>
+      </p:sp>
+      <p:sp>
+        <p:nvSpPr>
+          <p:cNvPr id="2" name="מלבן 1">
+            <a:extLst>
+              <a:ext uri="{FF2B5EF4-FFF2-40B4-BE49-F238E27FC236}">
+                <a16:creationId xmlns:a16="http://schemas.microsoft.com/office/drawing/2014/main" id="{59E0167C-8208-45F0-99B1-F2D61AFC280A}"/>
+              </a:ext>
+            </a:extLst>
+          </p:cNvPr>
+          <p:cNvSpPr/>
+          <p:nvPr/>
+        </p:nvSpPr>
+        <p:spPr>
+          <a:xfrm>
+            <a:off x="368525" y="-289387"/>
+            <a:ext cx="11517897" cy="1118832"/>
+          </a:xfrm>
+          <a:prstGeom prst="rect">
+            <a:avLst/>
+          </a:prstGeom>
+          <a:noFill/>
+        </p:spPr>
+        <p:txBody>
+          <a:bodyPr wrap="none" lIns="91440" tIns="45720" rIns="91440" bIns="45720">
+            <a:spAutoFit/>
+          </a:bodyPr>
+          <a:lstStyle/>
+          <a:p>
+            <a:pPr marL="0" indent="0" algn="ctr" rtl="1">
+              <a:lnSpc>
+                <a:spcPct val="160000"/>
+              </a:lnSpc>
+              <a:spcBef>
+                <a:spcPts val="0"/>
+              </a:spcBef>
+              <a:spcAft>
+                <a:spcPts val="1200"/>
+              </a:spcAft>
+              <a:buNone/>
+            </a:pPr>
+            <a:r>
+              <a:rPr lang="he-IL" sz="4800" b="1" dirty="0">
+                <a:latin typeface="David" panose="020E0502060401010101" pitchFamily="34" charset="-79"/>
+              </a:rPr>
+              <a:t>מסקנות + דברים שהיינו רוצים להוסיף \ לשפר</a:t>
+            </a:r>
           </a:p>
         </p:txBody>
       </p:sp>
@@ -5552,7 +6734,7 @@
                 <a:lumOff val="100000"/>
               </a:schemeClr>
             </a:gs>
-            <a:gs pos="35000">
+            <a:gs pos="47000">
               <a:schemeClr val="accent1">
                 <a:lumMod val="0"/>
                 <a:lumOff val="100000"/>
@@ -5587,496 +6769,20 @@
       </p:grpSpPr>
       <p:sp>
         <p:nvSpPr>
-          <p:cNvPr id="3" name="מציין מיקום תוכן 2">
-            <a:extLst>
-              <a:ext uri="{FF2B5EF4-FFF2-40B4-BE49-F238E27FC236}">
-                <a16:creationId xmlns:a16="http://schemas.microsoft.com/office/drawing/2014/main" id="{8318D921-F593-46C9-8B2B-757E08B335CA}"/>
-              </a:ext>
-            </a:extLst>
-          </p:cNvPr>
-          <p:cNvSpPr>
-            <a:spLocks noGrp="1"/>
-          </p:cNvSpPr>
-          <p:nvPr>
-            <p:ph idx="1"/>
-          </p:nvPr>
+          <p:cNvPr id="4" name="מלבן 3">
+            <a:extLst>
+              <a:ext uri="{FF2B5EF4-FFF2-40B4-BE49-F238E27FC236}">
+                <a16:creationId xmlns:a16="http://schemas.microsoft.com/office/drawing/2014/main" id="{512F963F-9B60-4614-9292-47A7264640D0}"/>
+              </a:ext>
+            </a:extLst>
+          </p:cNvPr>
+          <p:cNvSpPr/>
+          <p:nvPr/>
         </p:nvSpPr>
         <p:spPr>
           <a:xfrm>
-            <a:off x="209550" y="1047155"/>
-            <a:ext cx="11700158" cy="5734645"/>
-          </a:xfrm>
-        </p:spPr>
-        <p:txBody>
-          <a:bodyPr>
-            <a:normAutofit fontScale="25000" lnSpcReduction="20000"/>
-          </a:bodyPr>
-          <a:lstStyle/>
-          <a:p>
-            <a:pPr algn="r" rtl="1">
-              <a:spcBef>
-                <a:spcPts val="1200"/>
-              </a:spcBef>
-              <a:spcAft>
-                <a:spcPts val="1200"/>
-              </a:spcAft>
-            </a:pPr>
-            <a:r>
-              <a:rPr lang="he-IL" sz="8800" i="0" u="none" strike="noStrike" dirty="0">
-                <a:solidFill>
-                  <a:srgbClr val="000000"/>
-                </a:solidFill>
-                <a:effectLst/>
-                <a:latin typeface="Arial" panose="020B0604020202020204" pitchFamily="34" charset="0"/>
-              </a:rPr>
-              <a:t>שימוש במודלים לניתוח שפות טבעיות למטרות קלסיפיקציה.</a:t>
-            </a:r>
-            <a:endParaRPr lang="he-IL" sz="8800" dirty="0">
-              <a:effectLst/>
-            </a:endParaRPr>
-          </a:p>
-          <a:p>
-            <a:pPr algn="r" rtl="1">
-              <a:spcBef>
-                <a:spcPts val="1200"/>
-              </a:spcBef>
-              <a:spcAft>
-                <a:spcPts val="1200"/>
-              </a:spcAft>
-            </a:pPr>
-            <a:r>
-              <a:rPr lang="he-IL" sz="8800" i="0" u="none" strike="noStrike" dirty="0">
-                <a:solidFill>
-                  <a:srgbClr val="000000"/>
-                </a:solidFill>
-                <a:effectLst/>
-                <a:latin typeface="Arial" panose="020B0604020202020204" pitchFamily="34" charset="0"/>
-              </a:rPr>
-              <a:t>בתור אלגוריתם בסיסי להשוואה השתמשנו במודל </a:t>
-            </a:r>
-            <a:r>
-              <a:rPr lang="en-US" sz="8800" b="1" i="0" u="none" strike="noStrike" dirty="0">
-                <a:solidFill>
-                  <a:srgbClr val="000000"/>
-                </a:solidFill>
-                <a:effectLst/>
-                <a:latin typeface="Arial" panose="020B0604020202020204" pitchFamily="34" charset="0"/>
-              </a:rPr>
-              <a:t>BERT</a:t>
-            </a:r>
-            <a:r>
-              <a:rPr lang="en-US" sz="8800" i="0" u="none" strike="noStrike" dirty="0">
-                <a:solidFill>
-                  <a:srgbClr val="000000"/>
-                </a:solidFill>
-                <a:effectLst/>
-                <a:latin typeface="Arial" panose="020B0604020202020204" pitchFamily="34" charset="0"/>
-              </a:rPr>
-              <a:t> </a:t>
-            </a:r>
-            <a:r>
-              <a:rPr lang="he-IL" sz="8800" i="0" u="none" strike="noStrike" dirty="0">
-                <a:solidFill>
-                  <a:srgbClr val="000000"/>
-                </a:solidFill>
-                <a:effectLst/>
-                <a:latin typeface="Arial" panose="020B0604020202020204" pitchFamily="34" charset="0"/>
-              </a:rPr>
-              <a:t> הפותח על ידי חוקרים של חברת </a:t>
-            </a:r>
-            <a:r>
-              <a:rPr lang="en-US" sz="8800" i="0" u="none" strike="noStrike" dirty="0">
-                <a:solidFill>
-                  <a:srgbClr val="000000"/>
-                </a:solidFill>
-                <a:effectLst/>
-                <a:latin typeface="Arial" panose="020B0604020202020204" pitchFamily="34" charset="0"/>
-              </a:rPr>
-              <a:t>Google</a:t>
-            </a:r>
-            <a:r>
-              <a:rPr lang="he-IL" sz="8800" i="0" u="none" strike="noStrike" dirty="0">
-                <a:solidFill>
-                  <a:srgbClr val="000000"/>
-                </a:solidFill>
-                <a:effectLst/>
-                <a:latin typeface="Arial" panose="020B0604020202020204" pitchFamily="34" charset="0"/>
-              </a:rPr>
-              <a:t>.</a:t>
-            </a:r>
-            <a:endParaRPr lang="en-US" sz="8800" dirty="0">
-              <a:effectLst/>
-            </a:endParaRPr>
-          </a:p>
-          <a:p>
-            <a:pPr algn="r" rtl="1">
-              <a:spcBef>
-                <a:spcPts val="1200"/>
-              </a:spcBef>
-              <a:spcAft>
-                <a:spcPts val="1200"/>
-              </a:spcAft>
-            </a:pPr>
-            <a:r>
-              <a:rPr lang="en-US" sz="8800" i="0" u="none" strike="noStrike" dirty="0">
-                <a:solidFill>
-                  <a:srgbClr val="000000"/>
-                </a:solidFill>
-                <a:effectLst/>
-                <a:latin typeface="Arial" panose="020B0604020202020204" pitchFamily="34" charset="0"/>
-              </a:rPr>
-              <a:t>BERT</a:t>
-            </a:r>
-            <a:r>
-              <a:rPr lang="he-IL" sz="8800" dirty="0">
-                <a:solidFill>
-                  <a:srgbClr val="000000"/>
-                </a:solidFill>
-                <a:latin typeface="Arial" panose="020B0604020202020204" pitchFamily="34" charset="0"/>
-              </a:rPr>
-              <a:t> (</a:t>
-            </a:r>
-            <a:r>
-              <a:rPr lang="en-US" sz="8800" i="0" u="none" strike="noStrike" dirty="0">
-                <a:solidFill>
-                  <a:srgbClr val="000000"/>
-                </a:solidFill>
-                <a:effectLst/>
-                <a:latin typeface="Arial" panose="020B0604020202020204" pitchFamily="34" charset="0"/>
-              </a:rPr>
-              <a:t>Bidirectional Encoder Representations from Transformers </a:t>
-            </a:r>
-            <a:r>
-              <a:rPr lang="he-IL" sz="8800" i="0" u="none" strike="noStrike" dirty="0">
-                <a:solidFill>
-                  <a:srgbClr val="000000"/>
-                </a:solidFill>
-                <a:effectLst/>
-                <a:latin typeface="Arial" panose="020B0604020202020204" pitchFamily="34" charset="0"/>
-              </a:rPr>
-              <a:t>)</a:t>
-            </a:r>
-            <a:r>
-              <a:rPr lang="he-IL" sz="8800" dirty="0">
-                <a:solidFill>
-                  <a:srgbClr val="000000"/>
-                </a:solidFill>
-                <a:latin typeface="Arial" panose="020B0604020202020204" pitchFamily="34" charset="0"/>
-              </a:rPr>
-              <a:t>: </a:t>
-            </a:r>
-            <a:r>
-              <a:rPr lang="he-IL" sz="8800" i="0" u="none" strike="noStrike" dirty="0">
-                <a:solidFill>
-                  <a:srgbClr val="000000"/>
-                </a:solidFill>
-                <a:effectLst/>
-                <a:latin typeface="Arial" panose="020B0604020202020204" pitchFamily="34" charset="0"/>
-              </a:rPr>
-              <a:t>הוא מאמר שפורסם בשנת 2018 על ידי חוקרים ב-</a:t>
-            </a:r>
-            <a:r>
-              <a:rPr lang="en-US" sz="8800" i="0" u="none" strike="noStrike" dirty="0">
-                <a:solidFill>
-                  <a:srgbClr val="000000"/>
-                </a:solidFill>
-                <a:effectLst/>
-                <a:latin typeface="Arial" panose="020B0604020202020204" pitchFamily="34" charset="0"/>
-              </a:rPr>
-              <a:t>Google AI Language.  </a:t>
-            </a:r>
-            <a:r>
-              <a:rPr lang="he-IL" sz="8800" i="0" u="none" strike="noStrike" dirty="0">
-                <a:solidFill>
-                  <a:srgbClr val="000000"/>
-                </a:solidFill>
-                <a:effectLst/>
-                <a:latin typeface="Arial" panose="020B0604020202020204" pitchFamily="34" charset="0"/>
-              </a:rPr>
-              <a:t> שהציג תוצאות מתקדמות במגוון רחב של משימות</a:t>
-            </a:r>
-            <a:r>
-              <a:rPr lang="en-US" sz="8800" i="0" u="none" strike="noStrike" dirty="0">
-                <a:solidFill>
-                  <a:srgbClr val="000000"/>
-                </a:solidFill>
-                <a:effectLst/>
-                <a:latin typeface="Arial" panose="020B0604020202020204" pitchFamily="34" charset="0"/>
-              </a:rPr>
-              <a:t>NLP </a:t>
-            </a:r>
-            <a:r>
-              <a:rPr lang="he-IL" sz="8800" i="0" u="none" strike="noStrike" dirty="0">
-                <a:solidFill>
-                  <a:srgbClr val="000000"/>
-                </a:solidFill>
-                <a:effectLst/>
-                <a:latin typeface="Arial" panose="020B0604020202020204" pitchFamily="34" charset="0"/>
-              </a:rPr>
-              <a:t> (למידה עמוקה ושפות טבעיות).</a:t>
-            </a:r>
-            <a:endParaRPr lang="he-IL" sz="8800" dirty="0">
-              <a:effectLst/>
-            </a:endParaRPr>
-          </a:p>
-          <a:p>
-            <a:pPr algn="r" rtl="1">
-              <a:spcBef>
-                <a:spcPts val="1200"/>
-              </a:spcBef>
-              <a:spcAft>
-                <a:spcPts val="1200"/>
-              </a:spcAft>
-            </a:pPr>
-            <a:r>
-              <a:rPr lang="he-IL" sz="8800" i="0" u="none" strike="noStrike" dirty="0">
-                <a:solidFill>
-                  <a:srgbClr val="000000"/>
-                </a:solidFill>
-                <a:effectLst/>
-                <a:latin typeface="Arial" panose="020B0604020202020204" pitchFamily="34" charset="0"/>
-              </a:rPr>
-              <a:t>החידוש הטכני העיקרי של </a:t>
-            </a:r>
-            <a:r>
-              <a:rPr lang="en-US" sz="8800" i="0" u="none" strike="noStrike" dirty="0">
-                <a:solidFill>
-                  <a:srgbClr val="000000"/>
-                </a:solidFill>
-                <a:effectLst/>
-                <a:latin typeface="Arial" panose="020B0604020202020204" pitchFamily="34" charset="0"/>
-              </a:rPr>
-              <a:t>BERT </a:t>
-            </a:r>
-            <a:r>
-              <a:rPr lang="he-IL" sz="8800" i="0" u="none" strike="noStrike" dirty="0">
-                <a:solidFill>
-                  <a:srgbClr val="000000"/>
-                </a:solidFill>
-                <a:effectLst/>
-                <a:latin typeface="Arial" panose="020B0604020202020204" pitchFamily="34" charset="0"/>
-              </a:rPr>
-              <a:t> הוא יישום ההדרכה הדו-כיוונית של</a:t>
-            </a:r>
-            <a:r>
-              <a:rPr lang="en-US" sz="8800" i="0" u="none" strike="noStrike" dirty="0">
-                <a:solidFill>
-                  <a:srgbClr val="000000"/>
-                </a:solidFill>
-                <a:effectLst/>
-                <a:latin typeface="Arial" panose="020B0604020202020204" pitchFamily="34" charset="0"/>
-              </a:rPr>
-              <a:t>Transformer </a:t>
-            </a:r>
-            <a:r>
-              <a:rPr lang="he-IL" sz="8800" i="0" u="none" strike="noStrike" dirty="0">
-                <a:solidFill>
-                  <a:srgbClr val="000000"/>
-                </a:solidFill>
-                <a:effectLst/>
-                <a:latin typeface="Arial" panose="020B0604020202020204" pitchFamily="34" charset="0"/>
-              </a:rPr>
-              <a:t> על מודלים של שפות. זאת בניגוד למאמצים קודמים שבדקו רצף טקסט משמאל לימין או אימון מימין לשמאל. תוצאות המאמר מראות שמודל שפה שאומן בשפה דו-כיוונית יכול להיות בעל תחושה עמוקה יותר של הקשר וזרימה של שפה מאשר מודלים של שפה חד-כיוונית. במאמר מפרטים החוקרים טכניקה חדשה בשם </a:t>
-            </a:r>
-            <a:r>
-              <a:rPr lang="en-US" sz="8800" i="0" u="none" strike="noStrike" dirty="0">
-                <a:solidFill>
-                  <a:srgbClr val="000000"/>
-                </a:solidFill>
-                <a:effectLst/>
-                <a:latin typeface="Arial" panose="020B0604020202020204" pitchFamily="34" charset="0"/>
-              </a:rPr>
-              <a:t>Masked LM (MLM) </a:t>
-            </a:r>
-            <a:r>
-              <a:rPr lang="he-IL" sz="8800" i="0" u="none" strike="noStrike" dirty="0">
-                <a:solidFill>
-                  <a:srgbClr val="000000"/>
-                </a:solidFill>
-                <a:effectLst/>
-                <a:latin typeface="Arial" panose="020B0604020202020204" pitchFamily="34" charset="0"/>
-              </a:rPr>
-              <a:t> המאפשרת אימון דו כיווני במודלים שבהם זה היה בלתי אפשרי בעבר.</a:t>
-            </a:r>
-            <a:endParaRPr lang="he-IL" sz="8800" dirty="0">
-              <a:effectLst/>
-            </a:endParaRPr>
-          </a:p>
-          <a:p>
-            <a:pPr algn="r" rtl="1">
-              <a:spcBef>
-                <a:spcPts val="1200"/>
-              </a:spcBef>
-              <a:spcAft>
-                <a:spcPts val="1200"/>
-              </a:spcAft>
-            </a:pPr>
-            <a:r>
-              <a:rPr lang="he-IL" sz="11200" b="1" i="0" u="sng" strike="noStrike" dirty="0">
-                <a:solidFill>
-                  <a:srgbClr val="000000"/>
-                </a:solidFill>
-                <a:effectLst/>
-                <a:latin typeface="Arial" panose="020B0604020202020204" pitchFamily="34" charset="0"/>
-              </a:rPr>
-              <a:t>אז איך הוא עובד ?</a:t>
-            </a:r>
-            <a:endParaRPr lang="he-IL" sz="11200" b="1" u="sng" dirty="0">
-              <a:effectLst/>
-            </a:endParaRPr>
-          </a:p>
-          <a:p>
-            <a:pPr algn="r" rtl="1">
-              <a:spcBef>
-                <a:spcPts val="1200"/>
-              </a:spcBef>
-              <a:spcAft>
-                <a:spcPts val="1200"/>
-              </a:spcAft>
-            </a:pPr>
-            <a:r>
-              <a:rPr lang="en-US" sz="8800" i="0" u="none" strike="noStrike" dirty="0">
-                <a:solidFill>
-                  <a:srgbClr val="000000"/>
-                </a:solidFill>
-                <a:effectLst/>
-                <a:latin typeface="Arial" panose="020B0604020202020204" pitchFamily="34" charset="0"/>
-              </a:rPr>
-              <a:t>BERT </a:t>
-            </a:r>
-            <a:r>
-              <a:rPr lang="he-IL" sz="8800" i="0" u="none" strike="noStrike" dirty="0">
-                <a:solidFill>
-                  <a:srgbClr val="000000"/>
-                </a:solidFill>
-                <a:effectLst/>
-                <a:latin typeface="Arial" panose="020B0604020202020204" pitchFamily="34" charset="0"/>
-              </a:rPr>
-              <a:t> עושה שימוש ב-</a:t>
-            </a:r>
-            <a:r>
-              <a:rPr lang="en-US" sz="8800" i="0" u="none" strike="noStrike" dirty="0">
-                <a:solidFill>
-                  <a:srgbClr val="000000"/>
-                </a:solidFill>
-                <a:effectLst/>
-                <a:latin typeface="Arial" panose="020B0604020202020204" pitchFamily="34" charset="0"/>
-              </a:rPr>
-              <a:t>Transformer </a:t>
-            </a:r>
-            <a:r>
-              <a:rPr lang="he-IL" sz="8800" dirty="0">
-                <a:solidFill>
-                  <a:srgbClr val="000000"/>
-                </a:solidFill>
-                <a:latin typeface="Arial" panose="020B0604020202020204" pitchFamily="34" charset="0"/>
-              </a:rPr>
-              <a:t>, </a:t>
-            </a:r>
-            <a:r>
-              <a:rPr lang="he-IL" sz="8800" i="0" u="none" strike="noStrike" dirty="0">
-                <a:solidFill>
-                  <a:srgbClr val="000000"/>
-                </a:solidFill>
-                <a:effectLst/>
-                <a:latin typeface="Arial" panose="020B0604020202020204" pitchFamily="34" charset="0"/>
-              </a:rPr>
-              <a:t>שזהו מנגנון קשב הלומד יחסים וקשרים בין </a:t>
-            </a:r>
-            <a:r>
-              <a:rPr lang="he-IL" sz="8800" i="0" u="none" strike="noStrike">
-                <a:solidFill>
-                  <a:srgbClr val="000000"/>
-                </a:solidFill>
-                <a:effectLst/>
-                <a:latin typeface="Arial" panose="020B0604020202020204" pitchFamily="34" charset="0"/>
-              </a:rPr>
-              <a:t>מילים </a:t>
-            </a:r>
-            <a:br>
-              <a:rPr lang="en-US" sz="8800">
-                <a:solidFill>
-                  <a:srgbClr val="000000"/>
-                </a:solidFill>
-                <a:latin typeface="Arial" panose="020B0604020202020204" pitchFamily="34" charset="0"/>
-              </a:rPr>
-            </a:br>
-            <a:r>
-              <a:rPr lang="he-IL" sz="8800" i="0" u="none" strike="noStrike">
-                <a:solidFill>
-                  <a:srgbClr val="000000"/>
-                </a:solidFill>
-                <a:effectLst/>
-                <a:latin typeface="Arial" panose="020B0604020202020204" pitchFamily="34" charset="0"/>
-              </a:rPr>
-              <a:t>(</a:t>
-            </a:r>
-            <a:r>
-              <a:rPr lang="he-IL" sz="8800" i="0" u="none" strike="noStrike" dirty="0">
-                <a:solidFill>
-                  <a:srgbClr val="000000"/>
-                </a:solidFill>
-                <a:effectLst/>
-                <a:latin typeface="Arial" panose="020B0604020202020204" pitchFamily="34" charset="0"/>
-              </a:rPr>
-              <a:t>או מילות משנה) בטקסט. </a:t>
-            </a:r>
-            <a:endParaRPr lang="he-IL" sz="8800" dirty="0">
-              <a:effectLst/>
-            </a:endParaRPr>
-          </a:p>
-          <a:p>
-            <a:pPr algn="r" rtl="1">
-              <a:spcBef>
-                <a:spcPts val="1200"/>
-              </a:spcBef>
-              <a:spcAft>
-                <a:spcPts val="1200"/>
-              </a:spcAft>
-            </a:pPr>
-            <a:r>
-              <a:rPr lang="en-US" sz="8800" i="0" u="none" strike="noStrike" dirty="0">
-                <a:solidFill>
-                  <a:srgbClr val="000000"/>
-                </a:solidFill>
-                <a:effectLst/>
-                <a:latin typeface="Arial" panose="020B0604020202020204" pitchFamily="34" charset="0"/>
-              </a:rPr>
-              <a:t>Transformer </a:t>
-            </a:r>
-            <a:r>
-              <a:rPr lang="he-IL" sz="8800" i="0" u="none" strike="noStrike" dirty="0">
-                <a:solidFill>
-                  <a:srgbClr val="000000"/>
-                </a:solidFill>
-                <a:effectLst/>
-                <a:latin typeface="Arial" panose="020B0604020202020204" pitchFamily="34" charset="0"/>
-              </a:rPr>
-              <a:t> כולל שני מנגנונים נפרדים - מקודד הקורא את קלט הטקסט, ומפענח שמייצר חיזוי למשימה. </a:t>
-            </a:r>
-            <a:br>
-              <a:rPr lang="he-IL" dirty="0"/>
-            </a:br>
-            <a:endParaRPr lang="en-IL" dirty="0"/>
-          </a:p>
-        </p:txBody>
-      </p:sp>
-      <p:sp>
-        <p:nvSpPr>
-          <p:cNvPr id="4" name="מלבן 3">
-            <a:extLst>
-              <a:ext uri="{FF2B5EF4-FFF2-40B4-BE49-F238E27FC236}">
-                <a16:creationId xmlns:a16="http://schemas.microsoft.com/office/drawing/2014/main" id="{D7581FDB-FE76-413E-A76A-AF987BAC7954}"/>
-              </a:ext>
-            </a:extLst>
-          </p:cNvPr>
-          <p:cNvSpPr/>
-          <p:nvPr/>
-        </p:nvSpPr>
-        <p:spPr>
-          <a:xfrm>
-            <a:off x="7616545" y="0"/>
-            <a:ext cx="4293163" cy="923330"/>
+            <a:off x="1682061" y="928985"/>
+            <a:ext cx="9304150" cy="1107996"/>
           </a:xfrm>
           <a:prstGeom prst="rect">
             <a:avLst/>
@@ -6091,7 +6797,7 @@
           <a:p>
             <a:pPr algn="ctr"/>
             <a:r>
-              <a:rPr lang="he-IL" sz="5400" b="1" cap="none" spc="0" dirty="0">
+              <a:rPr lang="he-IL" sz="6600" cap="none" spc="0" dirty="0">
                 <a:ln w="0"/>
                 <a:solidFill>
                   <a:schemeClr val="tx1"/>
@@ -6104,10 +6810,10 @@
                   </a:outerShdw>
                 </a:effectLst>
               </a:rPr>
-              <a:t>שיטה </a:t>
-            </a:r>
-            <a:r>
-              <a:rPr lang="he-IL" sz="5400" b="1" dirty="0">
+              <a:t>אז</a:t>
+            </a:r>
+            <a:r>
+              <a:rPr lang="he-IL" sz="6600" dirty="0">
                 <a:ln w="0"/>
                 <a:effectLst>
                   <a:outerShdw blurRad="38100" dist="19050" dir="2700000" algn="tl" rotWithShape="0">
@@ -6117,30 +6823,33 @@
                   </a:outerShdw>
                 </a:effectLst>
               </a:rPr>
-              <a:t>ראשונה:</a:t>
-            </a:r>
-            <a:endParaRPr lang="he-IL" sz="5400" b="1" cap="none" spc="0" dirty="0">
-              <a:ln w="0"/>
-              <a:solidFill>
-                <a:schemeClr val="tx1"/>
-              </a:solidFill>
-              <a:effectLst>
-                <a:outerShdw blurRad="38100" dist="19050" dir="2700000" algn="tl" rotWithShape="0">
-                  <a:schemeClr val="dk1">
-                    <a:alpha val="40000"/>
-                  </a:schemeClr>
-                </a:outerShdw>
-              </a:effectLst>
-            </a:endParaRPr>
+              <a:t> אילו שיטות קיימות </a:t>
+            </a:r>
+            <a:r>
+              <a:rPr lang="he-IL" sz="6600" cap="none" spc="0" dirty="0">
+                <a:ln w="0"/>
+                <a:solidFill>
+                  <a:schemeClr val="tx1"/>
+                </a:solidFill>
+                <a:effectLst>
+                  <a:outerShdw blurRad="38100" dist="19050" dir="2700000" algn="tl" rotWithShape="0">
+                    <a:schemeClr val="dk1">
+                      <a:alpha val="40000"/>
+                    </a:schemeClr>
+                  </a:outerShdw>
+                </a:effectLst>
+              </a:rPr>
+              <a:t>היום?</a:t>
+            </a:r>
           </a:p>
         </p:txBody>
       </p:sp>
       <p:pic>
         <p:nvPicPr>
-          <p:cNvPr id="6" name="תמונה 5">
-            <a:extLst>
-              <a:ext uri="{FF2B5EF4-FFF2-40B4-BE49-F238E27FC236}">
-                <a16:creationId xmlns:a16="http://schemas.microsoft.com/office/drawing/2014/main" id="{24588E40-235C-4505-817E-E642265EF7EC}"/>
+          <p:cNvPr id="6" name="תמונה 5" descr="זכוכית מגדלת וסימן שאלה">
+            <a:extLst>
+              <a:ext uri="{FF2B5EF4-FFF2-40B4-BE49-F238E27FC236}">
+                <a16:creationId xmlns:a16="http://schemas.microsoft.com/office/drawing/2014/main" id="{4074E691-61A2-490B-A982-D2DC94A61A2A}"/>
               </a:ext>
             </a:extLst>
           </p:cNvPr>
@@ -6163,8 +6872,8 @@
         </p:blipFill>
         <p:spPr>
           <a:xfrm>
-            <a:off x="0" y="0"/>
-            <a:ext cx="2074332" cy="1166812"/>
+            <a:off x="3867273" y="2371426"/>
+            <a:ext cx="4714752" cy="2652145"/>
           </a:xfrm>
           <a:prstGeom prst="rect">
             <a:avLst/>
@@ -6174,7 +6883,7 @@
     </p:spTree>
     <p:extLst>
       <p:ext uri="{BB962C8B-B14F-4D97-AF65-F5344CB8AC3E}">
-        <p14:creationId xmlns:p14="http://schemas.microsoft.com/office/powerpoint/2010/main" val="3935029123"/>
+        <p14:creationId xmlns:p14="http://schemas.microsoft.com/office/powerpoint/2010/main" val="2021347877"/>
       </p:ext>
     </p:extLst>
   </p:cSld>
@@ -6235,7 +6944,7 @@
           <p:cNvPr id="3" name="מציין מיקום תוכן 2">
             <a:extLst>
               <a:ext uri="{FF2B5EF4-FFF2-40B4-BE49-F238E27FC236}">
-                <a16:creationId xmlns:a16="http://schemas.microsoft.com/office/drawing/2014/main" id="{E3A0FA9F-7002-42E8-B1FC-FA599E99C007}"/>
+                <a16:creationId xmlns:a16="http://schemas.microsoft.com/office/drawing/2014/main" id="{8318D921-F593-46C9-8B2B-757E08B335CA}"/>
               </a:ext>
             </a:extLst>
           </p:cNvPr>
@@ -6248,468 +6957,442 @@
         </p:nvSpPr>
         <p:spPr>
           <a:xfrm>
-            <a:off x="1685365" y="760979"/>
-            <a:ext cx="10118254" cy="5410100"/>
+            <a:off x="209550" y="1047155"/>
+            <a:ext cx="11700158" cy="5734645"/>
           </a:xfrm>
         </p:spPr>
         <p:txBody>
           <a:bodyPr>
-            <a:noAutofit/>
+            <a:normAutofit fontScale="25000" lnSpcReduction="20000"/>
           </a:bodyPr>
           <a:lstStyle/>
           <a:p>
-            <a:pPr marL="0" indent="0" algn="r" rtl="1">
-              <a:spcBef>
-                <a:spcPts val="0"/>
-              </a:spcBef>
-              <a:spcAft>
-                <a:spcPts val="1200"/>
-              </a:spcAft>
-              <a:buNone/>
-            </a:pPr>
-            <a:r>
-              <a:rPr lang="en-US" b="1" i="0" u="none" strike="noStrike">
-                <a:solidFill>
-                  <a:srgbClr val="1A202C"/>
-                </a:solidFill>
-                <a:effectLst/>
-                <a:latin typeface="David" panose="020E0502060401010101" pitchFamily="34" charset="-79"/>
-                <a:cs typeface="David" panose="020E0502060401010101" pitchFamily="34" charset="-79"/>
-              </a:rPr>
-              <a:t>SpamGAN</a:t>
-            </a:r>
-            <a:r>
-              <a:rPr lang="he-IL" sz="2000">
-                <a:solidFill>
-                  <a:srgbClr val="1A202C"/>
-                </a:solidFill>
-                <a:latin typeface="David" panose="020E0502060401010101" pitchFamily="34" charset="-79"/>
-                <a:cs typeface="David" panose="020E0502060401010101" pitchFamily="34" charset="-79"/>
-              </a:rPr>
-              <a:t> </a:t>
-            </a:r>
-            <a:r>
-              <a:rPr lang="he-IL" sz="2000" dirty="0">
-                <a:solidFill>
-                  <a:srgbClr val="1A202C"/>
-                </a:solidFill>
-                <a:latin typeface="David" panose="020E0502060401010101" pitchFamily="34" charset="-79"/>
-                <a:cs typeface="David" panose="020E0502060401010101" pitchFamily="34" charset="-79"/>
-              </a:rPr>
-              <a:t>- </a:t>
-            </a:r>
-            <a:r>
-              <a:rPr lang="he-IL" sz="2000" i="0" u="none" strike="noStrike" dirty="0">
-                <a:solidFill>
-                  <a:srgbClr val="1A202C"/>
-                </a:solidFill>
-                <a:effectLst/>
-                <a:latin typeface="David" panose="020E0502060401010101" pitchFamily="34" charset="-79"/>
-                <a:cs typeface="David" panose="020E0502060401010101" pitchFamily="34" charset="-79"/>
-              </a:rPr>
-              <a:t>רשת נוירונים הבנויה מ-2 חלקים:</a:t>
-            </a:r>
-          </a:p>
-          <a:p>
-            <a:pPr marL="0" indent="0" algn="r" rtl="1">
-              <a:spcBef>
-                <a:spcPts val="0"/>
-              </a:spcBef>
-              <a:spcAft>
-                <a:spcPts val="1200"/>
-              </a:spcAft>
-              <a:buNone/>
-            </a:pPr>
-            <a:r>
-              <a:rPr lang="he-IL" sz="2000" dirty="0">
-                <a:solidFill>
-                  <a:srgbClr val="1A202C"/>
-                </a:solidFill>
-                <a:latin typeface="David" panose="020E0502060401010101" pitchFamily="34" charset="-79"/>
-                <a:cs typeface="David" panose="020E0502060401010101" pitchFamily="34" charset="-79"/>
-              </a:rPr>
-              <a:t>     </a:t>
-            </a:r>
-            <a:r>
-              <a:rPr lang="he-IL" sz="2000" i="0" u="none" strike="noStrike" dirty="0">
-                <a:solidFill>
-                  <a:srgbClr val="1A202C"/>
-                </a:solidFill>
-                <a:effectLst/>
-                <a:latin typeface="David" panose="020E0502060401010101" pitchFamily="34" charset="-79"/>
-                <a:cs typeface="David" panose="020E0502060401010101" pitchFamily="34" charset="-79"/>
-              </a:rPr>
-              <a:t> </a:t>
-            </a:r>
-            <a:r>
-              <a:rPr lang="he-IL" sz="2000" i="0" u="sng" strike="noStrike" dirty="0">
-                <a:solidFill>
-                  <a:srgbClr val="1A202C"/>
-                </a:solidFill>
-                <a:effectLst/>
-                <a:latin typeface="David" panose="020E0502060401010101" pitchFamily="34" charset="-79"/>
-                <a:cs typeface="David" panose="020E0502060401010101" pitchFamily="34" charset="-79"/>
-              </a:rPr>
-              <a:t>גנרטור</a:t>
-            </a:r>
-            <a:r>
-              <a:rPr lang="he-IL" sz="2000" i="0" u="none" strike="noStrike" dirty="0">
-                <a:solidFill>
-                  <a:srgbClr val="1A202C"/>
-                </a:solidFill>
-                <a:effectLst/>
-                <a:latin typeface="David" panose="020E0502060401010101" pitchFamily="34" charset="-79"/>
-                <a:cs typeface="David" panose="020E0502060401010101" pitchFamily="34" charset="-79"/>
-              </a:rPr>
-              <a:t> - החלק שאחראי על ייצור דוגמאות חדשות. </a:t>
-            </a:r>
-          </a:p>
-          <a:p>
-            <a:pPr marL="0" indent="0" algn="r" rtl="1">
-              <a:spcBef>
-                <a:spcPts val="0"/>
-              </a:spcBef>
-              <a:spcAft>
-                <a:spcPts val="1200"/>
-              </a:spcAft>
-              <a:buNone/>
-            </a:pPr>
-            <a:r>
-              <a:rPr lang="he-IL" sz="2000" dirty="0">
-                <a:solidFill>
-                  <a:srgbClr val="1A202C"/>
-                </a:solidFill>
-                <a:latin typeface="David" panose="020E0502060401010101" pitchFamily="34" charset="-79"/>
-                <a:cs typeface="David" panose="020E0502060401010101" pitchFamily="34" charset="-79"/>
-              </a:rPr>
-              <a:t>     </a:t>
-            </a:r>
-            <a:r>
-              <a:rPr lang="he-IL" sz="2000" i="0" u="sng" strike="noStrike" dirty="0">
-                <a:solidFill>
-                  <a:srgbClr val="1A202C"/>
-                </a:solidFill>
-                <a:effectLst/>
-                <a:latin typeface="David" panose="020E0502060401010101" pitchFamily="34" charset="-79"/>
-                <a:cs typeface="David" panose="020E0502060401010101" pitchFamily="34" charset="-79"/>
-              </a:rPr>
-              <a:t>דיסקרימינטור</a:t>
-            </a:r>
-            <a:r>
-              <a:rPr lang="he-IL" sz="2000" i="0" u="none" strike="noStrike" dirty="0">
-                <a:solidFill>
-                  <a:srgbClr val="1A202C"/>
-                </a:solidFill>
-                <a:effectLst/>
-                <a:latin typeface="David" panose="020E0502060401010101" pitchFamily="34" charset="-79"/>
-                <a:cs typeface="David" panose="020E0502060401010101" pitchFamily="34" charset="-79"/>
-              </a:rPr>
-              <a:t> - פונקציה שמטרתה להחליט האם הטקסט הוא אמיתי או מלאכותי.</a:t>
-            </a:r>
-          </a:p>
-          <a:p>
-            <a:pPr marL="0" indent="0" algn="r" rtl="1">
-              <a:spcBef>
-                <a:spcPts val="0"/>
-              </a:spcBef>
-              <a:spcAft>
-                <a:spcPts val="1200"/>
-              </a:spcAft>
-              <a:buNone/>
-            </a:pPr>
-            <a:r>
-              <a:rPr lang="he-IL" sz="2000" i="0" u="none" strike="noStrike" dirty="0">
-                <a:solidFill>
-                  <a:srgbClr val="1A202C"/>
-                </a:solidFill>
-                <a:effectLst/>
-                <a:latin typeface="David" panose="020E0502060401010101" pitchFamily="34" charset="-79"/>
-                <a:cs typeface="David" panose="020E0502060401010101" pitchFamily="34" charset="-79"/>
-              </a:rPr>
-              <a:t>     מודלים אלו מאומנים על מאגר מידע מתויג </a:t>
-            </a:r>
-            <a:r>
-              <a:rPr lang="he-IL" sz="2000" i="0" u="none" strike="noStrike">
-                <a:solidFill>
-                  <a:srgbClr val="1A202C"/>
-                </a:solidFill>
-                <a:effectLst/>
-                <a:latin typeface="David" panose="020E0502060401010101" pitchFamily="34" charset="-79"/>
-                <a:cs typeface="David" panose="020E0502060401010101" pitchFamily="34" charset="-79"/>
-              </a:rPr>
-              <a:t>מצומצם.</a:t>
-            </a:r>
-            <a:endParaRPr lang="he-IL" sz="2000" dirty="0">
-              <a:effectLst/>
-              <a:latin typeface="David" panose="020E0502060401010101" pitchFamily="34" charset="-79"/>
-              <a:cs typeface="David" panose="020E0502060401010101" pitchFamily="34" charset="-79"/>
-            </a:endParaRPr>
-          </a:p>
-          <a:p>
             <a:pPr algn="r" rtl="1">
               <a:spcBef>
-                <a:spcPts val="0"/>
+                <a:spcPts val="1200"/>
               </a:spcBef>
               <a:spcAft>
                 <a:spcPts val="1200"/>
               </a:spcAft>
             </a:pPr>
             <a:r>
-              <a:rPr lang="he-IL" sz="2000" i="0" u="none" strike="noStrike">
-                <a:solidFill>
-                  <a:srgbClr val="1A202C"/>
+              <a:rPr lang="he-IL" sz="8800" i="0" u="none" strike="noStrike" dirty="0">
+                <a:solidFill>
+                  <a:srgbClr val="000000"/>
                 </a:solidFill>
                 <a:effectLst/>
-                <a:latin typeface="David" panose="020E0502060401010101" pitchFamily="34" charset="-79"/>
-                <a:cs typeface="David" panose="020E0502060401010101" pitchFamily="34" charset="-79"/>
-              </a:rPr>
-              <a:t>הודעות ספאם שנשלחות באמצעות הודעות </a:t>
-            </a:r>
-            <a:r>
-              <a:rPr lang="en-US" sz="2000" i="0" u="none" strike="noStrike">
-                <a:solidFill>
-                  <a:srgbClr val="1A202C"/>
-                </a:solidFill>
-                <a:effectLst/>
-                <a:latin typeface="David" panose="020E0502060401010101" pitchFamily="34" charset="-79"/>
-                <a:cs typeface="David" panose="020E0502060401010101" pitchFamily="34" charset="-79"/>
-              </a:rPr>
-              <a:t>SMS</a:t>
-            </a:r>
-            <a:r>
-              <a:rPr lang="he-IL" sz="2000" i="0" u="none" strike="noStrike">
-                <a:solidFill>
-                  <a:srgbClr val="1A202C"/>
-                </a:solidFill>
-                <a:effectLst/>
-                <a:latin typeface="David" panose="020E0502060401010101" pitchFamily="34" charset="-79"/>
-                <a:cs typeface="David" panose="020E0502060401010101" pitchFamily="34" charset="-79"/>
-              </a:rPr>
-              <a:t> </a:t>
-            </a:r>
-            <a:r>
-              <a:rPr lang="en-US" sz="2000" i="0" u="none" strike="noStrike">
-                <a:solidFill>
-                  <a:srgbClr val="1A202C"/>
-                </a:solidFill>
-                <a:effectLst/>
-                <a:latin typeface="David" panose="020E0502060401010101" pitchFamily="34" charset="-79"/>
-                <a:cs typeface="David" panose="020E0502060401010101" pitchFamily="34" charset="-79"/>
-              </a:rPr>
-              <a:t> </a:t>
-            </a:r>
-            <a:r>
-              <a:rPr lang="he-IL" sz="2000" i="0" u="none" strike="noStrike">
-                <a:solidFill>
-                  <a:srgbClr val="1A202C"/>
-                </a:solidFill>
-                <a:effectLst/>
-                <a:latin typeface="David" panose="020E0502060401010101" pitchFamily="34" charset="-79"/>
-                <a:cs typeface="David" panose="020E0502060401010101" pitchFamily="34" charset="-79"/>
-              </a:rPr>
-              <a:t>הן קשות לזיהוי בגלל המחסור היחסי של מאגרי נתונים מתויגים. </a:t>
-            </a:r>
-            <a:br>
-              <a:rPr lang="en-US" sz="2000">
-                <a:solidFill>
-                  <a:srgbClr val="1A202C"/>
-                </a:solidFill>
-                <a:latin typeface="David" panose="020E0502060401010101" pitchFamily="34" charset="-79"/>
-                <a:cs typeface="David" panose="020E0502060401010101" pitchFamily="34" charset="-79"/>
-              </a:rPr>
-            </a:br>
-            <a:r>
-              <a:rPr lang="he-IL" sz="2000" i="0" u="none" strike="noStrike">
-                <a:solidFill>
-                  <a:srgbClr val="1A202C"/>
-                </a:solidFill>
-                <a:effectLst/>
-                <a:latin typeface="David" panose="020E0502060401010101" pitchFamily="34" charset="-79"/>
-                <a:cs typeface="David" panose="020E0502060401010101" pitchFamily="34" charset="-79"/>
-              </a:rPr>
-              <a:t>לכן, הגישה </a:t>
-            </a:r>
-            <a:r>
-              <a:rPr lang="he-IL" sz="2000" i="0" u="none" strike="noStrike" dirty="0">
-                <a:solidFill>
-                  <a:srgbClr val="1A202C"/>
-                </a:solidFill>
-                <a:effectLst/>
-                <a:latin typeface="David" panose="020E0502060401010101" pitchFamily="34" charset="-79"/>
-                <a:cs typeface="David" panose="020E0502060401010101" pitchFamily="34" charset="-79"/>
-              </a:rPr>
-              <a:t>נשענת על טכניקה שנקראת "</a:t>
-            </a:r>
-            <a:r>
-              <a:rPr lang="en-US" sz="2000" i="0" u="none" strike="noStrike" dirty="0">
-                <a:solidFill>
-                  <a:srgbClr val="1A202C"/>
-                </a:solidFill>
-                <a:effectLst/>
-                <a:latin typeface="David" panose="020E0502060401010101" pitchFamily="34" charset="-79"/>
-                <a:cs typeface="David" panose="020E0502060401010101" pitchFamily="34" charset="-79"/>
-              </a:rPr>
-              <a:t>semi-supervised learning</a:t>
-            </a:r>
-            <a:r>
-              <a:rPr lang="he-IL" sz="2000" i="0" u="none" strike="noStrike">
-                <a:solidFill>
-                  <a:srgbClr val="1A202C"/>
-                </a:solidFill>
-                <a:effectLst/>
-                <a:latin typeface="David" panose="020E0502060401010101" pitchFamily="34" charset="-79"/>
-                <a:cs typeface="David" panose="020E0502060401010101" pitchFamily="34" charset="-79"/>
-              </a:rPr>
-              <a:t>" </a:t>
-            </a:r>
+                <a:latin typeface="Arial" panose="020B0604020202020204" pitchFamily="34" charset="0"/>
+              </a:rPr>
+              <a:t>שימוש במודלים לניתוח שפות טבעיות למטרות קלסיפיקציה.</a:t>
+            </a:r>
+            <a:endParaRPr lang="he-IL" sz="8800" dirty="0">
+              <a:effectLst/>
+            </a:endParaRPr>
           </a:p>
           <a:p>
             <a:pPr algn="r" rtl="1">
               <a:spcBef>
-                <a:spcPts val="0"/>
+                <a:spcPts val="1200"/>
               </a:spcBef>
               <a:spcAft>
                 <a:spcPts val="1200"/>
               </a:spcAft>
             </a:pPr>
             <a:r>
-              <a:rPr lang="he-IL" sz="2000" i="0" u="none" strike="noStrike">
-                <a:solidFill>
-                  <a:srgbClr val="1A202C"/>
+              <a:rPr lang="he-IL" sz="8800" i="0" u="none" strike="noStrike" dirty="0">
+                <a:solidFill>
+                  <a:srgbClr val="000000"/>
                 </a:solidFill>
                 <a:effectLst/>
-                <a:latin typeface="David" panose="020E0502060401010101" pitchFamily="34" charset="-79"/>
-                <a:cs typeface="David" panose="020E0502060401010101" pitchFamily="34" charset="-79"/>
-              </a:rPr>
-              <a:t>רכיב </a:t>
-            </a:r>
-            <a:r>
-              <a:rPr lang="he-IL" sz="2000" i="0" u="none" strike="noStrike" dirty="0">
-                <a:solidFill>
-                  <a:srgbClr val="1A202C"/>
+                <a:latin typeface="Arial" panose="020B0604020202020204" pitchFamily="34" charset="0"/>
+              </a:rPr>
+              <a:t>בתור אלגוריתם בסיסי להשוואה השתמשנו במודל </a:t>
+            </a:r>
+            <a:r>
+              <a:rPr lang="en-US" sz="8800" b="1" i="0" u="none" strike="noStrike" dirty="0">
+                <a:solidFill>
+                  <a:srgbClr val="000000"/>
                 </a:solidFill>
                 <a:effectLst/>
-                <a:latin typeface="David" panose="020E0502060401010101" pitchFamily="34" charset="-79"/>
-                <a:cs typeface="David" panose="020E0502060401010101" pitchFamily="34" charset="-79"/>
-              </a:rPr>
-              <a:t>הגנרטור של </a:t>
-            </a:r>
-            <a:r>
-              <a:rPr lang="en-US" sz="2000" i="0" u="none" strike="noStrike" dirty="0">
-                <a:solidFill>
-                  <a:srgbClr val="1A202C"/>
+                <a:latin typeface="Arial" panose="020B0604020202020204" pitchFamily="34" charset="0"/>
+              </a:rPr>
+              <a:t>BERT</a:t>
+            </a:r>
+            <a:r>
+              <a:rPr lang="en-US" sz="8800" i="0" u="none" strike="noStrike" dirty="0">
+                <a:solidFill>
+                  <a:srgbClr val="000000"/>
                 </a:solidFill>
                 <a:effectLst/>
-                <a:latin typeface="David" panose="020E0502060401010101" pitchFamily="34" charset="-79"/>
-                <a:cs typeface="David" panose="020E0502060401010101" pitchFamily="34" charset="-79"/>
-              </a:rPr>
-              <a:t>spamGAN </a:t>
-            </a:r>
-            <a:r>
-              <a:rPr lang="he-IL" sz="2000" i="0" u="none" strike="noStrike" dirty="0">
-                <a:solidFill>
-                  <a:srgbClr val="1A202C"/>
+                <a:latin typeface="Arial" panose="020B0604020202020204" pitchFamily="34" charset="0"/>
+              </a:rPr>
+              <a:t> </a:t>
+            </a:r>
+            <a:r>
+              <a:rPr lang="he-IL" sz="8800" i="0" u="none" strike="noStrike" dirty="0">
+                <a:solidFill>
+                  <a:srgbClr val="000000"/>
                 </a:solidFill>
                 <a:effectLst/>
-                <a:latin typeface="David" panose="020E0502060401010101" pitchFamily="34" charset="-79"/>
-                <a:cs typeface="David" panose="020E0502060401010101" pitchFamily="34" charset="-79"/>
-              </a:rPr>
-              <a:t> מייצא משפטים חדשים, בהינתן קלט של סוג המחלקה ולאחר מכן הדיסקרימינטור מנסה לסווג את המשפטים החדשים בתור אמיתי או </a:t>
-            </a:r>
-            <a:r>
-              <a:rPr lang="he-IL" sz="2000" i="0" u="none" strike="noStrike">
-                <a:solidFill>
-                  <a:srgbClr val="1A202C"/>
+                <a:latin typeface="Arial" panose="020B0604020202020204" pitchFamily="34" charset="0"/>
+              </a:rPr>
+              <a:t> הפותח על ידי חוקרים של חברת </a:t>
+            </a:r>
+            <a:r>
+              <a:rPr lang="en-US" sz="8800" i="0" u="none" strike="noStrike" dirty="0">
+                <a:solidFill>
+                  <a:srgbClr val="000000"/>
                 </a:solidFill>
                 <a:effectLst/>
-                <a:latin typeface="David" panose="020E0502060401010101" pitchFamily="34" charset="-79"/>
-                <a:cs typeface="David" panose="020E0502060401010101" pitchFamily="34" charset="-79"/>
-              </a:rPr>
-              <a:t>מזויף </a:t>
-            </a:r>
-            <a:endParaRPr lang="en-US" sz="2000">
-              <a:solidFill>
-                <a:srgbClr val="1A202C"/>
-              </a:solidFill>
-              <a:latin typeface="David" panose="020E0502060401010101" pitchFamily="34" charset="-79"/>
-              <a:cs typeface="David" panose="020E0502060401010101" pitchFamily="34" charset="-79"/>
+                <a:latin typeface="Arial" panose="020B0604020202020204" pitchFamily="34" charset="0"/>
+              </a:rPr>
+              <a:t>Google</a:t>
+            </a:r>
+            <a:r>
+              <a:rPr lang="he-IL" sz="8800" i="0" u="none" strike="noStrike" dirty="0">
+                <a:solidFill>
+                  <a:srgbClr val="000000"/>
+                </a:solidFill>
+                <a:effectLst/>
+                <a:latin typeface="Arial" panose="020B0604020202020204" pitchFamily="34" charset="0"/>
+              </a:rPr>
+              <a:t>.</a:t>
+            </a:r>
+            <a:endParaRPr lang="en-US" sz="8800" dirty="0">
+              <a:effectLst/>
             </a:endParaRPr>
           </a:p>
           <a:p>
             <a:pPr algn="r" rtl="1">
               <a:spcBef>
-                <a:spcPts val="0"/>
+                <a:spcPts val="1200"/>
               </a:spcBef>
               <a:spcAft>
                 <a:spcPts val="1200"/>
               </a:spcAft>
             </a:pPr>
             <a:r>
-              <a:rPr lang="he-IL" sz="2000" i="0" u="none" strike="noStrike">
-                <a:solidFill>
-                  <a:srgbClr val="1A202C"/>
+              <a:rPr lang="en-US" sz="8800" i="0" u="none" strike="noStrike" dirty="0">
+                <a:solidFill>
+                  <a:srgbClr val="000000"/>
                 </a:solidFill>
                 <a:effectLst/>
-                <a:latin typeface="David" panose="020E0502060401010101" pitchFamily="34" charset="-79"/>
-                <a:cs typeface="David" panose="020E0502060401010101" pitchFamily="34" charset="-79"/>
-              </a:rPr>
-              <a:t>כיצד אימנו את הדיסקרימינטור? </a:t>
-            </a:r>
-            <a:r>
-              <a:rPr lang="he-IL" sz="2000" i="0" u="none" strike="noStrike" dirty="0">
-                <a:solidFill>
-                  <a:srgbClr val="1A202C"/>
+                <a:latin typeface="Arial" panose="020B0604020202020204" pitchFamily="34" charset="0"/>
+              </a:rPr>
+              <a:t>BERT</a:t>
+            </a:r>
+            <a:r>
+              <a:rPr lang="he-IL" sz="8800" dirty="0">
+                <a:solidFill>
+                  <a:srgbClr val="000000"/>
+                </a:solidFill>
+                <a:latin typeface="Arial" panose="020B0604020202020204" pitchFamily="34" charset="0"/>
+              </a:rPr>
+              <a:t> (</a:t>
+            </a:r>
+            <a:r>
+              <a:rPr lang="en-US" sz="8800" i="0" u="none" strike="noStrike" dirty="0">
+                <a:solidFill>
+                  <a:srgbClr val="000000"/>
                 </a:solidFill>
                 <a:effectLst/>
-                <a:latin typeface="David" panose="020E0502060401010101" pitchFamily="34" charset="-79"/>
-                <a:cs typeface="David" panose="020E0502060401010101" pitchFamily="34" charset="-79"/>
-              </a:rPr>
-              <a:t>עם מקבצים של משפטים אמיתיים מתויגים, משפטים לא מתויגים אמיתיים ומשפטים מזויפים. לאחר מכן</a:t>
-            </a:r>
-            <a:r>
-              <a:rPr lang="he-IL" sz="2000" i="0" u="none" strike="noStrike">
-                <a:solidFill>
-                  <a:srgbClr val="1A202C"/>
+                <a:latin typeface="Arial" panose="020B0604020202020204" pitchFamily="34" charset="0"/>
+              </a:rPr>
+              <a:t>Bidirectional Encoder Representations from Transformers </a:t>
+            </a:r>
+            <a:r>
+              <a:rPr lang="he-IL" sz="8800" i="0" u="none" strike="noStrike" dirty="0">
+                <a:solidFill>
+                  <a:srgbClr val="000000"/>
                 </a:solidFill>
                 <a:effectLst/>
-                <a:latin typeface="David" panose="020E0502060401010101" pitchFamily="34" charset="-79"/>
-                <a:cs typeface="David" panose="020E0502060401010101" pitchFamily="34" charset="-79"/>
-              </a:rPr>
-              <a:t>, הזינו </a:t>
-            </a:r>
-            <a:r>
-              <a:rPr lang="he-IL" sz="2000" i="0" u="none" strike="noStrike" dirty="0">
-                <a:solidFill>
-                  <a:srgbClr val="1A202C"/>
+                <a:latin typeface="Arial" panose="020B0604020202020204" pitchFamily="34" charset="0"/>
+              </a:rPr>
+              <a:t>)</a:t>
+            </a:r>
+            <a:r>
+              <a:rPr lang="he-IL" sz="8800" dirty="0">
+                <a:solidFill>
+                  <a:srgbClr val="000000"/>
+                </a:solidFill>
+                <a:latin typeface="Arial" panose="020B0604020202020204" pitchFamily="34" charset="0"/>
+              </a:rPr>
+              <a:t>: </a:t>
+            </a:r>
+            <a:r>
+              <a:rPr lang="he-IL" sz="8800" i="0" u="none" strike="noStrike" dirty="0">
+                <a:solidFill>
+                  <a:srgbClr val="000000"/>
                 </a:solidFill>
                 <a:effectLst/>
-                <a:latin typeface="David" panose="020E0502060401010101" pitchFamily="34" charset="-79"/>
-                <a:cs typeface="David" panose="020E0502060401010101" pitchFamily="34" charset="-79"/>
-              </a:rPr>
-              <a:t>לתוך המודל 80 אחוז ממאגר המידע המכיל 1600 דוגמאות, מתוכן בערך 800 הם למעשה ביקורות אמיתיות ו-800 </a:t>
-            </a:r>
-            <a:r>
-              <a:rPr lang="he-IL" sz="2000" i="0" u="none" strike="noStrike">
-                <a:solidFill>
-                  <a:srgbClr val="1A202C"/>
+                <a:latin typeface="Arial" panose="020B0604020202020204" pitchFamily="34" charset="0"/>
+              </a:rPr>
+              <a:t>הוא מאמר שפורסם בשנת 2018 על ידי חוקרים ב-</a:t>
+            </a:r>
+            <a:r>
+              <a:rPr lang="en-US" sz="8800" i="0" u="none" strike="noStrike" dirty="0">
+                <a:solidFill>
+                  <a:srgbClr val="000000"/>
                 </a:solidFill>
                 <a:effectLst/>
-                <a:latin typeface="David" panose="020E0502060401010101" pitchFamily="34" charset="-79"/>
-                <a:cs typeface="David" panose="020E0502060401010101" pitchFamily="34" charset="-79"/>
-              </a:rPr>
-              <a:t>ביקורות מזויפות</a:t>
+                <a:latin typeface="Arial" panose="020B0604020202020204" pitchFamily="34" charset="0"/>
+              </a:rPr>
+              <a:t>Google AI Language.  </a:t>
+            </a:r>
+            <a:r>
+              <a:rPr lang="he-IL" sz="8800" i="0" u="none" strike="noStrike" dirty="0">
+                <a:solidFill>
+                  <a:srgbClr val="000000"/>
+                </a:solidFill>
+                <a:effectLst/>
+                <a:latin typeface="Arial" panose="020B0604020202020204" pitchFamily="34" charset="0"/>
+              </a:rPr>
+              <a:t> שהציג תוצאות מתקדמות במגוון רחב של משימות</a:t>
+            </a:r>
+            <a:r>
+              <a:rPr lang="en-US" sz="8800" i="0" u="none" strike="noStrike" dirty="0">
+                <a:solidFill>
+                  <a:srgbClr val="000000"/>
+                </a:solidFill>
+                <a:effectLst/>
+                <a:latin typeface="Arial" panose="020B0604020202020204" pitchFamily="34" charset="0"/>
+              </a:rPr>
+              <a:t>NLP </a:t>
+            </a:r>
+            <a:r>
+              <a:rPr lang="he-IL" sz="8800" i="0" u="none" strike="noStrike" dirty="0">
+                <a:solidFill>
+                  <a:srgbClr val="000000"/>
+                </a:solidFill>
+                <a:effectLst/>
+                <a:latin typeface="Arial" panose="020B0604020202020204" pitchFamily="34" charset="0"/>
+              </a:rPr>
+              <a:t> (למידה עמוקה ושפות טבעיות).</a:t>
+            </a:r>
+            <a:endParaRPr lang="he-IL" sz="8800" dirty="0">
+              <a:effectLst/>
+            </a:endParaRPr>
+          </a:p>
+          <a:p>
+            <a:pPr algn="r" rtl="1">
+              <a:spcBef>
+                <a:spcPts val="1200"/>
+              </a:spcBef>
+              <a:spcAft>
+                <a:spcPts val="1200"/>
+              </a:spcAft>
+            </a:pPr>
+            <a:r>
+              <a:rPr lang="he-IL" sz="8800" i="0" u="none" strike="noStrike" dirty="0">
+                <a:solidFill>
+                  <a:srgbClr val="000000"/>
+                </a:solidFill>
+                <a:effectLst/>
+                <a:latin typeface="Arial" panose="020B0604020202020204" pitchFamily="34" charset="0"/>
+              </a:rPr>
+              <a:t>החידוש הטכני העיקרי של </a:t>
+            </a:r>
+            <a:r>
+              <a:rPr lang="en-US" sz="8800" i="0" u="none" strike="noStrike" dirty="0">
+                <a:solidFill>
+                  <a:srgbClr val="000000"/>
+                </a:solidFill>
+                <a:effectLst/>
+                <a:latin typeface="Arial" panose="020B0604020202020204" pitchFamily="34" charset="0"/>
+              </a:rPr>
+              <a:t>BERT </a:t>
+            </a:r>
+            <a:r>
+              <a:rPr lang="he-IL" sz="8800" i="0" u="none" strike="noStrike" dirty="0">
+                <a:solidFill>
+                  <a:srgbClr val="000000"/>
+                </a:solidFill>
+                <a:effectLst/>
+                <a:latin typeface="Arial" panose="020B0604020202020204" pitchFamily="34" charset="0"/>
+              </a:rPr>
+              <a:t> הוא יישום ההדרכה הדו-כיוונית של</a:t>
+            </a:r>
+            <a:r>
+              <a:rPr lang="en-US" sz="8800" i="0" u="none" strike="noStrike" dirty="0">
+                <a:solidFill>
+                  <a:srgbClr val="000000"/>
+                </a:solidFill>
+                <a:effectLst/>
+                <a:latin typeface="Arial" panose="020B0604020202020204" pitchFamily="34" charset="0"/>
+              </a:rPr>
+              <a:t>Transformer </a:t>
+            </a:r>
+            <a:r>
+              <a:rPr lang="he-IL" sz="8800" i="0" u="none" strike="noStrike" dirty="0">
+                <a:solidFill>
+                  <a:srgbClr val="000000"/>
+                </a:solidFill>
+                <a:effectLst/>
+                <a:latin typeface="Arial" panose="020B0604020202020204" pitchFamily="34" charset="0"/>
+              </a:rPr>
+              <a:t> על מודלים של שפות. זאת בניגוד למאמצים קודמים שבדקו רצף טקסט משמאל לימין או אימון מימין לשמאל. תוצאות המאמר מראות שמודל שפה שאומן בשפה דו-כיוונית יכול להיות בעל תחושה עמוקה יותר של הקשר וזרימה של שפה מאשר מודלים של שפה חד-כיוונית. במאמר מפרטים החוקרים טכניקה חדשה בשם </a:t>
+            </a:r>
+            <a:r>
+              <a:rPr lang="en-US" sz="8800" i="0" u="none" strike="noStrike" dirty="0">
+                <a:solidFill>
+                  <a:srgbClr val="000000"/>
+                </a:solidFill>
+                <a:effectLst/>
+                <a:latin typeface="Arial" panose="020B0604020202020204" pitchFamily="34" charset="0"/>
+              </a:rPr>
+              <a:t>Masked LM (MLM) </a:t>
+            </a:r>
+            <a:r>
+              <a:rPr lang="he-IL" sz="8800" i="0" u="none" strike="noStrike" dirty="0">
+                <a:solidFill>
+                  <a:srgbClr val="000000"/>
+                </a:solidFill>
+                <a:effectLst/>
+                <a:latin typeface="Arial" panose="020B0604020202020204" pitchFamily="34" charset="0"/>
+              </a:rPr>
+              <a:t> המאפשרת אימון דו כיווני במודלים שבהם זה היה בלתי אפשרי בעבר.</a:t>
+            </a:r>
+            <a:endParaRPr lang="he-IL" sz="8800" dirty="0">
+              <a:effectLst/>
+            </a:endParaRPr>
+          </a:p>
+          <a:p>
+            <a:pPr algn="r" rtl="1">
+              <a:spcBef>
+                <a:spcPts val="1200"/>
+              </a:spcBef>
+              <a:spcAft>
+                <a:spcPts val="1200"/>
+              </a:spcAft>
+            </a:pPr>
+            <a:r>
+              <a:rPr lang="he-IL" sz="11200" b="1" i="0" u="sng" strike="noStrike" dirty="0">
+                <a:solidFill>
+                  <a:srgbClr val="000000"/>
+                </a:solidFill>
+                <a:effectLst/>
+                <a:latin typeface="Arial" panose="020B0604020202020204" pitchFamily="34" charset="0"/>
+              </a:rPr>
+              <a:t>אז איך הוא עובד ?</a:t>
+            </a:r>
+            <a:endParaRPr lang="he-IL" sz="11200" b="1" u="sng" dirty="0">
+              <a:effectLst/>
+            </a:endParaRPr>
+          </a:p>
+          <a:p>
+            <a:pPr algn="r" rtl="1">
+              <a:spcBef>
+                <a:spcPts val="1200"/>
+              </a:spcBef>
+              <a:spcAft>
+                <a:spcPts val="1200"/>
+              </a:spcAft>
+            </a:pPr>
+            <a:r>
+              <a:rPr lang="en-US" sz="8800" i="0" u="none" strike="noStrike" dirty="0">
+                <a:solidFill>
+                  <a:srgbClr val="000000"/>
+                </a:solidFill>
+                <a:effectLst/>
+                <a:latin typeface="Arial" panose="020B0604020202020204" pitchFamily="34" charset="0"/>
+              </a:rPr>
+              <a:t>BERT </a:t>
+            </a:r>
+            <a:r>
+              <a:rPr lang="he-IL" sz="8800" i="0" u="none" strike="noStrike" dirty="0">
+                <a:solidFill>
+                  <a:srgbClr val="000000"/>
+                </a:solidFill>
+                <a:effectLst/>
+                <a:latin typeface="Arial" panose="020B0604020202020204" pitchFamily="34" charset="0"/>
+              </a:rPr>
+              <a:t> עושה שימוש ב-</a:t>
+            </a:r>
+            <a:r>
+              <a:rPr lang="en-US" sz="8800" i="0" u="none" strike="noStrike" dirty="0">
+                <a:solidFill>
+                  <a:srgbClr val="000000"/>
+                </a:solidFill>
+                <a:effectLst/>
+                <a:latin typeface="Arial" panose="020B0604020202020204" pitchFamily="34" charset="0"/>
+              </a:rPr>
+              <a:t>Transformer </a:t>
+            </a:r>
+            <a:r>
+              <a:rPr lang="he-IL" sz="8800" dirty="0">
+                <a:solidFill>
+                  <a:srgbClr val="000000"/>
+                </a:solidFill>
+                <a:latin typeface="Arial" panose="020B0604020202020204" pitchFamily="34" charset="0"/>
+              </a:rPr>
+              <a:t>, </a:t>
+            </a:r>
+            <a:r>
+              <a:rPr lang="he-IL" sz="8800" i="0" u="none" strike="noStrike" dirty="0">
+                <a:solidFill>
+                  <a:srgbClr val="000000"/>
+                </a:solidFill>
+                <a:effectLst/>
+                <a:latin typeface="Arial" panose="020B0604020202020204" pitchFamily="34" charset="0"/>
+              </a:rPr>
+              <a:t>שזהו מנגנון קשב הלומד יחסים וקשרים בין מילים </a:t>
             </a:r>
             <a:br>
-              <a:rPr lang="en-US" sz="2000" dirty="0">
-                <a:latin typeface="David" panose="020E0502060401010101" pitchFamily="34" charset="-79"/>
-                <a:cs typeface="David" panose="020E0502060401010101" pitchFamily="34" charset="-79"/>
+              <a:rPr lang="en-US" sz="8800" dirty="0">
+                <a:solidFill>
+                  <a:srgbClr val="000000"/>
+                </a:solidFill>
+                <a:latin typeface="Arial" panose="020B0604020202020204" pitchFamily="34" charset="0"/>
               </a:rPr>
             </a:br>
-            <a:endParaRPr lang="en-IL" sz="2000" dirty="0">
-              <a:latin typeface="David" panose="020E0502060401010101" pitchFamily="34" charset="-79"/>
-              <a:cs typeface="David" panose="020E0502060401010101" pitchFamily="34" charset="-79"/>
+            <a:r>
+              <a:rPr lang="he-IL" sz="8800" i="0" u="none" strike="noStrike" dirty="0">
+                <a:solidFill>
+                  <a:srgbClr val="000000"/>
+                </a:solidFill>
+                <a:effectLst/>
+                <a:latin typeface="Arial" panose="020B0604020202020204" pitchFamily="34" charset="0"/>
+              </a:rPr>
+              <a:t>(או מילות משנה) בטקסט. </a:t>
+            </a:r>
+            <a:endParaRPr lang="he-IL" sz="8800" dirty="0">
+              <a:effectLst/>
             </a:endParaRPr>
           </a:p>
+          <a:p>
+            <a:pPr algn="r" rtl="1">
+              <a:spcBef>
+                <a:spcPts val="1200"/>
+              </a:spcBef>
+              <a:spcAft>
+                <a:spcPts val="1200"/>
+              </a:spcAft>
+            </a:pPr>
+            <a:r>
+              <a:rPr lang="en-US" sz="8800" i="0" u="none" strike="noStrike" dirty="0">
+                <a:solidFill>
+                  <a:srgbClr val="000000"/>
+                </a:solidFill>
+                <a:effectLst/>
+                <a:latin typeface="Arial" panose="020B0604020202020204" pitchFamily="34" charset="0"/>
+              </a:rPr>
+              <a:t>Transformer </a:t>
+            </a:r>
+            <a:r>
+              <a:rPr lang="he-IL" sz="8800" i="0" u="none" strike="noStrike" dirty="0">
+                <a:solidFill>
+                  <a:srgbClr val="000000"/>
+                </a:solidFill>
+                <a:effectLst/>
+                <a:latin typeface="Arial" panose="020B0604020202020204" pitchFamily="34" charset="0"/>
+              </a:rPr>
+              <a:t> כולל שני מנגנונים נפרדים - מקודד הקורא את קלט הטקסט, ומפענח שמייצר חיזוי למשימה. </a:t>
+            </a:r>
+            <a:br>
+              <a:rPr lang="he-IL" dirty="0"/>
+            </a:br>
+            <a:endParaRPr lang="en-IL" dirty="0"/>
+          </a:p>
         </p:txBody>
       </p:sp>
       <p:sp>
@@ -6717,7 +7400,7 @@
           <p:cNvPr id="4" name="מלבן 3">
             <a:extLst>
               <a:ext uri="{FF2B5EF4-FFF2-40B4-BE49-F238E27FC236}">
-                <a16:creationId xmlns:a16="http://schemas.microsoft.com/office/drawing/2014/main" id="{69AAFD98-6DCB-42B4-A27A-01BE8A2FADF9}"/>
+                <a16:creationId xmlns:a16="http://schemas.microsoft.com/office/drawing/2014/main" id="{D7581FDB-FE76-413E-A76A-AF987BAC7954}"/>
               </a:ext>
             </a:extLst>
           </p:cNvPr>
@@ -6726,8 +7409,8 @@
         </p:nvSpPr>
         <p:spPr>
           <a:xfrm>
-            <a:off x="8275088" y="-208855"/>
-            <a:ext cx="3528531" cy="923330"/>
+            <a:off x="10042209" y="0"/>
+            <a:ext cx="1867499" cy="923330"/>
           </a:xfrm>
           <a:prstGeom prst="rect">
             <a:avLst/>
@@ -6742,7 +7425,7 @@
           <a:p>
             <a:pPr algn="ctr"/>
             <a:r>
-              <a:rPr lang="he-IL" sz="5400" b="1" cap="none" spc="0" dirty="0">
+              <a:rPr lang="en-US" sz="5400" b="1" cap="none" spc="0" dirty="0">
                 <a:ln w="0"/>
                 <a:solidFill>
                   <a:schemeClr val="tx1"/>
@@ -6755,17 +7438,33 @@
                   </a:outerShdw>
                 </a:effectLst>
               </a:rPr>
-              <a:t>שיטה שניה:</a:t>
+              <a:t>BERT</a:t>
+            </a:r>
+            <a:r>
+              <a:rPr lang="he-IL" sz="5400" b="1" cap="none" spc="0" dirty="0">
+                <a:ln w="0"/>
+                <a:solidFill>
+                  <a:schemeClr val="tx1"/>
+                </a:solidFill>
+                <a:effectLst>
+                  <a:outerShdw blurRad="38100" dist="19050" dir="2700000" algn="tl" rotWithShape="0">
+                    <a:schemeClr val="dk1">
+                      <a:alpha val="40000"/>
+                    </a:schemeClr>
+                  </a:outerShdw>
+                </a:effectLst>
+              </a:rPr>
+              <a:t>:</a:t>
             </a:r>
           </a:p>
         </p:txBody>
       </p:sp>
       <p:pic>
         <p:nvPicPr>
-          <p:cNvPr id="6" name="גרפיקה 5" descr="מחקר עם מילוי מלא">
-            <a:extLst>
-              <a:ext uri="{FF2B5EF4-FFF2-40B4-BE49-F238E27FC236}">
-                <a16:creationId xmlns:a16="http://schemas.microsoft.com/office/drawing/2014/main" id="{268ACF62-FEF7-46B0-9767-839FA03E3442}"/>
+          <p:cNvPr id="6" name="תמונה 5">
+            <a:extLst>
+              <a:ext uri="{FF2B5EF4-FFF2-40B4-BE49-F238E27FC236}">
+                <a16:creationId xmlns:a16="http://schemas.microsoft.com/office/drawing/2014/main" id="{24588E40-235C-4505-817E-E642265EF7EC}"/>
               </a:ext>
             </a:extLst>
           </p:cNvPr>
@@ -6775,13 +7474,10 @@
           <p:nvPr/>
         </p:nvPicPr>
         <p:blipFill>
-          <a:blip r:embed="rId3">
+          <a:blip r:embed="rId2">
             <a:extLst>
               <a:ext uri="{28A0092B-C50C-407E-A947-70E740481C1C}">
                 <a14:useLocalDpi xmlns:a14="http://schemas.microsoft.com/office/drawing/2010/main" val="0"/>
-              </a:ext>
-              <a:ext uri="{96DAC541-7B7A-43D3-8B79-37D633B846F1}">
-                <asvg:svgBlip xmlns:asvg="http://schemas.microsoft.com/office/drawing/2016/SVG/main" r:embed="rId4"/>
               </a:ext>
             </a:extLst>
           </a:blip>
@@ -6791,44 +7487,8 @@
         </p:blipFill>
         <p:spPr>
           <a:xfrm>
-            <a:off x="120650" y="6350000"/>
-            <a:ext cx="508000" cy="508000"/>
-          </a:xfrm>
-          <a:prstGeom prst="rect">
-            <a:avLst/>
-          </a:prstGeom>
-        </p:spPr>
-      </p:pic>
-      <p:pic>
-        <p:nvPicPr>
-          <p:cNvPr id="8" name="תמונה 7">
-            <a:extLst>
-              <a:ext uri="{FF2B5EF4-FFF2-40B4-BE49-F238E27FC236}">
-                <a16:creationId xmlns:a16="http://schemas.microsoft.com/office/drawing/2014/main" id="{69DB13A9-B092-49DB-B869-662E35BB27DB}"/>
-              </a:ext>
-            </a:extLst>
-          </p:cNvPr>
-          <p:cNvPicPr>
-            <a:picLocks noChangeAspect="1"/>
-          </p:cNvPicPr>
-          <p:nvPr/>
-        </p:nvPicPr>
-        <p:blipFill>
-          <a:blip r:embed="rId5">
-            <a:extLst>
-              <a:ext uri="{28A0092B-C50C-407E-A947-70E740481C1C}">
-                <a14:useLocalDpi xmlns:a14="http://schemas.microsoft.com/office/drawing/2010/main" val="0"/>
-              </a:ext>
-            </a:extLst>
-          </a:blip>
-          <a:stretch>
-            <a:fillRect/>
-          </a:stretch>
-        </p:blipFill>
-        <p:spPr>
-          <a:xfrm>
-            <a:off x="852768" y="4783101"/>
-            <a:ext cx="4690801" cy="2074899"/>
+            <a:off x="0" y="0"/>
+            <a:ext cx="2074332" cy="1166812"/>
           </a:xfrm>
           <a:prstGeom prst="rect">
             <a:avLst/>
@@ -6838,7 +7498,7 @@
     </p:spTree>
     <p:extLst>
       <p:ext uri="{BB962C8B-B14F-4D97-AF65-F5344CB8AC3E}">
-        <p14:creationId xmlns:p14="http://schemas.microsoft.com/office/powerpoint/2010/main" val="816497118"/>
+        <p14:creationId xmlns:p14="http://schemas.microsoft.com/office/powerpoint/2010/main" val="3935029123"/>
       </p:ext>
     </p:extLst>
   </p:cSld>
@@ -6912,137 +7572,191 @@
         </p:nvSpPr>
         <p:spPr>
           <a:xfrm>
-            <a:off x="62753" y="229908"/>
-            <a:ext cx="11909612" cy="6529480"/>
+            <a:off x="85726" y="1068108"/>
+            <a:ext cx="11849100" cy="5713692"/>
           </a:xfrm>
         </p:spPr>
         <p:txBody>
-          <a:bodyPr/>
+          <a:bodyPr>
+            <a:normAutofit/>
+          </a:bodyPr>
           <a:lstStyle/>
+          <a:p>
+            <a:r>
+              <a:rPr lang="he-IL" dirty="0">
+                <a:latin typeface="Arial" panose="020B0604020202020204" pitchFamily="34" charset="0"/>
+                <a:cs typeface="Arial" panose="020B0604020202020204" pitchFamily="34" charset="0"/>
+              </a:rPr>
+              <a:t>אחרי שהרצנו את האלגוריתם של </a:t>
+            </a:r>
+            <a:r>
+              <a:rPr lang="en-US" dirty="0">
+                <a:latin typeface="Arial" panose="020B0604020202020204" pitchFamily="34" charset="0"/>
+                <a:cs typeface="Arial" panose="020B0604020202020204" pitchFamily="34" charset="0"/>
+              </a:rPr>
+              <a:t>Bert</a:t>
+            </a:r>
+            <a:r>
+              <a:rPr lang="he-IL" dirty="0">
+                <a:latin typeface="Arial" panose="020B0604020202020204" pitchFamily="34" charset="0"/>
+                <a:cs typeface="Arial" panose="020B0604020202020204" pitchFamily="34" charset="0"/>
+              </a:rPr>
+              <a:t> של מסד הנתונים המצומצם שלנו, אכן הצלחנו להגיע לתוצאות טובות מאות. מתוך מאגר של 5,000 סמסים מתויגים, הקצינו 30% לטובת הטסטים של האלגוריתם. </a:t>
+            </a:r>
+            <a:r>
+              <a:rPr lang="en-US" dirty="0">
+                <a:latin typeface="Arial" panose="020B0604020202020204" pitchFamily="34" charset="0"/>
+                <a:cs typeface="Arial" panose="020B0604020202020204" pitchFamily="34" charset="0"/>
+              </a:rPr>
+              <a:t>Bert</a:t>
+            </a:r>
+            <a:r>
+              <a:rPr lang="he-IL" dirty="0">
+                <a:latin typeface="Arial" panose="020B0604020202020204" pitchFamily="34" charset="0"/>
+                <a:cs typeface="Arial" panose="020B0604020202020204" pitchFamily="34" charset="0"/>
+              </a:rPr>
+              <a:t> הצליח לסווג כמו שצריך כל אחת מהדוגמאות בטסט.</a:t>
+            </a:r>
+          </a:p>
           <a:p>
             <a:pPr marL="0" indent="0">
               <a:buNone/>
             </a:pPr>
             <a:r>
-              <a:rPr lang="he-IL" u="sng">
-                <a:latin typeface="David" panose="020E0502060401010101" pitchFamily="34" charset="-79"/>
-                <a:cs typeface="David" panose="020E0502060401010101" pitchFamily="34" charset="-79"/>
+              <a:rPr lang="he-IL" dirty="0">
+                <a:latin typeface="Arial" panose="020B0604020202020204" pitchFamily="34" charset="0"/>
+                <a:cs typeface="Arial" panose="020B0604020202020204" pitchFamily="34" charset="0"/>
+              </a:rPr>
+              <a:t>   אם כך, למה חיפשנו אלגוריתמים אחרים? </a:t>
+            </a:r>
+            <a:r>
+              <a:rPr lang="he-IL" u="sng" dirty="0">
+                <a:latin typeface="Arial" panose="020B0604020202020204" pitchFamily="34" charset="0"/>
+                <a:cs typeface="Arial" panose="020B0604020202020204" pitchFamily="34" charset="0"/>
+              </a:rPr>
+              <a:t>מכיוון שמאגר המידע שלנו מצומצם</a:t>
+            </a:r>
+            <a:r>
+              <a:rPr lang="he-IL" dirty="0">
+                <a:latin typeface="Arial" panose="020B0604020202020204" pitchFamily="34" charset="0"/>
+                <a:cs typeface="Arial" panose="020B0604020202020204" pitchFamily="34" charset="0"/>
+              </a:rPr>
+              <a:t>. </a:t>
+            </a:r>
+          </a:p>
+          <a:p>
+            <a:r>
+              <a:rPr lang="he-IL" dirty="0">
+                <a:latin typeface="Arial" panose="020B0604020202020204" pitchFamily="34" charset="0"/>
+                <a:cs typeface="Arial" panose="020B0604020202020204" pitchFamily="34" charset="0"/>
+              </a:rPr>
+              <a:t>מכאן: השתמשנו ברעיון המודל </a:t>
+            </a:r>
+            <a:r>
+              <a:rPr lang="en-US" dirty="0" err="1">
+                <a:latin typeface="Arial" panose="020B0604020202020204" pitchFamily="34" charset="0"/>
+                <a:cs typeface="Arial" panose="020B0604020202020204" pitchFamily="34" charset="0"/>
+              </a:rPr>
+              <a:t>SpanGAN</a:t>
+            </a:r>
+            <a:r>
+              <a:rPr lang="he-IL" dirty="0">
+                <a:latin typeface="Arial" panose="020B0604020202020204" pitchFamily="34" charset="0"/>
+                <a:cs typeface="Arial" panose="020B0604020202020204" pitchFamily="34" charset="0"/>
+              </a:rPr>
+              <a:t> .</a:t>
+            </a:r>
+          </a:p>
+          <a:p>
+            <a:r>
+              <a:rPr lang="he-IL" dirty="0">
+                <a:latin typeface="Arial" panose="020B0604020202020204" pitchFamily="34" charset="0"/>
+                <a:cs typeface="Arial" panose="020B0604020202020204" pitchFamily="34" charset="0"/>
+              </a:rPr>
+              <a:t>בעולם שבו נשלחים מיליוני סמסים בכל יום, שמטרת חלקם היא להצליח לפרוץ לפרטים של המשתמש, דורשת הכללה. דורשת מהמודל לדעת לסווג את האנומליות ולהתריע עליהן בזמן שהיא צריכה גם לדעת לא לסווג הודעות אמיתיות בתור </a:t>
+            </a:r>
+            <a:r>
+              <a:rPr lang="en-US" dirty="0">
+                <a:latin typeface="Arial" panose="020B0604020202020204" pitchFamily="34" charset="0"/>
+                <a:cs typeface="Arial" panose="020B0604020202020204" pitchFamily="34" charset="0"/>
+              </a:rPr>
+              <a:t>spam</a:t>
+            </a:r>
+            <a:r>
+              <a:rPr lang="he-IL" dirty="0">
+                <a:latin typeface="Arial" panose="020B0604020202020204" pitchFamily="34" charset="0"/>
+                <a:cs typeface="Arial" panose="020B0604020202020204" pitchFamily="34" charset="0"/>
+              </a:rPr>
+              <a:t>. </a:t>
+            </a:r>
+          </a:p>
+          <a:p>
+            <a:r>
+              <a:rPr lang="en-US" dirty="0">
+                <a:latin typeface="Arial" panose="020B0604020202020204" pitchFamily="34" charset="0"/>
+                <a:cs typeface="Arial" panose="020B0604020202020204" pitchFamily="34" charset="0"/>
+              </a:rPr>
+              <a:t>SpamGAN</a:t>
+            </a:r>
+            <a:r>
+              <a:rPr lang="he-IL" dirty="0">
+                <a:latin typeface="Arial" panose="020B0604020202020204" pitchFamily="34" charset="0"/>
+                <a:cs typeface="Arial" panose="020B0604020202020204" pitchFamily="34" charset="0"/>
+              </a:rPr>
+              <a:t> הוא מודל רעיוני שמאפשר ליצור אלגוריתם שמלמד את עצמו, אלגוריתם שמרחיב את מאגר המידע באמצעות טקסט מלאכותי. האלגוריתם, מטרתו היא כל הזמן להשתפר, לייצר מידע שנראה אמין יותר, כך שיכולת הסיווג שלו גם היא תלמד להיות מדויקת יותר.</a:t>
+            </a:r>
+            <a:endParaRPr lang="en-IL" dirty="0">
+              <a:latin typeface="Arial" panose="020B0604020202020204" pitchFamily="34" charset="0"/>
+              <a:cs typeface="Arial" panose="020B0604020202020204" pitchFamily="34" charset="0"/>
+            </a:endParaRPr>
+          </a:p>
+        </p:txBody>
+      </p:sp>
+      <p:sp>
+        <p:nvSpPr>
+          <p:cNvPr id="2" name="מלבן 1">
+            <a:extLst>
+              <a:ext uri="{FF2B5EF4-FFF2-40B4-BE49-F238E27FC236}">
+                <a16:creationId xmlns:a16="http://schemas.microsoft.com/office/drawing/2014/main" id="{D27DA2BD-D504-4E01-BF93-0EC296653452}"/>
+              </a:ext>
+            </a:extLst>
+          </p:cNvPr>
+          <p:cNvSpPr/>
+          <p:nvPr/>
+        </p:nvSpPr>
+        <p:spPr>
+          <a:xfrm>
+            <a:off x="7311733" y="-8871"/>
+            <a:ext cx="4788490" cy="923330"/>
+          </a:xfrm>
+          <a:prstGeom prst="rect">
+            <a:avLst/>
+          </a:prstGeom>
+          <a:noFill/>
+        </p:spPr>
+        <p:txBody>
+          <a:bodyPr wrap="none" lIns="91440" tIns="45720" rIns="91440" bIns="45720">
+            <a:spAutoFit/>
+          </a:bodyPr>
+          <a:lstStyle/>
+          <a:p>
+            <a:pPr algn="ctr"/>
+            <a:r>
+              <a:rPr lang="he-IL" sz="5400" b="1" cap="none" spc="0" dirty="0">
+                <a:ln w="0"/>
+                <a:solidFill>
+                  <a:schemeClr val="tx1"/>
+                </a:solidFill>
+                <a:effectLst>
+                  <a:outerShdw blurRad="38100" dist="19050" dir="2700000" algn="tl" rotWithShape="0">
+                    <a:schemeClr val="dk1">
+                      <a:alpha val="40000"/>
+                    </a:schemeClr>
+                  </a:outerShdw>
+                </a:effectLst>
               </a:rPr>
               <a:t>האלגוריתם שלנו</a:t>
             </a:r>
-          </a:p>
-          <a:p>
-            <a:pPr marL="0" indent="0">
-              <a:buNone/>
-            </a:pPr>
-            <a:r>
-              <a:rPr lang="he-IL">
-                <a:latin typeface="David" panose="020E0502060401010101" pitchFamily="34" charset="-79"/>
-                <a:cs typeface="David" panose="020E0502060401010101" pitchFamily="34" charset="-79"/>
-              </a:rPr>
-              <a:t>אחרי שהרצנו את האלגוריתם של </a:t>
-            </a:r>
-            <a:r>
-              <a:rPr lang="en-US">
-                <a:latin typeface="David" panose="020E0502060401010101" pitchFamily="34" charset="-79"/>
-                <a:cs typeface="David" panose="020E0502060401010101" pitchFamily="34" charset="-79"/>
-              </a:rPr>
-              <a:t>Bert</a:t>
-            </a:r>
-            <a:r>
-              <a:rPr lang="he-IL">
-                <a:latin typeface="David" panose="020E0502060401010101" pitchFamily="34" charset="-79"/>
-                <a:cs typeface="David" panose="020E0502060401010101" pitchFamily="34" charset="-79"/>
-              </a:rPr>
-              <a:t> של מסד הנתונים המצומצם שלנו, אכן הצלחנו להגיע לתוצאות טובות מאות. מתוך מאגר של 5,000 סמסים מתוייגים, הקצינו 30% לטובת הטסטים של האלגוריתם. </a:t>
-            </a:r>
-            <a:r>
-              <a:rPr lang="en-US">
-                <a:latin typeface="David" panose="020E0502060401010101" pitchFamily="34" charset="-79"/>
-                <a:cs typeface="David" panose="020E0502060401010101" pitchFamily="34" charset="-79"/>
-              </a:rPr>
-              <a:t>Bert</a:t>
-            </a:r>
-            <a:r>
-              <a:rPr lang="he-IL">
-                <a:latin typeface="David" panose="020E0502060401010101" pitchFamily="34" charset="-79"/>
-                <a:cs typeface="David" panose="020E0502060401010101" pitchFamily="34" charset="-79"/>
-              </a:rPr>
-              <a:t> הצליח לסווג כמו שצריך כל אחת מהדוגמאות בטסט.</a:t>
-            </a:r>
-          </a:p>
-          <a:p>
-            <a:pPr marL="0" indent="0">
-              <a:buNone/>
-            </a:pPr>
-            <a:r>
-              <a:rPr lang="he-IL">
-                <a:latin typeface="David" panose="020E0502060401010101" pitchFamily="34" charset="-79"/>
-                <a:cs typeface="David" panose="020E0502060401010101" pitchFamily="34" charset="-79"/>
-              </a:rPr>
-              <a:t>למה אם כך חיפשנו אלגוריתמים אחרים?</a:t>
-            </a:r>
-          </a:p>
-          <a:p>
-            <a:pPr marL="0" indent="0">
-              <a:buNone/>
-            </a:pPr>
-            <a:r>
-              <a:rPr lang="he-IL">
-                <a:latin typeface="David" panose="020E0502060401010101" pitchFamily="34" charset="-79"/>
-                <a:cs typeface="David" panose="020E0502060401010101" pitchFamily="34" charset="-79"/>
-              </a:rPr>
-              <a:t>מכיוון שמאגר המידע שלנו מצומצם. </a:t>
-            </a:r>
-          </a:p>
-          <a:p>
-            <a:pPr marL="0" indent="0">
-              <a:buNone/>
-            </a:pPr>
-            <a:r>
-              <a:rPr lang="he-IL">
-                <a:latin typeface="David" panose="020E0502060401010101" pitchFamily="34" charset="-79"/>
-                <a:cs typeface="David" panose="020E0502060401010101" pitchFamily="34" charset="-79"/>
-              </a:rPr>
-              <a:t>בעולם שבו נשלחים מיליוני סמסים בכל יום, שמטרת רובם היא להצליח לפרוץ לפרטים של המשתמש, דורשת הכללה. דורשת מהמודל לדעת לסווג את האנומליות ולהתריע עליהן בזמן שהיא צריכה גם לדעת לא לסווג הודעות אמיתיות בתור </a:t>
-            </a:r>
-            <a:r>
-              <a:rPr lang="en-US">
-                <a:latin typeface="David" panose="020E0502060401010101" pitchFamily="34" charset="-79"/>
-                <a:cs typeface="David" panose="020E0502060401010101" pitchFamily="34" charset="-79"/>
-              </a:rPr>
-              <a:t>spam</a:t>
-            </a:r>
-            <a:r>
-              <a:rPr lang="he-IL">
-                <a:latin typeface="David" panose="020E0502060401010101" pitchFamily="34" charset="-79"/>
-                <a:cs typeface="David" panose="020E0502060401010101" pitchFamily="34" charset="-79"/>
-              </a:rPr>
-              <a:t>. </a:t>
-            </a:r>
-          </a:p>
-          <a:p>
-            <a:pPr marL="0" indent="0">
-              <a:buNone/>
-            </a:pPr>
-            <a:r>
-              <a:rPr lang="en-US">
-                <a:latin typeface="David" panose="020E0502060401010101" pitchFamily="34" charset="-79"/>
-                <a:cs typeface="David" panose="020E0502060401010101" pitchFamily="34" charset="-79"/>
-              </a:rPr>
-              <a:t>SpamGAN</a:t>
-            </a:r>
-            <a:r>
-              <a:rPr lang="he-IL">
-                <a:latin typeface="David" panose="020E0502060401010101" pitchFamily="34" charset="-79"/>
-                <a:cs typeface="David" panose="020E0502060401010101" pitchFamily="34" charset="-79"/>
-              </a:rPr>
-              <a:t> הוא מודל רעיוני שמאפשר ליצור אלגוריתם שמלמד את עצמו, אלגוריתם שמרחיב את מאגר המידע באמצעות טקסט מלאכותי. האלגוריתם, מטרתו היא כל הזמן להשתפר, לייצר מידע שנראה אמין יותר, כך שיכולת הסיווג שלו גם היא תלמד להיות מדויקת יותר.</a:t>
-            </a:r>
-            <a:endParaRPr lang="en-IL">
-              <a:latin typeface="David" panose="020E0502060401010101" pitchFamily="34" charset="-79"/>
-              <a:cs typeface="David" panose="020E0502060401010101" pitchFamily="34" charset="-79"/>
-            </a:endParaRPr>
           </a:p>
         </p:txBody>
       </p:sp>
@@ -7110,7 +7824,7 @@
           <p:cNvPr id="3" name="מציין מיקום תוכן 2">
             <a:extLst>
               <a:ext uri="{FF2B5EF4-FFF2-40B4-BE49-F238E27FC236}">
-                <a16:creationId xmlns:a16="http://schemas.microsoft.com/office/drawing/2014/main" id="{8FEA0A71-78EB-4E34-BA68-DB5DE5CEB513}"/>
+                <a16:creationId xmlns:a16="http://schemas.microsoft.com/office/drawing/2014/main" id="{E3A0FA9F-7002-42E8-B1FC-FA599E99C007}"/>
               </a:ext>
             </a:extLst>
           </p:cNvPr>
@@ -7123,8 +7837,8 @@
         </p:nvSpPr>
         <p:spPr>
           <a:xfrm>
-            <a:off x="0" y="695885"/>
-            <a:ext cx="12053887" cy="5848350"/>
+            <a:off x="1666314" y="876349"/>
+            <a:ext cx="10335185" cy="5724475"/>
           </a:xfrm>
         </p:spPr>
         <p:txBody>
@@ -7133,277 +7847,428 @@
           </a:bodyPr>
           <a:lstStyle/>
           <a:p>
-            <a:pPr>
-              <a:lnSpc>
-                <a:spcPct val="150000"/>
-              </a:lnSpc>
+            <a:pPr marL="0" indent="0" algn="r" rtl="1">
+              <a:spcBef>
+                <a:spcPts val="0"/>
+              </a:spcBef>
+              <a:spcAft>
+                <a:spcPts val="1200"/>
+              </a:spcAft>
+              <a:buNone/>
             </a:pPr>
             <a:r>
-              <a:rPr lang="he-IL" sz="2400">
+              <a:rPr lang="he-IL" sz="2000" i="0" u="none" strike="noStrike" dirty="0">
+                <a:solidFill>
+                  <a:srgbClr val="1A202C"/>
+                </a:solidFill>
+                <a:effectLst/>
                 <a:latin typeface="David" panose="020E0502060401010101" pitchFamily="34" charset="-79"/>
                 <a:cs typeface="David" panose="020E0502060401010101" pitchFamily="34" charset="-79"/>
               </a:rPr>
-              <a:t>בעוד שעבור המודל של </a:t>
-            </a:r>
-            <a:r>
-              <a:rPr lang="en-US" sz="2400">
+              <a:t> </a:t>
+            </a:r>
+            <a:r>
+              <a:rPr lang="he-IL" sz="2000" i="0" u="none" strike="noStrike" dirty="0">
+                <a:solidFill>
+                  <a:srgbClr val="1A202C"/>
+                </a:solidFill>
+                <a:effectLst/>
+                <a:latin typeface="David" panose="020E0502060401010101" pitchFamily="34" charset="-79"/>
+              </a:rPr>
+              <a:t>הוא מודל </a:t>
+            </a:r>
+            <a:r>
+              <a:rPr lang="he-IL" sz="2000" dirty="0">
+                <a:solidFill>
+                  <a:srgbClr val="1A202C"/>
+                </a:solidFill>
+                <a:latin typeface="David" panose="020E0502060401010101" pitchFamily="34" charset="-79"/>
+              </a:rPr>
+              <a:t>שבנוי על </a:t>
+            </a:r>
+            <a:r>
+              <a:rPr lang="he-IL" sz="2000" i="0" u="none" strike="noStrike" dirty="0">
+                <a:solidFill>
+                  <a:srgbClr val="1A202C"/>
+                </a:solidFill>
+                <a:effectLst/>
+                <a:latin typeface="David" panose="020E0502060401010101" pitchFamily="34" charset="-79"/>
+              </a:rPr>
+              <a:t>רשת נוירונים הבנויה מ-2 חלקים:</a:t>
+            </a:r>
+          </a:p>
+          <a:p>
+            <a:pPr marL="0" indent="0" algn="r" rtl="1">
+              <a:spcBef>
+                <a:spcPts val="0"/>
+              </a:spcBef>
+              <a:spcAft>
+                <a:spcPts val="1200"/>
+              </a:spcAft>
+              <a:buNone/>
+            </a:pPr>
+            <a:r>
+              <a:rPr lang="he-IL" sz="2000" dirty="0">
+                <a:solidFill>
+                  <a:srgbClr val="1A202C"/>
+                </a:solidFill>
+                <a:latin typeface="David" panose="020E0502060401010101" pitchFamily="34" charset="-79"/>
+              </a:rPr>
+              <a:t>     </a:t>
+            </a:r>
+            <a:r>
+              <a:rPr lang="he-IL" sz="2000" i="0" u="none" strike="noStrike" dirty="0">
+                <a:solidFill>
+                  <a:srgbClr val="1A202C"/>
+                </a:solidFill>
+                <a:effectLst/>
+                <a:latin typeface="David" panose="020E0502060401010101" pitchFamily="34" charset="-79"/>
+              </a:rPr>
+              <a:t> </a:t>
+            </a:r>
+            <a:r>
+              <a:rPr lang="he-IL" sz="2000" i="0" u="sng" strike="noStrike" dirty="0">
+                <a:solidFill>
+                  <a:srgbClr val="1A202C"/>
+                </a:solidFill>
+                <a:effectLst/>
+                <a:latin typeface="David" panose="020E0502060401010101" pitchFamily="34" charset="-79"/>
+              </a:rPr>
+              <a:t>גנרטור</a:t>
+            </a:r>
+            <a:r>
+              <a:rPr lang="he-IL" sz="2000" i="0" u="none" strike="noStrike" dirty="0">
+                <a:solidFill>
+                  <a:srgbClr val="1A202C"/>
+                </a:solidFill>
+                <a:effectLst/>
+                <a:latin typeface="David" panose="020E0502060401010101" pitchFamily="34" charset="-79"/>
+              </a:rPr>
+              <a:t> - החלק שאחראי על ייצור דוגמאות חדשות. </a:t>
+            </a:r>
+          </a:p>
+          <a:p>
+            <a:pPr marL="0" indent="0" algn="r" rtl="1">
+              <a:spcBef>
+                <a:spcPts val="0"/>
+              </a:spcBef>
+              <a:spcAft>
+                <a:spcPts val="1200"/>
+              </a:spcAft>
+              <a:buNone/>
+            </a:pPr>
+            <a:r>
+              <a:rPr lang="he-IL" sz="2000" dirty="0">
+                <a:solidFill>
+                  <a:srgbClr val="1A202C"/>
+                </a:solidFill>
+                <a:latin typeface="David" panose="020E0502060401010101" pitchFamily="34" charset="-79"/>
+              </a:rPr>
+              <a:t>     </a:t>
+            </a:r>
+            <a:r>
+              <a:rPr lang="he-IL" sz="2000" i="0" u="sng" strike="noStrike" dirty="0">
+                <a:solidFill>
+                  <a:srgbClr val="1A202C"/>
+                </a:solidFill>
+                <a:effectLst/>
+                <a:latin typeface="David" panose="020E0502060401010101" pitchFamily="34" charset="-79"/>
+              </a:rPr>
+              <a:t>דיסקרימינטור</a:t>
+            </a:r>
+            <a:r>
+              <a:rPr lang="he-IL" sz="2000" i="0" u="none" strike="noStrike" dirty="0">
+                <a:solidFill>
+                  <a:srgbClr val="1A202C"/>
+                </a:solidFill>
+                <a:effectLst/>
+                <a:latin typeface="David" panose="020E0502060401010101" pitchFamily="34" charset="-79"/>
+              </a:rPr>
+              <a:t> - פונקציה שמטרתה להחליט האם הטקסט הוא אמיתי או מלאכותי.</a:t>
+            </a:r>
+          </a:p>
+          <a:p>
+            <a:pPr marL="0" indent="0" algn="r" rtl="1">
+              <a:spcBef>
+                <a:spcPts val="0"/>
+              </a:spcBef>
+              <a:spcAft>
+                <a:spcPts val="1200"/>
+              </a:spcAft>
+              <a:buNone/>
+            </a:pPr>
+            <a:r>
+              <a:rPr lang="he-IL" sz="2000" i="0" u="none" strike="noStrike" dirty="0">
+                <a:solidFill>
+                  <a:srgbClr val="1A202C"/>
+                </a:solidFill>
+                <a:effectLst/>
+                <a:latin typeface="David" panose="020E0502060401010101" pitchFamily="34" charset="-79"/>
+              </a:rPr>
+              <a:t>     מודלים אלו מאומנים על מאגר מידע מתויג מצומצם.</a:t>
+            </a:r>
+            <a:endParaRPr lang="he-IL" sz="2000" dirty="0">
+              <a:effectLst/>
+              <a:latin typeface="David" panose="020E0502060401010101" pitchFamily="34" charset="-79"/>
+            </a:endParaRPr>
+          </a:p>
+          <a:p>
+            <a:pPr algn="r" rtl="1">
+              <a:spcBef>
+                <a:spcPts val="0"/>
+              </a:spcBef>
+              <a:spcAft>
+                <a:spcPts val="1200"/>
+              </a:spcAft>
+            </a:pPr>
+            <a:r>
+              <a:rPr lang="he-IL" sz="2000" i="0" u="none" strike="noStrike" dirty="0">
+                <a:solidFill>
+                  <a:srgbClr val="1A202C"/>
+                </a:solidFill>
+                <a:effectLst/>
+                <a:latin typeface="David" panose="020E0502060401010101" pitchFamily="34" charset="-79"/>
+              </a:rPr>
+              <a:t>הודעות ספאם שנשלחות באמצעות הודעות </a:t>
+            </a:r>
+            <a:r>
+              <a:rPr lang="en-US" sz="2000" i="0" u="none" strike="noStrike" dirty="0">
+                <a:solidFill>
+                  <a:srgbClr val="1A202C"/>
+                </a:solidFill>
+                <a:effectLst/>
+                <a:latin typeface="David" panose="020E0502060401010101" pitchFamily="34" charset="-79"/>
+              </a:rPr>
+              <a:t>SMS</a:t>
+            </a:r>
+            <a:r>
+              <a:rPr lang="he-IL" sz="2000" i="0" u="none" strike="noStrike" dirty="0">
+                <a:solidFill>
+                  <a:srgbClr val="1A202C"/>
+                </a:solidFill>
+                <a:effectLst/>
+                <a:latin typeface="David" panose="020E0502060401010101" pitchFamily="34" charset="-79"/>
+              </a:rPr>
+              <a:t> </a:t>
+            </a:r>
+            <a:r>
+              <a:rPr lang="en-US" sz="2000" i="0" u="none" strike="noStrike" dirty="0">
+                <a:solidFill>
+                  <a:srgbClr val="1A202C"/>
+                </a:solidFill>
+                <a:effectLst/>
+                <a:latin typeface="David" panose="020E0502060401010101" pitchFamily="34" charset="-79"/>
+              </a:rPr>
+              <a:t> </a:t>
+            </a:r>
+            <a:r>
+              <a:rPr lang="he-IL" sz="2000" i="0" u="none" strike="noStrike" dirty="0">
+                <a:solidFill>
+                  <a:srgbClr val="1A202C"/>
+                </a:solidFill>
+                <a:effectLst/>
+                <a:latin typeface="David" panose="020E0502060401010101" pitchFamily="34" charset="-79"/>
+              </a:rPr>
+              <a:t>הן קשות לזיהוי בגלל המחסור היחסי של מאגרי נתונים מתויגים. </a:t>
+            </a:r>
+            <a:br>
+              <a:rPr lang="en-US" sz="2000" dirty="0">
+                <a:solidFill>
+                  <a:srgbClr val="1A202C"/>
+                </a:solidFill>
+                <a:latin typeface="David" panose="020E0502060401010101" pitchFamily="34" charset="-79"/>
+              </a:rPr>
+            </a:br>
+            <a:r>
+              <a:rPr lang="he-IL" sz="2000" i="0" u="none" strike="noStrike" dirty="0">
+                <a:solidFill>
+                  <a:srgbClr val="1A202C"/>
+                </a:solidFill>
+                <a:effectLst/>
+                <a:latin typeface="David" panose="020E0502060401010101" pitchFamily="34" charset="-79"/>
+              </a:rPr>
+              <a:t>לכן, הגישה נשענת על טכניקה שנקראת "</a:t>
+            </a:r>
+            <a:r>
+              <a:rPr lang="en-US" sz="2000" i="0" u="none" strike="noStrike" dirty="0">
+                <a:solidFill>
+                  <a:srgbClr val="1A202C"/>
+                </a:solidFill>
+                <a:effectLst/>
+                <a:latin typeface="David" panose="020E0502060401010101" pitchFamily="34" charset="-79"/>
+              </a:rPr>
+              <a:t>semi-supervised learning</a:t>
+            </a:r>
+            <a:r>
+              <a:rPr lang="he-IL" sz="2000" i="0" u="none" strike="noStrike" dirty="0">
+                <a:solidFill>
+                  <a:srgbClr val="1A202C"/>
+                </a:solidFill>
+                <a:effectLst/>
+                <a:latin typeface="David" panose="020E0502060401010101" pitchFamily="34" charset="-79"/>
+              </a:rPr>
+              <a:t>" </a:t>
+            </a:r>
+          </a:p>
+          <a:p>
+            <a:pPr algn="r" rtl="1">
+              <a:spcBef>
+                <a:spcPts val="0"/>
+              </a:spcBef>
+              <a:spcAft>
+                <a:spcPts val="1200"/>
+              </a:spcAft>
+            </a:pPr>
+            <a:r>
+              <a:rPr lang="he-IL" sz="2000" i="0" u="none" strike="noStrike" dirty="0">
+                <a:solidFill>
+                  <a:srgbClr val="1A202C"/>
+                </a:solidFill>
+                <a:effectLst/>
+                <a:latin typeface="David" panose="020E0502060401010101" pitchFamily="34" charset="-79"/>
+              </a:rPr>
+              <a:t>רכיב הגנרטור של </a:t>
+            </a:r>
+            <a:r>
+              <a:rPr lang="en-US" sz="2000" i="0" u="none" strike="noStrike" dirty="0">
+                <a:solidFill>
+                  <a:srgbClr val="1A202C"/>
+                </a:solidFill>
+                <a:effectLst/>
+                <a:latin typeface="David" panose="020E0502060401010101" pitchFamily="34" charset="-79"/>
+              </a:rPr>
+              <a:t>spamGAN </a:t>
+            </a:r>
+            <a:r>
+              <a:rPr lang="he-IL" sz="2000" i="0" u="none" strike="noStrike" dirty="0">
+                <a:solidFill>
+                  <a:srgbClr val="1A202C"/>
+                </a:solidFill>
+                <a:effectLst/>
+                <a:latin typeface="David" panose="020E0502060401010101" pitchFamily="34" charset="-79"/>
+              </a:rPr>
+              <a:t> מייצא משפטים חדשים, בהינתן קלט של סוג המחלקה ולאחר מכן הדיסקרימינטור מנסה לסווג את המשפטים החדשים בתור אמיתי או מזויף </a:t>
+            </a:r>
+            <a:endParaRPr lang="en-US" sz="2000" dirty="0">
+              <a:solidFill>
+                <a:srgbClr val="1A202C"/>
+              </a:solidFill>
+              <a:latin typeface="David" panose="020E0502060401010101" pitchFamily="34" charset="-79"/>
+            </a:endParaRPr>
+          </a:p>
+          <a:p>
+            <a:pPr algn="r" rtl="1">
+              <a:spcBef>
+                <a:spcPts val="0"/>
+              </a:spcBef>
+              <a:spcAft>
+                <a:spcPts val="1200"/>
+              </a:spcAft>
+            </a:pPr>
+            <a:r>
+              <a:rPr lang="he-IL" sz="2000" i="0" u="none" strike="noStrike" dirty="0">
+                <a:solidFill>
+                  <a:srgbClr val="1A202C"/>
+                </a:solidFill>
+                <a:effectLst/>
+                <a:latin typeface="David" panose="020E0502060401010101" pitchFamily="34" charset="-79"/>
+              </a:rPr>
+              <a:t>כיצד אימנו את הדיסקרימינטור? עם מקבצים של משפטים אמיתיים מתויגים, משפטים לא מתויגים אמיתיים ומשפטים מזויפים. לאחר מכן, הזינו לתוך המודל 80 אחוז ממאגר המידע המכיל 1600 דוגמאות, מתוכן בערך 800 הם למעשה ביקורות אמיתיות ו-800 ביקורות מזויפות</a:t>
+            </a:r>
+            <a:br>
+              <a:rPr lang="en-US" sz="2000" dirty="0">
                 <a:latin typeface="David" panose="020E0502060401010101" pitchFamily="34" charset="-79"/>
                 <a:cs typeface="David" panose="020E0502060401010101" pitchFamily="34" charset="-79"/>
               </a:rPr>
-              <a:t>SpamGAN </a:t>
-            </a:r>
-            <a:r>
-              <a:rPr lang="he-IL" sz="2400">
-                <a:latin typeface="David" panose="020E0502060401010101" pitchFamily="34" charset="-79"/>
-                <a:cs typeface="David" panose="020E0502060401010101" pitchFamily="34" charset="-79"/>
-              </a:rPr>
-              <a:t> החוקרים אימנו גם את הגנרטור וגם את הדיסקרימינטור, אנחנו בחרנו להשתמש ב-</a:t>
-            </a:r>
-            <a:r>
-              <a:rPr lang="en-US" sz="2400">
-                <a:latin typeface="David" panose="020E0502060401010101" pitchFamily="34" charset="-79"/>
-                <a:cs typeface="David" panose="020E0502060401010101" pitchFamily="34" charset="-79"/>
-              </a:rPr>
-              <a:t>GPT2 </a:t>
-            </a:r>
-            <a:r>
-              <a:rPr lang="he-IL" sz="2400">
-                <a:latin typeface="David" panose="020E0502060401010101" pitchFamily="34" charset="-79"/>
-                <a:cs typeface="David" panose="020E0502060401010101" pitchFamily="34" charset="-79"/>
-              </a:rPr>
-              <a:t> שאומן על ידי גוגל על מנת לייצר הודעות </a:t>
-            </a:r>
-            <a:r>
-              <a:rPr lang="en-US" sz="2400">
-                <a:latin typeface="David" panose="020E0502060401010101" pitchFamily="34" charset="-79"/>
-                <a:cs typeface="David" panose="020E0502060401010101" pitchFamily="34" charset="-79"/>
-              </a:rPr>
-              <a:t>SMS</a:t>
-            </a:r>
-            <a:r>
-              <a:rPr lang="he-IL" sz="2400">
-                <a:latin typeface="David" panose="020E0502060401010101" pitchFamily="34" charset="-79"/>
-                <a:cs typeface="David" panose="020E0502060401010101" pitchFamily="34" charset="-79"/>
-              </a:rPr>
-              <a:t> מתויגות.</a:t>
-            </a:r>
-          </a:p>
-          <a:p>
-            <a:pPr>
-              <a:lnSpc>
-                <a:spcPct val="150000"/>
-              </a:lnSpc>
-            </a:pPr>
-            <a:r>
-              <a:rPr lang="he-IL" sz="2400" b="1" u="sng">
-                <a:latin typeface="David" panose="020E0502060401010101" pitchFamily="34" charset="-79"/>
-                <a:cs typeface="David" panose="020E0502060401010101" pitchFamily="34" charset="-79"/>
-              </a:rPr>
-              <a:t>מה זה </a:t>
-            </a:r>
-            <a:r>
-              <a:rPr lang="en-US" sz="2400" b="1" u="sng">
-                <a:latin typeface="David" panose="020E0502060401010101" pitchFamily="34" charset="-79"/>
-                <a:cs typeface="David" panose="020E0502060401010101" pitchFamily="34" charset="-79"/>
-              </a:rPr>
-              <a:t>GPT2</a:t>
-            </a:r>
-            <a:r>
-              <a:rPr lang="he-IL" sz="2400" b="1" u="sng">
-                <a:latin typeface="David" panose="020E0502060401010101" pitchFamily="34" charset="-79"/>
-                <a:cs typeface="David" panose="020E0502060401010101" pitchFamily="34" charset="-79"/>
-              </a:rPr>
-              <a:t>?</a:t>
-            </a:r>
-            <a:r>
-              <a:rPr lang="he-IL" sz="2400">
-                <a:latin typeface="David" panose="020E0502060401010101" pitchFamily="34" charset="-79"/>
-                <a:cs typeface="David" panose="020E0502060401010101" pitchFamily="34" charset="-79"/>
-              </a:rPr>
-              <a:t> זהו מודל </a:t>
-            </a:r>
-            <a:r>
-              <a:rPr lang="en-US" sz="2400">
-                <a:latin typeface="David" panose="020E0502060401010101" pitchFamily="34" charset="-79"/>
-                <a:cs typeface="David" panose="020E0502060401010101" pitchFamily="34" charset="-79"/>
-              </a:rPr>
-              <a:t>open-source AI</a:t>
-            </a:r>
-            <a:r>
-              <a:rPr lang="he-IL" sz="2400">
-                <a:latin typeface="David" panose="020E0502060401010101" pitchFamily="34" charset="-79"/>
-                <a:cs typeface="David" panose="020E0502060401010101" pitchFamily="34" charset="-79"/>
-              </a:rPr>
-              <a:t> שפורסם בשנת 2019 ומטרתו היא יצירת טקסט מלאכותי. המודל הוא </a:t>
-            </a:r>
-            <a:r>
-              <a:rPr lang="en-US" sz="2400">
-                <a:latin typeface="David" panose="020E0502060401010101" pitchFamily="34" charset="-79"/>
-                <a:cs typeface="David" panose="020E0502060401010101" pitchFamily="34" charset="-79"/>
-              </a:rPr>
-              <a:t>transformer</a:t>
-            </a:r>
-            <a:r>
-              <a:rPr lang="he-IL" sz="2400">
-                <a:latin typeface="David" panose="020E0502060401010101" pitchFamily="34" charset="-79"/>
-                <a:cs typeface="David" panose="020E0502060401010101" pitchFamily="34" charset="-79"/>
-              </a:rPr>
-              <a:t> שאומן מראש וביכולתו לקחת מקבץ של מילים וליצור מהם סיפור, הודעה, משפט חדש.</a:t>
-            </a:r>
-            <a:endParaRPr lang="he-IL" sz="2400" b="1" u="sng">
+            </a:br>
+            <a:endParaRPr lang="en-IL" sz="2000" dirty="0">
               <a:latin typeface="David" panose="020E0502060401010101" pitchFamily="34" charset="-79"/>
               <a:cs typeface="David" panose="020E0502060401010101" pitchFamily="34" charset="-79"/>
             </a:endParaRPr>
           </a:p>
-          <a:p>
-            <a:pPr>
-              <a:lnSpc>
-                <a:spcPct val="100000"/>
-              </a:lnSpc>
-            </a:pPr>
-            <a:r>
-              <a:rPr lang="he-IL" sz="2400">
-                <a:latin typeface="David" panose="020E0502060401010101" pitchFamily="34" charset="-79"/>
-                <a:cs typeface="David" panose="020E0502060401010101" pitchFamily="34" charset="-79"/>
-              </a:rPr>
-              <a:t> </a:t>
-            </a:r>
-            <a:r>
-              <a:rPr lang="he-IL" sz="2400" b="1" u="sng">
-                <a:latin typeface="David" panose="020E0502060401010101" pitchFamily="34" charset="-79"/>
-                <a:cs typeface="David" panose="020E0502060401010101" pitchFamily="34" charset="-79"/>
-              </a:rPr>
-              <a:t>כיצד זה נראה?</a:t>
-            </a:r>
-            <a:r>
-              <a:rPr lang="he-IL" sz="2400">
-                <a:latin typeface="David" panose="020E0502060401010101" pitchFamily="34" charset="-79"/>
-                <a:cs typeface="David" panose="020E0502060401010101" pitchFamily="34" charset="-79"/>
-              </a:rPr>
-              <a:t> הפונקציה שלנו עובדת בצורה כזו שמכניסים לתוכה קלט והיא </a:t>
-            </a:r>
-          </a:p>
-          <a:p>
-            <a:pPr marL="0" indent="0">
-              <a:lnSpc>
-                <a:spcPct val="100000"/>
-              </a:lnSpc>
-              <a:buNone/>
-            </a:pPr>
-            <a:r>
-              <a:rPr lang="he-IL" sz="2400">
-                <a:latin typeface="David" panose="020E0502060401010101" pitchFamily="34" charset="-79"/>
-                <a:cs typeface="David" panose="020E0502060401010101" pitchFamily="34" charset="-79"/>
-              </a:rPr>
-              <a:t>   מוציאה פלט בווריאציה שונה. כך לדוגמא התקבל:</a:t>
-            </a:r>
-          </a:p>
-          <a:p>
-            <a:pPr>
-              <a:lnSpc>
-                <a:spcPct val="100000"/>
-              </a:lnSpc>
-            </a:pPr>
-            <a:r>
-              <a:rPr lang="he-IL" sz="2400">
-                <a:latin typeface="David" panose="020E0502060401010101" pitchFamily="34" charset="-79"/>
-                <a:cs typeface="David" panose="020E0502060401010101" pitchFamily="34" charset="-79"/>
-              </a:rPr>
-              <a:t>קלט אמיתי: </a:t>
-            </a:r>
-            <a:endParaRPr lang="en-US" sz="2400">
-              <a:latin typeface="David" panose="020E0502060401010101" pitchFamily="34" charset="-79"/>
-              <a:cs typeface="David" panose="020E0502060401010101" pitchFamily="34" charset="-79"/>
-            </a:endParaRPr>
-          </a:p>
-          <a:p>
-            <a:pPr marL="0" indent="0" algn="l" rtl="0">
-              <a:lnSpc>
-                <a:spcPct val="100000"/>
-              </a:lnSpc>
-              <a:buNone/>
-            </a:pPr>
-            <a:r>
-              <a:rPr lang="he-IL" sz="2400">
-                <a:latin typeface="David" panose="020E0502060401010101" pitchFamily="34" charset="-79"/>
-                <a:cs typeface="David" panose="020E0502060401010101" pitchFamily="34" charset="-79"/>
-              </a:rPr>
-              <a:t>"</a:t>
-            </a:r>
-            <a:r>
-              <a:rPr lang="en-US" sz="2400">
-                <a:latin typeface="David" panose="020E0502060401010101" pitchFamily="34" charset="-79"/>
-                <a:cs typeface="David" panose="020E0502060401010101" pitchFamily="34" charset="-79"/>
-              </a:rPr>
-              <a:t>Click this link! You have won a million dollars! come claim your reward</a:t>
-            </a:r>
-            <a:r>
-              <a:rPr lang="he-IL" sz="2400">
-                <a:latin typeface="David" panose="020E0502060401010101" pitchFamily="34" charset="-79"/>
-                <a:cs typeface="David" panose="020E0502060401010101" pitchFamily="34" charset="-79"/>
-              </a:rPr>
-              <a:t>"</a:t>
-            </a:r>
-            <a:endParaRPr lang="en-US" sz="2400">
-              <a:latin typeface="David" panose="020E0502060401010101" pitchFamily="34" charset="-79"/>
-              <a:cs typeface="David" panose="020E0502060401010101" pitchFamily="34" charset="-79"/>
-            </a:endParaRPr>
-          </a:p>
-          <a:p>
-            <a:pPr>
-              <a:lnSpc>
-                <a:spcPct val="100000"/>
-              </a:lnSpc>
-            </a:pPr>
-            <a:r>
-              <a:rPr lang="he-IL" sz="2400">
-                <a:latin typeface="David" panose="020E0502060401010101" pitchFamily="34" charset="-79"/>
-                <a:cs typeface="David" panose="020E0502060401010101" pitchFamily="34" charset="-79"/>
-              </a:rPr>
-              <a:t>פלט של </a:t>
-            </a:r>
-            <a:r>
-              <a:rPr lang="en-US" sz="2400">
-                <a:latin typeface="David" panose="020E0502060401010101" pitchFamily="34" charset="-79"/>
-                <a:cs typeface="David" panose="020E0502060401010101" pitchFamily="34" charset="-79"/>
-              </a:rPr>
-              <a:t>GPT2</a:t>
-            </a:r>
-            <a:r>
-              <a:rPr lang="he-IL" sz="2400">
-                <a:latin typeface="David" panose="020E0502060401010101" pitchFamily="34" charset="-79"/>
-                <a:cs typeface="David" panose="020E0502060401010101" pitchFamily="34" charset="-79"/>
-              </a:rPr>
-              <a:t>:</a:t>
-            </a:r>
-            <a:endParaRPr lang="en-US" sz="2400">
-              <a:latin typeface="David" panose="020E0502060401010101" pitchFamily="34" charset="-79"/>
-              <a:cs typeface="David" panose="020E0502060401010101" pitchFamily="34" charset="-79"/>
-            </a:endParaRPr>
-          </a:p>
-          <a:p>
-            <a:pPr marL="0" indent="0" algn="l" rtl="0">
-              <a:lnSpc>
-                <a:spcPct val="100000"/>
-              </a:lnSpc>
-              <a:buNone/>
-            </a:pPr>
-            <a:r>
-              <a:rPr lang="en-US" sz="2400">
-                <a:latin typeface="David" panose="020E0502060401010101" pitchFamily="34" charset="-79"/>
-                <a:cs typeface="David" panose="020E0502060401010101" pitchFamily="34" charset="-79"/>
-              </a:rPr>
-              <a:t>"You can claim the prize by clicking the button below! Claim your prize!”</a:t>
-            </a:r>
-          </a:p>
-        </p:txBody>
-      </p:sp>
-      <p:sp>
-        <p:nvSpPr>
-          <p:cNvPr id="4" name="מלבן 3">
-            <a:extLst>
-              <a:ext uri="{FF2B5EF4-FFF2-40B4-BE49-F238E27FC236}">
-                <a16:creationId xmlns:a16="http://schemas.microsoft.com/office/drawing/2014/main" id="{5D805A37-391E-4528-9C28-B83082B4DE4D}"/>
+        </p:txBody>
+      </p:sp>
+      <p:pic>
+        <p:nvPicPr>
+          <p:cNvPr id="6" name="גרפיקה 5" descr="מחקר עם מילוי מלא">
+            <a:extLst>
+              <a:ext uri="{FF2B5EF4-FFF2-40B4-BE49-F238E27FC236}">
+                <a16:creationId xmlns:a16="http://schemas.microsoft.com/office/drawing/2014/main" id="{268ACF62-FEF7-46B0-9767-839FA03E3442}"/>
+              </a:ext>
+            </a:extLst>
+          </p:cNvPr>
+          <p:cNvPicPr>
+            <a:picLocks noChangeAspect="1"/>
+          </p:cNvPicPr>
+          <p:nvPr/>
+        </p:nvPicPr>
+        <p:blipFill>
+          <a:blip r:embed="rId3">
+            <a:extLst>
+              <a:ext uri="{28A0092B-C50C-407E-A947-70E740481C1C}">
+                <a14:useLocalDpi xmlns:a14="http://schemas.microsoft.com/office/drawing/2010/main" val="0"/>
+              </a:ext>
+              <a:ext uri="{96DAC541-7B7A-43D3-8B79-37D633B846F1}">
+                <asvg:svgBlip xmlns:asvg="http://schemas.microsoft.com/office/drawing/2016/SVG/main" r:embed="rId4"/>
+              </a:ext>
+            </a:extLst>
+          </a:blip>
+          <a:stretch>
+            <a:fillRect/>
+          </a:stretch>
+        </p:blipFill>
+        <p:spPr>
+          <a:xfrm>
+            <a:off x="1868" y="79375"/>
+            <a:ext cx="508000" cy="508000"/>
+          </a:xfrm>
+          <a:prstGeom prst="rect">
+            <a:avLst/>
+          </a:prstGeom>
+        </p:spPr>
+      </p:pic>
+      <p:pic>
+        <p:nvPicPr>
+          <p:cNvPr id="8" name="תמונה 7">
+            <a:extLst>
+              <a:ext uri="{FF2B5EF4-FFF2-40B4-BE49-F238E27FC236}">
+                <a16:creationId xmlns:a16="http://schemas.microsoft.com/office/drawing/2014/main" id="{69DB13A9-B092-49DB-B869-662E35BB27DB}"/>
+              </a:ext>
+            </a:extLst>
+          </p:cNvPr>
+          <p:cNvPicPr>
+            <a:picLocks noChangeAspect="1"/>
+          </p:cNvPicPr>
+          <p:nvPr/>
+        </p:nvPicPr>
+        <p:blipFill>
+          <a:blip r:embed="rId5">
+            <a:extLst>
+              <a:ext uri="{28A0092B-C50C-407E-A947-70E740481C1C}">
+                <a14:useLocalDpi xmlns:a14="http://schemas.microsoft.com/office/drawing/2010/main" val="0"/>
+              </a:ext>
+            </a:extLst>
+          </a:blip>
+          <a:stretch>
+            <a:fillRect/>
+          </a:stretch>
+        </p:blipFill>
+        <p:spPr>
+          <a:xfrm>
+            <a:off x="1868" y="4981575"/>
+            <a:ext cx="4242103" cy="1876425"/>
+          </a:xfrm>
+          <a:prstGeom prst="rect">
+            <a:avLst/>
+          </a:prstGeom>
+        </p:spPr>
+      </p:pic>
+      <p:sp>
+        <p:nvSpPr>
+          <p:cNvPr id="2" name="מלבן 1">
+            <a:extLst>
+              <a:ext uri="{FF2B5EF4-FFF2-40B4-BE49-F238E27FC236}">
+                <a16:creationId xmlns:a16="http://schemas.microsoft.com/office/drawing/2014/main" id="{49E7F8D2-187B-46B8-9DDF-FEC49E34E1BF}"/>
               </a:ext>
             </a:extLst>
           </p:cNvPr>
@@ -7412,8 +8277,8 @@
         </p:nvSpPr>
         <p:spPr>
           <a:xfrm>
-            <a:off x="7989264" y="0"/>
-            <a:ext cx="3871574" cy="923330"/>
+            <a:off x="8368249" y="-128290"/>
+            <a:ext cx="3416320" cy="923330"/>
           </a:xfrm>
           <a:prstGeom prst="rect">
             <a:avLst/>
@@ -7428,19 +8293,17 @@
           <a:p>
             <a:pPr algn="ctr"/>
             <a:r>
-              <a:rPr lang="he-IL" sz="5400" b="1">
-                <a:ln w="0"/>
-                <a:effectLst>
-                  <a:outerShdw blurRad="38100" dist="19050" dir="2700000" algn="tl" rotWithShape="0">
-                    <a:schemeClr val="dk1">
-                      <a:alpha val="40000"/>
-                    </a:schemeClr>
-                  </a:outerShdw>
-                </a:effectLst>
-              </a:rPr>
-              <a:t>השיטה שלנו:</a:t>
-            </a:r>
-            <a:endParaRPr lang="he-IL" sz="5400" b="1" cap="none" spc="0" dirty="0">
+              <a:rPr lang="en-US" sz="5400" b="1" i="0" u="none" strike="noStrike" dirty="0">
+                <a:solidFill>
+                  <a:srgbClr val="1A202C"/>
+                </a:solidFill>
+                <a:effectLst/>
+                <a:latin typeface="David" panose="020E0502060401010101" pitchFamily="34" charset="-79"/>
+                <a:cs typeface="David" panose="020E0502060401010101" pitchFamily="34" charset="-79"/>
+              </a:rPr>
+              <a:t>SpamGAN</a:t>
+            </a:r>
+            <a:endParaRPr lang="he-IL" sz="4800" b="0" cap="none" spc="0" dirty="0">
               <a:ln w="0"/>
               <a:solidFill>
                 <a:schemeClr val="tx1"/>
@@ -7459,7 +8322,7 @@
     </p:spTree>
     <p:extLst>
       <p:ext uri="{BB962C8B-B14F-4D97-AF65-F5344CB8AC3E}">
-        <p14:creationId xmlns:p14="http://schemas.microsoft.com/office/powerpoint/2010/main" val="1763950853"/>
+        <p14:creationId xmlns:p14="http://schemas.microsoft.com/office/powerpoint/2010/main" val="816497118"/>
       </p:ext>
     </p:extLst>
   </p:cSld>
@@ -7482,7 +8345,7 @@
                 <a:lumOff val="100000"/>
               </a:schemeClr>
             </a:gs>
-            <a:gs pos="35000">
+            <a:gs pos="47000">
               <a:schemeClr val="accent1">
                 <a:lumMod val="0"/>
                 <a:lumOff val="100000"/>
@@ -7517,352 +8380,420 @@
       </p:grpSpPr>
       <p:sp>
         <p:nvSpPr>
-          <p:cNvPr id="3" name="מציין מיקום תוכן 2">
-            <a:extLst>
-              <a:ext uri="{FF2B5EF4-FFF2-40B4-BE49-F238E27FC236}">
-                <a16:creationId xmlns:a16="http://schemas.microsoft.com/office/drawing/2014/main" id="{38B9A60E-1AC0-4F00-896A-E8C0657F2B6F}"/>
-              </a:ext>
-            </a:extLst>
-          </p:cNvPr>
-          <p:cNvSpPr>
-            <a:spLocks noGrp="1"/>
-          </p:cNvSpPr>
-          <p:nvPr>
-            <p:ph idx="1"/>
-          </p:nvPr>
+          <p:cNvPr id="4" name="מלבן 3">
+            <a:extLst>
+              <a:ext uri="{FF2B5EF4-FFF2-40B4-BE49-F238E27FC236}">
+                <a16:creationId xmlns:a16="http://schemas.microsoft.com/office/drawing/2014/main" id="{AEC1EAFE-029F-402D-9DF2-F1DA69271F77}"/>
+              </a:ext>
+            </a:extLst>
+          </p:cNvPr>
+          <p:cNvSpPr/>
+          <p:nvPr/>
         </p:nvSpPr>
         <p:spPr>
           <a:xfrm>
-            <a:off x="537882" y="131295"/>
-            <a:ext cx="10932459" cy="6484657"/>
+            <a:off x="3077564" y="-70834"/>
+            <a:ext cx="6638219" cy="763108"/>
           </a:xfrm>
+          <a:prstGeom prst="rect">
+            <a:avLst/>
+          </a:prstGeom>
+          <a:noFill/>
         </p:spPr>
         <p:txBody>
-          <a:bodyPr>
-            <a:normAutofit/>
+          <a:bodyPr wrap="square" lIns="91440" tIns="45720" rIns="91440" bIns="45720">
+            <a:spAutoFit/>
           </a:bodyPr>
           <a:lstStyle/>
           <a:p>
-            <a:pPr marL="0" indent="0" algn="ctr" rtl="1">
-              <a:lnSpc>
-                <a:spcPct val="160000"/>
-              </a:lnSpc>
-              <a:spcBef>
-                <a:spcPts val="0"/>
-              </a:spcBef>
-              <a:spcAft>
-                <a:spcPts val="1200"/>
-              </a:spcAft>
-              <a:buNone/>
-            </a:pPr>
-            <a:r>
-              <a:rPr lang="en-US" u="sng">
-                <a:latin typeface="David" panose="020E0502060401010101" pitchFamily="34" charset="-79"/>
-                <a:cs typeface="David" panose="020E0502060401010101" pitchFamily="34" charset="-79"/>
-              </a:rPr>
-              <a:t>Fine-Tuning GPT2</a:t>
-            </a:r>
-            <a:br>
-              <a:rPr lang="en-US" u="sng">
-                <a:latin typeface="David" panose="020E0502060401010101" pitchFamily="34" charset="-79"/>
-                <a:cs typeface="David" panose="020E0502060401010101" pitchFamily="34" charset="-79"/>
-              </a:rPr>
-            </a:br>
-            <a:r>
-              <a:rPr lang="he-IL" sz="2000" u="sng">
-                <a:latin typeface="David" panose="020E0502060401010101" pitchFamily="34" charset="-79"/>
-                <a:cs typeface="David" panose="020E0502060401010101" pitchFamily="34" charset="-79"/>
-              </a:rPr>
-              <a:t>מדוע זה נחוץ?</a:t>
-            </a:r>
-            <a:br>
-              <a:rPr lang="en-US" u="sng">
-                <a:latin typeface="David" panose="020E0502060401010101" pitchFamily="34" charset="-79"/>
-                <a:cs typeface="David" panose="020E0502060401010101" pitchFamily="34" charset="-79"/>
-              </a:rPr>
-            </a:br>
-            <a:r>
-              <a:rPr lang="he-IL" sz="2000" b="0" i="0" u="none" strike="noStrike">
-                <a:solidFill>
-                  <a:srgbClr val="202124"/>
-                </a:solidFill>
-                <a:effectLst/>
-                <a:latin typeface="David" panose="020E0502060401010101" pitchFamily="34" charset="-79"/>
-                <a:cs typeface="David" panose="020E0502060401010101" pitchFamily="34" charset="-79"/>
-              </a:rPr>
-              <a:t>מודל </a:t>
-            </a:r>
-            <a:r>
-              <a:rPr lang="en-US" sz="2000" b="0" i="0" u="none" strike="noStrike">
-                <a:solidFill>
-                  <a:srgbClr val="202124"/>
-                </a:solidFill>
-                <a:effectLst/>
-                <a:latin typeface="David" panose="020E0502060401010101" pitchFamily="34" charset="-79"/>
-                <a:cs typeface="David" panose="020E0502060401010101" pitchFamily="34" charset="-79"/>
-              </a:rPr>
-              <a:t>GPT2</a:t>
-            </a:r>
-            <a:r>
-              <a:rPr lang="he-IL" sz="2000" b="0" i="0" u="none" strike="noStrike">
-                <a:solidFill>
-                  <a:srgbClr val="202124"/>
-                </a:solidFill>
-                <a:effectLst/>
-                <a:latin typeface="David" panose="020E0502060401010101" pitchFamily="34" charset="-79"/>
-                <a:cs typeface="David" panose="020E0502060401010101" pitchFamily="34" charset="-79"/>
-              </a:rPr>
-              <a:t> הוא, כמו שהשם שלו אומר, </a:t>
-            </a:r>
-            <a:r>
-              <a:rPr lang="en-US" sz="2000" b="0" i="0" u="none" strike="noStrike">
-                <a:solidFill>
-                  <a:srgbClr val="202124"/>
-                </a:solidFill>
-                <a:effectLst/>
-                <a:latin typeface="David" panose="020E0502060401010101" pitchFamily="34" charset="-79"/>
-                <a:cs typeface="David" panose="020E0502060401010101" pitchFamily="34" charset="-79"/>
-              </a:rPr>
-              <a:t>Transformer</a:t>
-            </a:r>
-            <a:r>
-              <a:rPr lang="he-IL" sz="2000" b="0" i="0" u="none" strike="noStrike">
-                <a:solidFill>
-                  <a:srgbClr val="202124"/>
-                </a:solidFill>
-                <a:effectLst/>
-                <a:latin typeface="David" panose="020E0502060401010101" pitchFamily="34" charset="-79"/>
-                <a:cs typeface="David" panose="020E0502060401010101" pitchFamily="34" charset="-79"/>
-              </a:rPr>
-              <a:t>. לכן הוא משתמש במנגנון הקשב, כלומר הוא לומד להתמקד במילים קודמות שהכי רלוונטיות להקשר כדי לחזות את המילה הבאה. היכולות של המודל הן טובות, אך שמנו לב כשיצרנו </a:t>
-            </a:r>
-            <a:r>
-              <a:rPr lang="en-US" sz="2000" b="0" i="0" u="none" strike="noStrike">
-                <a:solidFill>
-                  <a:srgbClr val="202124"/>
-                </a:solidFill>
-                <a:effectLst/>
-                <a:latin typeface="David" panose="020E0502060401010101" pitchFamily="34" charset="-79"/>
-                <a:cs typeface="David" panose="020E0502060401010101" pitchFamily="34" charset="-79"/>
-              </a:rPr>
-              <a:t>Data</a:t>
-            </a:r>
-            <a:r>
-              <a:rPr lang="he-IL" sz="2000" b="0" i="0" u="none" strike="noStrike">
-                <a:solidFill>
-                  <a:srgbClr val="202124"/>
-                </a:solidFill>
-                <a:effectLst/>
-                <a:latin typeface="David" panose="020E0502060401010101" pitchFamily="34" charset="-79"/>
-                <a:cs typeface="David" panose="020E0502060401010101" pitchFamily="34" charset="-79"/>
-              </a:rPr>
-              <a:t> חדש, שחלק מהטקסטים שיוצרו נשמעים יותר כמו סיפור מאשר הודעת </a:t>
-            </a:r>
-            <a:r>
-              <a:rPr lang="en-US" sz="2000" b="0" i="0" u="none" strike="noStrike">
-                <a:solidFill>
-                  <a:srgbClr val="202124"/>
-                </a:solidFill>
-                <a:effectLst/>
-                <a:latin typeface="David" panose="020E0502060401010101" pitchFamily="34" charset="-79"/>
-                <a:cs typeface="David" panose="020E0502060401010101" pitchFamily="34" charset="-79"/>
-              </a:rPr>
-              <a:t>SMS</a:t>
-            </a:r>
-            <a:r>
-              <a:rPr lang="he-IL" sz="2000" b="0" i="0" u="none" strike="noStrike">
-                <a:solidFill>
-                  <a:srgbClr val="202124"/>
-                </a:solidFill>
-                <a:effectLst/>
-                <a:latin typeface="David" panose="020E0502060401010101" pitchFamily="34" charset="-79"/>
-                <a:cs typeface="David" panose="020E0502060401010101" pitchFamily="34" charset="-79"/>
-              </a:rPr>
-              <a:t>. </a:t>
-            </a:r>
-          </a:p>
-          <a:p>
-            <a:pPr marL="0" indent="0" algn="ctr" rtl="1">
-              <a:lnSpc>
-                <a:spcPct val="160000"/>
-              </a:lnSpc>
-              <a:spcBef>
-                <a:spcPts val="0"/>
-              </a:spcBef>
-              <a:spcAft>
-                <a:spcPts val="1200"/>
-              </a:spcAft>
-              <a:buNone/>
-            </a:pPr>
-            <a:r>
-              <a:rPr lang="he-IL" sz="2000">
-                <a:solidFill>
-                  <a:srgbClr val="202124"/>
-                </a:solidFill>
-                <a:latin typeface="David" panose="020E0502060401010101" pitchFamily="34" charset="-79"/>
-                <a:cs typeface="David" panose="020E0502060401010101" pitchFamily="34" charset="-79"/>
-              </a:rPr>
-              <a:t>לכן, חיפשנו דרך לבצע "כיוונון" למודל ככה שהוא יתאים את הפלט שלו בהתאם לצרכים שלנו.</a:t>
-            </a:r>
-            <a:br>
-              <a:rPr lang="en-US" sz="2000">
-                <a:solidFill>
-                  <a:srgbClr val="202124"/>
-                </a:solidFill>
-                <a:latin typeface="David" panose="020E0502060401010101" pitchFamily="34" charset="-79"/>
-                <a:cs typeface="David" panose="020E0502060401010101" pitchFamily="34" charset="-79"/>
-              </a:rPr>
-            </a:br>
-            <a:r>
-              <a:rPr lang="he-IL" sz="2000">
-                <a:solidFill>
-                  <a:srgbClr val="202124"/>
-                </a:solidFill>
-                <a:latin typeface="David" panose="020E0502060401010101" pitchFamily="34" charset="-79"/>
-                <a:cs typeface="David" panose="020E0502060401010101" pitchFamily="34" charset="-79"/>
-              </a:rPr>
-              <a:t>אחרי קצת חיפושים מצאנו פרויקט גיטהאב שמציע בדיוק את מה שחיפשנו.</a:t>
-            </a:r>
-            <a:br>
-              <a:rPr lang="en-US" sz="2000">
-                <a:solidFill>
-                  <a:srgbClr val="202124"/>
-                </a:solidFill>
-                <a:latin typeface="David" panose="020E0502060401010101" pitchFamily="34" charset="-79"/>
-                <a:cs typeface="David" panose="020E0502060401010101" pitchFamily="34" charset="-79"/>
-              </a:rPr>
-            </a:br>
-            <a:r>
-              <a:rPr lang="en-US" sz="2000">
-                <a:solidFill>
-                  <a:srgbClr val="202124"/>
-                </a:solidFill>
-                <a:latin typeface="David" panose="020E0502060401010101" pitchFamily="34" charset="-79"/>
-                <a:cs typeface="David" panose="020E0502060401010101" pitchFamily="34" charset="-79"/>
-                <a:hlinkClick r:id="rId2"/>
-              </a:rPr>
-              <a:t>https://github.com/prakhar21/TextAugmentation-GPT2</a:t>
-            </a:r>
-            <a:endParaRPr lang="he-IL" sz="2000">
+            <a:pPr algn="ctr"/>
+            <a:r>
+              <a:rPr lang="he-IL" sz="4400" b="1" dirty="0">
+                <a:ln w="0"/>
+                <a:effectLst>
+                  <a:outerShdw blurRad="38100" dist="19050" dir="2700000" algn="tl" rotWithShape="0">
+                    <a:schemeClr val="dk1">
+                      <a:alpha val="40000"/>
+                    </a:schemeClr>
+                  </a:outerShdw>
+                </a:effectLst>
+              </a:rPr>
+              <a:t>התפלגויות וסטטיסטיקות</a:t>
+            </a:r>
+            <a:endParaRPr lang="he-IL" sz="4400" b="1" cap="none" spc="0" dirty="0">
+              <a:ln w="0"/>
               <a:solidFill>
-                <a:srgbClr val="202124"/>
+                <a:schemeClr val="tx1"/>
               </a:solidFill>
-              <a:latin typeface="David" panose="020E0502060401010101" pitchFamily="34" charset="-79"/>
-              <a:cs typeface="David" panose="020E0502060401010101" pitchFamily="34" charset="-79"/>
+              <a:effectLst>
+                <a:outerShdw blurRad="38100" dist="19050" dir="2700000" algn="tl" rotWithShape="0">
+                  <a:schemeClr val="dk1">
+                    <a:alpha val="40000"/>
+                  </a:schemeClr>
+                </a:outerShdw>
+              </a:effectLst>
             </a:endParaRPr>
           </a:p>
-          <a:p>
-            <a:pPr marL="0" indent="0" algn="ctr" rtl="1">
-              <a:lnSpc>
-                <a:spcPct val="160000"/>
-              </a:lnSpc>
-              <a:spcBef>
-                <a:spcPts val="0"/>
-              </a:spcBef>
-              <a:spcAft>
-                <a:spcPts val="1200"/>
-              </a:spcAft>
-              <a:buNone/>
-            </a:pPr>
-            <a:r>
-              <a:rPr lang="he-IL" sz="2000">
-                <a:solidFill>
-                  <a:srgbClr val="202124"/>
-                </a:solidFill>
-                <a:latin typeface="David" panose="020E0502060401010101" pitchFamily="34" charset="-79"/>
-                <a:cs typeface="David" panose="020E0502060401010101" pitchFamily="34" charset="-79"/>
-              </a:rPr>
-              <a:t>לאחר האימון שמרנו את המודל </a:t>
-            </a:r>
-            <a:r>
-              <a:rPr lang="en-US" sz="2000">
-                <a:solidFill>
-                  <a:srgbClr val="202124"/>
-                </a:solidFill>
-                <a:latin typeface="David" panose="020E0502060401010101" pitchFamily="34" charset="-79"/>
-                <a:cs typeface="David" panose="020E0502060401010101" pitchFamily="34" charset="-79"/>
-              </a:rPr>
-              <a:t>GPT2</a:t>
-            </a:r>
-            <a:r>
-              <a:rPr lang="he-IL" sz="2000">
-                <a:solidFill>
-                  <a:srgbClr val="202124"/>
-                </a:solidFill>
-                <a:latin typeface="David" panose="020E0502060401010101" pitchFamily="34" charset="-79"/>
-                <a:cs typeface="David" panose="020E0502060401010101" pitchFamily="34" charset="-79"/>
-              </a:rPr>
-              <a:t> החדש וטענו אותו לקוד שלנו</a:t>
-            </a:r>
-            <a:br>
-              <a:rPr lang="en-US" sz="2000">
-                <a:solidFill>
-                  <a:srgbClr val="202124"/>
-                </a:solidFill>
-                <a:latin typeface="David" panose="020E0502060401010101" pitchFamily="34" charset="-79"/>
-                <a:cs typeface="David" panose="020E0502060401010101" pitchFamily="34" charset="-79"/>
-              </a:rPr>
-            </a:br>
-            <a:r>
-              <a:rPr lang="he-IL" sz="2000">
-                <a:solidFill>
-                  <a:srgbClr val="202124"/>
-                </a:solidFill>
-                <a:latin typeface="David" panose="020E0502060401010101" pitchFamily="34" charset="-79"/>
-                <a:cs typeface="David" panose="020E0502060401010101" pitchFamily="34" charset="-79"/>
-              </a:rPr>
-              <a:t>כדי לייצר מידע חדש וברפרפוף על התוצאות אכן קיבלנו נוסחים</a:t>
-            </a:r>
-            <a:br>
-              <a:rPr lang="en-US" sz="2000">
-                <a:solidFill>
-                  <a:srgbClr val="202124"/>
-                </a:solidFill>
-                <a:latin typeface="David" panose="020E0502060401010101" pitchFamily="34" charset="-79"/>
-                <a:cs typeface="David" panose="020E0502060401010101" pitchFamily="34" charset="-79"/>
-              </a:rPr>
-            </a:br>
-            <a:r>
-              <a:rPr lang="he-IL" sz="2000">
-                <a:solidFill>
-                  <a:srgbClr val="202124"/>
-                </a:solidFill>
-                <a:latin typeface="David" panose="020E0502060401010101" pitchFamily="34" charset="-79"/>
-                <a:cs typeface="David" panose="020E0502060401010101" pitchFamily="34" charset="-79"/>
-              </a:rPr>
-              <a:t>שיותר תואמים להודעות </a:t>
-            </a:r>
-            <a:r>
-              <a:rPr lang="en-US" sz="2000">
-                <a:solidFill>
-                  <a:srgbClr val="202124"/>
-                </a:solidFill>
-                <a:latin typeface="David" panose="020E0502060401010101" pitchFamily="34" charset="-79"/>
-                <a:cs typeface="David" panose="020E0502060401010101" pitchFamily="34" charset="-79"/>
-              </a:rPr>
-              <a:t>SMS</a:t>
-            </a:r>
-            <a:r>
-              <a:rPr lang="he-IL" sz="2000">
-                <a:solidFill>
-                  <a:srgbClr val="202124"/>
-                </a:solidFill>
-                <a:latin typeface="David" panose="020E0502060401010101" pitchFamily="34" charset="-79"/>
-                <a:cs typeface="David" panose="020E0502060401010101" pitchFamily="34" charset="-79"/>
-              </a:rPr>
-              <a:t>. כעת ניתן להתחיל לעבוד.</a:t>
-            </a:r>
-            <a:endParaRPr lang="he-IL" sz="3200" u="sng">
-              <a:latin typeface="David" panose="020E0502060401010101" pitchFamily="34" charset="-79"/>
-              <a:cs typeface="David" panose="020E0502060401010101" pitchFamily="34" charset="-79"/>
-            </a:endParaRPr>
+        </p:txBody>
+      </p:sp>
+      <p:pic>
+        <p:nvPicPr>
+          <p:cNvPr id="5" name="תמונה 4">
+            <a:extLst>
+              <a:ext uri="{FF2B5EF4-FFF2-40B4-BE49-F238E27FC236}">
+                <a16:creationId xmlns:a16="http://schemas.microsoft.com/office/drawing/2014/main" id="{C41580FB-9EC1-445B-94DC-4C703E52273C}"/>
+              </a:ext>
+            </a:extLst>
+          </p:cNvPr>
+          <p:cNvPicPr>
+            <a:picLocks noChangeAspect="1"/>
+          </p:cNvPicPr>
+          <p:nvPr/>
+        </p:nvPicPr>
+        <p:blipFill>
+          <a:blip r:embed="rId2"/>
+          <a:stretch>
+            <a:fillRect/>
+          </a:stretch>
+        </p:blipFill>
+        <p:spPr>
+          <a:xfrm>
+            <a:off x="0" y="1094383"/>
+            <a:ext cx="5071807" cy="3404885"/>
+          </a:xfrm>
+          <a:prstGeom prst="rect">
+            <a:avLst/>
+          </a:prstGeom>
+        </p:spPr>
+      </p:pic>
+      <p:pic>
+        <p:nvPicPr>
+          <p:cNvPr id="6" name="תמונה 5">
+            <a:extLst>
+              <a:ext uri="{FF2B5EF4-FFF2-40B4-BE49-F238E27FC236}">
+                <a16:creationId xmlns:a16="http://schemas.microsoft.com/office/drawing/2014/main" id="{538BB186-0A26-40E1-909D-8857E88AB033}"/>
+              </a:ext>
+            </a:extLst>
+          </p:cNvPr>
+          <p:cNvPicPr>
+            <a:picLocks noChangeAspect="1"/>
+          </p:cNvPicPr>
+          <p:nvPr/>
+        </p:nvPicPr>
+        <p:blipFill>
+          <a:blip r:embed="rId3"/>
+          <a:stretch>
+            <a:fillRect/>
+          </a:stretch>
+        </p:blipFill>
+        <p:spPr>
+          <a:xfrm>
+            <a:off x="6810375" y="976169"/>
+            <a:ext cx="5381625" cy="3532624"/>
+          </a:xfrm>
+          <a:prstGeom prst="rect">
+            <a:avLst/>
+          </a:prstGeom>
+        </p:spPr>
+      </p:pic>
+      <p:pic>
+        <p:nvPicPr>
+          <p:cNvPr id="7" name="תמונה 6">
+            <a:extLst>
+              <a:ext uri="{FF2B5EF4-FFF2-40B4-BE49-F238E27FC236}">
+                <a16:creationId xmlns:a16="http://schemas.microsoft.com/office/drawing/2014/main" id="{58AEA7FE-E8E5-497E-955C-A470AFACB126}"/>
+              </a:ext>
+            </a:extLst>
+          </p:cNvPr>
+          <p:cNvPicPr>
+            <a:picLocks noChangeAspect="1"/>
+          </p:cNvPicPr>
+          <p:nvPr/>
+        </p:nvPicPr>
+        <p:blipFill>
+          <a:blip r:embed="rId4"/>
+          <a:stretch>
+            <a:fillRect/>
+          </a:stretch>
+        </p:blipFill>
+        <p:spPr>
+          <a:xfrm>
+            <a:off x="1787247" y="4590793"/>
+            <a:ext cx="3009759" cy="2141547"/>
+          </a:xfrm>
+          <a:prstGeom prst="rect">
+            <a:avLst/>
+          </a:prstGeom>
+        </p:spPr>
+      </p:pic>
+      <p:pic>
+        <p:nvPicPr>
+          <p:cNvPr id="8" name="תמונה 7">
+            <a:extLst>
+              <a:ext uri="{FF2B5EF4-FFF2-40B4-BE49-F238E27FC236}">
+                <a16:creationId xmlns:a16="http://schemas.microsoft.com/office/drawing/2014/main" id="{DBB380CB-C36B-43BD-9B32-6BBAE3995507}"/>
+              </a:ext>
+            </a:extLst>
+          </p:cNvPr>
+          <p:cNvPicPr>
+            <a:picLocks noChangeAspect="1"/>
+          </p:cNvPicPr>
+          <p:nvPr/>
+        </p:nvPicPr>
+        <p:blipFill>
+          <a:blip r:embed="rId5"/>
+          <a:stretch>
+            <a:fillRect/>
+          </a:stretch>
+        </p:blipFill>
+        <p:spPr>
+          <a:xfrm>
+            <a:off x="7325101" y="4718247"/>
+            <a:ext cx="2737754" cy="2139753"/>
+          </a:xfrm>
+          <a:prstGeom prst="rect">
+            <a:avLst/>
+          </a:prstGeom>
+        </p:spPr>
+      </p:pic>
+      <p:sp>
+        <p:nvSpPr>
+          <p:cNvPr id="9" name="תיבת טקסט 8">
+            <a:extLst>
+              <a:ext uri="{FF2B5EF4-FFF2-40B4-BE49-F238E27FC236}">
+                <a16:creationId xmlns:a16="http://schemas.microsoft.com/office/drawing/2014/main" id="{43F113AA-A8EE-4C11-AED7-DF5A10B644AE}"/>
+              </a:ext>
+            </a:extLst>
+          </p:cNvPr>
+          <p:cNvSpPr txBox="1"/>
+          <p:nvPr/>
+        </p:nvSpPr>
+        <p:spPr>
+          <a:xfrm>
+            <a:off x="94162" y="713425"/>
+            <a:ext cx="4977645" cy="369332"/>
+          </a:xfrm>
+          <a:prstGeom prst="rect">
+            <a:avLst/>
+          </a:prstGeom>
+          <a:noFill/>
+        </p:spPr>
+        <p:txBody>
+          <a:bodyPr wrap="none" rtlCol="0">
+            <a:spAutoFit/>
+          </a:bodyPr>
+          <a:lstStyle/>
+          <a:p>
+            <a:r>
+              <a:rPr lang="he-IL" b="1" dirty="0"/>
+              <a:t>התפלגות המידע של אורך הטקסט בין </a:t>
+            </a:r>
+            <a:r>
+              <a:rPr lang="en-US" b="1" dirty="0"/>
+              <a:t>spam</a:t>
+            </a:r>
+            <a:r>
+              <a:rPr lang="he-IL" b="1" dirty="0"/>
+              <a:t> ל- </a:t>
+            </a:r>
+            <a:r>
+              <a:rPr lang="en-US" b="1" dirty="0"/>
+              <a:t>ham</a:t>
+            </a:r>
+            <a:endParaRPr lang="en-IL" b="1" dirty="0"/>
+          </a:p>
+        </p:txBody>
+      </p:sp>
+      <p:sp>
+        <p:nvSpPr>
+          <p:cNvPr id="10" name="תיבת טקסט 9">
+            <a:extLst>
+              <a:ext uri="{FF2B5EF4-FFF2-40B4-BE49-F238E27FC236}">
+                <a16:creationId xmlns:a16="http://schemas.microsoft.com/office/drawing/2014/main" id="{82B7A471-C3B9-4B8B-96DA-27165C5374F5}"/>
+              </a:ext>
+            </a:extLst>
+          </p:cNvPr>
+          <p:cNvSpPr txBox="1"/>
+          <p:nvPr/>
+        </p:nvSpPr>
+        <p:spPr>
+          <a:xfrm>
+            <a:off x="4823110" y="4996960"/>
+            <a:ext cx="2380780" cy="369332"/>
+          </a:xfrm>
+          <a:prstGeom prst="rect">
+            <a:avLst/>
+          </a:prstGeom>
+          <a:noFill/>
+        </p:spPr>
+        <p:txBody>
+          <a:bodyPr wrap="none" rtlCol="0">
+            <a:spAutoFit/>
+          </a:bodyPr>
+          <a:lstStyle/>
+          <a:p>
+            <a:r>
+              <a:rPr lang="he-IL" b="1" dirty="0"/>
+              <a:t>יחסים בין </a:t>
+            </a:r>
+            <a:r>
+              <a:rPr lang="en-US" b="1" dirty="0"/>
+              <a:t>spam</a:t>
+            </a:r>
+            <a:r>
+              <a:rPr lang="he-IL" b="1" dirty="0"/>
+              <a:t> ל- </a:t>
+            </a:r>
+            <a:r>
+              <a:rPr lang="en-US" b="1" dirty="0"/>
+              <a:t>ham</a:t>
+            </a:r>
+            <a:endParaRPr lang="en-IL" b="1" dirty="0"/>
+          </a:p>
+        </p:txBody>
+      </p:sp>
+      <p:sp>
+        <p:nvSpPr>
+          <p:cNvPr id="11" name="חץ: שמאלה 10">
+            <a:extLst>
+              <a:ext uri="{FF2B5EF4-FFF2-40B4-BE49-F238E27FC236}">
+                <a16:creationId xmlns:a16="http://schemas.microsoft.com/office/drawing/2014/main" id="{D08CBBB1-527B-411D-8BE9-B4E35A835784}"/>
+              </a:ext>
+            </a:extLst>
+          </p:cNvPr>
+          <p:cNvSpPr/>
+          <p:nvPr/>
+        </p:nvSpPr>
+        <p:spPr>
+          <a:xfrm>
+            <a:off x="5239986" y="5366292"/>
+            <a:ext cx="561975" cy="295275"/>
+          </a:xfrm>
+          <a:prstGeom prst="leftArrow">
+            <a:avLst/>
+          </a:prstGeom>
+          <a:solidFill>
+            <a:schemeClr val="bg2">
+              <a:lumMod val="10000"/>
+            </a:schemeClr>
+          </a:solidFill>
+        </p:spPr>
+        <p:style>
+          <a:lnRef idx="2">
+            <a:schemeClr val="accent1">
+              <a:shade val="50000"/>
+            </a:schemeClr>
+          </a:lnRef>
+          <a:fillRef idx="1">
+            <a:schemeClr val="accent1"/>
+          </a:fillRef>
+          <a:effectRef idx="0">
+            <a:schemeClr val="accent1"/>
+          </a:effectRef>
+          <a:fontRef idx="minor">
+            <a:schemeClr val="lt1"/>
+          </a:fontRef>
+        </p:style>
+        <p:txBody>
+          <a:bodyPr rtlCol="0" anchor="ctr"/>
+          <a:lstStyle/>
+          <a:p>
+            <a:pPr algn="ctr"/>
+            <a:endParaRPr lang="en-IL"/>
+          </a:p>
+        </p:txBody>
+      </p:sp>
+      <p:sp>
+        <p:nvSpPr>
+          <p:cNvPr id="12" name="חץ: ימינה 11">
+            <a:extLst>
+              <a:ext uri="{FF2B5EF4-FFF2-40B4-BE49-F238E27FC236}">
+                <a16:creationId xmlns:a16="http://schemas.microsoft.com/office/drawing/2014/main" id="{21970636-C769-4BC0-B273-5C626EF10B68}"/>
+              </a:ext>
+            </a:extLst>
+          </p:cNvPr>
+          <p:cNvSpPr/>
+          <p:nvPr/>
+        </p:nvSpPr>
+        <p:spPr>
+          <a:xfrm>
+            <a:off x="5990323" y="5366292"/>
+            <a:ext cx="601348" cy="295275"/>
+          </a:xfrm>
+          <a:prstGeom prst="rightArrow">
+            <a:avLst/>
+          </a:prstGeom>
+          <a:solidFill>
+            <a:schemeClr val="bg2">
+              <a:lumMod val="10000"/>
+            </a:schemeClr>
+          </a:solidFill>
+        </p:spPr>
+        <p:style>
+          <a:lnRef idx="2">
+            <a:schemeClr val="accent1">
+              <a:shade val="50000"/>
+            </a:schemeClr>
+          </a:lnRef>
+          <a:fillRef idx="1">
+            <a:schemeClr val="accent1"/>
+          </a:fillRef>
+          <a:effectRef idx="0">
+            <a:schemeClr val="accent1"/>
+          </a:effectRef>
+          <a:fontRef idx="minor">
+            <a:schemeClr val="lt1"/>
+          </a:fontRef>
+        </p:style>
+        <p:txBody>
+          <a:bodyPr rtlCol="0" anchor="ctr"/>
+          <a:lstStyle/>
+          <a:p>
+            <a:pPr algn="ctr"/>
+            <a:endParaRPr lang="en-IL"/>
+          </a:p>
+        </p:txBody>
+      </p:sp>
+      <p:sp>
+        <p:nvSpPr>
+          <p:cNvPr id="13" name="תיבת טקסט 12">
+            <a:extLst>
+              <a:ext uri="{FF2B5EF4-FFF2-40B4-BE49-F238E27FC236}">
+                <a16:creationId xmlns:a16="http://schemas.microsoft.com/office/drawing/2014/main" id="{B59BDB70-2779-40DA-ADD3-EEAEC94F7E7D}"/>
+              </a:ext>
+            </a:extLst>
+          </p:cNvPr>
+          <p:cNvSpPr txBox="1"/>
+          <p:nvPr/>
+        </p:nvSpPr>
+        <p:spPr>
+          <a:xfrm>
+            <a:off x="9143183" y="620981"/>
+            <a:ext cx="2954655" cy="369332"/>
+          </a:xfrm>
+          <a:prstGeom prst="rect">
+            <a:avLst/>
+          </a:prstGeom>
+          <a:noFill/>
+        </p:spPr>
+        <p:txBody>
+          <a:bodyPr wrap="none" rtlCol="0">
+            <a:spAutoFit/>
+          </a:bodyPr>
+          <a:lstStyle/>
+          <a:p>
+            <a:r>
+              <a:rPr lang="he-IL" b="1" dirty="0"/>
+              <a:t>התפלגות אנומליות של המידע</a:t>
+            </a:r>
+            <a:endParaRPr lang="en-IL" b="1" dirty="0"/>
           </a:p>
         </p:txBody>
       </p:sp>
     </p:spTree>
     <p:extLst>
       <p:ext uri="{BB962C8B-B14F-4D97-AF65-F5344CB8AC3E}">
-        <p14:creationId xmlns:p14="http://schemas.microsoft.com/office/powerpoint/2010/main" val="1890393221"/>
+        <p14:creationId xmlns:p14="http://schemas.microsoft.com/office/powerpoint/2010/main" val="3050089696"/>
       </p:ext>
     </p:extLst>
   </p:cSld>
@@ -7885,7 +8816,7 @@
                 <a:lumOff val="100000"/>
               </a:schemeClr>
             </a:gs>
-            <a:gs pos="35000">
+            <a:gs pos="51000">
               <a:schemeClr val="accent1">
                 <a:lumMod val="0"/>
                 <a:lumOff val="100000"/>
@@ -7923,7 +8854,7 @@
           <p:cNvPr id="3" name="מציין מיקום תוכן 2">
             <a:extLst>
               <a:ext uri="{FF2B5EF4-FFF2-40B4-BE49-F238E27FC236}">
-                <a16:creationId xmlns:a16="http://schemas.microsoft.com/office/drawing/2014/main" id="{38B9A60E-1AC0-4F00-896A-E8C0657F2B6F}"/>
+                <a16:creationId xmlns:a16="http://schemas.microsoft.com/office/drawing/2014/main" id="{8FEA0A71-78EB-4E34-BA68-DB5DE5CEB513}"/>
               </a:ext>
             </a:extLst>
           </p:cNvPr>
@@ -7936,420 +8867,312 @@
         </p:nvSpPr>
         <p:spPr>
           <a:xfrm>
-            <a:off x="537882" y="0"/>
-            <a:ext cx="10932459" cy="6484657"/>
+            <a:off x="0" y="695885"/>
+            <a:ext cx="12053887" cy="5848350"/>
           </a:xfrm>
         </p:spPr>
         <p:txBody>
           <a:bodyPr>
-            <a:normAutofit/>
+            <a:noAutofit/>
           </a:bodyPr>
           <a:lstStyle/>
           <a:p>
-            <a:pPr marL="0" indent="0" algn="ctr" rtl="1">
+            <a:pPr>
               <a:lnSpc>
-                <a:spcPct val="160000"/>
+                <a:spcPct val="150000"/>
               </a:lnSpc>
-              <a:spcBef>
-                <a:spcPts val="0"/>
-              </a:spcBef>
-              <a:spcAft>
-                <a:spcPts val="1200"/>
-              </a:spcAft>
+            </a:pPr>
+            <a:r>
+              <a:rPr lang="he-IL" sz="2400" dirty="0">
+                <a:latin typeface="David" panose="020E0502060401010101" pitchFamily="34" charset="-79"/>
+              </a:rPr>
+              <a:t>בעוד שעבור המודל של </a:t>
+            </a:r>
+            <a:r>
+              <a:rPr lang="en-US" sz="2400" dirty="0">
+                <a:latin typeface="David" panose="020E0502060401010101" pitchFamily="34" charset="-79"/>
+              </a:rPr>
+              <a:t>SpamGAN </a:t>
+            </a:r>
+            <a:r>
+              <a:rPr lang="he-IL" sz="2400" dirty="0">
+                <a:latin typeface="David" panose="020E0502060401010101" pitchFamily="34" charset="-79"/>
+              </a:rPr>
+              <a:t> החוקרים אימנו גם את הגנרטור וגם את הדיסקרימינטור, אנחנו בחרנו להשתמש ב-</a:t>
+            </a:r>
+            <a:r>
+              <a:rPr lang="en-US" sz="2400" dirty="0">
+                <a:latin typeface="David" panose="020E0502060401010101" pitchFamily="34" charset="-79"/>
+              </a:rPr>
+              <a:t>GPT2 </a:t>
+            </a:r>
+            <a:r>
+              <a:rPr lang="he-IL" sz="2400" dirty="0">
+                <a:latin typeface="David" panose="020E0502060401010101" pitchFamily="34" charset="-79"/>
+              </a:rPr>
+              <a:t> שאומן על ידי גוגל על מנת לייצר הודעות </a:t>
+            </a:r>
+            <a:r>
+              <a:rPr lang="en-US" sz="2400" dirty="0">
+                <a:latin typeface="David" panose="020E0502060401010101" pitchFamily="34" charset="-79"/>
+              </a:rPr>
+              <a:t>SMS</a:t>
+            </a:r>
+            <a:r>
+              <a:rPr lang="he-IL" sz="2400" dirty="0">
+                <a:latin typeface="David" panose="020E0502060401010101" pitchFamily="34" charset="-79"/>
+              </a:rPr>
+              <a:t> מתויגות.</a:t>
+            </a:r>
+          </a:p>
+          <a:p>
+            <a:pPr>
+              <a:lnSpc>
+                <a:spcPct val="150000"/>
+              </a:lnSpc>
+            </a:pPr>
+            <a:r>
+              <a:rPr lang="he-IL" sz="2400" b="1" u="sng" dirty="0">
+                <a:latin typeface="David" panose="020E0502060401010101" pitchFamily="34" charset="-79"/>
+              </a:rPr>
+              <a:t>מה זה </a:t>
+            </a:r>
+            <a:r>
+              <a:rPr lang="en-US" sz="2400" b="1" u="sng" dirty="0">
+                <a:latin typeface="David" panose="020E0502060401010101" pitchFamily="34" charset="-79"/>
+              </a:rPr>
+              <a:t>GPT2</a:t>
+            </a:r>
+            <a:r>
+              <a:rPr lang="he-IL" sz="2400" b="1" u="sng" dirty="0">
+                <a:latin typeface="David" panose="020E0502060401010101" pitchFamily="34" charset="-79"/>
+              </a:rPr>
+              <a:t>?</a:t>
+            </a:r>
+            <a:r>
+              <a:rPr lang="he-IL" sz="2400" dirty="0">
+                <a:latin typeface="David" panose="020E0502060401010101" pitchFamily="34" charset="-79"/>
+              </a:rPr>
+              <a:t> זהו מודל </a:t>
+            </a:r>
+            <a:r>
+              <a:rPr lang="en-US" sz="2400" dirty="0">
+                <a:latin typeface="David" panose="020E0502060401010101" pitchFamily="34" charset="-79"/>
+              </a:rPr>
+              <a:t>open-source AI</a:t>
+            </a:r>
+            <a:r>
+              <a:rPr lang="he-IL" sz="2400" dirty="0">
+                <a:latin typeface="David" panose="020E0502060401010101" pitchFamily="34" charset="-79"/>
+              </a:rPr>
+              <a:t> שפורסם בשנת 2019 ומטרתו היא יצירת טקסט מלאכותי. המודל הוא </a:t>
+            </a:r>
+            <a:r>
+              <a:rPr lang="en-US" sz="2400" dirty="0">
+                <a:latin typeface="David" panose="020E0502060401010101" pitchFamily="34" charset="-79"/>
+              </a:rPr>
+              <a:t>transformer</a:t>
+            </a:r>
+            <a:r>
+              <a:rPr lang="he-IL" sz="2400" dirty="0">
+                <a:latin typeface="David" panose="020E0502060401010101" pitchFamily="34" charset="-79"/>
+              </a:rPr>
+              <a:t> שאומן מראש וביכולתו לקחת מקבץ של מילים וליצור מהם סיפור, הודעה, משפט חדש.</a:t>
+            </a:r>
+            <a:endParaRPr lang="he-IL" sz="2400" b="1" u="sng" dirty="0">
+              <a:latin typeface="David" panose="020E0502060401010101" pitchFamily="34" charset="-79"/>
+            </a:endParaRPr>
+          </a:p>
+          <a:p>
+            <a:pPr>
+              <a:lnSpc>
+                <a:spcPct val="100000"/>
+              </a:lnSpc>
+            </a:pPr>
+            <a:r>
+              <a:rPr lang="he-IL" sz="2400" dirty="0">
+                <a:latin typeface="David" panose="020E0502060401010101" pitchFamily="34" charset="-79"/>
+              </a:rPr>
+              <a:t> </a:t>
+            </a:r>
+            <a:r>
+              <a:rPr lang="he-IL" sz="2400" b="1" u="sng" dirty="0">
+                <a:latin typeface="David" panose="020E0502060401010101" pitchFamily="34" charset="-79"/>
+              </a:rPr>
+              <a:t>כיצד זה נראה?</a:t>
+            </a:r>
+            <a:r>
+              <a:rPr lang="he-IL" sz="2400" dirty="0">
+                <a:latin typeface="David" panose="020E0502060401010101" pitchFamily="34" charset="-79"/>
+              </a:rPr>
+              <a:t> הפונקציה שלנו עובדת בצורה כזו שמכניסים לתוכה קלט והיא </a:t>
+            </a:r>
+          </a:p>
+          <a:p>
+            <a:pPr marL="0" indent="0">
+              <a:lnSpc>
+                <a:spcPct val="100000"/>
+              </a:lnSpc>
               <a:buNone/>
             </a:pPr>
             <a:r>
-              <a:rPr lang="he-IL" u="sng">
-                <a:latin typeface="David" panose="020E0502060401010101" pitchFamily="34" charset="-79"/>
-                <a:cs typeface="David" panose="020E0502060401010101" pitchFamily="34" charset="-79"/>
-              </a:rPr>
-              <a:t>פסודו קוד:</a:t>
-            </a:r>
-            <a:br>
-              <a:rPr lang="en-US" u="sng">
-                <a:latin typeface="David" panose="020E0502060401010101" pitchFamily="34" charset="-79"/>
-                <a:cs typeface="David" panose="020E0502060401010101" pitchFamily="34" charset="-79"/>
-              </a:rPr>
-            </a:br>
-            <a:endParaRPr lang="he-IL" sz="3200" u="sng">
+              <a:rPr lang="he-IL" sz="2400" dirty="0">
+                <a:latin typeface="David" panose="020E0502060401010101" pitchFamily="34" charset="-79"/>
+              </a:rPr>
+              <a:t>   מוציאה פלט בווריאציה שונה. כך לדוגמא התקבל:</a:t>
+            </a:r>
+          </a:p>
+          <a:p>
+            <a:pPr>
+              <a:lnSpc>
+                <a:spcPct val="100000"/>
+              </a:lnSpc>
+            </a:pPr>
+            <a:r>
+              <a:rPr lang="he-IL" sz="2400" dirty="0">
+                <a:latin typeface="David" panose="020E0502060401010101" pitchFamily="34" charset="-79"/>
+              </a:rPr>
+              <a:t>קלט אמיתי: </a:t>
+            </a:r>
+            <a:endParaRPr lang="en-US" sz="2400" dirty="0">
               <a:latin typeface="David" panose="020E0502060401010101" pitchFamily="34" charset="-79"/>
-              <a:cs typeface="David" panose="020E0502060401010101" pitchFamily="34" charset="-79"/>
             </a:endParaRPr>
           </a:p>
-        </p:txBody>
-      </p:sp>
-      <p:pic>
-        <p:nvPicPr>
-          <p:cNvPr id="4" name="תמונה 3">
-            <a:extLst>
-              <a:ext uri="{FF2B5EF4-FFF2-40B4-BE49-F238E27FC236}">
-                <a16:creationId xmlns:a16="http://schemas.microsoft.com/office/drawing/2014/main" id="{84B91D0A-2C47-4519-946D-F9C37AAF4B8E}"/>
-              </a:ext>
-            </a:extLst>
-          </p:cNvPr>
-          <p:cNvPicPr>
-            <a:picLocks noChangeAspect="1"/>
-          </p:cNvPicPr>
+          <a:p>
+            <a:pPr marL="0" indent="0" algn="l" rtl="0">
+              <a:lnSpc>
+                <a:spcPct val="100000"/>
+              </a:lnSpc>
+              <a:buNone/>
+            </a:pPr>
+            <a:r>
+              <a:rPr lang="he-IL" sz="2400" dirty="0">
+                <a:latin typeface="David" panose="020E0502060401010101" pitchFamily="34" charset="-79"/>
+              </a:rPr>
+              <a:t>"</a:t>
+            </a:r>
+            <a:r>
+              <a:rPr lang="en-US" sz="2400" dirty="0">
+                <a:latin typeface="David" panose="020E0502060401010101" pitchFamily="34" charset="-79"/>
+              </a:rPr>
+              <a:t>Click this link! You have won a million dollars! come claim your reward</a:t>
+            </a:r>
+            <a:r>
+              <a:rPr lang="he-IL" sz="2400" dirty="0">
+                <a:latin typeface="David" panose="020E0502060401010101" pitchFamily="34" charset="-79"/>
+              </a:rPr>
+              <a:t>"</a:t>
+            </a:r>
+            <a:endParaRPr lang="en-US" sz="2400" dirty="0">
+              <a:latin typeface="David" panose="020E0502060401010101" pitchFamily="34" charset="-79"/>
+            </a:endParaRPr>
+          </a:p>
+          <a:p>
+            <a:pPr>
+              <a:lnSpc>
+                <a:spcPct val="100000"/>
+              </a:lnSpc>
+            </a:pPr>
+            <a:r>
+              <a:rPr lang="he-IL" sz="2400" dirty="0">
+                <a:latin typeface="David" panose="020E0502060401010101" pitchFamily="34" charset="-79"/>
+              </a:rPr>
+              <a:t>פלט של </a:t>
+            </a:r>
+            <a:r>
+              <a:rPr lang="en-US" sz="2400" dirty="0">
+                <a:latin typeface="David" panose="020E0502060401010101" pitchFamily="34" charset="-79"/>
+              </a:rPr>
+              <a:t>GPT2</a:t>
+            </a:r>
+            <a:r>
+              <a:rPr lang="he-IL" sz="2400" dirty="0">
+                <a:latin typeface="David" panose="020E0502060401010101" pitchFamily="34" charset="-79"/>
+              </a:rPr>
+              <a:t>:</a:t>
+            </a:r>
+            <a:endParaRPr lang="en-US" sz="2400" dirty="0">
+              <a:latin typeface="David" panose="020E0502060401010101" pitchFamily="34" charset="-79"/>
+            </a:endParaRPr>
+          </a:p>
+          <a:p>
+            <a:pPr marL="0" indent="0" algn="l" rtl="0">
+              <a:lnSpc>
+                <a:spcPct val="100000"/>
+              </a:lnSpc>
+              <a:buNone/>
+            </a:pPr>
+            <a:r>
+              <a:rPr lang="en-US" sz="2400" dirty="0">
+                <a:latin typeface="David" panose="020E0502060401010101" pitchFamily="34" charset="-79"/>
+              </a:rPr>
+              <a:t>"You can claim the prize by clicking the button below! Claim your prize!”</a:t>
+            </a:r>
+          </a:p>
+        </p:txBody>
+      </p:sp>
+      <p:sp>
+        <p:nvSpPr>
+          <p:cNvPr id="4" name="מלבן 3">
+            <a:extLst>
+              <a:ext uri="{FF2B5EF4-FFF2-40B4-BE49-F238E27FC236}">
+                <a16:creationId xmlns:a16="http://schemas.microsoft.com/office/drawing/2014/main" id="{5D805A37-391E-4528-9C28-B83082B4DE4D}"/>
+              </a:ext>
+            </a:extLst>
+          </p:cNvPr>
+          <p:cNvSpPr/>
           <p:nvPr/>
-        </p:nvPicPr>
-        <p:blipFill rotWithShape="1">
-          <a:blip r:embed="rId2"/>
-          <a:srcRect r="20081"/>
-          <a:stretch/>
-        </p:blipFill>
+        </p:nvSpPr>
         <p:spPr>
           <a:xfrm>
-            <a:off x="3215821" y="687107"/>
-            <a:ext cx="6083087" cy="2898775"/>
+            <a:off x="8055939" y="-81225"/>
+            <a:ext cx="3871574" cy="923330"/>
           </a:xfrm>
           <a:prstGeom prst="rect">
             <a:avLst/>
           </a:prstGeom>
+          <a:noFill/>
         </p:spPr>
-      </p:pic>
-      <p:sp>
-        <p:nvSpPr>
-          <p:cNvPr id="6" name="מציין מיקום תוכן 2">
-            <a:extLst>
-              <a:ext uri="{FF2B5EF4-FFF2-40B4-BE49-F238E27FC236}">
-                <a16:creationId xmlns:a16="http://schemas.microsoft.com/office/drawing/2014/main" id="{C05D7C7C-AEA3-4886-808D-19854D4A7B34}"/>
-              </a:ext>
-            </a:extLst>
-          </p:cNvPr>
-          <p:cNvSpPr txBox="1">
-            <a:spLocks/>
-          </p:cNvSpPr>
-          <p:nvPr/>
-        </p:nvSpPr>
-        <p:spPr>
-          <a:xfrm>
-            <a:off x="690282" y="3869577"/>
-            <a:ext cx="10932459" cy="2898775"/>
-          </a:xfrm>
-          <a:prstGeom prst="rect">
-            <a:avLst/>
-          </a:prstGeom>
-        </p:spPr>
-        <p:txBody>
-          <a:bodyPr vert="horz" lIns="91440" tIns="45720" rIns="91440" bIns="45720" rtlCol="1">
-            <a:normAutofit/>
+        <p:txBody>
+          <a:bodyPr wrap="none" lIns="91440" tIns="45720" rIns="91440" bIns="45720">
+            <a:spAutoFit/>
           </a:bodyPr>
-          <a:lstStyle>
-            <a:lvl1pPr marL="228600" indent="-228600" algn="r" defTabSz="914400" rtl="1" eaLnBrk="1" latinLnBrk="0" hangingPunct="1">
-              <a:lnSpc>
-                <a:spcPct val="90000"/>
-              </a:lnSpc>
-              <a:spcBef>
-                <a:spcPts val="1000"/>
-              </a:spcBef>
-              <a:buFont typeface="Arial" panose="020B0604020202020204" pitchFamily="34" charset="0"/>
-              <a:buChar char="•"/>
-              <a:defRPr sz="2800" kern="1200">
-                <a:solidFill>
-                  <a:schemeClr val="tx1"/>
-                </a:solidFill>
-                <a:latin typeface="+mn-lt"/>
-                <a:ea typeface="+mn-ea"/>
-                <a:cs typeface="+mn-cs"/>
-              </a:defRPr>
-            </a:lvl1pPr>
-            <a:lvl2pPr marL="685800" indent="-228600" algn="r" defTabSz="914400" rtl="1" eaLnBrk="1" latinLnBrk="0" hangingPunct="1">
-              <a:lnSpc>
-                <a:spcPct val="90000"/>
-              </a:lnSpc>
-              <a:spcBef>
-                <a:spcPts val="500"/>
-              </a:spcBef>
-              <a:buFont typeface="Arial" panose="020B0604020202020204" pitchFamily="34" charset="0"/>
-              <a:buChar char="•"/>
-              <a:defRPr sz="2400" kern="1200">
-                <a:solidFill>
-                  <a:schemeClr val="tx1"/>
-                </a:solidFill>
-                <a:latin typeface="+mn-lt"/>
-                <a:ea typeface="+mn-ea"/>
-                <a:cs typeface="+mn-cs"/>
-              </a:defRPr>
-            </a:lvl2pPr>
-            <a:lvl3pPr marL="1143000" indent="-228600" algn="r" defTabSz="914400" rtl="1" eaLnBrk="1" latinLnBrk="0" hangingPunct="1">
-              <a:lnSpc>
-                <a:spcPct val="90000"/>
-              </a:lnSpc>
-              <a:spcBef>
-                <a:spcPts val="500"/>
-              </a:spcBef>
-              <a:buFont typeface="Arial" panose="020B0604020202020204" pitchFamily="34" charset="0"/>
-              <a:buChar char="•"/>
-              <a:defRPr sz="2000" kern="1200">
-                <a:solidFill>
-                  <a:schemeClr val="tx1"/>
-                </a:solidFill>
-                <a:latin typeface="+mn-lt"/>
-                <a:ea typeface="+mn-ea"/>
-                <a:cs typeface="+mn-cs"/>
-              </a:defRPr>
-            </a:lvl3pPr>
-            <a:lvl4pPr marL="1600200" indent="-228600" algn="r" defTabSz="914400" rtl="1" eaLnBrk="1" latinLnBrk="0" hangingPunct="1">
-              <a:lnSpc>
-                <a:spcPct val="90000"/>
-              </a:lnSpc>
-              <a:spcBef>
-                <a:spcPts val="500"/>
-              </a:spcBef>
-              <a:buFont typeface="Arial" panose="020B0604020202020204" pitchFamily="34" charset="0"/>
-              <a:buChar char="•"/>
-              <a:defRPr sz="1800" kern="1200">
-                <a:solidFill>
-                  <a:schemeClr val="tx1"/>
-                </a:solidFill>
-                <a:latin typeface="+mn-lt"/>
-                <a:ea typeface="+mn-ea"/>
-                <a:cs typeface="+mn-cs"/>
-              </a:defRPr>
-            </a:lvl4pPr>
-            <a:lvl5pPr marL="2057400" indent="-228600" algn="r" defTabSz="914400" rtl="1" eaLnBrk="1" latinLnBrk="0" hangingPunct="1">
-              <a:lnSpc>
-                <a:spcPct val="90000"/>
-              </a:lnSpc>
-              <a:spcBef>
-                <a:spcPts val="500"/>
-              </a:spcBef>
-              <a:buFont typeface="Arial" panose="020B0604020202020204" pitchFamily="34" charset="0"/>
-              <a:buChar char="•"/>
-              <a:defRPr sz="1800" kern="1200">
-                <a:solidFill>
-                  <a:schemeClr val="tx1"/>
-                </a:solidFill>
-                <a:latin typeface="+mn-lt"/>
-                <a:ea typeface="+mn-ea"/>
-                <a:cs typeface="+mn-cs"/>
-              </a:defRPr>
-            </a:lvl5pPr>
-            <a:lvl6pPr marL="2514600" indent="-228600" algn="r" defTabSz="914400" rtl="1" eaLnBrk="1" latinLnBrk="0" hangingPunct="1">
-              <a:lnSpc>
-                <a:spcPct val="90000"/>
-              </a:lnSpc>
-              <a:spcBef>
-                <a:spcPts val="500"/>
-              </a:spcBef>
-              <a:buFont typeface="Arial" panose="020B0604020202020204" pitchFamily="34" charset="0"/>
-              <a:buChar char="•"/>
-              <a:defRPr sz="1800" kern="1200">
-                <a:solidFill>
-                  <a:schemeClr val="tx1"/>
-                </a:solidFill>
-                <a:latin typeface="+mn-lt"/>
-                <a:ea typeface="+mn-ea"/>
-                <a:cs typeface="+mn-cs"/>
-              </a:defRPr>
-            </a:lvl6pPr>
-            <a:lvl7pPr marL="2971800" indent="-228600" algn="r" defTabSz="914400" rtl="1" eaLnBrk="1" latinLnBrk="0" hangingPunct="1">
-              <a:lnSpc>
-                <a:spcPct val="90000"/>
-              </a:lnSpc>
-              <a:spcBef>
-                <a:spcPts val="500"/>
-              </a:spcBef>
-              <a:buFont typeface="Arial" panose="020B0604020202020204" pitchFamily="34" charset="0"/>
-              <a:buChar char="•"/>
-              <a:defRPr sz="1800" kern="1200">
-                <a:solidFill>
-                  <a:schemeClr val="tx1"/>
-                </a:solidFill>
-                <a:latin typeface="+mn-lt"/>
-                <a:ea typeface="+mn-ea"/>
-                <a:cs typeface="+mn-cs"/>
-              </a:defRPr>
-            </a:lvl7pPr>
-            <a:lvl8pPr marL="3429000" indent="-228600" algn="r" defTabSz="914400" rtl="1" eaLnBrk="1" latinLnBrk="0" hangingPunct="1">
-              <a:lnSpc>
-                <a:spcPct val="90000"/>
-              </a:lnSpc>
-              <a:spcBef>
-                <a:spcPts val="500"/>
-              </a:spcBef>
-              <a:buFont typeface="Arial" panose="020B0604020202020204" pitchFamily="34" charset="0"/>
-              <a:buChar char="•"/>
-              <a:defRPr sz="1800" kern="1200">
-                <a:solidFill>
-                  <a:schemeClr val="tx1"/>
-                </a:solidFill>
-                <a:latin typeface="+mn-lt"/>
-                <a:ea typeface="+mn-ea"/>
-                <a:cs typeface="+mn-cs"/>
-              </a:defRPr>
-            </a:lvl8pPr>
-            <a:lvl9pPr marL="3886200" indent="-228600" algn="r" defTabSz="914400" rtl="1" eaLnBrk="1" latinLnBrk="0" hangingPunct="1">
-              <a:lnSpc>
-                <a:spcPct val="90000"/>
-              </a:lnSpc>
-              <a:spcBef>
-                <a:spcPts val="500"/>
-              </a:spcBef>
-              <a:buFont typeface="Arial" panose="020B0604020202020204" pitchFamily="34" charset="0"/>
-              <a:buChar char="•"/>
-              <a:defRPr sz="1800" kern="1200">
-                <a:solidFill>
-                  <a:schemeClr val="tx1"/>
-                </a:solidFill>
-                <a:latin typeface="+mn-lt"/>
-                <a:ea typeface="+mn-ea"/>
-                <a:cs typeface="+mn-cs"/>
-              </a:defRPr>
-            </a:lvl9pPr>
-          </a:lstStyle>
-          <a:p>
-            <a:pPr marL="342900" indent="-342900">
-              <a:lnSpc>
-                <a:spcPct val="100000"/>
-              </a:lnSpc>
-              <a:spcBef>
-                <a:spcPts val="0"/>
-              </a:spcBef>
-              <a:spcAft>
-                <a:spcPts val="1200"/>
-              </a:spcAft>
-              <a:buFont typeface="Arial" panose="020B0604020202020204" pitchFamily="34" charset="0"/>
-              <a:buAutoNum type="arabicPeriod"/>
-            </a:pPr>
-            <a:r>
-              <a:rPr lang="he-IL" sz="1800">
-                <a:latin typeface="David" panose="020E0502060401010101" pitchFamily="34" charset="-79"/>
-                <a:cs typeface="David" panose="020E0502060401010101" pitchFamily="34" charset="-79"/>
-              </a:rPr>
-              <a:t>תחילה נאמן את המסווג שלנו על הדאטה סט המקורי.</a:t>
-            </a:r>
-          </a:p>
-          <a:p>
-            <a:pPr marL="342900" indent="-342900">
-              <a:lnSpc>
-                <a:spcPct val="100000"/>
-              </a:lnSpc>
-              <a:spcBef>
-                <a:spcPts val="0"/>
-              </a:spcBef>
-              <a:spcAft>
-                <a:spcPts val="1200"/>
-              </a:spcAft>
-              <a:buFont typeface="Arial" panose="020B0604020202020204" pitchFamily="34" charset="0"/>
-              <a:buAutoNum type="arabicPeriod"/>
-            </a:pPr>
-            <a:r>
-              <a:rPr lang="he-IL" sz="1800">
-                <a:latin typeface="David" panose="020E0502060401010101" pitchFamily="34" charset="-79"/>
-                <a:cs typeface="David" panose="020E0502060401010101" pitchFamily="34" charset="-79"/>
-              </a:rPr>
-              <a:t>נאמן את </a:t>
-            </a:r>
-            <a:r>
-              <a:rPr lang="en-US" sz="1800">
-                <a:latin typeface="David" panose="020E0502060401010101" pitchFamily="34" charset="-79"/>
-                <a:cs typeface="David" panose="020E0502060401010101" pitchFamily="34" charset="-79"/>
-              </a:rPr>
-              <a:t>GPT2</a:t>
-            </a:r>
-            <a:r>
-              <a:rPr lang="he-IL" sz="1800">
-                <a:latin typeface="David" panose="020E0502060401010101" pitchFamily="34" charset="-79"/>
-                <a:cs typeface="David" panose="020E0502060401010101" pitchFamily="34" charset="-79"/>
-              </a:rPr>
-              <a:t> על הדאטה סט המקורי כדי שיצירת הטקסט שלו תתאים לצרכים שלנו.</a:t>
-            </a:r>
-          </a:p>
-          <a:p>
-            <a:pPr marL="342900" indent="-342900">
-              <a:lnSpc>
-                <a:spcPct val="100000"/>
-              </a:lnSpc>
-              <a:spcBef>
-                <a:spcPts val="0"/>
-              </a:spcBef>
-              <a:spcAft>
-                <a:spcPts val="1200"/>
-              </a:spcAft>
-              <a:buFont typeface="Arial" panose="020B0604020202020204" pitchFamily="34" charset="0"/>
-              <a:buAutoNum type="arabicPeriod"/>
-            </a:pPr>
-            <a:r>
-              <a:rPr lang="he-IL" sz="1800">
-                <a:latin typeface="David" panose="020E0502060401010101" pitchFamily="34" charset="-79"/>
-                <a:cs typeface="David" panose="020E0502060401010101" pitchFamily="34" charset="-79"/>
-              </a:rPr>
-              <a:t>בלולאת פור שעוברת על כל מסד הנתונים, נבצע יצירת טקסט חדשה בעד כל משפט. </a:t>
-            </a:r>
-          </a:p>
-          <a:p>
-            <a:pPr marL="342900" indent="-342900">
-              <a:lnSpc>
-                <a:spcPct val="100000"/>
-              </a:lnSpc>
-              <a:spcBef>
-                <a:spcPts val="0"/>
-              </a:spcBef>
-              <a:spcAft>
-                <a:spcPts val="1200"/>
-              </a:spcAft>
-              <a:buFont typeface="Arial" panose="020B0604020202020204" pitchFamily="34" charset="0"/>
-              <a:buAutoNum type="arabicPeriod"/>
-            </a:pPr>
-            <a:r>
-              <a:rPr lang="he-IL" sz="1800">
-                <a:latin typeface="David" panose="020E0502060401010101" pitchFamily="34" charset="-79"/>
-                <a:cs typeface="David" panose="020E0502060401010101" pitchFamily="34" charset="-79"/>
-              </a:rPr>
-              <a:t>כדי לסווג האם המשפט תקין או לא, האם הוא מתאים להיכנס לדאטה סט שלנו עם התיוג המתאים, נריץ על את המסווג שאימנו מראש. אם הסיווג שלו תואם את זה של המשפט בסיס שלו, אזי נוסיף אותו למאגר, אם לא – נדחה ונעבור הלאה.</a:t>
-            </a:r>
-          </a:p>
-          <a:p>
-            <a:pPr marL="342900" indent="-342900">
-              <a:lnSpc>
-                <a:spcPct val="100000"/>
-              </a:lnSpc>
-              <a:spcBef>
-                <a:spcPts val="0"/>
-              </a:spcBef>
-              <a:spcAft>
-                <a:spcPts val="1200"/>
-              </a:spcAft>
-              <a:buFont typeface="Arial" panose="020B0604020202020204" pitchFamily="34" charset="0"/>
-              <a:buAutoNum type="arabicPeriod"/>
-            </a:pPr>
-            <a:r>
-              <a:rPr lang="he-IL" sz="1800">
-                <a:latin typeface="David" panose="020E0502060401010101" pitchFamily="34" charset="-79"/>
-                <a:cs typeface="David" panose="020E0502060401010101" pitchFamily="34" charset="-79"/>
-              </a:rPr>
-              <a:t>בסיום הריצה נקבל דאטה-סט מתוייג רחב יותר.</a:t>
-            </a:r>
-          </a:p>
-          <a:p>
-            <a:pPr marL="342900" indent="-342900">
-              <a:lnSpc>
-                <a:spcPct val="100000"/>
-              </a:lnSpc>
-              <a:spcBef>
-                <a:spcPts val="0"/>
-              </a:spcBef>
-              <a:spcAft>
-                <a:spcPts val="1200"/>
-              </a:spcAft>
-              <a:buFont typeface="Arial" panose="020B0604020202020204" pitchFamily="34" charset="0"/>
-              <a:buAutoNum type="arabicPeriod"/>
-            </a:pPr>
-            <a:r>
-              <a:rPr lang="he-IL" sz="1800">
-                <a:latin typeface="David" panose="020E0502060401010101" pitchFamily="34" charset="-79"/>
-                <a:cs typeface="David" panose="020E0502060401010101" pitchFamily="34" charset="-79"/>
-              </a:rPr>
-              <a:t>כעת נאמן את המסווג על הדאטה סט החדש וכך גם את מודל יצירת הטקסט.</a:t>
-            </a:r>
+          <a:lstStyle/>
+          <a:p>
+            <a:pPr algn="ctr"/>
+            <a:r>
+              <a:rPr lang="he-IL" sz="5400" b="1" dirty="0">
+                <a:ln w="0"/>
+                <a:effectLst>
+                  <a:outerShdw blurRad="38100" dist="19050" dir="2700000" algn="tl" rotWithShape="0">
+                    <a:schemeClr val="dk1">
+                      <a:alpha val="40000"/>
+                    </a:schemeClr>
+                  </a:outerShdw>
+                </a:effectLst>
+              </a:rPr>
+              <a:t>השיטה שלנו:</a:t>
+            </a:r>
+            <a:endParaRPr lang="he-IL" sz="5400" b="1" cap="none" spc="0" dirty="0">
+              <a:ln w="0"/>
+              <a:solidFill>
+                <a:schemeClr val="tx1"/>
+              </a:solidFill>
+              <a:effectLst>
+                <a:outerShdw blurRad="38100" dist="19050" dir="2700000" algn="tl" rotWithShape="0">
+                  <a:schemeClr val="dk1">
+                    <a:alpha val="40000"/>
+                  </a:schemeClr>
+                </a:outerShdw>
+              </a:effectLst>
+            </a:endParaRPr>
           </a:p>
         </p:txBody>
       </p:sp>
     </p:spTree>
     <p:extLst>
       <p:ext uri="{BB962C8B-B14F-4D97-AF65-F5344CB8AC3E}">
-        <p14:creationId xmlns:p14="http://schemas.microsoft.com/office/powerpoint/2010/main" val="36692894"/>
+        <p14:creationId xmlns:p14="http://schemas.microsoft.com/office/powerpoint/2010/main" val="1763950853"/>
       </p:ext>
     </p:extLst>
   </p:cSld>
